--- a/파이썬기초(PPT)/파이썬 기초 10강_튜플과 딕셔너리.pptx
+++ b/파이썬기초(PPT)/파이썬 기초 10강_튜플과 딕셔너리.pptx
@@ -5,25 +5,26 @@
     <p:sldMasterId id="2147483648" r:id="rId1"/>
   </p:sldMasterIdLst>
   <p:handoutMasterIdLst>
-    <p:handoutMasterId r:id="rId18"/>
+    <p:handoutMasterId r:id="rId19"/>
   </p:handoutMasterIdLst>
   <p:sldIdLst>
-    <p:sldId id="256" r:id="rId2"/>
-    <p:sldId id="264" r:id="rId3"/>
-    <p:sldId id="265" r:id="rId4"/>
-    <p:sldId id="267" r:id="rId5"/>
-    <p:sldId id="268" r:id="rId6"/>
-    <p:sldId id="269" r:id="rId7"/>
-    <p:sldId id="270" r:id="rId8"/>
-    <p:sldId id="271" r:id="rId9"/>
-    <p:sldId id="272" r:id="rId10"/>
-    <p:sldId id="273" r:id="rId11"/>
-    <p:sldId id="274" r:id="rId12"/>
-    <p:sldId id="275" r:id="rId13"/>
-    <p:sldId id="276" r:id="rId14"/>
-    <p:sldId id="277" r:id="rId15"/>
-    <p:sldId id="278" r:id="rId16"/>
-    <p:sldId id="279" r:id="rId17"/>
+    <p:sldId id="290" r:id="rId2"/>
+    <p:sldId id="291" r:id="rId3"/>
+    <p:sldId id="264" r:id="rId4"/>
+    <p:sldId id="265" r:id="rId5"/>
+    <p:sldId id="267" r:id="rId6"/>
+    <p:sldId id="268" r:id="rId7"/>
+    <p:sldId id="269" r:id="rId8"/>
+    <p:sldId id="270" r:id="rId9"/>
+    <p:sldId id="271" r:id="rId10"/>
+    <p:sldId id="272" r:id="rId11"/>
+    <p:sldId id="273" r:id="rId12"/>
+    <p:sldId id="274" r:id="rId13"/>
+    <p:sldId id="275" r:id="rId14"/>
+    <p:sldId id="276" r:id="rId15"/>
+    <p:sldId id="277" r:id="rId16"/>
+    <p:sldId id="278" r:id="rId17"/>
+    <p:sldId id="279" r:id="rId18"/>
   </p:sldIdLst>
   <p:sldSz cx="9906000" cy="6858000" type="A4"/>
   <p:notesSz cx="10020300" cy="6888163"/>
@@ -471,7 +472,7 @@
           <a:p>
             <a:fld id="{FB30EDBD-1C2D-4C1E-B459-B60219FAB484}" type="datetimeFigureOut">
               <a:rPr lang="ko-KR" altLang="en-US" smtClean="0"/>
-              <a:t>2021-01-31</a:t>
+              <a:t>2021-02-05</a:t>
             </a:fld>
             <a:endParaRPr lang="ko-KR" altLang="en-US"/>
           </a:p>
@@ -634,7 +635,7 @@
           <a:p>
             <a:fld id="{FB30EDBD-1C2D-4C1E-B459-B60219FAB484}" type="datetimeFigureOut">
               <a:rPr lang="ko-KR" altLang="en-US" smtClean="0"/>
-              <a:t>2021-01-31</a:t>
+              <a:t>2021-02-05</a:t>
             </a:fld>
             <a:endParaRPr lang="ko-KR" altLang="en-US"/>
           </a:p>
@@ -807,7 +808,7 @@
           <a:p>
             <a:fld id="{FB30EDBD-1C2D-4C1E-B459-B60219FAB484}" type="datetimeFigureOut">
               <a:rPr lang="ko-KR" altLang="en-US" smtClean="0"/>
-              <a:t>2021-01-31</a:t>
+              <a:t>2021-02-05</a:t>
             </a:fld>
             <a:endParaRPr lang="ko-KR" altLang="en-US"/>
           </a:p>
@@ -970,7 +971,7 @@
           <a:p>
             <a:fld id="{FB30EDBD-1C2D-4C1E-B459-B60219FAB484}" type="datetimeFigureOut">
               <a:rPr lang="ko-KR" altLang="en-US" smtClean="0"/>
-              <a:t>2021-01-31</a:t>
+              <a:t>2021-02-05</a:t>
             </a:fld>
             <a:endParaRPr lang="ko-KR" altLang="en-US"/>
           </a:p>
@@ -1210,7 +1211,7 @@
           <a:p>
             <a:fld id="{FB30EDBD-1C2D-4C1E-B459-B60219FAB484}" type="datetimeFigureOut">
               <a:rPr lang="ko-KR" altLang="en-US" smtClean="0"/>
-              <a:t>2021-01-31</a:t>
+              <a:t>2021-02-05</a:t>
             </a:fld>
             <a:endParaRPr lang="ko-KR" altLang="en-US"/>
           </a:p>
@@ -1490,7 +1491,7 @@
           <a:p>
             <a:fld id="{FB30EDBD-1C2D-4C1E-B459-B60219FAB484}" type="datetimeFigureOut">
               <a:rPr lang="ko-KR" altLang="en-US" smtClean="0"/>
-              <a:t>2021-01-31</a:t>
+              <a:t>2021-02-05</a:t>
             </a:fld>
             <a:endParaRPr lang="ko-KR" altLang="en-US"/>
           </a:p>
@@ -1904,7 +1905,7 @@
           <a:p>
             <a:fld id="{FB30EDBD-1C2D-4C1E-B459-B60219FAB484}" type="datetimeFigureOut">
               <a:rPr lang="ko-KR" altLang="en-US" smtClean="0"/>
-              <a:t>2021-01-31</a:t>
+              <a:t>2021-02-05</a:t>
             </a:fld>
             <a:endParaRPr lang="ko-KR" altLang="en-US"/>
           </a:p>
@@ -2016,7 +2017,7 @@
           <a:p>
             <a:fld id="{FB30EDBD-1C2D-4C1E-B459-B60219FAB484}" type="datetimeFigureOut">
               <a:rPr lang="ko-KR" altLang="en-US" smtClean="0"/>
-              <a:t>2021-01-31</a:t>
+              <a:t>2021-02-05</a:t>
             </a:fld>
             <a:endParaRPr lang="ko-KR" altLang="en-US"/>
           </a:p>
@@ -2106,7 +2107,7 @@
           <a:p>
             <a:fld id="{FB30EDBD-1C2D-4C1E-B459-B60219FAB484}" type="datetimeFigureOut">
               <a:rPr lang="ko-KR" altLang="en-US" smtClean="0"/>
-              <a:t>2021-01-31</a:t>
+              <a:t>2021-02-05</a:t>
             </a:fld>
             <a:endParaRPr lang="ko-KR" altLang="en-US"/>
           </a:p>
@@ -2376,7 +2377,7 @@
           <a:p>
             <a:fld id="{FB30EDBD-1C2D-4C1E-B459-B60219FAB484}" type="datetimeFigureOut">
               <a:rPr lang="ko-KR" altLang="en-US" smtClean="0"/>
-              <a:t>2021-01-31</a:t>
+              <a:t>2021-02-05</a:t>
             </a:fld>
             <a:endParaRPr lang="ko-KR" altLang="en-US"/>
           </a:p>
@@ -2623,7 +2624,7 @@
           <a:p>
             <a:fld id="{FB30EDBD-1C2D-4C1E-B459-B60219FAB484}" type="datetimeFigureOut">
               <a:rPr lang="ko-KR" altLang="en-US" smtClean="0"/>
-              <a:t>2021-01-31</a:t>
+              <a:t>2021-02-05</a:t>
             </a:fld>
             <a:endParaRPr lang="ko-KR" altLang="en-US"/>
           </a:p>
@@ -2829,7 +2830,7 @@
           <a:p>
             <a:fld id="{FB30EDBD-1C2D-4C1E-B459-B60219FAB484}" type="datetimeFigureOut">
               <a:rPr lang="ko-KR" altLang="en-US" smtClean="0"/>
-              <a:t>2021-01-31</a:t>
+              <a:t>2021-02-05</a:t>
             </a:fld>
             <a:endParaRPr lang="ko-KR" altLang="en-US"/>
           </a:p>
@@ -3188,7 +3189,7 @@
     <p:bg>
       <p:bgPr>
         <a:solidFill>
-          <a:schemeClr val="bg1"/>
+          <a:schemeClr val="accent1"/>
         </a:solidFill>
         <a:effectLst/>
       </p:bgPr>
@@ -3209,10 +3210,110 @@
       </p:grpSpPr>
       <p:sp>
         <p:nvSpPr>
-          <p:cNvPr id="2" name="TextBox 1">
+          <p:cNvPr id="7" name="직사각형 6">
             <a:extLst>
               <a:ext uri="{FF2B5EF4-FFF2-40B4-BE49-F238E27FC236}">
-                <a16:creationId xmlns:a16="http://schemas.microsoft.com/office/drawing/2014/main" id="{0B332A50-CC0E-4C7E-B47E-E7CFBA7B423B}"/>
+                <a16:creationId xmlns:a16="http://schemas.microsoft.com/office/drawing/2014/main" id="{344F0B58-7D8B-4FD1-9406-93CAC32C65D3}"/>
+              </a:ext>
+            </a:extLst>
+          </p:cNvPr>
+          <p:cNvSpPr/>
+          <p:nvPr/>
+        </p:nvSpPr>
+        <p:spPr>
+          <a:xfrm>
+            <a:off x="2396715" y="1795615"/>
+            <a:ext cx="5112568" cy="2695581"/>
+          </a:xfrm>
+          <a:prstGeom prst="rect">
+            <a:avLst/>
+          </a:prstGeom>
+          <a:ln w="57150">
+            <a:solidFill>
+              <a:schemeClr val="bg1"/>
+            </a:solidFill>
+          </a:ln>
+        </p:spPr>
+        <p:style>
+          <a:lnRef idx="2">
+            <a:schemeClr val="accent1">
+              <a:shade val="50000"/>
+            </a:schemeClr>
+          </a:lnRef>
+          <a:fillRef idx="1">
+            <a:schemeClr val="accent1"/>
+          </a:fillRef>
+          <a:effectRef idx="0">
+            <a:schemeClr val="accent1"/>
+          </a:effectRef>
+          <a:fontRef idx="minor">
+            <a:schemeClr val="lt1"/>
+          </a:fontRef>
+        </p:style>
+        <p:txBody>
+          <a:bodyPr rtlCol="0" anchor="ctr"/>
+          <a:lstStyle/>
+          <a:p>
+            <a:pPr algn="ctr"/>
+            <a:endParaRPr lang="ko-KR" altLang="en-US" dirty="0"/>
+          </a:p>
+        </p:txBody>
+      </p:sp>
+      <p:sp>
+        <p:nvSpPr>
+          <p:cNvPr id="8" name="직사각형 7">
+            <a:extLst>
+              <a:ext uri="{FF2B5EF4-FFF2-40B4-BE49-F238E27FC236}">
+                <a16:creationId xmlns:a16="http://schemas.microsoft.com/office/drawing/2014/main" id="{A7F642D3-857A-4CBF-9220-D4F6114B29D1}"/>
+              </a:ext>
+            </a:extLst>
+          </p:cNvPr>
+          <p:cNvSpPr/>
+          <p:nvPr/>
+        </p:nvSpPr>
+        <p:spPr>
+          <a:xfrm>
+            <a:off x="3584848" y="2341414"/>
+            <a:ext cx="2808312" cy="727546"/>
+          </a:xfrm>
+          <a:prstGeom prst="rect">
+            <a:avLst/>
+          </a:prstGeom>
+          <a:ln>
+            <a:noFill/>
+          </a:ln>
+        </p:spPr>
+        <p:style>
+          <a:lnRef idx="2">
+            <a:schemeClr val="accent1">
+              <a:shade val="50000"/>
+            </a:schemeClr>
+          </a:lnRef>
+          <a:fillRef idx="1">
+            <a:schemeClr val="accent1"/>
+          </a:fillRef>
+          <a:effectRef idx="0">
+            <a:schemeClr val="accent1"/>
+          </a:effectRef>
+          <a:fontRef idx="minor">
+            <a:schemeClr val="lt1"/>
+          </a:fontRef>
+        </p:style>
+        <p:txBody>
+          <a:bodyPr rtlCol="0" anchor="ctr"/>
+          <a:lstStyle/>
+          <a:p>
+            <a:pPr algn="ctr"/>
+            <a:endParaRPr lang="ko-KR" altLang="en-US"/>
+          </a:p>
+        </p:txBody>
+      </p:sp>
+      <p:sp>
+        <p:nvSpPr>
+          <p:cNvPr id="5" name="TextBox 4">
+            <a:extLst>
+              <a:ext uri="{FF2B5EF4-FFF2-40B4-BE49-F238E27FC236}">
+                <a16:creationId xmlns:a16="http://schemas.microsoft.com/office/drawing/2014/main" id="{594F4257-0C2B-4236-92D8-05CE6562B676}"/>
               </a:ext>
             </a:extLst>
           </p:cNvPr>
@@ -3221,8 +3322,8 @@
         </p:nvSpPr>
         <p:spPr>
           <a:xfrm>
-            <a:off x="1494362" y="2582615"/>
-            <a:ext cx="6917278" cy="1692771"/>
+            <a:off x="2509607" y="6165304"/>
+            <a:ext cx="4886787" cy="338554"/>
           </a:xfrm>
           <a:prstGeom prst="rect">
             <a:avLst/>
@@ -3235,62 +3336,405 @@
           </a:bodyPr>
           <a:lstStyle/>
           <a:p>
-            <a:pPr algn="ctr"/>
-            <a:r>
-              <a:rPr lang="ko-KR" altLang="en-US" sz="6000" dirty="0">
-                <a:solidFill>
-                  <a:schemeClr val="tx1">
-                    <a:lumMod val="85000"/>
-                    <a:lumOff val="15000"/>
-                  </a:schemeClr>
-                </a:solidFill>
-                <a:latin typeface="나눔바른고딕" panose="020B0603020101020101" pitchFamily="50" charset="-127"/>
-                <a:ea typeface="나눔바른고딕" panose="020B0603020101020101" pitchFamily="50" charset="-127"/>
-              </a:rPr>
-              <a:t>파이썬 기초강의 </a:t>
-            </a:r>
-            <a:r>
-              <a:rPr lang="en-US" altLang="ko-KR" sz="6000" dirty="0">
-                <a:solidFill>
-                  <a:schemeClr val="accent6">
-                    <a:lumMod val="75000"/>
-                  </a:schemeClr>
-                </a:solidFill>
-                <a:latin typeface="나눔바른고딕" panose="020B0603020101020101" pitchFamily="50" charset="-127"/>
-                <a:ea typeface="나눔바른고딕" panose="020B0603020101020101" pitchFamily="50" charset="-127"/>
-              </a:rPr>
-              <a:t>10</a:t>
-            </a:r>
-            <a:r>
-              <a:rPr lang="ko-KR" altLang="en-US" sz="6000" dirty="0">
-                <a:solidFill>
-                  <a:schemeClr val="accent6">
-                    <a:lumMod val="75000"/>
-                  </a:schemeClr>
-                </a:solidFill>
-                <a:latin typeface="나눔바른고딕" panose="020B0603020101020101" pitchFamily="50" charset="-127"/>
-                <a:ea typeface="나눔바른고딕" panose="020B0603020101020101" pitchFamily="50" charset="-127"/>
-              </a:rPr>
-              <a:t>강</a:t>
-            </a:r>
-            <a:endParaRPr lang="en-US" altLang="ko-KR" sz="6000" dirty="0">
+            <a:r>
+              <a:rPr lang="en-US" altLang="ko-KR" sz="1600" dirty="0">
+                <a:solidFill>
+                  <a:schemeClr val="bg1"/>
+                </a:solidFill>
+                <a:latin typeface="나눔바른고딕" panose="020B0603020101020101" pitchFamily="50" charset="-127"/>
+                <a:ea typeface="나눔바른고딕" panose="020B0603020101020101" pitchFamily="50" charset="-127"/>
+              </a:rPr>
+              <a:t>Copyright 2020. </a:t>
+            </a:r>
+            <a:r>
+              <a:rPr lang="en-US" altLang="ko-KR" sz="1600" dirty="0">
+                <a:solidFill>
+                  <a:srgbClr val="FDE035"/>
+                </a:solidFill>
+                <a:latin typeface="나눔바른고딕" panose="020B0603020101020101" pitchFamily="50" charset="-127"/>
+                <a:ea typeface="나눔바른고딕" panose="020B0603020101020101" pitchFamily="50" charset="-127"/>
+              </a:rPr>
+              <a:t>S</a:t>
+            </a:r>
+            <a:r>
+              <a:rPr lang="en-US" altLang="ko-KR" sz="1600" dirty="0">
+                <a:solidFill>
+                  <a:schemeClr val="bg1"/>
+                </a:solidFill>
+                <a:latin typeface="나눔바른고딕" panose="020B0603020101020101" pitchFamily="50" charset="-127"/>
+                <a:ea typeface="나눔바른고딕" panose="020B0603020101020101" pitchFamily="50" charset="-127"/>
+              </a:rPr>
+              <a:t>TART</a:t>
+            </a:r>
+            <a:r>
+              <a:rPr lang="en-US" altLang="ko-KR" sz="1600" dirty="0">
+                <a:solidFill>
+                  <a:srgbClr val="FDE035"/>
+                </a:solidFill>
+                <a:latin typeface="나눔바른고딕" panose="020B0603020101020101" pitchFamily="50" charset="-127"/>
+                <a:ea typeface="나눔바른고딕" panose="020B0603020101020101" pitchFamily="50" charset="-127"/>
+              </a:rPr>
+              <a:t>C</a:t>
+            </a:r>
+            <a:r>
+              <a:rPr lang="en-US" altLang="ko-KR" sz="1600" dirty="0">
+                <a:solidFill>
+                  <a:schemeClr val="bg1"/>
+                </a:solidFill>
+                <a:latin typeface="나눔바른고딕" panose="020B0603020101020101" pitchFamily="50" charset="-127"/>
+                <a:ea typeface="나눔바른고딕" panose="020B0603020101020101" pitchFamily="50" charset="-127"/>
+              </a:rPr>
+              <a:t>ODING All rights Reserved</a:t>
+            </a:r>
+            <a:endParaRPr lang="ko-KR" altLang="en-US" sz="1600" dirty="0">
               <a:solidFill>
-                <a:schemeClr val="accent6">
-                  <a:lumMod val="75000"/>
-                </a:schemeClr>
+                <a:schemeClr val="bg1"/>
               </a:solidFill>
               <a:latin typeface="나눔바른고딕" panose="020B0603020101020101" pitchFamily="50" charset="-127"/>
               <a:ea typeface="나눔바른고딕" panose="020B0603020101020101" pitchFamily="50" charset="-127"/>
             </a:endParaRPr>
           </a:p>
+        </p:txBody>
+      </p:sp>
+      <p:sp>
+        <p:nvSpPr>
+          <p:cNvPr id="6" name="제목 1">
+            <a:extLst>
+              <a:ext uri="{FF2B5EF4-FFF2-40B4-BE49-F238E27FC236}">
+                <a16:creationId xmlns:a16="http://schemas.microsoft.com/office/drawing/2014/main" id="{B31CB78E-A592-43C9-BB61-AB55D1B6FD7B}"/>
+              </a:ext>
+            </a:extLst>
+          </p:cNvPr>
+          <p:cNvSpPr txBox="1">
+            <a:spLocks/>
+          </p:cNvSpPr>
+          <p:nvPr/>
+        </p:nvSpPr>
+        <p:spPr>
+          <a:xfrm>
+            <a:off x="1066799" y="510147"/>
+            <a:ext cx="7772400" cy="1086382"/>
+          </a:xfrm>
+          <a:prstGeom prst="rect">
+            <a:avLst/>
+          </a:prstGeom>
+        </p:spPr>
+        <p:txBody>
+          <a:bodyPr vert="horz" lIns="91440" tIns="45720" rIns="91440" bIns="45720" rtlCol="0" anchor="ctr">
+            <a:normAutofit fontScale="97500"/>
+          </a:bodyPr>
+          <a:lstStyle>
+            <a:lvl1pPr algn="ctr" defTabSz="914400" rtl="0" eaLnBrk="1" latinLnBrk="1" hangingPunct="1">
+              <a:spcBef>
+                <a:spcPct val="0"/>
+              </a:spcBef>
+              <a:buNone/>
+              <a:defRPr sz="4400" kern="1200">
+                <a:solidFill>
+                  <a:schemeClr val="tx1"/>
+                </a:solidFill>
+                <a:latin typeface="+mj-lt"/>
+                <a:ea typeface="+mj-ea"/>
+                <a:cs typeface="+mj-cs"/>
+              </a:defRPr>
+            </a:lvl1pPr>
+          </a:lstStyle>
+          <a:p>
+            <a:r>
+              <a:rPr lang="en-US" altLang="ko-KR" sz="2800" spc="-150" dirty="0">
+                <a:ln>
+                  <a:solidFill>
+                    <a:schemeClr val="accent1">
+                      <a:alpha val="0"/>
+                    </a:schemeClr>
+                  </a:solidFill>
+                </a:ln>
+                <a:solidFill>
+                  <a:schemeClr val="bg1"/>
+                </a:solidFill>
+                <a:latin typeface="나눔바른고딕" panose="020B0603020101020101" pitchFamily="50" charset="-127"/>
+                <a:ea typeface="나눔바른고딕" panose="020B0603020101020101" pitchFamily="50" charset="-127"/>
+              </a:rPr>
+              <a:t>	</a:t>
+            </a:r>
+            <a:endParaRPr lang="ko-KR" altLang="en-US" spc="-150" dirty="0">
+              <a:ln>
+                <a:solidFill>
+                  <a:schemeClr val="accent1">
+                    <a:alpha val="0"/>
+                  </a:schemeClr>
+                </a:solidFill>
+              </a:ln>
+              <a:solidFill>
+                <a:srgbClr val="FDE035"/>
+              </a:solidFill>
+              <a:latin typeface="나눔바른고딕" panose="020B0603020101020101" pitchFamily="50" charset="-127"/>
+              <a:ea typeface="나눔바른고딕" panose="020B0603020101020101" pitchFamily="50" charset="-127"/>
+            </a:endParaRPr>
+          </a:p>
+        </p:txBody>
+      </p:sp>
+      <p:sp>
+        <p:nvSpPr>
+          <p:cNvPr id="13" name="직사각형 12">
+            <a:extLst>
+              <a:ext uri="{FF2B5EF4-FFF2-40B4-BE49-F238E27FC236}">
+                <a16:creationId xmlns:a16="http://schemas.microsoft.com/office/drawing/2014/main" id="{C4037729-0584-44B0-B186-ED93E3C9DC0E}"/>
+              </a:ext>
+            </a:extLst>
+          </p:cNvPr>
+          <p:cNvSpPr/>
+          <p:nvPr/>
+        </p:nvSpPr>
+        <p:spPr>
+          <a:xfrm>
+            <a:off x="3531135" y="1719202"/>
+            <a:ext cx="2880320" cy="773695"/>
+          </a:xfrm>
+          <a:prstGeom prst="rect">
+            <a:avLst/>
+          </a:prstGeom>
+          <a:solidFill>
+            <a:schemeClr val="accent1"/>
+          </a:solidFill>
+          <a:ln>
+            <a:noFill/>
+          </a:ln>
+        </p:spPr>
+        <p:style>
+          <a:lnRef idx="2">
+            <a:schemeClr val="accent1">
+              <a:shade val="50000"/>
+            </a:schemeClr>
+          </a:lnRef>
+          <a:fillRef idx="1">
+            <a:schemeClr val="accent1"/>
+          </a:fillRef>
+          <a:effectRef idx="0">
+            <a:schemeClr val="accent1"/>
+          </a:effectRef>
+          <a:fontRef idx="minor">
+            <a:schemeClr val="lt1"/>
+          </a:fontRef>
+        </p:style>
+        <p:txBody>
+          <a:bodyPr rtlCol="0" anchor="ctr"/>
+          <a:lstStyle/>
           <a:p>
             <a:pPr algn="ctr"/>
-            <a:r>
-              <a:rPr lang="ko-KR" altLang="en-US" sz="4400" dirty="0" err="1">
-                <a:solidFill>
-                  <a:schemeClr val="accent6">
-                    <a:lumMod val="75000"/>
-                  </a:schemeClr>
+            <a:endParaRPr lang="ko-KR" altLang="en-US"/>
+          </a:p>
+        </p:txBody>
+      </p:sp>
+      <p:sp>
+        <p:nvSpPr>
+          <p:cNvPr id="2" name="제목 1"/>
+          <p:cNvSpPr>
+            <a:spLocks noGrp="1"/>
+          </p:cNvSpPr>
+          <p:nvPr>
+            <p:ph type="ctrTitle"/>
+          </p:nvPr>
+        </p:nvSpPr>
+        <p:spPr>
+          <a:xfrm>
+            <a:off x="992560" y="1340769"/>
+            <a:ext cx="7772400" cy="2861927"/>
+          </a:xfrm>
+        </p:spPr>
+        <p:txBody>
+          <a:bodyPr>
+            <a:noAutofit/>
+          </a:bodyPr>
+          <a:lstStyle/>
+          <a:p>
+            <a:r>
+              <a:rPr lang="ko-KR" altLang="en-US" sz="4000" b="1" spc="-150" dirty="0">
+                <a:ln>
+                  <a:solidFill>
+                    <a:schemeClr val="accent1">
+                      <a:alpha val="0"/>
+                    </a:schemeClr>
+                  </a:solidFill>
+                </a:ln>
+                <a:solidFill>
+                  <a:schemeClr val="bg1"/>
+                </a:solidFill>
+                <a:latin typeface="나눔바른고딕" panose="020B0603020101020101" pitchFamily="50" charset="-127"/>
+                <a:ea typeface="나눔바른고딕" panose="020B0603020101020101" pitchFamily="50" charset="-127"/>
+              </a:rPr>
+              <a:t>핵심만 </a:t>
+            </a:r>
+            <a:r>
+              <a:rPr lang="ko-KR" altLang="en-US" sz="4000" b="1" spc="-150" dirty="0">
+                <a:ln>
+                  <a:solidFill>
+                    <a:schemeClr val="accent1">
+                      <a:alpha val="0"/>
+                    </a:schemeClr>
+                  </a:solidFill>
+                </a:ln>
+                <a:solidFill>
+                  <a:schemeClr val="accent1">
+                    <a:lumMod val="40000"/>
+                    <a:lumOff val="60000"/>
+                  </a:schemeClr>
+                </a:solidFill>
+                <a:latin typeface="나눔바른고딕" panose="020B0603020101020101" pitchFamily="50" charset="-127"/>
+                <a:ea typeface="나눔바른고딕" panose="020B0603020101020101" pitchFamily="50" charset="-127"/>
+              </a:rPr>
+              <a:t>쏘</a:t>
+            </a:r>
+            <a:r>
+              <a:rPr lang="en-US" altLang="ko-KR" sz="4000" b="1" spc="-150" dirty="0">
+                <a:ln>
+                  <a:solidFill>
+                    <a:schemeClr val="accent1">
+                      <a:alpha val="0"/>
+                    </a:schemeClr>
+                  </a:solidFill>
+                </a:ln>
+                <a:solidFill>
+                  <a:schemeClr val="accent1">
+                    <a:lumMod val="40000"/>
+                    <a:lumOff val="60000"/>
+                  </a:schemeClr>
+                </a:solidFill>
+                <a:latin typeface="나눔바른고딕" panose="020B0603020101020101" pitchFamily="50" charset="-127"/>
+                <a:ea typeface="나눔바른고딕" panose="020B0603020101020101" pitchFamily="50" charset="-127"/>
+              </a:rPr>
+              <a:t>~</a:t>
+            </a:r>
+            <a:r>
+              <a:rPr lang="ko-KR" altLang="en-US" sz="4000" b="1" spc="-150" dirty="0">
+                <a:ln>
+                  <a:solidFill>
+                    <a:schemeClr val="accent1">
+                      <a:alpha val="0"/>
+                    </a:schemeClr>
+                  </a:solidFill>
+                </a:ln>
+                <a:solidFill>
+                  <a:schemeClr val="accent1">
+                    <a:lumMod val="40000"/>
+                    <a:lumOff val="60000"/>
+                  </a:schemeClr>
+                </a:solidFill>
+                <a:latin typeface="나눔바른고딕" panose="020B0603020101020101" pitchFamily="50" charset="-127"/>
+                <a:ea typeface="나눔바른고딕" panose="020B0603020101020101" pitchFamily="50" charset="-127"/>
+              </a:rPr>
+              <a:t>옥</a:t>
+            </a:r>
+            <a:br>
+              <a:rPr lang="en-US" altLang="ko-KR" sz="4000" b="1" spc="-150" dirty="0">
+                <a:ln>
+                  <a:solidFill>
+                    <a:schemeClr val="accent1">
+                      <a:alpha val="0"/>
+                    </a:schemeClr>
+                  </a:solidFill>
+                </a:ln>
+                <a:solidFill>
+                  <a:schemeClr val="bg1"/>
+                </a:solidFill>
+                <a:latin typeface="나눔바른고딕" panose="020B0603020101020101" pitchFamily="50" charset="-127"/>
+                <a:ea typeface="나눔바른고딕" panose="020B0603020101020101" pitchFamily="50" charset="-127"/>
+              </a:rPr>
+            </a:br>
+            <a:br>
+              <a:rPr lang="en-US" altLang="ko-KR" sz="4000" b="1" spc="-150" dirty="0">
+                <a:ln>
+                  <a:solidFill>
+                    <a:schemeClr val="accent1">
+                      <a:alpha val="0"/>
+                    </a:schemeClr>
+                  </a:solidFill>
+                </a:ln>
+                <a:solidFill>
+                  <a:schemeClr val="bg1"/>
+                </a:solidFill>
+                <a:latin typeface="나눔바른고딕" panose="020B0603020101020101" pitchFamily="50" charset="-127"/>
+                <a:ea typeface="나눔바른고딕" panose="020B0603020101020101" pitchFamily="50" charset="-127"/>
+              </a:rPr>
+            </a:br>
+            <a:r>
+              <a:rPr lang="ko-KR" altLang="en-US" sz="4000" b="1" spc="-150" dirty="0">
+                <a:ln>
+                  <a:solidFill>
+                    <a:schemeClr val="accent1">
+                      <a:alpha val="0"/>
+                    </a:schemeClr>
+                  </a:solidFill>
+                </a:ln>
+                <a:solidFill>
+                  <a:schemeClr val="bg1"/>
+                </a:solidFill>
+                <a:latin typeface="나눔바른고딕" panose="020B0603020101020101" pitchFamily="50" charset="-127"/>
+                <a:ea typeface="나눔바른고딕" panose="020B0603020101020101" pitchFamily="50" charset="-127"/>
+              </a:rPr>
+              <a:t>파이썬 입문 </a:t>
+            </a:r>
+            <a:r>
+              <a:rPr lang="en-US" altLang="ko-KR" sz="4000" b="1" spc="-150" dirty="0">
+                <a:ln>
+                  <a:solidFill>
+                    <a:schemeClr val="accent1">
+                      <a:alpha val="0"/>
+                    </a:schemeClr>
+                  </a:solidFill>
+                </a:ln>
+                <a:solidFill>
+                  <a:schemeClr val="bg1"/>
+                </a:solidFill>
+                <a:latin typeface="나눔바른고딕" panose="020B0603020101020101" pitchFamily="50" charset="-127"/>
+                <a:ea typeface="나눔바른고딕" panose="020B0603020101020101" pitchFamily="50" charset="-127"/>
+              </a:rPr>
+              <a:t>10</a:t>
+            </a:r>
+            <a:r>
+              <a:rPr lang="ko-KR" altLang="en-US" sz="4000" b="1" spc="-150" dirty="0">
+                <a:ln>
+                  <a:solidFill>
+                    <a:schemeClr val="accent1">
+                      <a:alpha val="0"/>
+                    </a:schemeClr>
+                  </a:solidFill>
+                </a:ln>
+                <a:solidFill>
+                  <a:schemeClr val="bg1"/>
+                </a:solidFill>
+                <a:latin typeface="나눔바른고딕" panose="020B0603020101020101" pitchFamily="50" charset="-127"/>
+                <a:ea typeface="나눔바른고딕" panose="020B0603020101020101" pitchFamily="50" charset="-127"/>
+              </a:rPr>
+              <a:t>강</a:t>
+            </a:r>
+            <a:br>
+              <a:rPr lang="en-US" altLang="ko-KR" sz="4000" b="1" spc="-150" dirty="0">
+                <a:ln>
+                  <a:solidFill>
+                    <a:schemeClr val="accent1">
+                      <a:alpha val="0"/>
+                    </a:schemeClr>
+                  </a:solidFill>
+                </a:ln>
+                <a:solidFill>
+                  <a:schemeClr val="bg1"/>
+                </a:solidFill>
+                <a:latin typeface="나눔바른고딕" panose="020B0603020101020101" pitchFamily="50" charset="-127"/>
+                <a:ea typeface="나눔바른고딕" panose="020B0603020101020101" pitchFamily="50" charset="-127"/>
+              </a:rPr>
+            </a:br>
+            <a:r>
+              <a:rPr lang="ko-KR" altLang="en-US" sz="4000" b="1" spc="-150" dirty="0" err="1">
+                <a:ln>
+                  <a:solidFill>
+                    <a:schemeClr val="accent1">
+                      <a:alpha val="0"/>
+                    </a:schemeClr>
+                  </a:solidFill>
+                </a:ln>
+                <a:solidFill>
+                  <a:srgbClr val="FDE035"/>
                 </a:solidFill>
                 <a:latin typeface="나눔바른고딕" panose="020B0603020101020101" pitchFamily="50" charset="-127"/>
                 <a:ea typeface="나눔바른고딕" panose="020B0603020101020101" pitchFamily="50" charset="-127"/>
@@ -3298,11 +3742,16 @@
               <a:t>튜플과</a:t>
             </a:r>
             <a:r>
-              <a:rPr lang="ko-KR" altLang="en-US" sz="4400" dirty="0">
-                <a:solidFill>
-                  <a:schemeClr val="accent6">
-                    <a:lumMod val="75000"/>
-                  </a:schemeClr>
+              <a:rPr lang="ko-KR" altLang="en-US" sz="4000" b="1" spc="-150" dirty="0">
+                <a:ln>
+                  <a:solidFill>
+                    <a:schemeClr val="accent1">
+                      <a:alpha val="0"/>
+                    </a:schemeClr>
+                  </a:solidFill>
+                </a:ln>
+                <a:solidFill>
+                  <a:srgbClr val="FDE035"/>
                 </a:solidFill>
                 <a:latin typeface="나눔바른고딕" panose="020B0603020101020101" pitchFamily="50" charset="-127"/>
                 <a:ea typeface="나눔바른고딕" panose="020B0603020101020101" pitchFamily="50" charset="-127"/>
@@ -3310,22 +3759,32 @@
               <a:t> </a:t>
             </a:r>
             <a:r>
-              <a:rPr lang="ko-KR" altLang="en-US" sz="4400" dirty="0" err="1">
-                <a:solidFill>
-                  <a:schemeClr val="accent6">
-                    <a:lumMod val="75000"/>
-                  </a:schemeClr>
+              <a:rPr lang="ko-KR" altLang="en-US" sz="4000" b="1" spc="-150" dirty="0" err="1">
+                <a:ln>
+                  <a:solidFill>
+                    <a:schemeClr val="accent1">
+                      <a:alpha val="0"/>
+                    </a:schemeClr>
+                  </a:solidFill>
+                </a:ln>
+                <a:solidFill>
+                  <a:srgbClr val="FDE035"/>
                 </a:solidFill>
                 <a:latin typeface="나눔바른고딕" panose="020B0603020101020101" pitchFamily="50" charset="-127"/>
                 <a:ea typeface="나눔바른고딕" panose="020B0603020101020101" pitchFamily="50" charset="-127"/>
               </a:rPr>
               <a:t>딕셔너리</a:t>
             </a:r>
-            <a:endParaRPr lang="ko-KR" altLang="en-US" sz="4400" dirty="0">
+            <a:endParaRPr lang="ko-KR" altLang="en-US" sz="4000" b="1" spc="-150" dirty="0">
+              <a:ln>
+                <a:solidFill>
+                  <a:schemeClr val="accent1">
+                    <a:alpha val="0"/>
+                  </a:schemeClr>
+                </a:solidFill>
+              </a:ln>
               <a:solidFill>
-                <a:schemeClr val="accent6">
-                  <a:lumMod val="75000"/>
-                </a:schemeClr>
+                <a:srgbClr val="FDE035"/>
               </a:solidFill>
               <a:latin typeface="나눔바른고딕" panose="020B0603020101020101" pitchFamily="50" charset="-127"/>
               <a:ea typeface="나눔바른고딕" panose="020B0603020101020101" pitchFamily="50" charset="-127"/>
@@ -3336,25 +3795,13 @@
     </p:spTree>
     <p:extLst>
       <p:ext uri="{BB962C8B-B14F-4D97-AF65-F5344CB8AC3E}">
-        <p14:creationId xmlns:p14="http://schemas.microsoft.com/office/powerpoint/2010/main" val="4108424399"/>
+        <p14:creationId xmlns:p14="http://schemas.microsoft.com/office/powerpoint/2010/main" val="3836177951"/>
       </p:ext>
     </p:extLst>
   </p:cSld>
   <p:clrMapOvr>
     <a:masterClrMapping/>
   </p:clrMapOvr>
-  <mc:AlternateContent xmlns:mc="http://schemas.openxmlformats.org/markup-compatibility/2006">
-    <mc:Choice xmlns:p159="http://schemas.microsoft.com/office/powerpoint/2015/09/main" Requires="p159">
-      <p:transition xmlns:p14="http://schemas.microsoft.com/office/powerpoint/2010/main" spd="slow" p14:dur="2000">
-        <p159:morph option="byObject"/>
-      </p:transition>
-    </mc:Choice>
-    <mc:Fallback>
-      <p:transition spd="slow">
-        <p:fade/>
-      </p:transition>
-    </mc:Fallback>
-  </mc:AlternateContent>
 </p:sld>
 </file>
 
@@ -3494,6 +3941,442 @@
         </p:nvSpPr>
         <p:spPr>
           <a:xfrm>
+            <a:off x="2476500" y="2803316"/>
+            <a:ext cx="4953000" cy="1251368"/>
+          </a:xfrm>
+          <a:prstGeom prst="rect">
+            <a:avLst/>
+          </a:prstGeom>
+          <a:solidFill>
+            <a:schemeClr val="tx1">
+              <a:lumMod val="85000"/>
+              <a:lumOff val="15000"/>
+            </a:schemeClr>
+          </a:solidFill>
+        </p:spPr>
+        <p:txBody>
+          <a:bodyPr wrap="square">
+            <a:spAutoFit/>
+          </a:bodyPr>
+          <a:lstStyle/>
+          <a:p>
+            <a:r>
+              <a:rPr lang="en-US" altLang="ko-KR" b="0" dirty="0">
+                <a:solidFill>
+                  <a:srgbClr val="569CD6"/>
+                </a:solidFill>
+                <a:effectLst/>
+                <a:latin typeface="Consolas" panose="020B0609020204030204" pitchFamily="49" charset="0"/>
+              </a:rPr>
+              <a:t>def</a:t>
+            </a:r>
+            <a:r>
+              <a:rPr lang="en-US" altLang="ko-KR" b="0" dirty="0">
+                <a:solidFill>
+                  <a:srgbClr val="D4D4D4"/>
+                </a:solidFill>
+                <a:effectLst/>
+                <a:latin typeface="Consolas" panose="020B0609020204030204" pitchFamily="49" charset="0"/>
+              </a:rPr>
+              <a:t> </a:t>
+            </a:r>
+            <a:r>
+              <a:rPr lang="en-US" altLang="ko-KR" b="0" dirty="0">
+                <a:solidFill>
+                  <a:srgbClr val="DCDCAA"/>
+                </a:solidFill>
+                <a:effectLst/>
+                <a:latin typeface="Consolas" panose="020B0609020204030204" pitchFamily="49" charset="0"/>
+              </a:rPr>
+              <a:t>function</a:t>
+            </a:r>
+            <a:r>
+              <a:rPr lang="en-US" altLang="ko-KR" b="0" dirty="0">
+                <a:solidFill>
+                  <a:srgbClr val="D4D4D4"/>
+                </a:solidFill>
+                <a:effectLst/>
+                <a:latin typeface="Consolas" panose="020B0609020204030204" pitchFamily="49" charset="0"/>
+              </a:rPr>
+              <a:t>(</a:t>
+            </a:r>
+            <a:r>
+              <a:rPr lang="en-US" altLang="ko-KR" b="0" dirty="0">
+                <a:solidFill>
+                  <a:srgbClr val="9CDCFE"/>
+                </a:solidFill>
+                <a:effectLst/>
+                <a:latin typeface="Consolas" panose="020B0609020204030204" pitchFamily="49" charset="0"/>
+              </a:rPr>
+              <a:t>x</a:t>
+            </a:r>
+            <a:r>
+              <a:rPr lang="en-US" altLang="ko-KR" b="0" dirty="0">
+                <a:solidFill>
+                  <a:srgbClr val="D4D4D4"/>
+                </a:solidFill>
+                <a:effectLst/>
+                <a:latin typeface="Consolas" panose="020B0609020204030204" pitchFamily="49" charset="0"/>
+              </a:rPr>
+              <a:t>, *</a:t>
+            </a:r>
+            <a:r>
+              <a:rPr lang="en-US" altLang="ko-KR" b="0" dirty="0" err="1">
+                <a:solidFill>
+                  <a:srgbClr val="9CDCFE"/>
+                </a:solidFill>
+                <a:effectLst/>
+                <a:latin typeface="Consolas" panose="020B0609020204030204" pitchFamily="49" charset="0"/>
+              </a:rPr>
+              <a:t>args</a:t>
+            </a:r>
+            <a:r>
+              <a:rPr lang="en-US" altLang="ko-KR" b="0" dirty="0">
+                <a:solidFill>
+                  <a:srgbClr val="D4D4D4"/>
+                </a:solidFill>
+                <a:effectLst/>
+                <a:latin typeface="Consolas" panose="020B0609020204030204" pitchFamily="49" charset="0"/>
+              </a:rPr>
+              <a:t>):</a:t>
+            </a:r>
+          </a:p>
+          <a:p>
+            <a:r>
+              <a:rPr lang="en-US" altLang="ko-KR" b="0" dirty="0">
+                <a:solidFill>
+                  <a:srgbClr val="D4D4D4"/>
+                </a:solidFill>
+                <a:effectLst/>
+                <a:latin typeface="Consolas" panose="020B0609020204030204" pitchFamily="49" charset="0"/>
+              </a:rPr>
+              <a:t>    </a:t>
+            </a:r>
+            <a:r>
+              <a:rPr lang="en-US" altLang="ko-KR" b="0" dirty="0">
+                <a:solidFill>
+                  <a:srgbClr val="DCDCAA"/>
+                </a:solidFill>
+                <a:effectLst/>
+                <a:latin typeface="Consolas" panose="020B0609020204030204" pitchFamily="49" charset="0"/>
+              </a:rPr>
+              <a:t>print</a:t>
+            </a:r>
+            <a:r>
+              <a:rPr lang="en-US" altLang="ko-KR" b="0" dirty="0">
+                <a:solidFill>
+                  <a:srgbClr val="D4D4D4"/>
+                </a:solidFill>
+                <a:effectLst/>
+                <a:latin typeface="Consolas" panose="020B0609020204030204" pitchFamily="49" charset="0"/>
+              </a:rPr>
+              <a:t>(x, </a:t>
+            </a:r>
+            <a:r>
+              <a:rPr lang="en-US" altLang="ko-KR" b="0" dirty="0" err="1">
+                <a:solidFill>
+                  <a:srgbClr val="D4D4D4"/>
+                </a:solidFill>
+                <a:effectLst/>
+                <a:latin typeface="Consolas" panose="020B0609020204030204" pitchFamily="49" charset="0"/>
+              </a:rPr>
+              <a:t>args</a:t>
+            </a:r>
+            <a:r>
+              <a:rPr lang="en-US" altLang="ko-KR" b="0" dirty="0">
+                <a:solidFill>
+                  <a:srgbClr val="D4D4D4"/>
+                </a:solidFill>
+                <a:effectLst/>
+                <a:latin typeface="Consolas" panose="020B0609020204030204" pitchFamily="49" charset="0"/>
+              </a:rPr>
+              <a:t>)</a:t>
+            </a:r>
+          </a:p>
+          <a:p>
+            <a:br>
+              <a:rPr lang="en-US" altLang="ko-KR" b="0" dirty="0">
+                <a:solidFill>
+                  <a:srgbClr val="D4D4D4"/>
+                </a:solidFill>
+                <a:effectLst/>
+                <a:latin typeface="Consolas" panose="020B0609020204030204" pitchFamily="49" charset="0"/>
+              </a:rPr>
+            </a:br>
+            <a:r>
+              <a:rPr lang="en-US" altLang="ko-KR" b="0" dirty="0">
+                <a:solidFill>
+                  <a:srgbClr val="D4D4D4"/>
+                </a:solidFill>
+                <a:effectLst/>
+                <a:latin typeface="Consolas" panose="020B0609020204030204" pitchFamily="49" charset="0"/>
+              </a:rPr>
+              <a:t>function(</a:t>
+            </a:r>
+            <a:r>
+              <a:rPr lang="en-US" altLang="ko-KR" b="0" dirty="0">
+                <a:solidFill>
+                  <a:srgbClr val="B5CEA8"/>
+                </a:solidFill>
+                <a:effectLst/>
+                <a:latin typeface="Consolas" panose="020B0609020204030204" pitchFamily="49" charset="0"/>
+              </a:rPr>
+              <a:t>1</a:t>
+            </a:r>
+            <a:r>
+              <a:rPr lang="en-US" altLang="ko-KR" b="0" dirty="0">
+                <a:solidFill>
+                  <a:srgbClr val="D4D4D4"/>
+                </a:solidFill>
+                <a:effectLst/>
+                <a:latin typeface="Consolas" panose="020B0609020204030204" pitchFamily="49" charset="0"/>
+              </a:rPr>
+              <a:t>,</a:t>
+            </a:r>
+            <a:r>
+              <a:rPr lang="en-US" altLang="ko-KR" b="0" dirty="0">
+                <a:solidFill>
+                  <a:srgbClr val="B5CEA8"/>
+                </a:solidFill>
+                <a:effectLst/>
+                <a:latin typeface="Consolas" panose="020B0609020204030204" pitchFamily="49" charset="0"/>
+              </a:rPr>
+              <a:t>2</a:t>
+            </a:r>
+            <a:r>
+              <a:rPr lang="en-US" altLang="ko-KR" b="0" dirty="0">
+                <a:solidFill>
+                  <a:srgbClr val="D4D4D4"/>
+                </a:solidFill>
+                <a:effectLst/>
+                <a:latin typeface="Consolas" panose="020B0609020204030204" pitchFamily="49" charset="0"/>
+              </a:rPr>
+              <a:t>,</a:t>
+            </a:r>
+            <a:r>
+              <a:rPr lang="en-US" altLang="ko-KR" b="0" dirty="0">
+                <a:solidFill>
+                  <a:srgbClr val="B5CEA8"/>
+                </a:solidFill>
+                <a:effectLst/>
+                <a:latin typeface="Consolas" panose="020B0609020204030204" pitchFamily="49" charset="0"/>
+              </a:rPr>
+              <a:t>3</a:t>
+            </a:r>
+            <a:r>
+              <a:rPr lang="en-US" altLang="ko-KR" b="0" dirty="0">
+                <a:solidFill>
+                  <a:srgbClr val="D4D4D4"/>
+                </a:solidFill>
+                <a:effectLst/>
+                <a:latin typeface="Consolas" panose="020B0609020204030204" pitchFamily="49" charset="0"/>
+              </a:rPr>
+              <a:t>,</a:t>
+            </a:r>
+            <a:r>
+              <a:rPr lang="en-US" altLang="ko-KR" b="0" dirty="0">
+                <a:solidFill>
+                  <a:srgbClr val="B5CEA8"/>
+                </a:solidFill>
+                <a:effectLst/>
+                <a:latin typeface="Consolas" panose="020B0609020204030204" pitchFamily="49" charset="0"/>
+              </a:rPr>
+              <a:t>4</a:t>
+            </a:r>
+            <a:r>
+              <a:rPr lang="en-US" altLang="ko-KR" b="0" dirty="0">
+                <a:solidFill>
+                  <a:srgbClr val="D4D4D4"/>
+                </a:solidFill>
+                <a:effectLst/>
+                <a:latin typeface="Consolas" panose="020B0609020204030204" pitchFamily="49" charset="0"/>
+              </a:rPr>
+              <a:t>,</a:t>
+            </a:r>
+            <a:r>
+              <a:rPr lang="en-US" altLang="ko-KR" b="0" dirty="0">
+                <a:solidFill>
+                  <a:srgbClr val="B5CEA8"/>
+                </a:solidFill>
+                <a:effectLst/>
+                <a:latin typeface="Consolas" panose="020B0609020204030204" pitchFamily="49" charset="0"/>
+              </a:rPr>
+              <a:t>5</a:t>
+            </a:r>
+            <a:r>
+              <a:rPr lang="en-US" altLang="ko-KR" b="0" dirty="0">
+                <a:solidFill>
+                  <a:srgbClr val="D4D4D4"/>
+                </a:solidFill>
+                <a:effectLst/>
+                <a:latin typeface="Consolas" panose="020B0609020204030204" pitchFamily="49" charset="0"/>
+              </a:rPr>
+              <a:t>)</a:t>
+            </a:r>
+          </a:p>
+        </p:txBody>
+      </p:sp>
+    </p:spTree>
+    <p:extLst>
+      <p:ext uri="{BB962C8B-B14F-4D97-AF65-F5344CB8AC3E}">
+        <p14:creationId xmlns:p14="http://schemas.microsoft.com/office/powerpoint/2010/main" val="4236942349"/>
+      </p:ext>
+    </p:extLst>
+  </p:cSld>
+  <p:clrMapOvr>
+    <a:masterClrMapping/>
+  </p:clrMapOvr>
+  <mc:AlternateContent xmlns:mc="http://schemas.openxmlformats.org/markup-compatibility/2006" xmlns:p159="http://schemas.microsoft.com/office/powerpoint/2015/09/main">
+    <mc:Choice Requires="p159">
+      <p:transition xmlns:p14="http://schemas.microsoft.com/office/powerpoint/2010/main" spd="slow" p14:dur="2000">
+        <p159:morph option="byObject"/>
+      </p:transition>
+    </mc:Choice>
+    <mc:Fallback xmlns="">
+      <p:transition spd="slow">
+        <p:fade/>
+      </p:transition>
+    </mc:Fallback>
+  </mc:AlternateContent>
+</p:sld>
+</file>
+
+<file path=ppt/slides/slide11.xml><?xml version="1.0" encoding="utf-8"?>
+<p:sld xmlns:a="http://schemas.openxmlformats.org/drawingml/2006/main" xmlns:r="http://schemas.openxmlformats.org/officeDocument/2006/relationships" xmlns:p="http://schemas.openxmlformats.org/presentationml/2006/main">
+  <p:cSld>
+    <p:bg>
+      <p:bgPr>
+        <a:solidFill>
+          <a:schemeClr val="bg1"/>
+        </a:solidFill>
+        <a:effectLst/>
+      </p:bgPr>
+    </p:bg>
+    <p:spTree>
+      <p:nvGrpSpPr>
+        <p:cNvPr id="1" name=""/>
+        <p:cNvGrpSpPr/>
+        <p:nvPr/>
+      </p:nvGrpSpPr>
+      <p:grpSpPr>
+        <a:xfrm>
+          <a:off x="0" y="0"/>
+          <a:ext cx="0" cy="0"/>
+          <a:chOff x="0" y="0"/>
+          <a:chExt cx="0" cy="0"/>
+        </a:xfrm>
+      </p:grpSpPr>
+      <p:sp>
+        <p:nvSpPr>
+          <p:cNvPr id="2" name="TextBox 1">
+            <a:extLst>
+              <a:ext uri="{FF2B5EF4-FFF2-40B4-BE49-F238E27FC236}">
+                <a16:creationId xmlns:a16="http://schemas.microsoft.com/office/drawing/2014/main" id="{0B332A50-CC0E-4C7E-B47E-E7CFBA7B423B}"/>
+              </a:ext>
+            </a:extLst>
+          </p:cNvPr>
+          <p:cNvSpPr txBox="1"/>
+          <p:nvPr/>
+        </p:nvSpPr>
+        <p:spPr>
+          <a:xfrm>
+            <a:off x="2558755" y="1124744"/>
+            <a:ext cx="4788490" cy="1077218"/>
+          </a:xfrm>
+          <a:prstGeom prst="rect">
+            <a:avLst/>
+          </a:prstGeom>
+          <a:noFill/>
+        </p:spPr>
+        <p:txBody>
+          <a:bodyPr wrap="none" rtlCol="0">
+            <a:spAutoFit/>
+          </a:bodyPr>
+          <a:lstStyle/>
+          <a:p>
+            <a:pPr algn="ctr"/>
+            <a:r>
+              <a:rPr lang="en-US" altLang="ko-KR" sz="3200" dirty="0">
+                <a:solidFill>
+                  <a:schemeClr val="tx1">
+                    <a:lumMod val="85000"/>
+                    <a:lumOff val="15000"/>
+                  </a:schemeClr>
+                </a:solidFill>
+                <a:latin typeface="나눔바른고딕" panose="020B0603020101020101" pitchFamily="50" charset="-127"/>
+                <a:ea typeface="나눔바른고딕" panose="020B0603020101020101" pitchFamily="50" charset="-127"/>
+              </a:rPr>
+              <a:t>Q) </a:t>
+            </a:r>
+            <a:r>
+              <a:rPr lang="ko-KR" altLang="en-US" sz="3200" dirty="0">
+                <a:solidFill>
+                  <a:schemeClr val="tx1">
+                    <a:lumMod val="85000"/>
+                    <a:lumOff val="15000"/>
+                  </a:schemeClr>
+                </a:solidFill>
+                <a:latin typeface="나눔바른고딕" panose="020B0603020101020101" pitchFamily="50" charset="-127"/>
+                <a:ea typeface="나눔바른고딕" panose="020B0603020101020101" pitchFamily="50" charset="-127"/>
+              </a:rPr>
+              <a:t>다음 코드를 작성해 보고 </a:t>
+            </a:r>
+            <a:endParaRPr lang="en-US" altLang="ko-KR" sz="3200" dirty="0">
+              <a:solidFill>
+                <a:schemeClr val="tx1">
+                  <a:lumMod val="85000"/>
+                  <a:lumOff val="15000"/>
+                </a:schemeClr>
+              </a:solidFill>
+              <a:latin typeface="나눔바른고딕" panose="020B0603020101020101" pitchFamily="50" charset="-127"/>
+              <a:ea typeface="나눔바른고딕" panose="020B0603020101020101" pitchFamily="50" charset="-127"/>
+            </a:endParaRPr>
+          </a:p>
+          <a:p>
+            <a:pPr algn="ctr"/>
+            <a:r>
+              <a:rPr lang="ko-KR" altLang="en-US" sz="3200" dirty="0">
+                <a:solidFill>
+                  <a:schemeClr val="tx1">
+                    <a:lumMod val="85000"/>
+                    <a:lumOff val="15000"/>
+                  </a:schemeClr>
+                </a:solidFill>
+                <a:latin typeface="나눔바른고딕" panose="020B0603020101020101" pitchFamily="50" charset="-127"/>
+                <a:ea typeface="나눔바른고딕" panose="020B0603020101020101" pitchFamily="50" charset="-127"/>
+              </a:rPr>
+              <a:t>실행결과를 확인해 보세요</a:t>
+            </a:r>
+            <a:r>
+              <a:rPr lang="en-US" altLang="ko-KR" sz="3200" dirty="0">
+                <a:solidFill>
+                  <a:schemeClr val="tx1">
+                    <a:lumMod val="85000"/>
+                    <a:lumOff val="15000"/>
+                  </a:schemeClr>
+                </a:solidFill>
+                <a:latin typeface="나눔바른고딕" panose="020B0603020101020101" pitchFamily="50" charset="-127"/>
+                <a:ea typeface="나눔바른고딕" panose="020B0603020101020101" pitchFamily="50" charset="-127"/>
+              </a:rPr>
+              <a:t>.</a:t>
+            </a:r>
+          </a:p>
+        </p:txBody>
+      </p:sp>
+      <p:sp>
+        <p:nvSpPr>
+          <p:cNvPr id="6" name="TextBox 5">
+            <a:extLst>
+              <a:ext uri="{FF2B5EF4-FFF2-40B4-BE49-F238E27FC236}">
+                <a16:creationId xmlns:a16="http://schemas.microsoft.com/office/drawing/2014/main" id="{90DBEF42-4CD6-49A8-B881-BCDA298DE22D}"/>
+              </a:ext>
+            </a:extLst>
+          </p:cNvPr>
+          <p:cNvSpPr txBox="1"/>
+          <p:nvPr/>
+        </p:nvSpPr>
+        <p:spPr>
+          <a:xfrm>
             <a:off x="2476500" y="2564904"/>
             <a:ext cx="4953000" cy="2989921"/>
           </a:xfrm>
@@ -3739,13 +4622,13 @@
   <p:clrMapOvr>
     <a:masterClrMapping/>
   </p:clrMapOvr>
-  <mc:AlternateContent xmlns:mc="http://schemas.openxmlformats.org/markup-compatibility/2006">
-    <mc:Choice xmlns:p159="http://schemas.microsoft.com/office/powerpoint/2015/09/main" Requires="p159">
+  <mc:AlternateContent xmlns:mc="http://schemas.openxmlformats.org/markup-compatibility/2006" xmlns:p159="http://schemas.microsoft.com/office/powerpoint/2015/09/main">
+    <mc:Choice Requires="p159">
       <p:transition xmlns:p14="http://schemas.microsoft.com/office/powerpoint/2010/main" spd="slow" p14:dur="2000">
         <p159:morph option="byObject"/>
       </p:transition>
     </mc:Choice>
-    <mc:Fallback>
+    <mc:Fallback xmlns="">
       <p:transition spd="slow">
         <p:fade/>
       </p:transition>
@@ -3754,7 +4637,7 @@
 </p:sld>
 </file>
 
-<file path=ppt/slides/slide11.xml><?xml version="1.0" encoding="utf-8"?>
+<file path=ppt/slides/slide12.xml><?xml version="1.0" encoding="utf-8"?>
 <p:sld xmlns:a="http://schemas.openxmlformats.org/drawingml/2006/main" xmlns:r="http://schemas.openxmlformats.org/officeDocument/2006/relationships" xmlns:p="http://schemas.openxmlformats.org/presentationml/2006/main">
   <p:cSld>
     <p:bg>
@@ -3914,316 +4797,13 @@
   <p:clrMapOvr>
     <a:masterClrMapping/>
   </p:clrMapOvr>
-  <mc:AlternateContent xmlns:mc="http://schemas.openxmlformats.org/markup-compatibility/2006">
-    <mc:Choice xmlns:p159="http://schemas.microsoft.com/office/powerpoint/2015/09/main" Requires="p159">
+  <mc:AlternateContent xmlns:mc="http://schemas.openxmlformats.org/markup-compatibility/2006" xmlns:p159="http://schemas.microsoft.com/office/powerpoint/2015/09/main">
+    <mc:Choice Requires="p159">
       <p:transition xmlns:p14="http://schemas.microsoft.com/office/powerpoint/2010/main" spd="slow" p14:dur="2000">
         <p159:morph option="byObject"/>
       </p:transition>
     </mc:Choice>
-    <mc:Fallback>
-      <p:transition spd="slow">
-        <p:fade/>
-      </p:transition>
-    </mc:Fallback>
-  </mc:AlternateContent>
-</p:sld>
-</file>
-
-<file path=ppt/slides/slide12.xml><?xml version="1.0" encoding="utf-8"?>
-<p:sld xmlns:a="http://schemas.openxmlformats.org/drawingml/2006/main" xmlns:r="http://schemas.openxmlformats.org/officeDocument/2006/relationships" xmlns:p="http://schemas.openxmlformats.org/presentationml/2006/main">
-  <p:cSld>
-    <p:bg>
-      <p:bgPr>
-        <a:solidFill>
-          <a:schemeClr val="bg1"/>
-        </a:solidFill>
-        <a:effectLst/>
-      </p:bgPr>
-    </p:bg>
-    <p:spTree>
-      <p:nvGrpSpPr>
-        <p:cNvPr id="1" name=""/>
-        <p:cNvGrpSpPr/>
-        <p:nvPr/>
-      </p:nvGrpSpPr>
-      <p:grpSpPr>
-        <a:xfrm>
-          <a:off x="0" y="0"/>
-          <a:ext cx="0" cy="0"/>
-          <a:chOff x="0" y="0"/>
-          <a:chExt cx="0" cy="0"/>
-        </a:xfrm>
-      </p:grpSpPr>
-      <p:sp>
-        <p:nvSpPr>
-          <p:cNvPr id="2" name="TextBox 1">
-            <a:extLst>
-              <a:ext uri="{FF2B5EF4-FFF2-40B4-BE49-F238E27FC236}">
-                <a16:creationId xmlns:a16="http://schemas.microsoft.com/office/drawing/2014/main" id="{0B332A50-CC0E-4C7E-B47E-E7CFBA7B423B}"/>
-              </a:ext>
-            </a:extLst>
-          </p:cNvPr>
-          <p:cNvSpPr txBox="1"/>
-          <p:nvPr/>
-        </p:nvSpPr>
-        <p:spPr>
-          <a:xfrm>
-            <a:off x="2592418" y="1268760"/>
-            <a:ext cx="4721165" cy="830997"/>
-          </a:xfrm>
-          <a:prstGeom prst="rect">
-            <a:avLst/>
-          </a:prstGeom>
-          <a:noFill/>
-        </p:spPr>
-        <p:txBody>
-          <a:bodyPr wrap="none" rtlCol="0">
-            <a:spAutoFit/>
-          </a:bodyPr>
-          <a:lstStyle/>
-          <a:p>
-            <a:pPr algn="ctr"/>
-            <a:r>
-              <a:rPr lang="ko-KR" altLang="en-US" sz="4800" dirty="0" err="1">
-                <a:solidFill>
-                  <a:schemeClr val="tx1">
-                    <a:lumMod val="85000"/>
-                    <a:lumOff val="15000"/>
-                  </a:schemeClr>
-                </a:solidFill>
-                <a:latin typeface="나눔바른고딕" panose="020B0603020101020101" pitchFamily="50" charset="-127"/>
-                <a:ea typeface="나눔바른고딕" panose="020B0603020101020101" pitchFamily="50" charset="-127"/>
-              </a:rPr>
-              <a:t>딕셔너리</a:t>
-            </a:r>
-            <a:r>
-              <a:rPr lang="en-US" altLang="ko-KR" sz="4800" dirty="0">
-                <a:solidFill>
-                  <a:schemeClr val="tx1">
-                    <a:lumMod val="85000"/>
-                    <a:lumOff val="15000"/>
-                  </a:schemeClr>
-                </a:solidFill>
-                <a:latin typeface="나눔바른고딕" panose="020B0603020101020101" pitchFamily="50" charset="-127"/>
-                <a:ea typeface="나눔바른고딕" panose="020B0603020101020101" pitchFamily="50" charset="-127"/>
-              </a:rPr>
-              <a:t> </a:t>
-            </a:r>
-            <a:r>
-              <a:rPr lang="ko-KR" altLang="en-US" sz="4800" dirty="0">
-                <a:solidFill>
-                  <a:schemeClr val="accent6">
-                    <a:lumMod val="75000"/>
-                  </a:schemeClr>
-                </a:solidFill>
-                <a:latin typeface="나눔바른고딕" panose="020B0603020101020101" pitchFamily="50" charset="-127"/>
-                <a:ea typeface="나눔바른고딕" panose="020B0603020101020101" pitchFamily="50" charset="-127"/>
-              </a:rPr>
-              <a:t>생성하기</a:t>
-            </a:r>
-            <a:endParaRPr lang="en-US" altLang="ko-KR" sz="3200" dirty="0">
-              <a:solidFill>
-                <a:schemeClr val="accent6">
-                  <a:lumMod val="75000"/>
-                </a:schemeClr>
-              </a:solidFill>
-              <a:latin typeface="나눔바른고딕" panose="020B0603020101020101" pitchFamily="50" charset="-127"/>
-              <a:ea typeface="나눔바른고딕" panose="020B0603020101020101" pitchFamily="50" charset="-127"/>
-            </a:endParaRPr>
-          </a:p>
-        </p:txBody>
-      </p:sp>
-      <p:sp>
-        <p:nvSpPr>
-          <p:cNvPr id="3" name="TextBox 2">
-            <a:extLst>
-              <a:ext uri="{FF2B5EF4-FFF2-40B4-BE49-F238E27FC236}">
-                <a16:creationId xmlns:a16="http://schemas.microsoft.com/office/drawing/2014/main" id="{1F24C6A1-8E73-4013-A629-5A8618AB10B9}"/>
-              </a:ext>
-            </a:extLst>
-          </p:cNvPr>
-          <p:cNvSpPr txBox="1"/>
-          <p:nvPr/>
-        </p:nvSpPr>
-        <p:spPr>
-          <a:xfrm>
-            <a:off x="1507185" y="3136612"/>
-            <a:ext cx="6891630" cy="584775"/>
-          </a:xfrm>
-          <a:prstGeom prst="rect">
-            <a:avLst/>
-          </a:prstGeom>
-          <a:noFill/>
-        </p:spPr>
-        <p:txBody>
-          <a:bodyPr wrap="none" rtlCol="0">
-            <a:spAutoFit/>
-          </a:bodyPr>
-          <a:lstStyle/>
-          <a:p>
-            <a:r>
-              <a:rPr lang="ko-KR" altLang="en-US" sz="3200" dirty="0" err="1">
-                <a:solidFill>
-                  <a:schemeClr val="tx1">
-                    <a:lumMod val="85000"/>
-                    <a:lumOff val="15000"/>
-                  </a:schemeClr>
-                </a:solidFill>
-                <a:latin typeface="나눔바른고딕" panose="020B0603020101020101" pitchFamily="50" charset="-127"/>
-                <a:ea typeface="나눔바른고딕" panose="020B0603020101020101" pitchFamily="50" charset="-127"/>
-              </a:rPr>
-              <a:t>딕셔너리이름</a:t>
-            </a:r>
-            <a:r>
-              <a:rPr lang="ko-KR" altLang="en-US" sz="3200" dirty="0">
-                <a:solidFill>
-                  <a:schemeClr val="tx1">
-                    <a:lumMod val="85000"/>
-                    <a:lumOff val="15000"/>
-                  </a:schemeClr>
-                </a:solidFill>
-                <a:latin typeface="나눔바른고딕" panose="020B0603020101020101" pitchFamily="50" charset="-127"/>
-                <a:ea typeface="나눔바른고딕" panose="020B0603020101020101" pitchFamily="50" charset="-127"/>
-              </a:rPr>
-              <a:t> </a:t>
-            </a:r>
-            <a:r>
-              <a:rPr lang="en-US" altLang="ko-KR" sz="3200" dirty="0">
-                <a:solidFill>
-                  <a:schemeClr val="tx1">
-                    <a:lumMod val="85000"/>
-                    <a:lumOff val="15000"/>
-                  </a:schemeClr>
-                </a:solidFill>
-                <a:latin typeface="나눔바른고딕" panose="020B0603020101020101" pitchFamily="50" charset="-127"/>
-                <a:ea typeface="나눔바른고딕" panose="020B0603020101020101" pitchFamily="50" charset="-127"/>
-              </a:rPr>
-              <a:t>= {</a:t>
-            </a:r>
-            <a:r>
-              <a:rPr lang="ko-KR" altLang="en-US" sz="3200" dirty="0">
-                <a:solidFill>
-                  <a:schemeClr val="tx1">
-                    <a:lumMod val="85000"/>
-                    <a:lumOff val="15000"/>
-                  </a:schemeClr>
-                </a:solidFill>
-                <a:latin typeface="나눔바른고딕" panose="020B0603020101020101" pitchFamily="50" charset="-127"/>
-                <a:ea typeface="나눔바른고딕" panose="020B0603020101020101" pitchFamily="50" charset="-127"/>
-              </a:rPr>
-              <a:t>키</a:t>
-            </a:r>
-            <a:r>
-              <a:rPr lang="en-US" altLang="ko-KR" sz="3200" dirty="0">
-                <a:solidFill>
-                  <a:schemeClr val="tx1">
-                    <a:lumMod val="85000"/>
-                    <a:lumOff val="15000"/>
-                  </a:schemeClr>
-                </a:solidFill>
-                <a:latin typeface="나눔바른고딕" panose="020B0603020101020101" pitchFamily="50" charset="-127"/>
-                <a:ea typeface="나눔바른고딕" panose="020B0603020101020101" pitchFamily="50" charset="-127"/>
-              </a:rPr>
-              <a:t>1 : </a:t>
-            </a:r>
-            <a:r>
-              <a:rPr lang="ko-KR" altLang="en-US" sz="3200" dirty="0">
-                <a:solidFill>
-                  <a:schemeClr val="tx1">
-                    <a:lumMod val="85000"/>
-                    <a:lumOff val="15000"/>
-                  </a:schemeClr>
-                </a:solidFill>
-                <a:latin typeface="나눔바른고딕" panose="020B0603020101020101" pitchFamily="50" charset="-127"/>
-                <a:ea typeface="나눔바른고딕" panose="020B0603020101020101" pitchFamily="50" charset="-127"/>
-              </a:rPr>
-              <a:t>값</a:t>
-            </a:r>
-            <a:r>
-              <a:rPr lang="en-US" altLang="ko-KR" sz="3200" dirty="0">
-                <a:solidFill>
-                  <a:schemeClr val="tx1">
-                    <a:lumMod val="85000"/>
-                    <a:lumOff val="15000"/>
-                  </a:schemeClr>
-                </a:solidFill>
-                <a:latin typeface="나눔바른고딕" panose="020B0603020101020101" pitchFamily="50" charset="-127"/>
-                <a:ea typeface="나눔바른고딕" panose="020B0603020101020101" pitchFamily="50" charset="-127"/>
-              </a:rPr>
-              <a:t>1, </a:t>
-            </a:r>
-            <a:r>
-              <a:rPr lang="ko-KR" altLang="en-US" sz="3200" dirty="0">
-                <a:solidFill>
-                  <a:schemeClr val="tx1">
-                    <a:lumMod val="85000"/>
-                    <a:lumOff val="15000"/>
-                  </a:schemeClr>
-                </a:solidFill>
-                <a:latin typeface="나눔바른고딕" panose="020B0603020101020101" pitchFamily="50" charset="-127"/>
-                <a:ea typeface="나눔바른고딕" panose="020B0603020101020101" pitchFamily="50" charset="-127"/>
-              </a:rPr>
-              <a:t>키</a:t>
-            </a:r>
-            <a:r>
-              <a:rPr lang="en-US" altLang="ko-KR" sz="3200" dirty="0">
-                <a:solidFill>
-                  <a:schemeClr val="tx1">
-                    <a:lumMod val="85000"/>
-                    <a:lumOff val="15000"/>
-                  </a:schemeClr>
-                </a:solidFill>
-                <a:latin typeface="나눔바른고딕" panose="020B0603020101020101" pitchFamily="50" charset="-127"/>
-                <a:ea typeface="나눔바른고딕" panose="020B0603020101020101" pitchFamily="50" charset="-127"/>
-              </a:rPr>
-              <a:t>2 : </a:t>
-            </a:r>
-            <a:r>
-              <a:rPr lang="ko-KR" altLang="en-US" sz="3200" dirty="0">
-                <a:solidFill>
-                  <a:schemeClr val="tx1">
-                    <a:lumMod val="85000"/>
-                    <a:lumOff val="15000"/>
-                  </a:schemeClr>
-                </a:solidFill>
-                <a:latin typeface="나눔바른고딕" panose="020B0603020101020101" pitchFamily="50" charset="-127"/>
-                <a:ea typeface="나눔바른고딕" panose="020B0603020101020101" pitchFamily="50" charset="-127"/>
-              </a:rPr>
-              <a:t>값</a:t>
-            </a:r>
-            <a:r>
-              <a:rPr lang="en-US" altLang="ko-KR" sz="3200" dirty="0">
-                <a:solidFill>
-                  <a:schemeClr val="tx1">
-                    <a:lumMod val="85000"/>
-                    <a:lumOff val="15000"/>
-                  </a:schemeClr>
-                </a:solidFill>
-                <a:latin typeface="나눔바른고딕" panose="020B0603020101020101" pitchFamily="50" charset="-127"/>
-                <a:ea typeface="나눔바른고딕" panose="020B0603020101020101" pitchFamily="50" charset="-127"/>
-              </a:rPr>
-              <a:t>2,...}</a:t>
-            </a:r>
-          </a:p>
-        </p:txBody>
-      </p:sp>
-    </p:spTree>
-    <p:extLst>
-      <p:ext uri="{BB962C8B-B14F-4D97-AF65-F5344CB8AC3E}">
-        <p14:creationId xmlns:p14="http://schemas.microsoft.com/office/powerpoint/2010/main" val="1590072781"/>
-      </p:ext>
-    </p:extLst>
-  </p:cSld>
-  <p:clrMapOvr>
-    <a:masterClrMapping/>
-  </p:clrMapOvr>
-  <mc:AlternateContent xmlns:mc="http://schemas.openxmlformats.org/markup-compatibility/2006">
-    <mc:Choice xmlns:p159="http://schemas.microsoft.com/office/powerpoint/2015/09/main" Requires="p159">
-      <p:transition xmlns:p14="http://schemas.microsoft.com/office/powerpoint/2010/main" spd="slow" p14:dur="2000">
-        <p159:morph option="byObject"/>
-      </p:transition>
-    </mc:Choice>
-    <mc:Fallback>
+    <mc:Fallback xmlns="">
       <p:transition spd="slow">
         <p:fade/>
       </p:transition>
@@ -4350,8 +4930,8 @@
         </p:nvSpPr>
         <p:spPr>
           <a:xfrm>
-            <a:off x="1213594" y="2631444"/>
-            <a:ext cx="6074099" cy="523220"/>
+            <a:off x="1507185" y="3136612"/>
+            <a:ext cx="6891630" cy="584775"/>
           </a:xfrm>
           <a:prstGeom prst="rect">
             <a:avLst/>
@@ -4365,7 +4945,7 @@
           <a:lstStyle/>
           <a:p>
             <a:r>
-              <a:rPr lang="ko-KR" altLang="en-US" sz="2800" dirty="0" err="1">
+              <a:rPr lang="ko-KR" altLang="en-US" sz="3200" dirty="0" err="1">
                 <a:solidFill>
                   <a:schemeClr val="tx1">
                     <a:lumMod val="85000"/>
@@ -4378,7 +4958,7 @@
               <a:t>딕셔너리이름</a:t>
             </a:r>
             <a:r>
-              <a:rPr lang="ko-KR" altLang="en-US" sz="2800" dirty="0">
+              <a:rPr lang="ko-KR" altLang="en-US" sz="3200" dirty="0">
                 <a:solidFill>
                   <a:schemeClr val="tx1">
                     <a:lumMod val="85000"/>
@@ -4391,7 +4971,7 @@
               <a:t> </a:t>
             </a:r>
             <a:r>
-              <a:rPr lang="en-US" altLang="ko-KR" sz="2800" dirty="0">
+              <a:rPr lang="en-US" altLang="ko-KR" sz="3200" dirty="0">
                 <a:solidFill>
                   <a:schemeClr val="tx1">
                     <a:lumMod val="85000"/>
@@ -4404,7 +4984,7 @@
               <a:t>= {</a:t>
             </a:r>
             <a:r>
-              <a:rPr lang="ko-KR" altLang="en-US" sz="2800" dirty="0">
+              <a:rPr lang="ko-KR" altLang="en-US" sz="3200" dirty="0">
                 <a:solidFill>
                   <a:schemeClr val="tx1">
                     <a:lumMod val="85000"/>
@@ -4417,7 +4997,7 @@
               <a:t>키</a:t>
             </a:r>
             <a:r>
-              <a:rPr lang="en-US" altLang="ko-KR" sz="2800" dirty="0">
+              <a:rPr lang="en-US" altLang="ko-KR" sz="3200" dirty="0">
                 <a:solidFill>
                   <a:schemeClr val="tx1">
                     <a:lumMod val="85000"/>
@@ -4430,7 +5010,7 @@
               <a:t>1 : </a:t>
             </a:r>
             <a:r>
-              <a:rPr lang="ko-KR" altLang="en-US" sz="2800" dirty="0">
+              <a:rPr lang="ko-KR" altLang="en-US" sz="3200" dirty="0">
                 <a:solidFill>
                   <a:schemeClr val="tx1">
                     <a:lumMod val="85000"/>
@@ -4443,7 +5023,7 @@
               <a:t>값</a:t>
             </a:r>
             <a:r>
-              <a:rPr lang="en-US" altLang="ko-KR" sz="2800" dirty="0">
+              <a:rPr lang="en-US" altLang="ko-KR" sz="3200" dirty="0">
                 <a:solidFill>
                   <a:schemeClr val="tx1">
                     <a:lumMod val="85000"/>
@@ -4456,7 +5036,7 @@
               <a:t>1, </a:t>
             </a:r>
             <a:r>
-              <a:rPr lang="ko-KR" altLang="en-US" sz="2800" dirty="0">
+              <a:rPr lang="ko-KR" altLang="en-US" sz="3200" dirty="0">
                 <a:solidFill>
                   <a:schemeClr val="tx1">
                     <a:lumMod val="85000"/>
@@ -4469,7 +5049,7 @@
               <a:t>키</a:t>
             </a:r>
             <a:r>
-              <a:rPr lang="en-US" altLang="ko-KR" sz="2800" dirty="0">
+              <a:rPr lang="en-US" altLang="ko-KR" sz="3200" dirty="0">
                 <a:solidFill>
                   <a:schemeClr val="tx1">
                     <a:lumMod val="85000"/>
@@ -4482,7 +5062,7 @@
               <a:t>2 : </a:t>
             </a:r>
             <a:r>
-              <a:rPr lang="ko-KR" altLang="en-US" sz="2800" dirty="0">
+              <a:rPr lang="ko-KR" altLang="en-US" sz="3200" dirty="0">
                 <a:solidFill>
                   <a:schemeClr val="tx1">
                     <a:lumMod val="85000"/>
@@ -4495,7 +5075,7 @@
               <a:t>값</a:t>
             </a:r>
             <a:r>
-              <a:rPr lang="en-US" altLang="ko-KR" sz="2800" dirty="0">
+              <a:rPr lang="en-US" altLang="ko-KR" sz="3200" dirty="0">
                 <a:solidFill>
                   <a:schemeClr val="tx1">
                     <a:lumMod val="85000"/>
@@ -4506,128 +5086,6 @@
                 <a:ea typeface="나눔바른고딕" panose="020B0603020101020101" pitchFamily="50" charset="-127"/>
               </a:rPr>
               <a:t>2,...}</a:t>
-            </a:r>
-          </a:p>
-        </p:txBody>
-      </p:sp>
-      <p:sp>
-        <p:nvSpPr>
-          <p:cNvPr id="4" name="TextBox 3">
-            <a:extLst>
-              <a:ext uri="{FF2B5EF4-FFF2-40B4-BE49-F238E27FC236}">
-                <a16:creationId xmlns:a16="http://schemas.microsoft.com/office/drawing/2014/main" id="{E5FD6FFE-F8B0-4A3F-BA2B-52AB2CF284AC}"/>
-              </a:ext>
-            </a:extLst>
-          </p:cNvPr>
-          <p:cNvSpPr txBox="1"/>
-          <p:nvPr/>
-        </p:nvSpPr>
-        <p:spPr>
-          <a:xfrm>
-            <a:off x="1154300" y="3703337"/>
-            <a:ext cx="7597401" cy="523220"/>
-          </a:xfrm>
-          <a:prstGeom prst="rect">
-            <a:avLst/>
-          </a:prstGeom>
-          <a:noFill/>
-        </p:spPr>
-        <p:txBody>
-          <a:bodyPr wrap="none" rtlCol="0">
-            <a:spAutoFit/>
-          </a:bodyPr>
-          <a:lstStyle/>
-          <a:p>
-            <a:r>
-              <a:rPr lang="en-US" altLang="ko-KR" sz="2800" dirty="0" err="1">
-                <a:solidFill>
-                  <a:schemeClr val="tx1">
-                    <a:lumMod val="85000"/>
-                    <a:lumOff val="15000"/>
-                  </a:schemeClr>
-                </a:solidFill>
-                <a:latin typeface="나눔바른고딕" panose="020B0603020101020101" pitchFamily="50" charset="-127"/>
-                <a:ea typeface="나눔바른고딕" panose="020B0603020101020101" pitchFamily="50" charset="-127"/>
-              </a:rPr>
-              <a:t>dic</a:t>
-            </a:r>
-            <a:r>
-              <a:rPr lang="ko-KR" altLang="en-US" sz="2800" dirty="0">
-                <a:solidFill>
-                  <a:schemeClr val="tx1">
-                    <a:lumMod val="85000"/>
-                    <a:lumOff val="15000"/>
-                  </a:schemeClr>
-                </a:solidFill>
-                <a:latin typeface="나눔바른고딕" panose="020B0603020101020101" pitchFamily="50" charset="-127"/>
-                <a:ea typeface="나눔바른고딕" panose="020B0603020101020101" pitchFamily="50" charset="-127"/>
-              </a:rPr>
-              <a:t> </a:t>
-            </a:r>
-            <a:r>
-              <a:rPr lang="en-US" altLang="ko-KR" sz="2800" dirty="0">
-                <a:solidFill>
-                  <a:schemeClr val="tx1">
-                    <a:lumMod val="85000"/>
-                    <a:lumOff val="15000"/>
-                  </a:schemeClr>
-                </a:solidFill>
-                <a:latin typeface="나눔바른고딕" panose="020B0603020101020101" pitchFamily="50" charset="-127"/>
-                <a:ea typeface="나눔바른고딕" panose="020B0603020101020101" pitchFamily="50" charset="-127"/>
-              </a:rPr>
-              <a:t>= {"</a:t>
-            </a:r>
-            <a:r>
-              <a:rPr lang="ko-KR" altLang="en-US" sz="2800" dirty="0">
-                <a:solidFill>
-                  <a:schemeClr val="tx1">
-                    <a:lumMod val="85000"/>
-                    <a:lumOff val="15000"/>
-                  </a:schemeClr>
-                </a:solidFill>
-                <a:latin typeface="나눔바른고딕" panose="020B0603020101020101" pitchFamily="50" charset="-127"/>
-                <a:ea typeface="나눔바른고딕" panose="020B0603020101020101" pitchFamily="50" charset="-127"/>
-              </a:rPr>
-              <a:t>삼성전자</a:t>
-            </a:r>
-            <a:r>
-              <a:rPr lang="en-US" altLang="ko-KR" sz="2800" dirty="0">
-                <a:solidFill>
-                  <a:schemeClr val="tx1">
-                    <a:lumMod val="85000"/>
-                    <a:lumOff val="15000"/>
-                  </a:schemeClr>
-                </a:solidFill>
-                <a:latin typeface="나눔바른고딕" panose="020B0603020101020101" pitchFamily="50" charset="-127"/>
-                <a:ea typeface="나눔바른고딕" panose="020B0603020101020101" pitchFamily="50" charset="-127"/>
-              </a:rPr>
-              <a:t>" : 85000, "LG</a:t>
-            </a:r>
-            <a:r>
-              <a:rPr lang="ko-KR" altLang="en-US" sz="2800" dirty="0">
-                <a:solidFill>
-                  <a:schemeClr val="tx1">
-                    <a:lumMod val="85000"/>
-                    <a:lumOff val="15000"/>
-                  </a:schemeClr>
-                </a:solidFill>
-                <a:latin typeface="나눔바른고딕" panose="020B0603020101020101" pitchFamily="50" charset="-127"/>
-                <a:ea typeface="나눔바른고딕" panose="020B0603020101020101" pitchFamily="50" charset="-127"/>
-              </a:rPr>
-              <a:t>전자</a:t>
-            </a:r>
-            <a:r>
-              <a:rPr lang="en-US" altLang="ko-KR" sz="2800" dirty="0">
-                <a:solidFill>
-                  <a:schemeClr val="tx1">
-                    <a:lumMod val="85000"/>
-                    <a:lumOff val="15000"/>
-                  </a:schemeClr>
-                </a:solidFill>
-                <a:latin typeface="나눔바른고딕" panose="020B0603020101020101" pitchFamily="50" charset="-127"/>
-                <a:ea typeface="나눔바른고딕" panose="020B0603020101020101" pitchFamily="50" charset="-127"/>
-              </a:rPr>
-              <a:t>" : 135000,...}</a:t>
             </a:r>
           </a:p>
         </p:txBody>
@@ -4635,20 +5093,20 @@
     </p:spTree>
     <p:extLst>
       <p:ext uri="{BB962C8B-B14F-4D97-AF65-F5344CB8AC3E}">
-        <p14:creationId xmlns:p14="http://schemas.microsoft.com/office/powerpoint/2010/main" val="618875499"/>
+        <p14:creationId xmlns:p14="http://schemas.microsoft.com/office/powerpoint/2010/main" val="1590072781"/>
       </p:ext>
     </p:extLst>
   </p:cSld>
   <p:clrMapOvr>
     <a:masterClrMapping/>
   </p:clrMapOvr>
-  <mc:AlternateContent xmlns:mc="http://schemas.openxmlformats.org/markup-compatibility/2006">
-    <mc:Choice xmlns:p159="http://schemas.microsoft.com/office/powerpoint/2015/09/main" Requires="p159">
+  <mc:AlternateContent xmlns:mc="http://schemas.openxmlformats.org/markup-compatibility/2006" xmlns:p159="http://schemas.microsoft.com/office/powerpoint/2015/09/main">
+    <mc:Choice Requires="p159">
       <p:transition xmlns:p14="http://schemas.microsoft.com/office/powerpoint/2010/main" spd="slow" p14:dur="2000">
         <p159:morph option="byObject"/>
       </p:transition>
     </mc:Choice>
-    <mc:Fallback>
+    <mc:Fallback xmlns="">
       <p:transition spd="slow">
         <p:fade/>
       </p:transition>
@@ -4747,6 +5205,431 @@
                 <a:latin typeface="나눔바른고딕" panose="020B0603020101020101" pitchFamily="50" charset="-127"/>
                 <a:ea typeface="나눔바른고딕" panose="020B0603020101020101" pitchFamily="50" charset="-127"/>
               </a:rPr>
+              <a:t>생성하기</a:t>
+            </a:r>
+            <a:endParaRPr lang="en-US" altLang="ko-KR" sz="3200" dirty="0">
+              <a:solidFill>
+                <a:schemeClr val="accent6">
+                  <a:lumMod val="75000"/>
+                </a:schemeClr>
+              </a:solidFill>
+              <a:latin typeface="나눔바른고딕" panose="020B0603020101020101" pitchFamily="50" charset="-127"/>
+              <a:ea typeface="나눔바른고딕" panose="020B0603020101020101" pitchFamily="50" charset="-127"/>
+            </a:endParaRPr>
+          </a:p>
+        </p:txBody>
+      </p:sp>
+      <p:sp>
+        <p:nvSpPr>
+          <p:cNvPr id="3" name="TextBox 2">
+            <a:extLst>
+              <a:ext uri="{FF2B5EF4-FFF2-40B4-BE49-F238E27FC236}">
+                <a16:creationId xmlns:a16="http://schemas.microsoft.com/office/drawing/2014/main" id="{1F24C6A1-8E73-4013-A629-5A8618AB10B9}"/>
+              </a:ext>
+            </a:extLst>
+          </p:cNvPr>
+          <p:cNvSpPr txBox="1"/>
+          <p:nvPr/>
+        </p:nvSpPr>
+        <p:spPr>
+          <a:xfrm>
+            <a:off x="1213594" y="2631444"/>
+            <a:ext cx="6074099" cy="523220"/>
+          </a:xfrm>
+          <a:prstGeom prst="rect">
+            <a:avLst/>
+          </a:prstGeom>
+          <a:noFill/>
+        </p:spPr>
+        <p:txBody>
+          <a:bodyPr wrap="none" rtlCol="0">
+            <a:spAutoFit/>
+          </a:bodyPr>
+          <a:lstStyle/>
+          <a:p>
+            <a:r>
+              <a:rPr lang="ko-KR" altLang="en-US" sz="2800" dirty="0" err="1">
+                <a:solidFill>
+                  <a:schemeClr val="tx1">
+                    <a:lumMod val="85000"/>
+                    <a:lumOff val="15000"/>
+                  </a:schemeClr>
+                </a:solidFill>
+                <a:latin typeface="나눔바른고딕" panose="020B0603020101020101" pitchFamily="50" charset="-127"/>
+                <a:ea typeface="나눔바른고딕" panose="020B0603020101020101" pitchFamily="50" charset="-127"/>
+              </a:rPr>
+              <a:t>딕셔너리이름</a:t>
+            </a:r>
+            <a:r>
+              <a:rPr lang="ko-KR" altLang="en-US" sz="2800" dirty="0">
+                <a:solidFill>
+                  <a:schemeClr val="tx1">
+                    <a:lumMod val="85000"/>
+                    <a:lumOff val="15000"/>
+                  </a:schemeClr>
+                </a:solidFill>
+                <a:latin typeface="나눔바른고딕" panose="020B0603020101020101" pitchFamily="50" charset="-127"/>
+                <a:ea typeface="나눔바른고딕" panose="020B0603020101020101" pitchFamily="50" charset="-127"/>
+              </a:rPr>
+              <a:t> </a:t>
+            </a:r>
+            <a:r>
+              <a:rPr lang="en-US" altLang="ko-KR" sz="2800" dirty="0">
+                <a:solidFill>
+                  <a:schemeClr val="tx1">
+                    <a:lumMod val="85000"/>
+                    <a:lumOff val="15000"/>
+                  </a:schemeClr>
+                </a:solidFill>
+                <a:latin typeface="나눔바른고딕" panose="020B0603020101020101" pitchFamily="50" charset="-127"/>
+                <a:ea typeface="나눔바른고딕" panose="020B0603020101020101" pitchFamily="50" charset="-127"/>
+              </a:rPr>
+              <a:t>= {</a:t>
+            </a:r>
+            <a:r>
+              <a:rPr lang="ko-KR" altLang="en-US" sz="2800" dirty="0">
+                <a:solidFill>
+                  <a:schemeClr val="tx1">
+                    <a:lumMod val="85000"/>
+                    <a:lumOff val="15000"/>
+                  </a:schemeClr>
+                </a:solidFill>
+                <a:latin typeface="나눔바른고딕" panose="020B0603020101020101" pitchFamily="50" charset="-127"/>
+                <a:ea typeface="나눔바른고딕" panose="020B0603020101020101" pitchFamily="50" charset="-127"/>
+              </a:rPr>
+              <a:t>키</a:t>
+            </a:r>
+            <a:r>
+              <a:rPr lang="en-US" altLang="ko-KR" sz="2800" dirty="0">
+                <a:solidFill>
+                  <a:schemeClr val="tx1">
+                    <a:lumMod val="85000"/>
+                    <a:lumOff val="15000"/>
+                  </a:schemeClr>
+                </a:solidFill>
+                <a:latin typeface="나눔바른고딕" panose="020B0603020101020101" pitchFamily="50" charset="-127"/>
+                <a:ea typeface="나눔바른고딕" panose="020B0603020101020101" pitchFamily="50" charset="-127"/>
+              </a:rPr>
+              <a:t>1 : </a:t>
+            </a:r>
+            <a:r>
+              <a:rPr lang="ko-KR" altLang="en-US" sz="2800" dirty="0">
+                <a:solidFill>
+                  <a:schemeClr val="tx1">
+                    <a:lumMod val="85000"/>
+                    <a:lumOff val="15000"/>
+                  </a:schemeClr>
+                </a:solidFill>
+                <a:latin typeface="나눔바른고딕" panose="020B0603020101020101" pitchFamily="50" charset="-127"/>
+                <a:ea typeface="나눔바른고딕" panose="020B0603020101020101" pitchFamily="50" charset="-127"/>
+              </a:rPr>
+              <a:t>값</a:t>
+            </a:r>
+            <a:r>
+              <a:rPr lang="en-US" altLang="ko-KR" sz="2800" dirty="0">
+                <a:solidFill>
+                  <a:schemeClr val="tx1">
+                    <a:lumMod val="85000"/>
+                    <a:lumOff val="15000"/>
+                  </a:schemeClr>
+                </a:solidFill>
+                <a:latin typeface="나눔바른고딕" panose="020B0603020101020101" pitchFamily="50" charset="-127"/>
+                <a:ea typeface="나눔바른고딕" panose="020B0603020101020101" pitchFamily="50" charset="-127"/>
+              </a:rPr>
+              <a:t>1, </a:t>
+            </a:r>
+            <a:r>
+              <a:rPr lang="ko-KR" altLang="en-US" sz="2800" dirty="0">
+                <a:solidFill>
+                  <a:schemeClr val="tx1">
+                    <a:lumMod val="85000"/>
+                    <a:lumOff val="15000"/>
+                  </a:schemeClr>
+                </a:solidFill>
+                <a:latin typeface="나눔바른고딕" panose="020B0603020101020101" pitchFamily="50" charset="-127"/>
+                <a:ea typeface="나눔바른고딕" panose="020B0603020101020101" pitchFamily="50" charset="-127"/>
+              </a:rPr>
+              <a:t>키</a:t>
+            </a:r>
+            <a:r>
+              <a:rPr lang="en-US" altLang="ko-KR" sz="2800" dirty="0">
+                <a:solidFill>
+                  <a:schemeClr val="tx1">
+                    <a:lumMod val="85000"/>
+                    <a:lumOff val="15000"/>
+                  </a:schemeClr>
+                </a:solidFill>
+                <a:latin typeface="나눔바른고딕" panose="020B0603020101020101" pitchFamily="50" charset="-127"/>
+                <a:ea typeface="나눔바른고딕" panose="020B0603020101020101" pitchFamily="50" charset="-127"/>
+              </a:rPr>
+              <a:t>2 : </a:t>
+            </a:r>
+            <a:r>
+              <a:rPr lang="ko-KR" altLang="en-US" sz="2800" dirty="0">
+                <a:solidFill>
+                  <a:schemeClr val="tx1">
+                    <a:lumMod val="85000"/>
+                    <a:lumOff val="15000"/>
+                  </a:schemeClr>
+                </a:solidFill>
+                <a:latin typeface="나눔바른고딕" panose="020B0603020101020101" pitchFamily="50" charset="-127"/>
+                <a:ea typeface="나눔바른고딕" panose="020B0603020101020101" pitchFamily="50" charset="-127"/>
+              </a:rPr>
+              <a:t>값</a:t>
+            </a:r>
+            <a:r>
+              <a:rPr lang="en-US" altLang="ko-KR" sz="2800" dirty="0">
+                <a:solidFill>
+                  <a:schemeClr val="tx1">
+                    <a:lumMod val="85000"/>
+                    <a:lumOff val="15000"/>
+                  </a:schemeClr>
+                </a:solidFill>
+                <a:latin typeface="나눔바른고딕" panose="020B0603020101020101" pitchFamily="50" charset="-127"/>
+                <a:ea typeface="나눔바른고딕" panose="020B0603020101020101" pitchFamily="50" charset="-127"/>
+              </a:rPr>
+              <a:t>2,...}</a:t>
+            </a:r>
+          </a:p>
+        </p:txBody>
+      </p:sp>
+      <p:sp>
+        <p:nvSpPr>
+          <p:cNvPr id="4" name="TextBox 3">
+            <a:extLst>
+              <a:ext uri="{FF2B5EF4-FFF2-40B4-BE49-F238E27FC236}">
+                <a16:creationId xmlns:a16="http://schemas.microsoft.com/office/drawing/2014/main" id="{E5FD6FFE-F8B0-4A3F-BA2B-52AB2CF284AC}"/>
+              </a:ext>
+            </a:extLst>
+          </p:cNvPr>
+          <p:cNvSpPr txBox="1"/>
+          <p:nvPr/>
+        </p:nvSpPr>
+        <p:spPr>
+          <a:xfrm>
+            <a:off x="1154300" y="3703337"/>
+            <a:ext cx="7597401" cy="523220"/>
+          </a:xfrm>
+          <a:prstGeom prst="rect">
+            <a:avLst/>
+          </a:prstGeom>
+          <a:noFill/>
+        </p:spPr>
+        <p:txBody>
+          <a:bodyPr wrap="none" rtlCol="0">
+            <a:spAutoFit/>
+          </a:bodyPr>
+          <a:lstStyle/>
+          <a:p>
+            <a:r>
+              <a:rPr lang="en-US" altLang="ko-KR" sz="2800" dirty="0" err="1">
+                <a:solidFill>
+                  <a:schemeClr val="tx1">
+                    <a:lumMod val="85000"/>
+                    <a:lumOff val="15000"/>
+                  </a:schemeClr>
+                </a:solidFill>
+                <a:latin typeface="나눔바른고딕" panose="020B0603020101020101" pitchFamily="50" charset="-127"/>
+                <a:ea typeface="나눔바른고딕" panose="020B0603020101020101" pitchFamily="50" charset="-127"/>
+              </a:rPr>
+              <a:t>dic</a:t>
+            </a:r>
+            <a:r>
+              <a:rPr lang="ko-KR" altLang="en-US" sz="2800" dirty="0">
+                <a:solidFill>
+                  <a:schemeClr val="tx1">
+                    <a:lumMod val="85000"/>
+                    <a:lumOff val="15000"/>
+                  </a:schemeClr>
+                </a:solidFill>
+                <a:latin typeface="나눔바른고딕" panose="020B0603020101020101" pitchFamily="50" charset="-127"/>
+                <a:ea typeface="나눔바른고딕" panose="020B0603020101020101" pitchFamily="50" charset="-127"/>
+              </a:rPr>
+              <a:t> </a:t>
+            </a:r>
+            <a:r>
+              <a:rPr lang="en-US" altLang="ko-KR" sz="2800" dirty="0">
+                <a:solidFill>
+                  <a:schemeClr val="tx1">
+                    <a:lumMod val="85000"/>
+                    <a:lumOff val="15000"/>
+                  </a:schemeClr>
+                </a:solidFill>
+                <a:latin typeface="나눔바른고딕" panose="020B0603020101020101" pitchFamily="50" charset="-127"/>
+                <a:ea typeface="나눔바른고딕" panose="020B0603020101020101" pitchFamily="50" charset="-127"/>
+              </a:rPr>
+              <a:t>= {"</a:t>
+            </a:r>
+            <a:r>
+              <a:rPr lang="ko-KR" altLang="en-US" sz="2800" dirty="0">
+                <a:solidFill>
+                  <a:schemeClr val="tx1">
+                    <a:lumMod val="85000"/>
+                    <a:lumOff val="15000"/>
+                  </a:schemeClr>
+                </a:solidFill>
+                <a:latin typeface="나눔바른고딕" panose="020B0603020101020101" pitchFamily="50" charset="-127"/>
+                <a:ea typeface="나눔바른고딕" panose="020B0603020101020101" pitchFamily="50" charset="-127"/>
+              </a:rPr>
+              <a:t>삼성전자</a:t>
+            </a:r>
+            <a:r>
+              <a:rPr lang="en-US" altLang="ko-KR" sz="2800" dirty="0">
+                <a:solidFill>
+                  <a:schemeClr val="tx1">
+                    <a:lumMod val="85000"/>
+                    <a:lumOff val="15000"/>
+                  </a:schemeClr>
+                </a:solidFill>
+                <a:latin typeface="나눔바른고딕" panose="020B0603020101020101" pitchFamily="50" charset="-127"/>
+                <a:ea typeface="나눔바른고딕" panose="020B0603020101020101" pitchFamily="50" charset="-127"/>
+              </a:rPr>
+              <a:t>" : 85000, "LG</a:t>
+            </a:r>
+            <a:r>
+              <a:rPr lang="ko-KR" altLang="en-US" sz="2800" dirty="0">
+                <a:solidFill>
+                  <a:schemeClr val="tx1">
+                    <a:lumMod val="85000"/>
+                    <a:lumOff val="15000"/>
+                  </a:schemeClr>
+                </a:solidFill>
+                <a:latin typeface="나눔바른고딕" panose="020B0603020101020101" pitchFamily="50" charset="-127"/>
+                <a:ea typeface="나눔바른고딕" panose="020B0603020101020101" pitchFamily="50" charset="-127"/>
+              </a:rPr>
+              <a:t>전자</a:t>
+            </a:r>
+            <a:r>
+              <a:rPr lang="en-US" altLang="ko-KR" sz="2800" dirty="0">
+                <a:solidFill>
+                  <a:schemeClr val="tx1">
+                    <a:lumMod val="85000"/>
+                    <a:lumOff val="15000"/>
+                  </a:schemeClr>
+                </a:solidFill>
+                <a:latin typeface="나눔바른고딕" panose="020B0603020101020101" pitchFamily="50" charset="-127"/>
+                <a:ea typeface="나눔바른고딕" panose="020B0603020101020101" pitchFamily="50" charset="-127"/>
+              </a:rPr>
+              <a:t>" : 135000,...}</a:t>
+            </a:r>
+          </a:p>
+        </p:txBody>
+      </p:sp>
+    </p:spTree>
+    <p:extLst>
+      <p:ext uri="{BB962C8B-B14F-4D97-AF65-F5344CB8AC3E}">
+        <p14:creationId xmlns:p14="http://schemas.microsoft.com/office/powerpoint/2010/main" val="618875499"/>
+      </p:ext>
+    </p:extLst>
+  </p:cSld>
+  <p:clrMapOvr>
+    <a:masterClrMapping/>
+  </p:clrMapOvr>
+  <mc:AlternateContent xmlns:mc="http://schemas.openxmlformats.org/markup-compatibility/2006" xmlns:p159="http://schemas.microsoft.com/office/powerpoint/2015/09/main">
+    <mc:Choice Requires="p159">
+      <p:transition xmlns:p14="http://schemas.microsoft.com/office/powerpoint/2010/main" spd="slow" p14:dur="2000">
+        <p159:morph option="byObject"/>
+      </p:transition>
+    </mc:Choice>
+    <mc:Fallback xmlns="">
+      <p:transition spd="slow">
+        <p:fade/>
+      </p:transition>
+    </mc:Fallback>
+  </mc:AlternateContent>
+</p:sld>
+</file>
+
+<file path=ppt/slides/slide15.xml><?xml version="1.0" encoding="utf-8"?>
+<p:sld xmlns:a="http://schemas.openxmlformats.org/drawingml/2006/main" xmlns:r="http://schemas.openxmlformats.org/officeDocument/2006/relationships" xmlns:p="http://schemas.openxmlformats.org/presentationml/2006/main">
+  <p:cSld>
+    <p:bg>
+      <p:bgPr>
+        <a:solidFill>
+          <a:schemeClr val="bg1"/>
+        </a:solidFill>
+        <a:effectLst/>
+      </p:bgPr>
+    </p:bg>
+    <p:spTree>
+      <p:nvGrpSpPr>
+        <p:cNvPr id="1" name=""/>
+        <p:cNvGrpSpPr/>
+        <p:nvPr/>
+      </p:nvGrpSpPr>
+      <p:grpSpPr>
+        <a:xfrm>
+          <a:off x="0" y="0"/>
+          <a:ext cx="0" cy="0"/>
+          <a:chOff x="0" y="0"/>
+          <a:chExt cx="0" cy="0"/>
+        </a:xfrm>
+      </p:grpSpPr>
+      <p:sp>
+        <p:nvSpPr>
+          <p:cNvPr id="2" name="TextBox 1">
+            <a:extLst>
+              <a:ext uri="{FF2B5EF4-FFF2-40B4-BE49-F238E27FC236}">
+                <a16:creationId xmlns:a16="http://schemas.microsoft.com/office/drawing/2014/main" id="{0B332A50-CC0E-4C7E-B47E-E7CFBA7B423B}"/>
+              </a:ext>
+            </a:extLst>
+          </p:cNvPr>
+          <p:cNvSpPr txBox="1"/>
+          <p:nvPr/>
+        </p:nvSpPr>
+        <p:spPr>
+          <a:xfrm>
+            <a:off x="2592418" y="1268760"/>
+            <a:ext cx="4721165" cy="830997"/>
+          </a:xfrm>
+          <a:prstGeom prst="rect">
+            <a:avLst/>
+          </a:prstGeom>
+          <a:noFill/>
+        </p:spPr>
+        <p:txBody>
+          <a:bodyPr wrap="none" rtlCol="0">
+            <a:spAutoFit/>
+          </a:bodyPr>
+          <a:lstStyle/>
+          <a:p>
+            <a:pPr algn="ctr"/>
+            <a:r>
+              <a:rPr lang="ko-KR" altLang="en-US" sz="4800" dirty="0" err="1">
+                <a:solidFill>
+                  <a:schemeClr val="tx1">
+                    <a:lumMod val="85000"/>
+                    <a:lumOff val="15000"/>
+                  </a:schemeClr>
+                </a:solidFill>
+                <a:latin typeface="나눔바른고딕" panose="020B0603020101020101" pitchFamily="50" charset="-127"/>
+                <a:ea typeface="나눔바른고딕" panose="020B0603020101020101" pitchFamily="50" charset="-127"/>
+              </a:rPr>
+              <a:t>딕셔너리</a:t>
+            </a:r>
+            <a:r>
+              <a:rPr lang="en-US" altLang="ko-KR" sz="4800" dirty="0">
+                <a:solidFill>
+                  <a:schemeClr val="tx1">
+                    <a:lumMod val="85000"/>
+                    <a:lumOff val="15000"/>
+                  </a:schemeClr>
+                </a:solidFill>
+                <a:latin typeface="나눔바른고딕" panose="020B0603020101020101" pitchFamily="50" charset="-127"/>
+                <a:ea typeface="나눔바른고딕" panose="020B0603020101020101" pitchFamily="50" charset="-127"/>
+              </a:rPr>
+              <a:t> </a:t>
+            </a:r>
+            <a:r>
+              <a:rPr lang="ko-KR" altLang="en-US" sz="4800" dirty="0">
+                <a:solidFill>
+                  <a:schemeClr val="accent6">
+                    <a:lumMod val="75000"/>
+                  </a:schemeClr>
+                </a:solidFill>
+                <a:latin typeface="나눔바른고딕" panose="020B0603020101020101" pitchFamily="50" charset="-127"/>
+                <a:ea typeface="나눔바른고딕" panose="020B0603020101020101" pitchFamily="50" charset="-127"/>
+              </a:rPr>
               <a:t>접근하기</a:t>
             </a:r>
             <a:endParaRPr lang="en-US" altLang="ko-KR" sz="3200" dirty="0">
@@ -5030,13 +5913,13 @@
   <p:clrMapOvr>
     <a:masterClrMapping/>
   </p:clrMapOvr>
-  <mc:AlternateContent xmlns:mc="http://schemas.openxmlformats.org/markup-compatibility/2006">
-    <mc:Choice xmlns:p159="http://schemas.microsoft.com/office/powerpoint/2015/09/main" Requires="p159">
+  <mc:AlternateContent xmlns:mc="http://schemas.openxmlformats.org/markup-compatibility/2006" xmlns:p159="http://schemas.microsoft.com/office/powerpoint/2015/09/main">
+    <mc:Choice Requires="p159">
       <p:transition xmlns:p14="http://schemas.microsoft.com/office/powerpoint/2010/main" spd="slow" p14:dur="2000">
         <p159:morph option="byObject"/>
       </p:transition>
     </mc:Choice>
-    <mc:Fallback>
+    <mc:Fallback xmlns="">
       <p:transition spd="slow">
         <p:fade/>
       </p:transition>
@@ -5045,7 +5928,7 @@
 </p:sld>
 </file>
 
-<file path=ppt/slides/slide15.xml><?xml version="1.0" encoding="utf-8"?>
+<file path=ppt/slides/slide16.xml><?xml version="1.0" encoding="utf-8"?>
 <p:sld xmlns:a="http://schemas.openxmlformats.org/drawingml/2006/main" xmlns:r="http://schemas.openxmlformats.org/officeDocument/2006/relationships" xmlns:p="http://schemas.openxmlformats.org/presentationml/2006/main">
   <p:cSld>
     <p:bg>
@@ -5588,13 +6471,13 @@
   <p:clrMapOvr>
     <a:masterClrMapping/>
   </p:clrMapOvr>
-  <mc:AlternateContent xmlns:mc="http://schemas.openxmlformats.org/markup-compatibility/2006">
-    <mc:Choice xmlns:p159="http://schemas.microsoft.com/office/powerpoint/2015/09/main" Requires="p159">
+  <mc:AlternateContent xmlns:mc="http://schemas.openxmlformats.org/markup-compatibility/2006" xmlns:p159="http://schemas.microsoft.com/office/powerpoint/2015/09/main">
+    <mc:Choice Requires="p159">
       <p:transition xmlns:p14="http://schemas.microsoft.com/office/powerpoint/2010/main" spd="slow" p14:dur="2000">
         <p159:morph option="byObject"/>
       </p:transition>
     </mc:Choice>
-    <mc:Fallback>
+    <mc:Fallback xmlns="">
       <p:transition spd="slow">
         <p:fade/>
       </p:transition>
@@ -5603,7 +6486,7 @@
 </p:sld>
 </file>
 
-<file path=ppt/slides/slide16.xml><?xml version="1.0" encoding="utf-8"?>
+<file path=ppt/slides/slide17.xml><?xml version="1.0" encoding="utf-8"?>
 <p:sld xmlns:a="http://schemas.openxmlformats.org/drawingml/2006/main" xmlns:r="http://schemas.openxmlformats.org/officeDocument/2006/relationships" xmlns:p="http://schemas.openxmlformats.org/presentationml/2006/main">
   <p:cSld>
     <p:bg>
@@ -6404,13 +7287,13 @@
   <p:clrMapOvr>
     <a:masterClrMapping/>
   </p:clrMapOvr>
-  <mc:AlternateContent xmlns:mc="http://schemas.openxmlformats.org/markup-compatibility/2006">
-    <mc:Choice xmlns:p159="http://schemas.microsoft.com/office/powerpoint/2015/09/main" Requires="p159">
+  <mc:AlternateContent xmlns:mc="http://schemas.openxmlformats.org/markup-compatibility/2006" xmlns:p159="http://schemas.microsoft.com/office/powerpoint/2015/09/main">
+    <mc:Choice Requires="p159">
       <p:transition xmlns:p14="http://schemas.microsoft.com/office/powerpoint/2010/main" spd="slow" p14:dur="2000">
         <p159:morph option="byObject"/>
       </p:transition>
     </mc:Choice>
-    <mc:Fallback>
+    <mc:Fallback xmlns="">
       <p:transition spd="slow">
         <p:fade/>
       </p:transition>
@@ -6420,6 +7303,556 @@
 </file>
 
 <file path=ppt/slides/slide2.xml><?xml version="1.0" encoding="utf-8"?>
+<p:sld xmlns:a="http://schemas.openxmlformats.org/drawingml/2006/main" xmlns:r="http://schemas.openxmlformats.org/officeDocument/2006/relationships" xmlns:p="http://schemas.openxmlformats.org/presentationml/2006/main">
+  <p:cSld>
+    <p:bg>
+      <p:bgPr>
+        <a:solidFill>
+          <a:schemeClr val="accent1"/>
+        </a:solidFill>
+        <a:effectLst/>
+      </p:bgPr>
+    </p:bg>
+    <p:spTree>
+      <p:nvGrpSpPr>
+        <p:cNvPr id="1" name=""/>
+        <p:cNvGrpSpPr/>
+        <p:nvPr/>
+      </p:nvGrpSpPr>
+      <p:grpSpPr>
+        <a:xfrm>
+          <a:off x="0" y="0"/>
+          <a:ext cx="0" cy="0"/>
+          <a:chOff x="0" y="0"/>
+          <a:chExt cx="0" cy="0"/>
+        </a:xfrm>
+      </p:grpSpPr>
+      <p:sp>
+        <p:nvSpPr>
+          <p:cNvPr id="2" name="제목 1"/>
+          <p:cNvSpPr>
+            <a:spLocks noGrp="1"/>
+          </p:cNvSpPr>
+          <p:nvPr>
+            <p:ph type="ctrTitle"/>
+          </p:nvPr>
+        </p:nvSpPr>
+        <p:spPr>
+          <a:xfrm>
+            <a:off x="1066800" y="332656"/>
+            <a:ext cx="7772400" cy="6336704"/>
+          </a:xfrm>
+        </p:spPr>
+        <p:txBody>
+          <a:bodyPr>
+            <a:normAutofit/>
+          </a:bodyPr>
+          <a:lstStyle/>
+          <a:p>
+            <a:pPr algn="l">
+              <a:lnSpc>
+                <a:spcPct val="120000"/>
+              </a:lnSpc>
+            </a:pPr>
+            <a:r>
+              <a:rPr lang="ko-KR" altLang="en-US" sz="4900" b="1" spc="-150" dirty="0">
+                <a:ln>
+                  <a:solidFill>
+                    <a:schemeClr val="accent1">
+                      <a:alpha val="0"/>
+                    </a:schemeClr>
+                  </a:solidFill>
+                </a:ln>
+                <a:solidFill>
+                  <a:schemeClr val="bg1"/>
+                </a:solidFill>
+                <a:latin typeface="나눔바른고딕" panose="020B0603020101020101" pitchFamily="50" charset="-127"/>
+                <a:ea typeface="나눔바른고딕" panose="020B0603020101020101" pitchFamily="50" charset="-127"/>
+              </a:rPr>
+              <a:t>목차</a:t>
+            </a:r>
+            <a:br>
+              <a:rPr lang="en-US" altLang="ko-KR" spc="-150" dirty="0">
+                <a:ln>
+                  <a:solidFill>
+                    <a:schemeClr val="accent1">
+                      <a:alpha val="0"/>
+                    </a:schemeClr>
+                  </a:solidFill>
+                </a:ln>
+                <a:solidFill>
+                  <a:schemeClr val="bg1"/>
+                </a:solidFill>
+                <a:latin typeface="나눔바른고딕" panose="020B0603020101020101" pitchFamily="50" charset="-127"/>
+                <a:ea typeface="나눔바른고딕" panose="020B0603020101020101" pitchFamily="50" charset="-127"/>
+              </a:rPr>
+            </a:br>
+            <a:r>
+              <a:rPr lang="en-US" altLang="ko-KR" sz="2800" spc="-150" dirty="0">
+                <a:ln>
+                  <a:solidFill>
+                    <a:schemeClr val="accent1">
+                      <a:alpha val="0"/>
+                    </a:schemeClr>
+                  </a:solidFill>
+                </a:ln>
+                <a:solidFill>
+                  <a:schemeClr val="bg1"/>
+                </a:solidFill>
+                <a:latin typeface="나눔바른고딕" panose="020B0603020101020101" pitchFamily="50" charset="-127"/>
+                <a:ea typeface="나눔바른고딕" panose="020B0603020101020101" pitchFamily="50" charset="-127"/>
+              </a:rPr>
+              <a:t>1. </a:t>
+            </a:r>
+            <a:r>
+              <a:rPr lang="ko-KR" altLang="en-US" sz="2800" spc="-150" dirty="0" err="1">
+                <a:ln>
+                  <a:solidFill>
+                    <a:schemeClr val="accent1">
+                      <a:alpha val="0"/>
+                    </a:schemeClr>
+                  </a:solidFill>
+                </a:ln>
+                <a:solidFill>
+                  <a:schemeClr val="bg1"/>
+                </a:solidFill>
+                <a:latin typeface="나눔바른고딕" panose="020B0603020101020101" pitchFamily="50" charset="-127"/>
+                <a:ea typeface="나눔바른고딕" panose="020B0603020101020101" pitchFamily="50" charset="-127"/>
+              </a:rPr>
+              <a:t>튜플</a:t>
+            </a:r>
+            <a:br>
+              <a:rPr lang="en-US" altLang="ko-KR" sz="2800" spc="-150" dirty="0">
+                <a:ln>
+                  <a:solidFill>
+                    <a:schemeClr val="accent1">
+                      <a:alpha val="0"/>
+                    </a:schemeClr>
+                  </a:solidFill>
+                </a:ln>
+                <a:solidFill>
+                  <a:schemeClr val="bg1"/>
+                </a:solidFill>
+                <a:latin typeface="나눔바른고딕" panose="020B0603020101020101" pitchFamily="50" charset="-127"/>
+                <a:ea typeface="나눔바른고딕" panose="020B0603020101020101" pitchFamily="50" charset="-127"/>
+              </a:rPr>
+            </a:br>
+            <a:r>
+              <a:rPr lang="en-US" altLang="ko-KR" sz="2800" spc="-150" dirty="0">
+                <a:ln>
+                  <a:solidFill>
+                    <a:schemeClr val="accent1">
+                      <a:alpha val="0"/>
+                    </a:schemeClr>
+                  </a:solidFill>
+                </a:ln>
+                <a:solidFill>
+                  <a:schemeClr val="bg1"/>
+                </a:solidFill>
+                <a:latin typeface="나눔바른고딕" panose="020B0603020101020101" pitchFamily="50" charset="-127"/>
+                <a:ea typeface="나눔바른고딕" panose="020B0603020101020101" pitchFamily="50" charset="-127"/>
+              </a:rPr>
+              <a:t>2. </a:t>
+            </a:r>
+            <a:r>
+              <a:rPr lang="ko-KR" altLang="en-US" sz="2800" spc="-150" dirty="0" err="1">
+                <a:ln>
+                  <a:solidFill>
+                    <a:schemeClr val="accent1">
+                      <a:alpha val="0"/>
+                    </a:schemeClr>
+                  </a:solidFill>
+                </a:ln>
+                <a:solidFill>
+                  <a:schemeClr val="bg1"/>
+                </a:solidFill>
+                <a:latin typeface="나눔바른고딕" panose="020B0603020101020101" pitchFamily="50" charset="-127"/>
+                <a:ea typeface="나눔바른고딕" panose="020B0603020101020101" pitchFamily="50" charset="-127"/>
+              </a:rPr>
+              <a:t>튜플</a:t>
+            </a:r>
+            <a:r>
+              <a:rPr lang="ko-KR" altLang="en-US" sz="2800" spc="-150" dirty="0">
+                <a:ln>
+                  <a:solidFill>
+                    <a:schemeClr val="accent1">
+                      <a:alpha val="0"/>
+                    </a:schemeClr>
+                  </a:solidFill>
+                </a:ln>
+                <a:solidFill>
+                  <a:schemeClr val="bg1"/>
+                </a:solidFill>
+                <a:latin typeface="나눔바른고딕" panose="020B0603020101020101" pitchFamily="50" charset="-127"/>
+                <a:ea typeface="나눔바른고딕" panose="020B0603020101020101" pitchFamily="50" charset="-127"/>
+              </a:rPr>
+              <a:t> 생성하기</a:t>
+            </a:r>
+            <a:br>
+              <a:rPr lang="en-US" altLang="ko-KR" sz="2800" spc="-150" dirty="0">
+                <a:ln>
+                  <a:solidFill>
+                    <a:schemeClr val="accent1">
+                      <a:alpha val="0"/>
+                    </a:schemeClr>
+                  </a:solidFill>
+                </a:ln>
+                <a:solidFill>
+                  <a:schemeClr val="bg1"/>
+                </a:solidFill>
+                <a:latin typeface="나눔바른고딕" panose="020B0603020101020101" pitchFamily="50" charset="-127"/>
+                <a:ea typeface="나눔바른고딕" panose="020B0603020101020101" pitchFamily="50" charset="-127"/>
+              </a:rPr>
+            </a:br>
+            <a:r>
+              <a:rPr lang="en-US" altLang="ko-KR" sz="2800" spc="-150" dirty="0">
+                <a:ln>
+                  <a:solidFill>
+                    <a:schemeClr val="accent1">
+                      <a:alpha val="0"/>
+                    </a:schemeClr>
+                  </a:solidFill>
+                </a:ln>
+                <a:solidFill>
+                  <a:schemeClr val="bg1"/>
+                </a:solidFill>
+                <a:latin typeface="나눔바른고딕" panose="020B0603020101020101" pitchFamily="50" charset="-127"/>
+                <a:ea typeface="나눔바른고딕" panose="020B0603020101020101" pitchFamily="50" charset="-127"/>
+              </a:rPr>
+              <a:t>3. </a:t>
+            </a:r>
+            <a:r>
+              <a:rPr lang="ko-KR" altLang="en-US" sz="2800" spc="-150" dirty="0" err="1">
+                <a:ln>
+                  <a:solidFill>
+                    <a:schemeClr val="accent1">
+                      <a:alpha val="0"/>
+                    </a:schemeClr>
+                  </a:solidFill>
+                </a:ln>
+                <a:solidFill>
+                  <a:schemeClr val="bg1"/>
+                </a:solidFill>
+                <a:latin typeface="나눔바른고딕" panose="020B0603020101020101" pitchFamily="50" charset="-127"/>
+                <a:ea typeface="나눔바른고딕" panose="020B0603020101020101" pitchFamily="50" charset="-127"/>
+              </a:rPr>
+              <a:t>튜플</a:t>
+            </a:r>
+            <a:r>
+              <a:rPr lang="ko-KR" altLang="en-US" sz="2800" spc="-150" dirty="0">
+                <a:ln>
+                  <a:solidFill>
+                    <a:schemeClr val="accent1">
+                      <a:alpha val="0"/>
+                    </a:schemeClr>
+                  </a:solidFill>
+                </a:ln>
+                <a:solidFill>
+                  <a:schemeClr val="bg1"/>
+                </a:solidFill>
+                <a:latin typeface="나눔바른고딕" panose="020B0603020101020101" pitchFamily="50" charset="-127"/>
+                <a:ea typeface="나눔바른고딕" panose="020B0603020101020101" pitchFamily="50" charset="-127"/>
+              </a:rPr>
+              <a:t> 사용하는 이유</a:t>
+            </a:r>
+            <a:r>
+              <a:rPr lang="en-US" altLang="ko-KR" sz="2800" spc="-150" dirty="0">
+                <a:ln>
+                  <a:solidFill>
+                    <a:schemeClr val="accent1">
+                      <a:alpha val="0"/>
+                    </a:schemeClr>
+                  </a:solidFill>
+                </a:ln>
+                <a:solidFill>
+                  <a:schemeClr val="bg1"/>
+                </a:solidFill>
+                <a:latin typeface="나눔바른고딕" panose="020B0603020101020101" pitchFamily="50" charset="-127"/>
+                <a:ea typeface="나눔바른고딕" panose="020B0603020101020101" pitchFamily="50" charset="-127"/>
+              </a:rPr>
+              <a:t>?</a:t>
+            </a:r>
+            <a:br>
+              <a:rPr lang="en-US" altLang="ko-KR" sz="2800" spc="-150" dirty="0">
+                <a:ln>
+                  <a:solidFill>
+                    <a:schemeClr val="accent1">
+                      <a:alpha val="0"/>
+                    </a:schemeClr>
+                  </a:solidFill>
+                </a:ln>
+                <a:solidFill>
+                  <a:schemeClr val="bg1"/>
+                </a:solidFill>
+                <a:latin typeface="나눔바른고딕" panose="020B0603020101020101" pitchFamily="50" charset="-127"/>
+                <a:ea typeface="나눔바른고딕" panose="020B0603020101020101" pitchFamily="50" charset="-127"/>
+              </a:rPr>
+            </a:br>
+            <a:r>
+              <a:rPr lang="en-US" altLang="ko-KR" sz="2800" spc="-150" dirty="0">
+                <a:ln>
+                  <a:solidFill>
+                    <a:schemeClr val="accent1">
+                      <a:alpha val="0"/>
+                    </a:schemeClr>
+                  </a:solidFill>
+                </a:ln>
+                <a:solidFill>
+                  <a:schemeClr val="bg1"/>
+                </a:solidFill>
+                <a:latin typeface="나눔바른고딕" panose="020B0603020101020101" pitchFamily="50" charset="-127"/>
+                <a:ea typeface="나눔바른고딕" panose="020B0603020101020101" pitchFamily="50" charset="-127"/>
+              </a:rPr>
+              <a:t>4. </a:t>
+            </a:r>
+            <a:r>
+              <a:rPr lang="ko-KR" altLang="en-US" sz="2800" spc="-150" dirty="0" err="1">
+                <a:ln>
+                  <a:solidFill>
+                    <a:schemeClr val="accent1">
+                      <a:alpha val="0"/>
+                    </a:schemeClr>
+                  </a:solidFill>
+                </a:ln>
+                <a:solidFill>
+                  <a:schemeClr val="bg1"/>
+                </a:solidFill>
+                <a:latin typeface="나눔바른고딕" panose="020B0603020101020101" pitchFamily="50" charset="-127"/>
+                <a:ea typeface="나눔바른고딕" panose="020B0603020101020101" pitchFamily="50" charset="-127"/>
+              </a:rPr>
+              <a:t>딕셔너리</a:t>
+            </a:r>
+            <a:br>
+              <a:rPr lang="en-US" altLang="ko-KR" sz="2800" spc="-150" dirty="0">
+                <a:ln>
+                  <a:solidFill>
+                    <a:schemeClr val="accent1">
+                      <a:alpha val="0"/>
+                    </a:schemeClr>
+                  </a:solidFill>
+                </a:ln>
+                <a:solidFill>
+                  <a:schemeClr val="bg1"/>
+                </a:solidFill>
+                <a:latin typeface="나눔바른고딕" panose="020B0603020101020101" pitchFamily="50" charset="-127"/>
+                <a:ea typeface="나눔바른고딕" panose="020B0603020101020101" pitchFamily="50" charset="-127"/>
+              </a:rPr>
+            </a:br>
+            <a:r>
+              <a:rPr lang="en-US" altLang="ko-KR" sz="2800" spc="-150" dirty="0">
+                <a:ln>
+                  <a:solidFill>
+                    <a:schemeClr val="accent1">
+                      <a:alpha val="0"/>
+                    </a:schemeClr>
+                  </a:solidFill>
+                </a:ln>
+                <a:solidFill>
+                  <a:schemeClr val="bg1"/>
+                </a:solidFill>
+                <a:latin typeface="나눔바른고딕" panose="020B0603020101020101" pitchFamily="50" charset="-127"/>
+                <a:ea typeface="나눔바른고딕" panose="020B0603020101020101" pitchFamily="50" charset="-127"/>
+              </a:rPr>
+              <a:t>5. </a:t>
+            </a:r>
+            <a:r>
+              <a:rPr lang="ko-KR" altLang="en-US" sz="2800" spc="-150" dirty="0" err="1">
+                <a:ln>
+                  <a:solidFill>
+                    <a:schemeClr val="accent1">
+                      <a:alpha val="0"/>
+                    </a:schemeClr>
+                  </a:solidFill>
+                </a:ln>
+                <a:solidFill>
+                  <a:schemeClr val="bg1"/>
+                </a:solidFill>
+                <a:latin typeface="나눔바른고딕" panose="020B0603020101020101" pitchFamily="50" charset="-127"/>
+                <a:ea typeface="나눔바른고딕" panose="020B0603020101020101" pitchFamily="50" charset="-127"/>
+              </a:rPr>
+              <a:t>딕셔너리</a:t>
+            </a:r>
+            <a:r>
+              <a:rPr lang="ko-KR" altLang="en-US" sz="2800" spc="-150" dirty="0">
+                <a:ln>
+                  <a:solidFill>
+                    <a:schemeClr val="accent1">
+                      <a:alpha val="0"/>
+                    </a:schemeClr>
+                  </a:solidFill>
+                </a:ln>
+                <a:solidFill>
+                  <a:schemeClr val="bg1"/>
+                </a:solidFill>
+                <a:latin typeface="나눔바른고딕" panose="020B0603020101020101" pitchFamily="50" charset="-127"/>
+                <a:ea typeface="나눔바른고딕" panose="020B0603020101020101" pitchFamily="50" charset="-127"/>
+              </a:rPr>
+              <a:t> 생성하기</a:t>
+            </a:r>
+            <a:br>
+              <a:rPr lang="en-US" altLang="ko-KR" sz="2800" spc="-150" dirty="0">
+                <a:ln>
+                  <a:solidFill>
+                    <a:schemeClr val="accent1">
+                      <a:alpha val="0"/>
+                    </a:schemeClr>
+                  </a:solidFill>
+                </a:ln>
+                <a:solidFill>
+                  <a:schemeClr val="bg1"/>
+                </a:solidFill>
+                <a:latin typeface="나눔바른고딕" panose="020B0603020101020101" pitchFamily="50" charset="-127"/>
+                <a:ea typeface="나눔바른고딕" panose="020B0603020101020101" pitchFamily="50" charset="-127"/>
+              </a:rPr>
+            </a:br>
+            <a:r>
+              <a:rPr lang="en-US" altLang="ko-KR" sz="2800" spc="-150" dirty="0">
+                <a:ln>
+                  <a:solidFill>
+                    <a:schemeClr val="accent1">
+                      <a:alpha val="0"/>
+                    </a:schemeClr>
+                  </a:solidFill>
+                </a:ln>
+                <a:solidFill>
+                  <a:schemeClr val="bg1"/>
+                </a:solidFill>
+                <a:latin typeface="나눔바른고딕" panose="020B0603020101020101" pitchFamily="50" charset="-127"/>
+                <a:ea typeface="나눔바른고딕" panose="020B0603020101020101" pitchFamily="50" charset="-127"/>
+              </a:rPr>
+              <a:t>6. </a:t>
+            </a:r>
+            <a:r>
+              <a:rPr lang="ko-KR" altLang="en-US" sz="2800" spc="-150" dirty="0" err="1">
+                <a:ln>
+                  <a:solidFill>
+                    <a:schemeClr val="accent1">
+                      <a:alpha val="0"/>
+                    </a:schemeClr>
+                  </a:solidFill>
+                </a:ln>
+                <a:solidFill>
+                  <a:schemeClr val="bg1"/>
+                </a:solidFill>
+                <a:latin typeface="나눔바른고딕" panose="020B0603020101020101" pitchFamily="50" charset="-127"/>
+                <a:ea typeface="나눔바른고딕" panose="020B0603020101020101" pitchFamily="50" charset="-127"/>
+              </a:rPr>
+              <a:t>딕셔너리</a:t>
+            </a:r>
+            <a:r>
+              <a:rPr lang="ko-KR" altLang="en-US" sz="2800" spc="-150" dirty="0">
+                <a:ln>
+                  <a:solidFill>
+                    <a:schemeClr val="accent1">
+                      <a:alpha val="0"/>
+                    </a:schemeClr>
+                  </a:solidFill>
+                </a:ln>
+                <a:solidFill>
+                  <a:schemeClr val="bg1"/>
+                </a:solidFill>
+                <a:latin typeface="나눔바른고딕" panose="020B0603020101020101" pitchFamily="50" charset="-127"/>
+                <a:ea typeface="나눔바른고딕" panose="020B0603020101020101" pitchFamily="50" charset="-127"/>
+              </a:rPr>
+              <a:t> 접근하기</a:t>
+            </a:r>
+            <a:endParaRPr lang="ko-KR" altLang="en-US" sz="3600" spc="-150" dirty="0">
+              <a:ln>
+                <a:solidFill>
+                  <a:schemeClr val="accent1">
+                    <a:alpha val="0"/>
+                  </a:schemeClr>
+                </a:solidFill>
+              </a:ln>
+              <a:solidFill>
+                <a:schemeClr val="bg1"/>
+              </a:solidFill>
+              <a:latin typeface="나눔바른고딕" panose="020B0603020101020101" pitchFamily="50" charset="-127"/>
+              <a:ea typeface="나눔바른고딕" panose="020B0603020101020101" pitchFamily="50" charset="-127"/>
+            </a:endParaRPr>
+          </a:p>
+        </p:txBody>
+      </p:sp>
+      <p:sp>
+        <p:nvSpPr>
+          <p:cNvPr id="4" name="직사각형 3">
+            <a:extLst>
+              <a:ext uri="{FF2B5EF4-FFF2-40B4-BE49-F238E27FC236}">
+                <a16:creationId xmlns:a16="http://schemas.microsoft.com/office/drawing/2014/main" id="{12A01813-1224-4057-A734-0167D1762A29}"/>
+              </a:ext>
+            </a:extLst>
+          </p:cNvPr>
+          <p:cNvSpPr/>
+          <p:nvPr/>
+        </p:nvSpPr>
+        <p:spPr>
+          <a:xfrm>
+            <a:off x="6161584" y="-198784"/>
+            <a:ext cx="3744416" cy="7056784"/>
+          </a:xfrm>
+          <a:prstGeom prst="rect">
+            <a:avLst/>
+          </a:prstGeom>
+          <a:solidFill>
+            <a:schemeClr val="bg1">
+              <a:lumMod val="95000"/>
+            </a:schemeClr>
+          </a:solidFill>
+          <a:ln>
+            <a:noFill/>
+          </a:ln>
+        </p:spPr>
+        <p:style>
+          <a:lnRef idx="2">
+            <a:schemeClr val="accent1">
+              <a:shade val="50000"/>
+            </a:schemeClr>
+          </a:lnRef>
+          <a:fillRef idx="1">
+            <a:schemeClr val="accent1"/>
+          </a:fillRef>
+          <a:effectRef idx="0">
+            <a:schemeClr val="accent1"/>
+          </a:effectRef>
+          <a:fontRef idx="minor">
+            <a:schemeClr val="lt1"/>
+          </a:fontRef>
+        </p:style>
+        <p:txBody>
+          <a:bodyPr rtlCol="0" anchor="ctr"/>
+          <a:lstStyle/>
+          <a:p>
+            <a:pPr algn="ctr"/>
+            <a:endParaRPr lang="ko-KR" altLang="en-US"/>
+          </a:p>
+        </p:txBody>
+      </p:sp>
+    </p:spTree>
+    <p:extLst>
+      <p:ext uri="{BB962C8B-B14F-4D97-AF65-F5344CB8AC3E}">
+        <p14:creationId xmlns:p14="http://schemas.microsoft.com/office/powerpoint/2010/main" val="4252018222"/>
+      </p:ext>
+    </p:extLst>
+  </p:cSld>
+  <p:clrMapOvr>
+    <a:masterClrMapping/>
+  </p:clrMapOvr>
+  <mc:AlternateContent xmlns:mc="http://schemas.openxmlformats.org/markup-compatibility/2006" xmlns:p159="http://schemas.microsoft.com/office/powerpoint/2015/09/main">
+    <mc:Choice Requires="p159">
+      <p:transition xmlns:p14="http://schemas.microsoft.com/office/powerpoint/2010/main" spd="slow" p14:dur="2000">
+        <p159:morph option="byObject"/>
+      </p:transition>
+    </mc:Choice>
+    <mc:Fallback xmlns="">
+      <p:transition spd="slow">
+        <p:fade/>
+      </p:transition>
+    </mc:Fallback>
+  </mc:AlternateContent>
+</p:sld>
+</file>
+
+<file path=ppt/slides/slide3.xml><?xml version="1.0" encoding="utf-8"?>
 <p:sld xmlns:a="http://schemas.openxmlformats.org/drawingml/2006/main" xmlns:r="http://schemas.openxmlformats.org/officeDocument/2006/relationships" xmlns:p="http://schemas.openxmlformats.org/presentationml/2006/main">
   <p:cSld>
     <p:bg>
@@ -6550,409 +7983,13 @@
   <p:clrMapOvr>
     <a:masterClrMapping/>
   </p:clrMapOvr>
-  <mc:AlternateContent xmlns:mc="http://schemas.openxmlformats.org/markup-compatibility/2006">
-    <mc:Choice xmlns:p159="http://schemas.microsoft.com/office/powerpoint/2015/09/main" Requires="p159">
+  <mc:AlternateContent xmlns:mc="http://schemas.openxmlformats.org/markup-compatibility/2006" xmlns:p159="http://schemas.microsoft.com/office/powerpoint/2015/09/main">
+    <mc:Choice Requires="p159">
       <p:transition xmlns:p14="http://schemas.microsoft.com/office/powerpoint/2010/main" spd="slow" p14:dur="2000">
         <p159:morph option="byObject"/>
       </p:transition>
     </mc:Choice>
-    <mc:Fallback>
-      <p:transition spd="slow">
-        <p:fade/>
-      </p:transition>
-    </mc:Fallback>
-  </mc:AlternateContent>
-</p:sld>
-</file>
-
-<file path=ppt/slides/slide3.xml><?xml version="1.0" encoding="utf-8"?>
-<p:sld xmlns:a="http://schemas.openxmlformats.org/drawingml/2006/main" xmlns:r="http://schemas.openxmlformats.org/officeDocument/2006/relationships" xmlns:p="http://schemas.openxmlformats.org/presentationml/2006/main">
-  <p:cSld>
-    <p:bg>
-      <p:bgPr>
-        <a:solidFill>
-          <a:schemeClr val="bg1"/>
-        </a:solidFill>
-        <a:effectLst/>
-      </p:bgPr>
-    </p:bg>
-    <p:spTree>
-      <p:nvGrpSpPr>
-        <p:cNvPr id="1" name=""/>
-        <p:cNvGrpSpPr/>
-        <p:nvPr/>
-      </p:nvGrpSpPr>
-      <p:grpSpPr>
-        <a:xfrm>
-          <a:off x="0" y="0"/>
-          <a:ext cx="0" cy="0"/>
-          <a:chOff x="0" y="0"/>
-          <a:chExt cx="0" cy="0"/>
-        </a:xfrm>
-      </p:grpSpPr>
-      <p:sp>
-        <p:nvSpPr>
-          <p:cNvPr id="2" name="TextBox 1">
-            <a:extLst>
-              <a:ext uri="{FF2B5EF4-FFF2-40B4-BE49-F238E27FC236}">
-                <a16:creationId xmlns:a16="http://schemas.microsoft.com/office/drawing/2014/main" id="{0B332A50-CC0E-4C7E-B47E-E7CFBA7B423B}"/>
-              </a:ext>
-            </a:extLst>
-          </p:cNvPr>
-          <p:cNvSpPr txBox="1"/>
-          <p:nvPr/>
-        </p:nvSpPr>
-        <p:spPr>
-          <a:xfrm>
-            <a:off x="3142248" y="1268760"/>
-            <a:ext cx="3621504" cy="830997"/>
-          </a:xfrm>
-          <a:prstGeom prst="rect">
-            <a:avLst/>
-          </a:prstGeom>
-          <a:noFill/>
-        </p:spPr>
-        <p:txBody>
-          <a:bodyPr wrap="none" rtlCol="0">
-            <a:spAutoFit/>
-          </a:bodyPr>
-          <a:lstStyle/>
-          <a:p>
-            <a:pPr algn="ctr"/>
-            <a:r>
-              <a:rPr lang="ko-KR" altLang="en-US" sz="4800" dirty="0" err="1">
-                <a:solidFill>
-                  <a:schemeClr val="tx1">
-                    <a:lumMod val="85000"/>
-                    <a:lumOff val="15000"/>
-                  </a:schemeClr>
-                </a:solidFill>
-                <a:latin typeface="나눔바른고딕" panose="020B0603020101020101" pitchFamily="50" charset="-127"/>
-                <a:ea typeface="나눔바른고딕" panose="020B0603020101020101" pitchFamily="50" charset="-127"/>
-              </a:rPr>
-              <a:t>튜플</a:t>
-            </a:r>
-            <a:r>
-              <a:rPr lang="en-US" altLang="ko-KR" sz="4800" dirty="0">
-                <a:solidFill>
-                  <a:schemeClr val="tx1">
-                    <a:lumMod val="85000"/>
-                    <a:lumOff val="15000"/>
-                  </a:schemeClr>
-                </a:solidFill>
-                <a:latin typeface="나눔바른고딕" panose="020B0603020101020101" pitchFamily="50" charset="-127"/>
-                <a:ea typeface="나눔바른고딕" panose="020B0603020101020101" pitchFamily="50" charset="-127"/>
-              </a:rPr>
-              <a:t> </a:t>
-            </a:r>
-            <a:r>
-              <a:rPr lang="ko-KR" altLang="en-US" sz="4800" dirty="0">
-                <a:solidFill>
-                  <a:schemeClr val="accent6">
-                    <a:lumMod val="75000"/>
-                  </a:schemeClr>
-                </a:solidFill>
-                <a:latin typeface="나눔바른고딕" panose="020B0603020101020101" pitchFamily="50" charset="-127"/>
-                <a:ea typeface="나눔바른고딕" panose="020B0603020101020101" pitchFamily="50" charset="-127"/>
-              </a:rPr>
-              <a:t>생성하기</a:t>
-            </a:r>
-            <a:endParaRPr lang="en-US" altLang="ko-KR" sz="3200" dirty="0">
-              <a:solidFill>
-                <a:schemeClr val="accent6">
-                  <a:lumMod val="75000"/>
-                </a:schemeClr>
-              </a:solidFill>
-              <a:latin typeface="나눔바른고딕" panose="020B0603020101020101" pitchFamily="50" charset="-127"/>
-              <a:ea typeface="나눔바른고딕" panose="020B0603020101020101" pitchFamily="50" charset="-127"/>
-            </a:endParaRPr>
-          </a:p>
-        </p:txBody>
-      </p:sp>
-      <p:sp>
-        <p:nvSpPr>
-          <p:cNvPr id="3" name="TextBox 2">
-            <a:extLst>
-              <a:ext uri="{FF2B5EF4-FFF2-40B4-BE49-F238E27FC236}">
-                <a16:creationId xmlns:a16="http://schemas.microsoft.com/office/drawing/2014/main" id="{1F24C6A1-8E73-4013-A629-5A8618AB10B9}"/>
-              </a:ext>
-            </a:extLst>
-          </p:cNvPr>
-          <p:cNvSpPr txBox="1"/>
-          <p:nvPr/>
-        </p:nvSpPr>
-        <p:spPr>
-          <a:xfrm>
-            <a:off x="2372807" y="2890391"/>
-            <a:ext cx="5160387" cy="1077218"/>
-          </a:xfrm>
-          <a:prstGeom prst="rect">
-            <a:avLst/>
-          </a:prstGeom>
-          <a:noFill/>
-        </p:spPr>
-        <p:txBody>
-          <a:bodyPr wrap="none" rtlCol="0">
-            <a:spAutoFit/>
-          </a:bodyPr>
-          <a:lstStyle/>
-          <a:p>
-            <a:r>
-              <a:rPr lang="ko-KR" altLang="en-US" sz="3200" dirty="0" err="1">
-                <a:solidFill>
-                  <a:schemeClr val="tx1">
-                    <a:lumMod val="85000"/>
-                    <a:lumOff val="15000"/>
-                  </a:schemeClr>
-                </a:solidFill>
-                <a:latin typeface="나눔바른고딕" panose="020B0603020101020101" pitchFamily="50" charset="-127"/>
-                <a:ea typeface="나눔바른고딕" panose="020B0603020101020101" pitchFamily="50" charset="-127"/>
-              </a:rPr>
-              <a:t>튜플이름</a:t>
-            </a:r>
-            <a:r>
-              <a:rPr lang="ko-KR" altLang="en-US" sz="3200" dirty="0">
-                <a:solidFill>
-                  <a:schemeClr val="tx1">
-                    <a:lumMod val="85000"/>
-                    <a:lumOff val="15000"/>
-                  </a:schemeClr>
-                </a:solidFill>
-                <a:latin typeface="나눔바른고딕" panose="020B0603020101020101" pitchFamily="50" charset="-127"/>
-                <a:ea typeface="나눔바른고딕" panose="020B0603020101020101" pitchFamily="50" charset="-127"/>
-              </a:rPr>
-              <a:t> </a:t>
-            </a:r>
-            <a:r>
-              <a:rPr lang="en-US" altLang="ko-KR" sz="3200" dirty="0">
-                <a:solidFill>
-                  <a:schemeClr val="tx1">
-                    <a:lumMod val="85000"/>
-                    <a:lumOff val="15000"/>
-                  </a:schemeClr>
-                </a:solidFill>
-                <a:latin typeface="나눔바른고딕" panose="020B0603020101020101" pitchFamily="50" charset="-127"/>
-                <a:ea typeface="나눔바른고딕" panose="020B0603020101020101" pitchFamily="50" charset="-127"/>
-              </a:rPr>
-              <a:t>= (</a:t>
-            </a:r>
-            <a:r>
-              <a:rPr lang="ko-KR" altLang="en-US" sz="3200" dirty="0">
-                <a:solidFill>
-                  <a:schemeClr val="tx1">
-                    <a:lumMod val="85000"/>
-                    <a:lumOff val="15000"/>
-                  </a:schemeClr>
-                </a:solidFill>
-                <a:latin typeface="나눔바른고딕" panose="020B0603020101020101" pitchFamily="50" charset="-127"/>
-                <a:ea typeface="나눔바른고딕" panose="020B0603020101020101" pitchFamily="50" charset="-127"/>
-              </a:rPr>
-              <a:t>값</a:t>
-            </a:r>
-            <a:r>
-              <a:rPr lang="en-US" altLang="ko-KR" sz="3200" dirty="0">
-                <a:solidFill>
-                  <a:schemeClr val="tx1">
-                    <a:lumMod val="85000"/>
-                    <a:lumOff val="15000"/>
-                  </a:schemeClr>
-                </a:solidFill>
-                <a:latin typeface="나눔바른고딕" panose="020B0603020101020101" pitchFamily="50" charset="-127"/>
-                <a:ea typeface="나눔바른고딕" panose="020B0603020101020101" pitchFamily="50" charset="-127"/>
-              </a:rPr>
-              <a:t>1, </a:t>
-            </a:r>
-            <a:r>
-              <a:rPr lang="ko-KR" altLang="en-US" sz="3200" dirty="0">
-                <a:solidFill>
-                  <a:schemeClr val="tx1">
-                    <a:lumMod val="85000"/>
-                    <a:lumOff val="15000"/>
-                  </a:schemeClr>
-                </a:solidFill>
-                <a:latin typeface="나눔바른고딕" panose="020B0603020101020101" pitchFamily="50" charset="-127"/>
-                <a:ea typeface="나눔바른고딕" panose="020B0603020101020101" pitchFamily="50" charset="-127"/>
-              </a:rPr>
-              <a:t>값</a:t>
-            </a:r>
-            <a:r>
-              <a:rPr lang="en-US" altLang="ko-KR" sz="3200" dirty="0">
-                <a:solidFill>
-                  <a:schemeClr val="tx1">
-                    <a:lumMod val="85000"/>
-                    <a:lumOff val="15000"/>
-                  </a:schemeClr>
-                </a:solidFill>
-                <a:latin typeface="나눔바른고딕" panose="020B0603020101020101" pitchFamily="50" charset="-127"/>
-                <a:ea typeface="나눔바른고딕" panose="020B0603020101020101" pitchFamily="50" charset="-127"/>
-              </a:rPr>
-              <a:t>2, </a:t>
-            </a:r>
-            <a:r>
-              <a:rPr lang="ko-KR" altLang="en-US" sz="3200" dirty="0">
-                <a:solidFill>
-                  <a:schemeClr val="tx1">
-                    <a:lumMod val="85000"/>
-                    <a:lumOff val="15000"/>
-                  </a:schemeClr>
-                </a:solidFill>
-                <a:latin typeface="나눔바른고딕" panose="020B0603020101020101" pitchFamily="50" charset="-127"/>
-                <a:ea typeface="나눔바른고딕" panose="020B0603020101020101" pitchFamily="50" charset="-127"/>
-              </a:rPr>
-              <a:t>값</a:t>
-            </a:r>
-            <a:r>
-              <a:rPr lang="en-US" altLang="ko-KR" sz="3200" dirty="0">
-                <a:solidFill>
-                  <a:schemeClr val="tx1">
-                    <a:lumMod val="85000"/>
-                    <a:lumOff val="15000"/>
-                  </a:schemeClr>
-                </a:solidFill>
-                <a:latin typeface="나눔바른고딕" panose="020B0603020101020101" pitchFamily="50" charset="-127"/>
-                <a:ea typeface="나눔바른고딕" panose="020B0603020101020101" pitchFamily="50" charset="-127"/>
-              </a:rPr>
-              <a:t>3,...)</a:t>
-            </a:r>
-          </a:p>
-          <a:p>
-            <a:r>
-              <a:rPr lang="ko-KR" altLang="en-US" sz="3200" dirty="0" err="1">
-                <a:solidFill>
-                  <a:schemeClr val="tx1">
-                    <a:lumMod val="85000"/>
-                    <a:lumOff val="15000"/>
-                  </a:schemeClr>
-                </a:solidFill>
-                <a:latin typeface="나눔바른고딕" panose="020B0603020101020101" pitchFamily="50" charset="-127"/>
-                <a:ea typeface="나눔바른고딕" panose="020B0603020101020101" pitchFamily="50" charset="-127"/>
-              </a:rPr>
-              <a:t>튜플이름</a:t>
-            </a:r>
-            <a:r>
-              <a:rPr lang="ko-KR" altLang="en-US" sz="3200" dirty="0">
-                <a:solidFill>
-                  <a:schemeClr val="tx1">
-                    <a:lumMod val="85000"/>
-                    <a:lumOff val="15000"/>
-                  </a:schemeClr>
-                </a:solidFill>
-                <a:latin typeface="나눔바른고딕" panose="020B0603020101020101" pitchFamily="50" charset="-127"/>
-                <a:ea typeface="나눔바른고딕" panose="020B0603020101020101" pitchFamily="50" charset="-127"/>
-              </a:rPr>
-              <a:t> </a:t>
-            </a:r>
-            <a:r>
-              <a:rPr lang="en-US" altLang="ko-KR" sz="3200" dirty="0">
-                <a:solidFill>
-                  <a:schemeClr val="tx1">
-                    <a:lumMod val="85000"/>
-                    <a:lumOff val="15000"/>
-                  </a:schemeClr>
-                </a:solidFill>
-                <a:latin typeface="나눔바른고딕" panose="020B0603020101020101" pitchFamily="50" charset="-127"/>
-                <a:ea typeface="나눔바른고딕" panose="020B0603020101020101" pitchFamily="50" charset="-127"/>
-              </a:rPr>
-              <a:t>= </a:t>
-            </a:r>
-            <a:r>
-              <a:rPr lang="ko-KR" altLang="en-US" sz="3200" dirty="0">
-                <a:solidFill>
-                  <a:schemeClr val="tx1">
-                    <a:lumMod val="85000"/>
-                    <a:lumOff val="15000"/>
-                  </a:schemeClr>
-                </a:solidFill>
-                <a:latin typeface="나눔바른고딕" panose="020B0603020101020101" pitchFamily="50" charset="-127"/>
-                <a:ea typeface="나눔바른고딕" panose="020B0603020101020101" pitchFamily="50" charset="-127"/>
-              </a:rPr>
-              <a:t>값</a:t>
-            </a:r>
-            <a:r>
-              <a:rPr lang="en-US" altLang="ko-KR" sz="3200" dirty="0">
-                <a:solidFill>
-                  <a:schemeClr val="tx1">
-                    <a:lumMod val="85000"/>
-                    <a:lumOff val="15000"/>
-                  </a:schemeClr>
-                </a:solidFill>
-                <a:latin typeface="나눔바른고딕" panose="020B0603020101020101" pitchFamily="50" charset="-127"/>
-                <a:ea typeface="나눔바른고딕" panose="020B0603020101020101" pitchFamily="50" charset="-127"/>
-              </a:rPr>
-              <a:t>1, </a:t>
-            </a:r>
-            <a:r>
-              <a:rPr lang="ko-KR" altLang="en-US" sz="3200" dirty="0">
-                <a:solidFill>
-                  <a:schemeClr val="tx1">
-                    <a:lumMod val="85000"/>
-                    <a:lumOff val="15000"/>
-                  </a:schemeClr>
-                </a:solidFill>
-                <a:latin typeface="나눔바른고딕" panose="020B0603020101020101" pitchFamily="50" charset="-127"/>
-                <a:ea typeface="나눔바른고딕" panose="020B0603020101020101" pitchFamily="50" charset="-127"/>
-              </a:rPr>
-              <a:t>값</a:t>
-            </a:r>
-            <a:r>
-              <a:rPr lang="en-US" altLang="ko-KR" sz="3200" dirty="0">
-                <a:solidFill>
-                  <a:schemeClr val="tx1">
-                    <a:lumMod val="85000"/>
-                    <a:lumOff val="15000"/>
-                  </a:schemeClr>
-                </a:solidFill>
-                <a:latin typeface="나눔바른고딕" panose="020B0603020101020101" pitchFamily="50" charset="-127"/>
-                <a:ea typeface="나눔바른고딕" panose="020B0603020101020101" pitchFamily="50" charset="-127"/>
-              </a:rPr>
-              <a:t>2, </a:t>
-            </a:r>
-            <a:r>
-              <a:rPr lang="ko-KR" altLang="en-US" sz="3200" dirty="0">
-                <a:solidFill>
-                  <a:schemeClr val="tx1">
-                    <a:lumMod val="85000"/>
-                    <a:lumOff val="15000"/>
-                  </a:schemeClr>
-                </a:solidFill>
-                <a:latin typeface="나눔바른고딕" panose="020B0603020101020101" pitchFamily="50" charset="-127"/>
-                <a:ea typeface="나눔바른고딕" panose="020B0603020101020101" pitchFamily="50" charset="-127"/>
-              </a:rPr>
-              <a:t>값</a:t>
-            </a:r>
-            <a:r>
-              <a:rPr lang="en-US" altLang="ko-KR" sz="3200" dirty="0">
-                <a:solidFill>
-                  <a:schemeClr val="tx1">
-                    <a:lumMod val="85000"/>
-                    <a:lumOff val="15000"/>
-                  </a:schemeClr>
-                </a:solidFill>
-                <a:latin typeface="나눔바른고딕" panose="020B0603020101020101" pitchFamily="50" charset="-127"/>
-                <a:ea typeface="나눔바른고딕" panose="020B0603020101020101" pitchFamily="50" charset="-127"/>
-              </a:rPr>
-              <a:t>3</a:t>
-            </a:r>
-          </a:p>
-        </p:txBody>
-      </p:sp>
-    </p:spTree>
-    <p:extLst>
-      <p:ext uri="{BB962C8B-B14F-4D97-AF65-F5344CB8AC3E}">
-        <p14:creationId xmlns:p14="http://schemas.microsoft.com/office/powerpoint/2010/main" val="1085430814"/>
-      </p:ext>
-    </p:extLst>
-  </p:cSld>
-  <p:clrMapOvr>
-    <a:masterClrMapping/>
-  </p:clrMapOvr>
-  <mc:AlternateContent xmlns:mc="http://schemas.openxmlformats.org/markup-compatibility/2006">
-    <mc:Choice xmlns:p159="http://schemas.microsoft.com/office/powerpoint/2015/09/main" Requires="p159">
-      <p:transition xmlns:p14="http://schemas.microsoft.com/office/powerpoint/2010/main" spd="slow" p14:dur="2000">
-        <p159:morph option="byObject"/>
-      </p:transition>
-    </mc:Choice>
-    <mc:Fallback>
+    <mc:Fallback xmlns="">
       <p:transition spd="slow">
         <p:fade/>
       </p:transition>
@@ -7053,7 +8090,7 @@
               </a:rPr>
               <a:t>생성하기</a:t>
             </a:r>
-            <a:endParaRPr lang="en-US" altLang="ko-KR" sz="4800" dirty="0">
+            <a:endParaRPr lang="en-US" altLang="ko-KR" sz="3200" dirty="0">
               <a:solidFill>
                 <a:schemeClr val="accent6">
                   <a:lumMod val="75000"/>
@@ -7079,8 +8116,8 @@
         </p:nvSpPr>
         <p:spPr>
           <a:xfrm>
-            <a:off x="272480" y="2948657"/>
-            <a:ext cx="4554452" cy="954107"/>
+            <a:off x="2372807" y="2890391"/>
+            <a:ext cx="5160387" cy="1077218"/>
           </a:xfrm>
           <a:prstGeom prst="rect">
             <a:avLst/>
@@ -7094,7 +8131,7 @@
           <a:lstStyle/>
           <a:p>
             <a:r>
-              <a:rPr lang="ko-KR" altLang="en-US" sz="2800" dirty="0" err="1">
+              <a:rPr lang="ko-KR" altLang="en-US" sz="3200" dirty="0" err="1">
                 <a:solidFill>
                   <a:schemeClr val="tx1">
                     <a:lumMod val="85000"/>
@@ -7107,7 +8144,7 @@
               <a:t>튜플이름</a:t>
             </a:r>
             <a:r>
-              <a:rPr lang="ko-KR" altLang="en-US" sz="2800" dirty="0">
+              <a:rPr lang="ko-KR" altLang="en-US" sz="3200" dirty="0">
                 <a:solidFill>
                   <a:schemeClr val="tx1">
                     <a:lumMod val="85000"/>
@@ -7120,7 +8157,7 @@
               <a:t> </a:t>
             </a:r>
             <a:r>
-              <a:rPr lang="en-US" altLang="ko-KR" sz="2800" dirty="0">
+              <a:rPr lang="en-US" altLang="ko-KR" sz="3200" dirty="0">
                 <a:solidFill>
                   <a:schemeClr val="tx1">
                     <a:lumMod val="85000"/>
@@ -7133,7 +8170,7 @@
               <a:t>= (</a:t>
             </a:r>
             <a:r>
-              <a:rPr lang="ko-KR" altLang="en-US" sz="2800" dirty="0">
+              <a:rPr lang="ko-KR" altLang="en-US" sz="3200" dirty="0">
                 <a:solidFill>
                   <a:schemeClr val="tx1">
                     <a:lumMod val="85000"/>
@@ -7146,7 +8183,7 @@
               <a:t>값</a:t>
             </a:r>
             <a:r>
-              <a:rPr lang="en-US" altLang="ko-KR" sz="2800" dirty="0">
+              <a:rPr lang="en-US" altLang="ko-KR" sz="3200" dirty="0">
                 <a:solidFill>
                   <a:schemeClr val="tx1">
                     <a:lumMod val="85000"/>
@@ -7159,7 +8196,7 @@
               <a:t>1, </a:t>
             </a:r>
             <a:r>
-              <a:rPr lang="ko-KR" altLang="en-US" sz="2800" dirty="0">
+              <a:rPr lang="ko-KR" altLang="en-US" sz="3200" dirty="0">
                 <a:solidFill>
                   <a:schemeClr val="tx1">
                     <a:lumMod val="85000"/>
@@ -7172,7 +8209,7 @@
               <a:t>값</a:t>
             </a:r>
             <a:r>
-              <a:rPr lang="en-US" altLang="ko-KR" sz="2800" dirty="0">
+              <a:rPr lang="en-US" altLang="ko-KR" sz="3200" dirty="0">
                 <a:solidFill>
                   <a:schemeClr val="tx1">
                     <a:lumMod val="85000"/>
@@ -7185,7 +8222,7 @@
               <a:t>2, </a:t>
             </a:r>
             <a:r>
-              <a:rPr lang="ko-KR" altLang="en-US" sz="2800" dirty="0">
+              <a:rPr lang="ko-KR" altLang="en-US" sz="3200" dirty="0">
                 <a:solidFill>
                   <a:schemeClr val="tx1">
                     <a:lumMod val="85000"/>
@@ -7198,7 +8235,7 @@
               <a:t>값</a:t>
             </a:r>
             <a:r>
-              <a:rPr lang="en-US" altLang="ko-KR" sz="2800" dirty="0">
+              <a:rPr lang="en-US" altLang="ko-KR" sz="3200" dirty="0">
                 <a:solidFill>
                   <a:schemeClr val="tx1">
                     <a:lumMod val="85000"/>
@@ -7213,7 +8250,7 @@
           </a:p>
           <a:p>
             <a:r>
-              <a:rPr lang="ko-KR" altLang="en-US" sz="2800" dirty="0" err="1">
+              <a:rPr lang="ko-KR" altLang="en-US" sz="3200" dirty="0" err="1">
                 <a:solidFill>
                   <a:schemeClr val="tx1">
                     <a:lumMod val="85000"/>
@@ -7226,7 +8263,7 @@
               <a:t>튜플이름</a:t>
             </a:r>
             <a:r>
-              <a:rPr lang="ko-KR" altLang="en-US" sz="2800" dirty="0">
+              <a:rPr lang="ko-KR" altLang="en-US" sz="3200" dirty="0">
                 <a:solidFill>
                   <a:schemeClr val="tx1">
                     <a:lumMod val="85000"/>
@@ -7239,7 +8276,7 @@
               <a:t> </a:t>
             </a:r>
             <a:r>
-              <a:rPr lang="en-US" altLang="ko-KR" sz="2800" dirty="0">
+              <a:rPr lang="en-US" altLang="ko-KR" sz="3200" dirty="0">
                 <a:solidFill>
                   <a:schemeClr val="tx1">
                     <a:lumMod val="85000"/>
@@ -7252,7 +8289,7 @@
               <a:t>= </a:t>
             </a:r>
             <a:r>
-              <a:rPr lang="ko-KR" altLang="en-US" sz="2800" dirty="0">
+              <a:rPr lang="ko-KR" altLang="en-US" sz="3200" dirty="0">
                 <a:solidFill>
                   <a:schemeClr val="tx1">
                     <a:lumMod val="85000"/>
@@ -7265,7 +8302,7 @@
               <a:t>값</a:t>
             </a:r>
             <a:r>
-              <a:rPr lang="en-US" altLang="ko-KR" sz="2800" dirty="0">
+              <a:rPr lang="en-US" altLang="ko-KR" sz="3200" dirty="0">
                 <a:solidFill>
                   <a:schemeClr val="tx1">
                     <a:lumMod val="85000"/>
@@ -7278,7 +8315,7 @@
               <a:t>1, </a:t>
             </a:r>
             <a:r>
-              <a:rPr lang="ko-KR" altLang="en-US" sz="2800" dirty="0">
+              <a:rPr lang="ko-KR" altLang="en-US" sz="3200" dirty="0">
                 <a:solidFill>
                   <a:schemeClr val="tx1">
                     <a:lumMod val="85000"/>
@@ -7291,7 +8328,7 @@
               <a:t>값</a:t>
             </a:r>
             <a:r>
-              <a:rPr lang="en-US" altLang="ko-KR" sz="2800" dirty="0">
+              <a:rPr lang="en-US" altLang="ko-KR" sz="3200" dirty="0">
                 <a:solidFill>
                   <a:schemeClr val="tx1">
                     <a:lumMod val="85000"/>
@@ -7304,7 +8341,7 @@
               <a:t>2, </a:t>
             </a:r>
             <a:r>
-              <a:rPr lang="ko-KR" altLang="en-US" sz="2800" dirty="0">
+              <a:rPr lang="ko-KR" altLang="en-US" sz="3200" dirty="0">
                 <a:solidFill>
                   <a:schemeClr val="tx1">
                     <a:lumMod val="85000"/>
@@ -7317,7 +8354,7 @@
               <a:t>값</a:t>
             </a:r>
             <a:r>
-              <a:rPr lang="en-US" altLang="ko-KR" sz="2800" dirty="0">
+              <a:rPr lang="en-US" altLang="ko-KR" sz="3200" dirty="0">
                 <a:solidFill>
                   <a:schemeClr val="tx1">
                     <a:lumMod val="85000"/>
@@ -7328,117 +8365,6 @@
                 <a:ea typeface="나눔바른고딕" panose="020B0603020101020101" pitchFamily="50" charset="-127"/>
               </a:rPr>
               <a:t>3</a:t>
-            </a:r>
-          </a:p>
-        </p:txBody>
-      </p:sp>
-      <p:sp>
-        <p:nvSpPr>
-          <p:cNvPr id="4" name="TextBox 3">
-            <a:extLst>
-              <a:ext uri="{FF2B5EF4-FFF2-40B4-BE49-F238E27FC236}">
-                <a16:creationId xmlns:a16="http://schemas.microsoft.com/office/drawing/2014/main" id="{408099C2-3FEC-45C8-A76B-2E8C0A023061}"/>
-              </a:ext>
-            </a:extLst>
-          </p:cNvPr>
-          <p:cNvSpPr txBox="1"/>
-          <p:nvPr/>
-        </p:nvSpPr>
-        <p:spPr>
-          <a:xfrm>
-            <a:off x="5700964" y="2951946"/>
-            <a:ext cx="3471848" cy="954107"/>
-          </a:xfrm>
-          <a:prstGeom prst="rect">
-            <a:avLst/>
-          </a:prstGeom>
-          <a:noFill/>
-        </p:spPr>
-        <p:txBody>
-          <a:bodyPr wrap="none" rtlCol="0">
-            <a:spAutoFit/>
-          </a:bodyPr>
-          <a:lstStyle/>
-          <a:p>
-            <a:r>
-              <a:rPr lang="en-US" altLang="ko-KR" sz="2800" dirty="0" err="1">
-                <a:solidFill>
-                  <a:schemeClr val="tx1">
-                    <a:lumMod val="85000"/>
-                    <a:lumOff val="15000"/>
-                  </a:schemeClr>
-                </a:solidFill>
-                <a:latin typeface="나눔바른고딕" panose="020B0603020101020101" pitchFamily="50" charset="-127"/>
-                <a:ea typeface="나눔바른고딕" panose="020B0603020101020101" pitchFamily="50" charset="-127"/>
-              </a:rPr>
-              <a:t>tuple_a</a:t>
-            </a:r>
-            <a:r>
-              <a:rPr lang="ko-KR" altLang="en-US" sz="2800" dirty="0">
-                <a:solidFill>
-                  <a:schemeClr val="tx1">
-                    <a:lumMod val="85000"/>
-                    <a:lumOff val="15000"/>
-                  </a:schemeClr>
-                </a:solidFill>
-                <a:latin typeface="나눔바른고딕" panose="020B0603020101020101" pitchFamily="50" charset="-127"/>
-                <a:ea typeface="나눔바른고딕" panose="020B0603020101020101" pitchFamily="50" charset="-127"/>
-              </a:rPr>
-              <a:t> </a:t>
-            </a:r>
-            <a:r>
-              <a:rPr lang="en-US" altLang="ko-KR" sz="2800" dirty="0">
-                <a:solidFill>
-                  <a:schemeClr val="tx1">
-                    <a:lumMod val="85000"/>
-                    <a:lumOff val="15000"/>
-                  </a:schemeClr>
-                </a:solidFill>
-                <a:latin typeface="나눔바른고딕" panose="020B0603020101020101" pitchFamily="50" charset="-127"/>
-                <a:ea typeface="나눔바른고딕" panose="020B0603020101020101" pitchFamily="50" charset="-127"/>
-              </a:rPr>
-              <a:t>= (1, 2, 3, 4)</a:t>
-            </a:r>
-          </a:p>
-          <a:p>
-            <a:r>
-              <a:rPr lang="en-US" altLang="ko-KR" sz="2800" dirty="0" err="1">
-                <a:solidFill>
-                  <a:schemeClr val="tx1">
-                    <a:lumMod val="85000"/>
-                    <a:lumOff val="15000"/>
-                  </a:schemeClr>
-                </a:solidFill>
-                <a:latin typeface="나눔바른고딕" panose="020B0603020101020101" pitchFamily="50" charset="-127"/>
-                <a:ea typeface="나눔바른고딕" panose="020B0603020101020101" pitchFamily="50" charset="-127"/>
-              </a:rPr>
-              <a:t>tuple_b</a:t>
-            </a:r>
-            <a:r>
-              <a:rPr lang="ko-KR" altLang="en-US" sz="2800" dirty="0">
-                <a:solidFill>
-                  <a:schemeClr val="tx1">
-                    <a:lumMod val="85000"/>
-                    <a:lumOff val="15000"/>
-                  </a:schemeClr>
-                </a:solidFill>
-                <a:latin typeface="나눔바른고딕" panose="020B0603020101020101" pitchFamily="50" charset="-127"/>
-                <a:ea typeface="나눔바른고딕" panose="020B0603020101020101" pitchFamily="50" charset="-127"/>
-              </a:rPr>
-              <a:t> </a:t>
-            </a:r>
-            <a:r>
-              <a:rPr lang="en-US" altLang="ko-KR" sz="2800" dirty="0">
-                <a:solidFill>
-                  <a:schemeClr val="tx1">
-                    <a:lumMod val="85000"/>
-                    <a:lumOff val="15000"/>
-                  </a:schemeClr>
-                </a:solidFill>
-                <a:latin typeface="나눔바른고딕" panose="020B0603020101020101" pitchFamily="50" charset="-127"/>
-                <a:ea typeface="나눔바른고딕" panose="020B0603020101020101" pitchFamily="50" charset="-127"/>
-              </a:rPr>
-              <a:t>= 1, 2, 3, 4</a:t>
             </a:r>
           </a:p>
         </p:txBody>
@@ -7446,20 +8372,20 @@
     </p:spTree>
     <p:extLst>
       <p:ext uri="{BB962C8B-B14F-4D97-AF65-F5344CB8AC3E}">
-        <p14:creationId xmlns:p14="http://schemas.microsoft.com/office/powerpoint/2010/main" val="66224000"/>
+        <p14:creationId xmlns:p14="http://schemas.microsoft.com/office/powerpoint/2010/main" val="1085430814"/>
       </p:ext>
     </p:extLst>
   </p:cSld>
   <p:clrMapOvr>
     <a:masterClrMapping/>
   </p:clrMapOvr>
-  <mc:AlternateContent xmlns:mc="http://schemas.openxmlformats.org/markup-compatibility/2006">
-    <mc:Choice xmlns:p159="http://schemas.microsoft.com/office/powerpoint/2015/09/main" Requires="p159">
+  <mc:AlternateContent xmlns:mc="http://schemas.openxmlformats.org/markup-compatibility/2006" xmlns:p159="http://schemas.microsoft.com/office/powerpoint/2015/09/main">
+    <mc:Choice Requires="p159">
       <p:transition xmlns:p14="http://schemas.microsoft.com/office/powerpoint/2010/main" spd="slow" p14:dur="2000">
         <p159:morph option="byObject"/>
       </p:transition>
     </mc:Choice>
-    <mc:Fallback>
+    <mc:Fallback xmlns="">
       <p:transition spd="slow">
         <p:fade/>
       </p:transition>
@@ -7574,6 +8500,513 @@
       </p:sp>
       <p:sp>
         <p:nvSpPr>
+          <p:cNvPr id="3" name="TextBox 2">
+            <a:extLst>
+              <a:ext uri="{FF2B5EF4-FFF2-40B4-BE49-F238E27FC236}">
+                <a16:creationId xmlns:a16="http://schemas.microsoft.com/office/drawing/2014/main" id="{1F24C6A1-8E73-4013-A629-5A8618AB10B9}"/>
+              </a:ext>
+            </a:extLst>
+          </p:cNvPr>
+          <p:cNvSpPr txBox="1"/>
+          <p:nvPr/>
+        </p:nvSpPr>
+        <p:spPr>
+          <a:xfrm>
+            <a:off x="272480" y="2948657"/>
+            <a:ext cx="4554452" cy="954107"/>
+          </a:xfrm>
+          <a:prstGeom prst="rect">
+            <a:avLst/>
+          </a:prstGeom>
+          <a:noFill/>
+        </p:spPr>
+        <p:txBody>
+          <a:bodyPr wrap="none" rtlCol="0">
+            <a:spAutoFit/>
+          </a:bodyPr>
+          <a:lstStyle/>
+          <a:p>
+            <a:r>
+              <a:rPr lang="ko-KR" altLang="en-US" sz="2800" dirty="0" err="1">
+                <a:solidFill>
+                  <a:schemeClr val="tx1">
+                    <a:lumMod val="85000"/>
+                    <a:lumOff val="15000"/>
+                  </a:schemeClr>
+                </a:solidFill>
+                <a:latin typeface="나눔바른고딕" panose="020B0603020101020101" pitchFamily="50" charset="-127"/>
+                <a:ea typeface="나눔바른고딕" panose="020B0603020101020101" pitchFamily="50" charset="-127"/>
+              </a:rPr>
+              <a:t>튜플이름</a:t>
+            </a:r>
+            <a:r>
+              <a:rPr lang="ko-KR" altLang="en-US" sz="2800" dirty="0">
+                <a:solidFill>
+                  <a:schemeClr val="tx1">
+                    <a:lumMod val="85000"/>
+                    <a:lumOff val="15000"/>
+                  </a:schemeClr>
+                </a:solidFill>
+                <a:latin typeface="나눔바른고딕" panose="020B0603020101020101" pitchFamily="50" charset="-127"/>
+                <a:ea typeface="나눔바른고딕" panose="020B0603020101020101" pitchFamily="50" charset="-127"/>
+              </a:rPr>
+              <a:t> </a:t>
+            </a:r>
+            <a:r>
+              <a:rPr lang="en-US" altLang="ko-KR" sz="2800" dirty="0">
+                <a:solidFill>
+                  <a:schemeClr val="tx1">
+                    <a:lumMod val="85000"/>
+                    <a:lumOff val="15000"/>
+                  </a:schemeClr>
+                </a:solidFill>
+                <a:latin typeface="나눔바른고딕" panose="020B0603020101020101" pitchFamily="50" charset="-127"/>
+                <a:ea typeface="나눔바른고딕" panose="020B0603020101020101" pitchFamily="50" charset="-127"/>
+              </a:rPr>
+              <a:t>= (</a:t>
+            </a:r>
+            <a:r>
+              <a:rPr lang="ko-KR" altLang="en-US" sz="2800" dirty="0">
+                <a:solidFill>
+                  <a:schemeClr val="tx1">
+                    <a:lumMod val="85000"/>
+                    <a:lumOff val="15000"/>
+                  </a:schemeClr>
+                </a:solidFill>
+                <a:latin typeface="나눔바른고딕" panose="020B0603020101020101" pitchFamily="50" charset="-127"/>
+                <a:ea typeface="나눔바른고딕" panose="020B0603020101020101" pitchFamily="50" charset="-127"/>
+              </a:rPr>
+              <a:t>값</a:t>
+            </a:r>
+            <a:r>
+              <a:rPr lang="en-US" altLang="ko-KR" sz="2800" dirty="0">
+                <a:solidFill>
+                  <a:schemeClr val="tx1">
+                    <a:lumMod val="85000"/>
+                    <a:lumOff val="15000"/>
+                  </a:schemeClr>
+                </a:solidFill>
+                <a:latin typeface="나눔바른고딕" panose="020B0603020101020101" pitchFamily="50" charset="-127"/>
+                <a:ea typeface="나눔바른고딕" panose="020B0603020101020101" pitchFamily="50" charset="-127"/>
+              </a:rPr>
+              <a:t>1, </a:t>
+            </a:r>
+            <a:r>
+              <a:rPr lang="ko-KR" altLang="en-US" sz="2800" dirty="0">
+                <a:solidFill>
+                  <a:schemeClr val="tx1">
+                    <a:lumMod val="85000"/>
+                    <a:lumOff val="15000"/>
+                  </a:schemeClr>
+                </a:solidFill>
+                <a:latin typeface="나눔바른고딕" panose="020B0603020101020101" pitchFamily="50" charset="-127"/>
+                <a:ea typeface="나눔바른고딕" panose="020B0603020101020101" pitchFamily="50" charset="-127"/>
+              </a:rPr>
+              <a:t>값</a:t>
+            </a:r>
+            <a:r>
+              <a:rPr lang="en-US" altLang="ko-KR" sz="2800" dirty="0">
+                <a:solidFill>
+                  <a:schemeClr val="tx1">
+                    <a:lumMod val="85000"/>
+                    <a:lumOff val="15000"/>
+                  </a:schemeClr>
+                </a:solidFill>
+                <a:latin typeface="나눔바른고딕" panose="020B0603020101020101" pitchFamily="50" charset="-127"/>
+                <a:ea typeface="나눔바른고딕" panose="020B0603020101020101" pitchFamily="50" charset="-127"/>
+              </a:rPr>
+              <a:t>2, </a:t>
+            </a:r>
+            <a:r>
+              <a:rPr lang="ko-KR" altLang="en-US" sz="2800" dirty="0">
+                <a:solidFill>
+                  <a:schemeClr val="tx1">
+                    <a:lumMod val="85000"/>
+                    <a:lumOff val="15000"/>
+                  </a:schemeClr>
+                </a:solidFill>
+                <a:latin typeface="나눔바른고딕" panose="020B0603020101020101" pitchFamily="50" charset="-127"/>
+                <a:ea typeface="나눔바른고딕" panose="020B0603020101020101" pitchFamily="50" charset="-127"/>
+              </a:rPr>
+              <a:t>값</a:t>
+            </a:r>
+            <a:r>
+              <a:rPr lang="en-US" altLang="ko-KR" sz="2800" dirty="0">
+                <a:solidFill>
+                  <a:schemeClr val="tx1">
+                    <a:lumMod val="85000"/>
+                    <a:lumOff val="15000"/>
+                  </a:schemeClr>
+                </a:solidFill>
+                <a:latin typeface="나눔바른고딕" panose="020B0603020101020101" pitchFamily="50" charset="-127"/>
+                <a:ea typeface="나눔바른고딕" panose="020B0603020101020101" pitchFamily="50" charset="-127"/>
+              </a:rPr>
+              <a:t>3,...)</a:t>
+            </a:r>
+          </a:p>
+          <a:p>
+            <a:r>
+              <a:rPr lang="ko-KR" altLang="en-US" sz="2800" dirty="0" err="1">
+                <a:solidFill>
+                  <a:schemeClr val="tx1">
+                    <a:lumMod val="85000"/>
+                    <a:lumOff val="15000"/>
+                  </a:schemeClr>
+                </a:solidFill>
+                <a:latin typeface="나눔바른고딕" panose="020B0603020101020101" pitchFamily="50" charset="-127"/>
+                <a:ea typeface="나눔바른고딕" panose="020B0603020101020101" pitchFamily="50" charset="-127"/>
+              </a:rPr>
+              <a:t>튜플이름</a:t>
+            </a:r>
+            <a:r>
+              <a:rPr lang="ko-KR" altLang="en-US" sz="2800" dirty="0">
+                <a:solidFill>
+                  <a:schemeClr val="tx1">
+                    <a:lumMod val="85000"/>
+                    <a:lumOff val="15000"/>
+                  </a:schemeClr>
+                </a:solidFill>
+                <a:latin typeface="나눔바른고딕" panose="020B0603020101020101" pitchFamily="50" charset="-127"/>
+                <a:ea typeface="나눔바른고딕" panose="020B0603020101020101" pitchFamily="50" charset="-127"/>
+              </a:rPr>
+              <a:t> </a:t>
+            </a:r>
+            <a:r>
+              <a:rPr lang="en-US" altLang="ko-KR" sz="2800" dirty="0">
+                <a:solidFill>
+                  <a:schemeClr val="tx1">
+                    <a:lumMod val="85000"/>
+                    <a:lumOff val="15000"/>
+                  </a:schemeClr>
+                </a:solidFill>
+                <a:latin typeface="나눔바른고딕" panose="020B0603020101020101" pitchFamily="50" charset="-127"/>
+                <a:ea typeface="나눔바른고딕" panose="020B0603020101020101" pitchFamily="50" charset="-127"/>
+              </a:rPr>
+              <a:t>= </a:t>
+            </a:r>
+            <a:r>
+              <a:rPr lang="ko-KR" altLang="en-US" sz="2800" dirty="0">
+                <a:solidFill>
+                  <a:schemeClr val="tx1">
+                    <a:lumMod val="85000"/>
+                    <a:lumOff val="15000"/>
+                  </a:schemeClr>
+                </a:solidFill>
+                <a:latin typeface="나눔바른고딕" panose="020B0603020101020101" pitchFamily="50" charset="-127"/>
+                <a:ea typeface="나눔바른고딕" panose="020B0603020101020101" pitchFamily="50" charset="-127"/>
+              </a:rPr>
+              <a:t>값</a:t>
+            </a:r>
+            <a:r>
+              <a:rPr lang="en-US" altLang="ko-KR" sz="2800" dirty="0">
+                <a:solidFill>
+                  <a:schemeClr val="tx1">
+                    <a:lumMod val="85000"/>
+                    <a:lumOff val="15000"/>
+                  </a:schemeClr>
+                </a:solidFill>
+                <a:latin typeface="나눔바른고딕" panose="020B0603020101020101" pitchFamily="50" charset="-127"/>
+                <a:ea typeface="나눔바른고딕" panose="020B0603020101020101" pitchFamily="50" charset="-127"/>
+              </a:rPr>
+              <a:t>1, </a:t>
+            </a:r>
+            <a:r>
+              <a:rPr lang="ko-KR" altLang="en-US" sz="2800" dirty="0">
+                <a:solidFill>
+                  <a:schemeClr val="tx1">
+                    <a:lumMod val="85000"/>
+                    <a:lumOff val="15000"/>
+                  </a:schemeClr>
+                </a:solidFill>
+                <a:latin typeface="나눔바른고딕" panose="020B0603020101020101" pitchFamily="50" charset="-127"/>
+                <a:ea typeface="나눔바른고딕" panose="020B0603020101020101" pitchFamily="50" charset="-127"/>
+              </a:rPr>
+              <a:t>값</a:t>
+            </a:r>
+            <a:r>
+              <a:rPr lang="en-US" altLang="ko-KR" sz="2800" dirty="0">
+                <a:solidFill>
+                  <a:schemeClr val="tx1">
+                    <a:lumMod val="85000"/>
+                    <a:lumOff val="15000"/>
+                  </a:schemeClr>
+                </a:solidFill>
+                <a:latin typeface="나눔바른고딕" panose="020B0603020101020101" pitchFamily="50" charset="-127"/>
+                <a:ea typeface="나눔바른고딕" panose="020B0603020101020101" pitchFamily="50" charset="-127"/>
+              </a:rPr>
+              <a:t>2, </a:t>
+            </a:r>
+            <a:r>
+              <a:rPr lang="ko-KR" altLang="en-US" sz="2800" dirty="0">
+                <a:solidFill>
+                  <a:schemeClr val="tx1">
+                    <a:lumMod val="85000"/>
+                    <a:lumOff val="15000"/>
+                  </a:schemeClr>
+                </a:solidFill>
+                <a:latin typeface="나눔바른고딕" panose="020B0603020101020101" pitchFamily="50" charset="-127"/>
+                <a:ea typeface="나눔바른고딕" panose="020B0603020101020101" pitchFamily="50" charset="-127"/>
+              </a:rPr>
+              <a:t>값</a:t>
+            </a:r>
+            <a:r>
+              <a:rPr lang="en-US" altLang="ko-KR" sz="2800" dirty="0">
+                <a:solidFill>
+                  <a:schemeClr val="tx1">
+                    <a:lumMod val="85000"/>
+                    <a:lumOff val="15000"/>
+                  </a:schemeClr>
+                </a:solidFill>
+                <a:latin typeface="나눔바른고딕" panose="020B0603020101020101" pitchFamily="50" charset="-127"/>
+                <a:ea typeface="나눔바른고딕" panose="020B0603020101020101" pitchFamily="50" charset="-127"/>
+              </a:rPr>
+              <a:t>3</a:t>
+            </a:r>
+          </a:p>
+        </p:txBody>
+      </p:sp>
+      <p:sp>
+        <p:nvSpPr>
+          <p:cNvPr id="4" name="TextBox 3">
+            <a:extLst>
+              <a:ext uri="{FF2B5EF4-FFF2-40B4-BE49-F238E27FC236}">
+                <a16:creationId xmlns:a16="http://schemas.microsoft.com/office/drawing/2014/main" id="{408099C2-3FEC-45C8-A76B-2E8C0A023061}"/>
+              </a:ext>
+            </a:extLst>
+          </p:cNvPr>
+          <p:cNvSpPr txBox="1"/>
+          <p:nvPr/>
+        </p:nvSpPr>
+        <p:spPr>
+          <a:xfrm>
+            <a:off x="5700964" y="2951946"/>
+            <a:ext cx="3471848" cy="954107"/>
+          </a:xfrm>
+          <a:prstGeom prst="rect">
+            <a:avLst/>
+          </a:prstGeom>
+          <a:noFill/>
+        </p:spPr>
+        <p:txBody>
+          <a:bodyPr wrap="none" rtlCol="0">
+            <a:spAutoFit/>
+          </a:bodyPr>
+          <a:lstStyle/>
+          <a:p>
+            <a:r>
+              <a:rPr lang="en-US" altLang="ko-KR" sz="2800" dirty="0" err="1">
+                <a:solidFill>
+                  <a:schemeClr val="tx1">
+                    <a:lumMod val="85000"/>
+                    <a:lumOff val="15000"/>
+                  </a:schemeClr>
+                </a:solidFill>
+                <a:latin typeface="나눔바른고딕" panose="020B0603020101020101" pitchFamily="50" charset="-127"/>
+                <a:ea typeface="나눔바른고딕" panose="020B0603020101020101" pitchFamily="50" charset="-127"/>
+              </a:rPr>
+              <a:t>tuple_a</a:t>
+            </a:r>
+            <a:r>
+              <a:rPr lang="ko-KR" altLang="en-US" sz="2800" dirty="0">
+                <a:solidFill>
+                  <a:schemeClr val="tx1">
+                    <a:lumMod val="85000"/>
+                    <a:lumOff val="15000"/>
+                  </a:schemeClr>
+                </a:solidFill>
+                <a:latin typeface="나눔바른고딕" panose="020B0603020101020101" pitchFamily="50" charset="-127"/>
+                <a:ea typeface="나눔바른고딕" panose="020B0603020101020101" pitchFamily="50" charset="-127"/>
+              </a:rPr>
+              <a:t> </a:t>
+            </a:r>
+            <a:r>
+              <a:rPr lang="en-US" altLang="ko-KR" sz="2800" dirty="0">
+                <a:solidFill>
+                  <a:schemeClr val="tx1">
+                    <a:lumMod val="85000"/>
+                    <a:lumOff val="15000"/>
+                  </a:schemeClr>
+                </a:solidFill>
+                <a:latin typeface="나눔바른고딕" panose="020B0603020101020101" pitchFamily="50" charset="-127"/>
+                <a:ea typeface="나눔바른고딕" panose="020B0603020101020101" pitchFamily="50" charset="-127"/>
+              </a:rPr>
+              <a:t>= (1, 2, 3, 4)</a:t>
+            </a:r>
+          </a:p>
+          <a:p>
+            <a:r>
+              <a:rPr lang="en-US" altLang="ko-KR" sz="2800" dirty="0" err="1">
+                <a:solidFill>
+                  <a:schemeClr val="tx1">
+                    <a:lumMod val="85000"/>
+                    <a:lumOff val="15000"/>
+                  </a:schemeClr>
+                </a:solidFill>
+                <a:latin typeface="나눔바른고딕" panose="020B0603020101020101" pitchFamily="50" charset="-127"/>
+                <a:ea typeface="나눔바른고딕" panose="020B0603020101020101" pitchFamily="50" charset="-127"/>
+              </a:rPr>
+              <a:t>tuple_b</a:t>
+            </a:r>
+            <a:r>
+              <a:rPr lang="ko-KR" altLang="en-US" sz="2800" dirty="0">
+                <a:solidFill>
+                  <a:schemeClr val="tx1">
+                    <a:lumMod val="85000"/>
+                    <a:lumOff val="15000"/>
+                  </a:schemeClr>
+                </a:solidFill>
+                <a:latin typeface="나눔바른고딕" panose="020B0603020101020101" pitchFamily="50" charset="-127"/>
+                <a:ea typeface="나눔바른고딕" panose="020B0603020101020101" pitchFamily="50" charset="-127"/>
+              </a:rPr>
+              <a:t> </a:t>
+            </a:r>
+            <a:r>
+              <a:rPr lang="en-US" altLang="ko-KR" sz="2800" dirty="0">
+                <a:solidFill>
+                  <a:schemeClr val="tx1">
+                    <a:lumMod val="85000"/>
+                    <a:lumOff val="15000"/>
+                  </a:schemeClr>
+                </a:solidFill>
+                <a:latin typeface="나눔바른고딕" panose="020B0603020101020101" pitchFamily="50" charset="-127"/>
+                <a:ea typeface="나눔바른고딕" panose="020B0603020101020101" pitchFamily="50" charset="-127"/>
+              </a:rPr>
+              <a:t>= 1, 2, 3, 4</a:t>
+            </a:r>
+          </a:p>
+        </p:txBody>
+      </p:sp>
+    </p:spTree>
+    <p:extLst>
+      <p:ext uri="{BB962C8B-B14F-4D97-AF65-F5344CB8AC3E}">
+        <p14:creationId xmlns:p14="http://schemas.microsoft.com/office/powerpoint/2010/main" val="66224000"/>
+      </p:ext>
+    </p:extLst>
+  </p:cSld>
+  <p:clrMapOvr>
+    <a:masterClrMapping/>
+  </p:clrMapOvr>
+  <mc:AlternateContent xmlns:mc="http://schemas.openxmlformats.org/markup-compatibility/2006" xmlns:p159="http://schemas.microsoft.com/office/powerpoint/2015/09/main">
+    <mc:Choice Requires="p159">
+      <p:transition xmlns:p14="http://schemas.microsoft.com/office/powerpoint/2010/main" spd="slow" p14:dur="2000">
+        <p159:morph option="byObject"/>
+      </p:transition>
+    </mc:Choice>
+    <mc:Fallback xmlns="">
+      <p:transition spd="slow">
+        <p:fade/>
+      </p:transition>
+    </mc:Fallback>
+  </mc:AlternateContent>
+</p:sld>
+</file>
+
+<file path=ppt/slides/slide6.xml><?xml version="1.0" encoding="utf-8"?>
+<p:sld xmlns:a="http://schemas.openxmlformats.org/drawingml/2006/main" xmlns:r="http://schemas.openxmlformats.org/officeDocument/2006/relationships" xmlns:p="http://schemas.openxmlformats.org/presentationml/2006/main">
+  <p:cSld>
+    <p:bg>
+      <p:bgPr>
+        <a:solidFill>
+          <a:schemeClr val="bg1"/>
+        </a:solidFill>
+        <a:effectLst/>
+      </p:bgPr>
+    </p:bg>
+    <p:spTree>
+      <p:nvGrpSpPr>
+        <p:cNvPr id="1" name=""/>
+        <p:cNvGrpSpPr/>
+        <p:nvPr/>
+      </p:nvGrpSpPr>
+      <p:grpSpPr>
+        <a:xfrm>
+          <a:off x="0" y="0"/>
+          <a:ext cx="0" cy="0"/>
+          <a:chOff x="0" y="0"/>
+          <a:chExt cx="0" cy="0"/>
+        </a:xfrm>
+      </p:grpSpPr>
+      <p:sp>
+        <p:nvSpPr>
+          <p:cNvPr id="2" name="TextBox 1">
+            <a:extLst>
+              <a:ext uri="{FF2B5EF4-FFF2-40B4-BE49-F238E27FC236}">
+                <a16:creationId xmlns:a16="http://schemas.microsoft.com/office/drawing/2014/main" id="{0B332A50-CC0E-4C7E-B47E-E7CFBA7B423B}"/>
+              </a:ext>
+            </a:extLst>
+          </p:cNvPr>
+          <p:cNvSpPr txBox="1"/>
+          <p:nvPr/>
+        </p:nvSpPr>
+        <p:spPr>
+          <a:xfrm>
+            <a:off x="3142248" y="1268760"/>
+            <a:ext cx="3621504" cy="830997"/>
+          </a:xfrm>
+          <a:prstGeom prst="rect">
+            <a:avLst/>
+          </a:prstGeom>
+          <a:noFill/>
+        </p:spPr>
+        <p:txBody>
+          <a:bodyPr wrap="none" rtlCol="0">
+            <a:spAutoFit/>
+          </a:bodyPr>
+          <a:lstStyle/>
+          <a:p>
+            <a:pPr algn="ctr"/>
+            <a:r>
+              <a:rPr lang="ko-KR" altLang="en-US" sz="4800" dirty="0" err="1">
+                <a:solidFill>
+                  <a:schemeClr val="tx1">
+                    <a:lumMod val="85000"/>
+                    <a:lumOff val="15000"/>
+                  </a:schemeClr>
+                </a:solidFill>
+                <a:latin typeface="나눔바른고딕" panose="020B0603020101020101" pitchFamily="50" charset="-127"/>
+                <a:ea typeface="나눔바른고딕" panose="020B0603020101020101" pitchFamily="50" charset="-127"/>
+              </a:rPr>
+              <a:t>튜플</a:t>
+            </a:r>
+            <a:r>
+              <a:rPr lang="en-US" altLang="ko-KR" sz="4800" dirty="0">
+                <a:solidFill>
+                  <a:schemeClr val="tx1">
+                    <a:lumMod val="85000"/>
+                    <a:lumOff val="15000"/>
+                  </a:schemeClr>
+                </a:solidFill>
+                <a:latin typeface="나눔바른고딕" panose="020B0603020101020101" pitchFamily="50" charset="-127"/>
+                <a:ea typeface="나눔바른고딕" panose="020B0603020101020101" pitchFamily="50" charset="-127"/>
+              </a:rPr>
+              <a:t> </a:t>
+            </a:r>
+            <a:r>
+              <a:rPr lang="ko-KR" altLang="en-US" sz="4800" dirty="0">
+                <a:solidFill>
+                  <a:schemeClr val="accent6">
+                    <a:lumMod val="75000"/>
+                  </a:schemeClr>
+                </a:solidFill>
+                <a:latin typeface="나눔바른고딕" panose="020B0603020101020101" pitchFamily="50" charset="-127"/>
+                <a:ea typeface="나눔바른고딕" panose="020B0603020101020101" pitchFamily="50" charset="-127"/>
+              </a:rPr>
+              <a:t>생성하기</a:t>
+            </a:r>
+            <a:endParaRPr lang="en-US" altLang="ko-KR" sz="4800" dirty="0">
+              <a:solidFill>
+                <a:schemeClr val="accent6">
+                  <a:lumMod val="75000"/>
+                </a:schemeClr>
+              </a:solidFill>
+              <a:latin typeface="나눔바른고딕" panose="020B0603020101020101" pitchFamily="50" charset="-127"/>
+              <a:ea typeface="나눔바른고딕" panose="020B0603020101020101" pitchFamily="50" charset="-127"/>
+            </a:endParaRPr>
+          </a:p>
+        </p:txBody>
+      </p:sp>
+      <p:sp>
+        <p:nvSpPr>
           <p:cNvPr id="4" name="TextBox 3">
             <a:extLst>
               <a:ext uri="{FF2B5EF4-FFF2-40B4-BE49-F238E27FC236}">
@@ -7693,13 +9126,13 @@
   <p:clrMapOvr>
     <a:masterClrMapping/>
   </p:clrMapOvr>
-  <mc:AlternateContent xmlns:mc="http://schemas.openxmlformats.org/markup-compatibility/2006">
-    <mc:Choice xmlns:p159="http://schemas.microsoft.com/office/powerpoint/2015/09/main" Requires="p159">
+  <mc:AlternateContent xmlns:mc="http://schemas.openxmlformats.org/markup-compatibility/2006" xmlns:p159="http://schemas.microsoft.com/office/powerpoint/2015/09/main">
+    <mc:Choice Requires="p159">
       <p:transition xmlns:p14="http://schemas.microsoft.com/office/powerpoint/2010/main" spd="slow" p14:dur="2000">
         <p159:morph option="byObject"/>
       </p:transition>
     </mc:Choice>
-    <mc:Fallback>
+    <mc:Fallback xmlns="">
       <p:transition spd="slow">
         <p:fade/>
       </p:transition>
@@ -7708,7 +9141,7 @@
 </p:sld>
 </file>
 
-<file path=ppt/slides/slide6.xml><?xml version="1.0" encoding="utf-8"?>
+<file path=ppt/slides/slide7.xml><?xml version="1.0" encoding="utf-8"?>
 <p:sld xmlns:a="http://schemas.openxmlformats.org/drawingml/2006/main" xmlns:r="http://schemas.openxmlformats.org/officeDocument/2006/relationships" xmlns:p="http://schemas.openxmlformats.org/presentationml/2006/main">
   <p:cSld>
     <p:bg>
@@ -7834,13 +9267,13 @@
   <p:clrMapOvr>
     <a:masterClrMapping/>
   </p:clrMapOvr>
-  <mc:AlternateContent xmlns:mc="http://schemas.openxmlformats.org/markup-compatibility/2006">
-    <mc:Choice xmlns:p159="http://schemas.microsoft.com/office/powerpoint/2015/09/main" Requires="p159">
+  <mc:AlternateContent xmlns:mc="http://schemas.openxmlformats.org/markup-compatibility/2006" xmlns:p159="http://schemas.microsoft.com/office/powerpoint/2015/09/main">
+    <mc:Choice Requires="p159">
       <p:transition xmlns:p14="http://schemas.microsoft.com/office/powerpoint/2010/main" spd="slow" p14:dur="2000">
         <p159:morph option="byObject"/>
       </p:transition>
     </mc:Choice>
-    <mc:Fallback>
+    <mc:Fallback xmlns="">
       <p:transition spd="slow">
         <p:fade/>
       </p:transition>
@@ -7849,7 +9282,7 @@
 </p:sld>
 </file>
 
-<file path=ppt/slides/slide7.xml><?xml version="1.0" encoding="utf-8"?>
+<file path=ppt/slides/slide8.xml><?xml version="1.0" encoding="utf-8"?>
 <p:sld xmlns:a="http://schemas.openxmlformats.org/drawingml/2006/main" xmlns:r="http://schemas.openxmlformats.org/officeDocument/2006/relationships" xmlns:p="http://schemas.openxmlformats.org/presentationml/2006/main">
   <p:cSld>
     <p:bg>
@@ -8174,355 +9607,13 @@
   <p:clrMapOvr>
     <a:masterClrMapping/>
   </p:clrMapOvr>
-  <mc:AlternateContent xmlns:mc="http://schemas.openxmlformats.org/markup-compatibility/2006">
-    <mc:Choice xmlns:p159="http://schemas.microsoft.com/office/powerpoint/2015/09/main" Requires="p159">
+  <mc:AlternateContent xmlns:mc="http://schemas.openxmlformats.org/markup-compatibility/2006" xmlns:p159="http://schemas.microsoft.com/office/powerpoint/2015/09/main">
+    <mc:Choice Requires="p159">
       <p:transition xmlns:p14="http://schemas.microsoft.com/office/powerpoint/2010/main" spd="slow" p14:dur="2000">
         <p159:morph option="byObject"/>
       </p:transition>
     </mc:Choice>
-    <mc:Fallback>
-      <p:transition spd="slow">
-        <p:fade/>
-      </p:transition>
-    </mc:Fallback>
-  </mc:AlternateContent>
-</p:sld>
-</file>
-
-<file path=ppt/slides/slide8.xml><?xml version="1.0" encoding="utf-8"?>
-<p:sld xmlns:a="http://schemas.openxmlformats.org/drawingml/2006/main" xmlns:r="http://schemas.openxmlformats.org/officeDocument/2006/relationships" xmlns:p="http://schemas.openxmlformats.org/presentationml/2006/main">
-  <p:cSld>
-    <p:bg>
-      <p:bgPr>
-        <a:solidFill>
-          <a:schemeClr val="bg1"/>
-        </a:solidFill>
-        <a:effectLst/>
-      </p:bgPr>
-    </p:bg>
-    <p:spTree>
-      <p:nvGrpSpPr>
-        <p:cNvPr id="1" name=""/>
-        <p:cNvGrpSpPr/>
-        <p:nvPr/>
-      </p:nvGrpSpPr>
-      <p:grpSpPr>
-        <a:xfrm>
-          <a:off x="0" y="0"/>
-          <a:ext cx="0" cy="0"/>
-          <a:chOff x="0" y="0"/>
-          <a:chExt cx="0" cy="0"/>
-        </a:xfrm>
-      </p:grpSpPr>
-      <p:sp>
-        <p:nvSpPr>
-          <p:cNvPr id="2" name="TextBox 1">
-            <a:extLst>
-              <a:ext uri="{FF2B5EF4-FFF2-40B4-BE49-F238E27FC236}">
-                <a16:creationId xmlns:a16="http://schemas.microsoft.com/office/drawing/2014/main" id="{0B332A50-CC0E-4C7E-B47E-E7CFBA7B423B}"/>
-              </a:ext>
-            </a:extLst>
-          </p:cNvPr>
-          <p:cNvSpPr txBox="1"/>
-          <p:nvPr/>
-        </p:nvSpPr>
-        <p:spPr>
-          <a:xfrm>
-            <a:off x="2558755" y="1124744"/>
-            <a:ext cx="4788490" cy="1077218"/>
-          </a:xfrm>
-          <a:prstGeom prst="rect">
-            <a:avLst/>
-          </a:prstGeom>
-          <a:noFill/>
-        </p:spPr>
-        <p:txBody>
-          <a:bodyPr wrap="none" rtlCol="0">
-            <a:spAutoFit/>
-          </a:bodyPr>
-          <a:lstStyle/>
-          <a:p>
-            <a:pPr algn="ctr"/>
-            <a:r>
-              <a:rPr lang="en-US" altLang="ko-KR" sz="3200" dirty="0">
-                <a:solidFill>
-                  <a:schemeClr val="tx1">
-                    <a:lumMod val="85000"/>
-                    <a:lumOff val="15000"/>
-                  </a:schemeClr>
-                </a:solidFill>
-                <a:latin typeface="나눔바른고딕" panose="020B0603020101020101" pitchFamily="50" charset="-127"/>
-                <a:ea typeface="나눔바른고딕" panose="020B0603020101020101" pitchFamily="50" charset="-127"/>
-              </a:rPr>
-              <a:t>Q) </a:t>
-            </a:r>
-            <a:r>
-              <a:rPr lang="ko-KR" altLang="en-US" sz="3200" dirty="0">
-                <a:solidFill>
-                  <a:schemeClr val="tx1">
-                    <a:lumMod val="85000"/>
-                    <a:lumOff val="15000"/>
-                  </a:schemeClr>
-                </a:solidFill>
-                <a:latin typeface="나눔바른고딕" panose="020B0603020101020101" pitchFamily="50" charset="-127"/>
-                <a:ea typeface="나눔바른고딕" panose="020B0603020101020101" pitchFamily="50" charset="-127"/>
-              </a:rPr>
-              <a:t>다음 코드를 작성해 보고 </a:t>
-            </a:r>
-            <a:endParaRPr lang="en-US" altLang="ko-KR" sz="3200" dirty="0">
-              <a:solidFill>
-                <a:schemeClr val="tx1">
-                  <a:lumMod val="85000"/>
-                  <a:lumOff val="15000"/>
-                </a:schemeClr>
-              </a:solidFill>
-              <a:latin typeface="나눔바른고딕" panose="020B0603020101020101" pitchFamily="50" charset="-127"/>
-              <a:ea typeface="나눔바른고딕" panose="020B0603020101020101" pitchFamily="50" charset="-127"/>
-            </a:endParaRPr>
-          </a:p>
-          <a:p>
-            <a:pPr algn="ctr"/>
-            <a:r>
-              <a:rPr lang="ko-KR" altLang="en-US" sz="3200" dirty="0">
-                <a:solidFill>
-                  <a:schemeClr val="tx1">
-                    <a:lumMod val="85000"/>
-                    <a:lumOff val="15000"/>
-                  </a:schemeClr>
-                </a:solidFill>
-                <a:latin typeface="나눔바른고딕" panose="020B0603020101020101" pitchFamily="50" charset="-127"/>
-                <a:ea typeface="나눔바른고딕" panose="020B0603020101020101" pitchFamily="50" charset="-127"/>
-              </a:rPr>
-              <a:t>실행결과를 확인해 보세요</a:t>
-            </a:r>
-            <a:r>
-              <a:rPr lang="en-US" altLang="ko-KR" sz="3200" dirty="0">
-                <a:solidFill>
-                  <a:schemeClr val="tx1">
-                    <a:lumMod val="85000"/>
-                    <a:lumOff val="15000"/>
-                  </a:schemeClr>
-                </a:solidFill>
-                <a:latin typeface="나눔바른고딕" panose="020B0603020101020101" pitchFamily="50" charset="-127"/>
-                <a:ea typeface="나눔바른고딕" panose="020B0603020101020101" pitchFamily="50" charset="-127"/>
-              </a:rPr>
-              <a:t>.</a:t>
-            </a:r>
-          </a:p>
-        </p:txBody>
-      </p:sp>
-      <p:sp>
-        <p:nvSpPr>
-          <p:cNvPr id="6" name="TextBox 5">
-            <a:extLst>
-              <a:ext uri="{FF2B5EF4-FFF2-40B4-BE49-F238E27FC236}">
-                <a16:creationId xmlns:a16="http://schemas.microsoft.com/office/drawing/2014/main" id="{90DBEF42-4CD6-49A8-B881-BCDA298DE22D}"/>
-              </a:ext>
-            </a:extLst>
-          </p:cNvPr>
-          <p:cNvSpPr txBox="1"/>
-          <p:nvPr/>
-        </p:nvSpPr>
-        <p:spPr>
-          <a:xfrm>
-            <a:off x="2476500" y="3093074"/>
-            <a:ext cx="4953000" cy="671851"/>
-          </a:xfrm>
-          <a:prstGeom prst="rect">
-            <a:avLst/>
-          </a:prstGeom>
-          <a:solidFill>
-            <a:schemeClr val="tx1">
-              <a:lumMod val="85000"/>
-              <a:lumOff val="15000"/>
-            </a:schemeClr>
-          </a:solidFill>
-        </p:spPr>
-        <p:txBody>
-          <a:bodyPr wrap="square">
-            <a:spAutoFit/>
-          </a:bodyPr>
-          <a:lstStyle/>
-          <a:p>
-            <a:r>
-              <a:rPr lang="en-US" altLang="ko-KR" b="0" dirty="0" err="1">
-                <a:solidFill>
-                  <a:srgbClr val="D4D4D4"/>
-                </a:solidFill>
-                <a:effectLst/>
-                <a:latin typeface="Consolas" panose="020B0609020204030204" pitchFamily="49" charset="0"/>
-              </a:rPr>
-              <a:t>tuple_a</a:t>
-            </a:r>
-            <a:r>
-              <a:rPr lang="en-US" altLang="ko-KR" b="0" dirty="0">
-                <a:solidFill>
-                  <a:srgbClr val="D4D4D4"/>
-                </a:solidFill>
-                <a:effectLst/>
-                <a:latin typeface="Consolas" panose="020B0609020204030204" pitchFamily="49" charset="0"/>
-              </a:rPr>
-              <a:t> = (</a:t>
-            </a:r>
-            <a:r>
-              <a:rPr lang="en-US" altLang="ko-KR" b="0" dirty="0">
-                <a:solidFill>
-                  <a:srgbClr val="B5CEA8"/>
-                </a:solidFill>
-                <a:effectLst/>
-                <a:latin typeface="Consolas" panose="020B0609020204030204" pitchFamily="49" charset="0"/>
-              </a:rPr>
-              <a:t>1</a:t>
-            </a:r>
-            <a:r>
-              <a:rPr lang="en-US" altLang="ko-KR" b="0" dirty="0">
-                <a:solidFill>
-                  <a:srgbClr val="D4D4D4"/>
-                </a:solidFill>
-                <a:effectLst/>
-                <a:latin typeface="Consolas" panose="020B0609020204030204" pitchFamily="49" charset="0"/>
-              </a:rPr>
-              <a:t>,</a:t>
-            </a:r>
-            <a:r>
-              <a:rPr lang="en-US" altLang="ko-KR" b="0" dirty="0">
-                <a:solidFill>
-                  <a:srgbClr val="B5CEA8"/>
-                </a:solidFill>
-                <a:effectLst/>
-                <a:latin typeface="Consolas" panose="020B0609020204030204" pitchFamily="49" charset="0"/>
-              </a:rPr>
-              <a:t>2</a:t>
-            </a:r>
-            <a:r>
-              <a:rPr lang="en-US" altLang="ko-KR" b="0" dirty="0">
-                <a:solidFill>
-                  <a:srgbClr val="D4D4D4"/>
-                </a:solidFill>
-                <a:effectLst/>
-                <a:latin typeface="Consolas" panose="020B0609020204030204" pitchFamily="49" charset="0"/>
-              </a:rPr>
-              <a:t>,</a:t>
-            </a:r>
-            <a:r>
-              <a:rPr lang="en-US" altLang="ko-KR" b="0" dirty="0">
-                <a:solidFill>
-                  <a:srgbClr val="B5CEA8"/>
-                </a:solidFill>
-                <a:effectLst/>
-                <a:latin typeface="Consolas" panose="020B0609020204030204" pitchFamily="49" charset="0"/>
-              </a:rPr>
-              <a:t>3</a:t>
-            </a:r>
-            <a:r>
-              <a:rPr lang="en-US" altLang="ko-KR" b="0" dirty="0">
-                <a:solidFill>
-                  <a:srgbClr val="D4D4D4"/>
-                </a:solidFill>
-                <a:effectLst/>
-                <a:latin typeface="Consolas" panose="020B0609020204030204" pitchFamily="49" charset="0"/>
-              </a:rPr>
-              <a:t>,</a:t>
-            </a:r>
-            <a:r>
-              <a:rPr lang="en-US" altLang="ko-KR" b="0" dirty="0">
-                <a:solidFill>
-                  <a:srgbClr val="B5CEA8"/>
-                </a:solidFill>
-                <a:effectLst/>
-                <a:latin typeface="Consolas" panose="020B0609020204030204" pitchFamily="49" charset="0"/>
-              </a:rPr>
-              <a:t>4</a:t>
-            </a:r>
-            <a:r>
-              <a:rPr lang="en-US" altLang="ko-KR" b="0" dirty="0">
-                <a:solidFill>
-                  <a:srgbClr val="D4D4D4"/>
-                </a:solidFill>
-                <a:effectLst/>
-                <a:latin typeface="Consolas" panose="020B0609020204030204" pitchFamily="49" charset="0"/>
-              </a:rPr>
-              <a:t>)</a:t>
-            </a:r>
-          </a:p>
-          <a:p>
-            <a:r>
-              <a:rPr lang="en-US" altLang="ko-KR" b="0" dirty="0" err="1">
-                <a:solidFill>
-                  <a:srgbClr val="D4D4D4"/>
-                </a:solidFill>
-                <a:effectLst/>
-                <a:latin typeface="Consolas" panose="020B0609020204030204" pitchFamily="49" charset="0"/>
-              </a:rPr>
-              <a:t>tuple_a</a:t>
-            </a:r>
-            <a:r>
-              <a:rPr lang="en-US" altLang="ko-KR" b="0" dirty="0">
-                <a:solidFill>
-                  <a:srgbClr val="D4D4D4"/>
-                </a:solidFill>
-                <a:effectLst/>
-                <a:latin typeface="Consolas" panose="020B0609020204030204" pitchFamily="49" charset="0"/>
-              </a:rPr>
-              <a:t>[</a:t>
-            </a:r>
-            <a:r>
-              <a:rPr lang="en-US" altLang="ko-KR" b="0" dirty="0">
-                <a:solidFill>
-                  <a:srgbClr val="B5CEA8"/>
-                </a:solidFill>
-                <a:effectLst/>
-                <a:latin typeface="Consolas" panose="020B0609020204030204" pitchFamily="49" charset="0"/>
-              </a:rPr>
-              <a:t>0</a:t>
-            </a:r>
-            <a:r>
-              <a:rPr lang="en-US" altLang="ko-KR" b="0" dirty="0">
-                <a:solidFill>
-                  <a:srgbClr val="D4D4D4"/>
-                </a:solidFill>
-                <a:effectLst/>
-                <a:latin typeface="Consolas" panose="020B0609020204030204" pitchFamily="49" charset="0"/>
-              </a:rPr>
-              <a:t>] = </a:t>
-            </a:r>
-            <a:r>
-              <a:rPr lang="en-US" altLang="ko-KR" b="0" dirty="0">
-                <a:solidFill>
-                  <a:srgbClr val="B5CEA8"/>
-                </a:solidFill>
-                <a:effectLst/>
-                <a:latin typeface="Consolas" panose="020B0609020204030204" pitchFamily="49" charset="0"/>
-              </a:rPr>
-              <a:t>5</a:t>
-            </a:r>
-            <a:endParaRPr lang="en-US" altLang="ko-KR" b="0" dirty="0">
-              <a:solidFill>
-                <a:srgbClr val="D4D4D4"/>
-              </a:solidFill>
-              <a:effectLst/>
-              <a:latin typeface="Consolas" panose="020B0609020204030204" pitchFamily="49" charset="0"/>
-            </a:endParaRPr>
-          </a:p>
-        </p:txBody>
-      </p:sp>
-    </p:spTree>
-    <p:extLst>
-      <p:ext uri="{BB962C8B-B14F-4D97-AF65-F5344CB8AC3E}">
-        <p14:creationId xmlns:p14="http://schemas.microsoft.com/office/powerpoint/2010/main" val="169548764"/>
-      </p:ext>
-    </p:extLst>
-  </p:cSld>
-  <p:clrMapOvr>
-    <a:masterClrMapping/>
-  </p:clrMapOvr>
-  <mc:AlternateContent xmlns:mc="http://schemas.openxmlformats.org/markup-compatibility/2006">
-    <mc:Choice xmlns:p159="http://schemas.microsoft.com/office/powerpoint/2015/09/main" Requires="p159">
-      <p:transition xmlns:p14="http://schemas.microsoft.com/office/powerpoint/2010/main" spd="slow" p14:dur="2000">
-        <p159:morph option="byObject"/>
-      </p:transition>
-    </mc:Choice>
-    <mc:Fallback>
+    <mc:Fallback xmlns="">
       <p:transition spd="slow">
         <p:fade/>
       </p:transition>
@@ -8667,8 +9758,8 @@
         </p:nvSpPr>
         <p:spPr>
           <a:xfrm>
-            <a:off x="2476500" y="2803316"/>
-            <a:ext cx="4953000" cy="1251368"/>
+            <a:off x="2476500" y="3093074"/>
+            <a:ext cx="4953000" cy="671851"/>
           </a:xfrm>
           <a:prstGeom prst="rect">
             <a:avLst/>
@@ -8687,34 +9778,14 @@
           <a:lstStyle/>
           <a:p>
             <a:r>
-              <a:rPr lang="en-US" altLang="ko-KR" b="0" dirty="0">
-                <a:solidFill>
-                  <a:srgbClr val="569CD6"/>
-                </a:solidFill>
-                <a:effectLst/>
-                <a:latin typeface="Consolas" panose="020B0609020204030204" pitchFamily="49" charset="0"/>
-              </a:rPr>
-              <a:t>def</a:t>
-            </a:r>
-            <a:r>
-              <a:rPr lang="en-US" altLang="ko-KR" b="0" dirty="0">
+              <a:rPr lang="en-US" altLang="ko-KR" b="0" dirty="0" err="1">
                 <a:solidFill>
                   <a:srgbClr val="D4D4D4"/>
                 </a:solidFill>
                 <a:effectLst/>
                 <a:latin typeface="Consolas" panose="020B0609020204030204" pitchFamily="49" charset="0"/>
               </a:rPr>
-              <a:t> </a:t>
-            </a:r>
-            <a:r>
-              <a:rPr lang="en-US" altLang="ko-KR" b="0" dirty="0">
-                <a:solidFill>
-                  <a:srgbClr val="DCDCAA"/>
-                </a:solidFill>
-                <a:effectLst/>
-                <a:latin typeface="Consolas" panose="020B0609020204030204" pitchFamily="49" charset="0"/>
-              </a:rPr>
-              <a:t>function</a:t>
+              <a:t>tuple_a</a:t>
             </a:r>
             <a:r>
               <a:rPr lang="en-US" altLang="ko-KR" b="0" dirty="0">
@@ -8724,17 +9795,17 @@
                 <a:effectLst/>
                 <a:latin typeface="Consolas" panose="020B0609020204030204" pitchFamily="49" charset="0"/>
               </a:rPr>
-              <a:t>(</a:t>
-            </a:r>
-            <a:r>
-              <a:rPr lang="en-US" altLang="ko-KR" b="0" dirty="0">
-                <a:solidFill>
-                  <a:srgbClr val="9CDCFE"/>
-                </a:solidFill>
-                <a:effectLst/>
-                <a:latin typeface="Consolas" panose="020B0609020204030204" pitchFamily="49" charset="0"/>
-              </a:rPr>
-              <a:t>x</a:t>
+              <a:t> = (</a:t>
+            </a:r>
+            <a:r>
+              <a:rPr lang="en-US" altLang="ko-KR" b="0" dirty="0">
+                <a:solidFill>
+                  <a:srgbClr val="B5CEA8"/>
+                </a:solidFill>
+                <a:effectLst/>
+                <a:latin typeface="Consolas" panose="020B0609020204030204" pitchFamily="49" charset="0"/>
+              </a:rPr>
+              <a:t>1</a:t>
             </a:r>
             <a:r>
               <a:rPr lang="en-US" altLang="ko-KR" b="0" dirty="0">
@@ -8744,30 +9815,80 @@
                 <a:effectLst/>
                 <a:latin typeface="Consolas" panose="020B0609020204030204" pitchFamily="49" charset="0"/>
               </a:rPr>
-              <a:t>, *</a:t>
-            </a:r>
+              <a:t>,</a:t>
+            </a:r>
+            <a:r>
+              <a:rPr lang="en-US" altLang="ko-KR" b="0" dirty="0">
+                <a:solidFill>
+                  <a:srgbClr val="B5CEA8"/>
+                </a:solidFill>
+                <a:effectLst/>
+                <a:latin typeface="Consolas" panose="020B0609020204030204" pitchFamily="49" charset="0"/>
+              </a:rPr>
+              <a:t>2</a:t>
+            </a:r>
+            <a:r>
+              <a:rPr lang="en-US" altLang="ko-KR" b="0" dirty="0">
+                <a:solidFill>
+                  <a:srgbClr val="D4D4D4"/>
+                </a:solidFill>
+                <a:effectLst/>
+                <a:latin typeface="Consolas" panose="020B0609020204030204" pitchFamily="49" charset="0"/>
+              </a:rPr>
+              <a:t>,</a:t>
+            </a:r>
+            <a:r>
+              <a:rPr lang="en-US" altLang="ko-KR" b="0" dirty="0">
+                <a:solidFill>
+                  <a:srgbClr val="B5CEA8"/>
+                </a:solidFill>
+                <a:effectLst/>
+                <a:latin typeface="Consolas" panose="020B0609020204030204" pitchFamily="49" charset="0"/>
+              </a:rPr>
+              <a:t>3</a:t>
+            </a:r>
+            <a:r>
+              <a:rPr lang="en-US" altLang="ko-KR" b="0" dirty="0">
+                <a:solidFill>
+                  <a:srgbClr val="D4D4D4"/>
+                </a:solidFill>
+                <a:effectLst/>
+                <a:latin typeface="Consolas" panose="020B0609020204030204" pitchFamily="49" charset="0"/>
+              </a:rPr>
+              <a:t>,</a:t>
+            </a:r>
+            <a:r>
+              <a:rPr lang="en-US" altLang="ko-KR" b="0" dirty="0">
+                <a:solidFill>
+                  <a:srgbClr val="B5CEA8"/>
+                </a:solidFill>
+                <a:effectLst/>
+                <a:latin typeface="Consolas" panose="020B0609020204030204" pitchFamily="49" charset="0"/>
+              </a:rPr>
+              <a:t>4</a:t>
+            </a:r>
+            <a:r>
+              <a:rPr lang="en-US" altLang="ko-KR" b="0" dirty="0">
+                <a:solidFill>
+                  <a:srgbClr val="D4D4D4"/>
+                </a:solidFill>
+                <a:effectLst/>
+                <a:latin typeface="Consolas" panose="020B0609020204030204" pitchFamily="49" charset="0"/>
+              </a:rPr>
+              <a:t>)</a:t>
+            </a:r>
+          </a:p>
+          <a:p>
             <a:r>
               <a:rPr lang="en-US" altLang="ko-KR" b="0" dirty="0" err="1">
                 <a:solidFill>
-                  <a:srgbClr val="9CDCFE"/>
-                </a:solidFill>
-                <a:effectLst/>
-                <a:latin typeface="Consolas" panose="020B0609020204030204" pitchFamily="49" charset="0"/>
-              </a:rPr>
-              <a:t>args</a:t>
-            </a:r>
-            <a:r>
-              <a:rPr lang="en-US" altLang="ko-KR" b="0" dirty="0">
-                <a:solidFill>
                   <a:srgbClr val="D4D4D4"/>
                 </a:solidFill>
                 <a:effectLst/>
                 <a:latin typeface="Consolas" panose="020B0609020204030204" pitchFamily="49" charset="0"/>
               </a:rPr>
-              <a:t>):</a:t>
-            </a:r>
-          </a:p>
-          <a:p>
+              <a:t>tuple_a</a:t>
+            </a:r>
             <a:r>
               <a:rPr lang="en-US" altLang="ko-KR" b="0" dirty="0">
                 <a:solidFill>
@@ -8776,17 +9897,17 @@
                 <a:effectLst/>
                 <a:latin typeface="Consolas" panose="020B0609020204030204" pitchFamily="49" charset="0"/>
               </a:rPr>
-              <a:t>    </a:t>
-            </a:r>
-            <a:r>
-              <a:rPr lang="en-US" altLang="ko-KR" b="0" dirty="0">
-                <a:solidFill>
-                  <a:srgbClr val="DCDCAA"/>
-                </a:solidFill>
-                <a:effectLst/>
-                <a:latin typeface="Consolas" panose="020B0609020204030204" pitchFamily="49" charset="0"/>
-              </a:rPr>
-              <a:t>print</a:t>
+              <a:t>[</a:t>
+            </a:r>
+            <a:r>
+              <a:rPr lang="en-US" altLang="ko-KR" b="0" dirty="0">
+                <a:solidFill>
+                  <a:srgbClr val="B5CEA8"/>
+                </a:solidFill>
+                <a:effectLst/>
+                <a:latin typeface="Consolas" panose="020B0609020204030204" pitchFamily="49" charset="0"/>
+              </a:rPr>
+              <a:t>0</a:t>
             </a:r>
             <a:r>
               <a:rPr lang="en-US" altLang="ko-KR" b="0" dirty="0">
@@ -8796,48 +9917,7 @@
                 <a:effectLst/>
                 <a:latin typeface="Consolas" panose="020B0609020204030204" pitchFamily="49" charset="0"/>
               </a:rPr>
-              <a:t>(x, </a:t>
-            </a:r>
-            <a:r>
-              <a:rPr lang="en-US" altLang="ko-KR" b="0" dirty="0" err="1">
-                <a:solidFill>
-                  <a:srgbClr val="D4D4D4"/>
-                </a:solidFill>
-                <a:effectLst/>
-                <a:latin typeface="Consolas" panose="020B0609020204030204" pitchFamily="49" charset="0"/>
-              </a:rPr>
-              <a:t>args</a:t>
-            </a:r>
-            <a:r>
-              <a:rPr lang="en-US" altLang="ko-KR" b="0" dirty="0">
-                <a:solidFill>
-                  <a:srgbClr val="D4D4D4"/>
-                </a:solidFill>
-                <a:effectLst/>
-                <a:latin typeface="Consolas" panose="020B0609020204030204" pitchFamily="49" charset="0"/>
-              </a:rPr>
-              <a:t>)</a:t>
-            </a:r>
-          </a:p>
-          <a:p>
-            <a:br>
-              <a:rPr lang="en-US" altLang="ko-KR" b="0" dirty="0">
-                <a:solidFill>
-                  <a:srgbClr val="D4D4D4"/>
-                </a:solidFill>
-                <a:effectLst/>
-                <a:latin typeface="Consolas" panose="020B0609020204030204" pitchFamily="49" charset="0"/>
-              </a:rPr>
-            </a:br>
-            <a:r>
-              <a:rPr lang="en-US" altLang="ko-KR" b="0" dirty="0">
-                <a:solidFill>
-                  <a:srgbClr val="D4D4D4"/>
-                </a:solidFill>
-                <a:effectLst/>
-                <a:latin typeface="Consolas" panose="020B0609020204030204" pitchFamily="49" charset="0"/>
-              </a:rPr>
-              <a:t>function(</a:t>
+              <a:t>] = </a:t>
             </a:r>
             <a:r>
               <a:rPr lang="en-US" altLang="ko-KR" b="0" dirty="0">
@@ -8847,118 +9927,35 @@
                 <a:effectLst/>
                 <a:latin typeface="Consolas" panose="020B0609020204030204" pitchFamily="49" charset="0"/>
               </a:rPr>
-              <a:t>1</a:t>
-            </a:r>
-            <a:r>
-              <a:rPr lang="en-US" altLang="ko-KR" b="0" dirty="0">
-                <a:solidFill>
-                  <a:srgbClr val="D4D4D4"/>
-                </a:solidFill>
-                <a:effectLst/>
-                <a:latin typeface="Consolas" panose="020B0609020204030204" pitchFamily="49" charset="0"/>
-              </a:rPr>
-              <a:t>,</a:t>
-            </a:r>
-            <a:r>
-              <a:rPr lang="en-US" altLang="ko-KR" b="0" dirty="0">
-                <a:solidFill>
-                  <a:srgbClr val="B5CEA8"/>
-                </a:solidFill>
-                <a:effectLst/>
-                <a:latin typeface="Consolas" panose="020B0609020204030204" pitchFamily="49" charset="0"/>
-              </a:rPr>
-              <a:t>2</a:t>
-            </a:r>
-            <a:r>
-              <a:rPr lang="en-US" altLang="ko-KR" b="0" dirty="0">
-                <a:solidFill>
-                  <a:srgbClr val="D4D4D4"/>
-                </a:solidFill>
-                <a:effectLst/>
-                <a:latin typeface="Consolas" panose="020B0609020204030204" pitchFamily="49" charset="0"/>
-              </a:rPr>
-              <a:t>,</a:t>
-            </a:r>
-            <a:r>
-              <a:rPr lang="en-US" altLang="ko-KR" b="0" dirty="0">
-                <a:solidFill>
-                  <a:srgbClr val="B5CEA8"/>
-                </a:solidFill>
-                <a:effectLst/>
-                <a:latin typeface="Consolas" panose="020B0609020204030204" pitchFamily="49" charset="0"/>
-              </a:rPr>
-              <a:t>3</a:t>
-            </a:r>
-            <a:r>
-              <a:rPr lang="en-US" altLang="ko-KR" b="0" dirty="0">
-                <a:solidFill>
-                  <a:srgbClr val="D4D4D4"/>
-                </a:solidFill>
-                <a:effectLst/>
-                <a:latin typeface="Consolas" panose="020B0609020204030204" pitchFamily="49" charset="0"/>
-              </a:rPr>
-              <a:t>,</a:t>
-            </a:r>
-            <a:r>
-              <a:rPr lang="en-US" altLang="ko-KR" b="0" dirty="0">
-                <a:solidFill>
-                  <a:srgbClr val="B5CEA8"/>
-                </a:solidFill>
-                <a:effectLst/>
-                <a:latin typeface="Consolas" panose="020B0609020204030204" pitchFamily="49" charset="0"/>
-              </a:rPr>
-              <a:t>4</a:t>
-            </a:r>
-            <a:r>
-              <a:rPr lang="en-US" altLang="ko-KR" b="0" dirty="0">
-                <a:solidFill>
-                  <a:srgbClr val="D4D4D4"/>
-                </a:solidFill>
-                <a:effectLst/>
-                <a:latin typeface="Consolas" panose="020B0609020204030204" pitchFamily="49" charset="0"/>
-              </a:rPr>
-              <a:t>,</a:t>
-            </a:r>
-            <a:r>
-              <a:rPr lang="en-US" altLang="ko-KR" b="0" dirty="0">
-                <a:solidFill>
-                  <a:srgbClr val="B5CEA8"/>
-                </a:solidFill>
-                <a:effectLst/>
-                <a:latin typeface="Consolas" panose="020B0609020204030204" pitchFamily="49" charset="0"/>
-              </a:rPr>
               <a:t>5</a:t>
             </a:r>
-            <a:r>
-              <a:rPr lang="en-US" altLang="ko-KR" b="0" dirty="0">
-                <a:solidFill>
-                  <a:srgbClr val="D4D4D4"/>
-                </a:solidFill>
-                <a:effectLst/>
-                <a:latin typeface="Consolas" panose="020B0609020204030204" pitchFamily="49" charset="0"/>
-              </a:rPr>
-              <a:t>)</a:t>
-            </a:r>
+            <a:endParaRPr lang="en-US" altLang="ko-KR" b="0" dirty="0">
+              <a:solidFill>
+                <a:srgbClr val="D4D4D4"/>
+              </a:solidFill>
+              <a:effectLst/>
+              <a:latin typeface="Consolas" panose="020B0609020204030204" pitchFamily="49" charset="0"/>
+            </a:endParaRPr>
           </a:p>
         </p:txBody>
       </p:sp>
     </p:spTree>
     <p:extLst>
       <p:ext uri="{BB962C8B-B14F-4D97-AF65-F5344CB8AC3E}">
-        <p14:creationId xmlns:p14="http://schemas.microsoft.com/office/powerpoint/2010/main" val="4236942349"/>
+        <p14:creationId xmlns:p14="http://schemas.microsoft.com/office/powerpoint/2010/main" val="169548764"/>
       </p:ext>
     </p:extLst>
   </p:cSld>
   <p:clrMapOvr>
     <a:masterClrMapping/>
   </p:clrMapOvr>
-  <mc:AlternateContent xmlns:mc="http://schemas.openxmlformats.org/markup-compatibility/2006">
-    <mc:Choice xmlns:p159="http://schemas.microsoft.com/office/powerpoint/2015/09/main" Requires="p159">
+  <mc:AlternateContent xmlns:mc="http://schemas.openxmlformats.org/markup-compatibility/2006" xmlns:p159="http://schemas.microsoft.com/office/powerpoint/2015/09/main">
+    <mc:Choice Requires="p159">
       <p:transition xmlns:p14="http://schemas.microsoft.com/office/powerpoint/2010/main" spd="slow" p14:dur="2000">
         <p159:morph option="byObject"/>
       </p:transition>
     </mc:Choice>
-    <mc:Fallback>
+    <mc:Fallback xmlns="">
       <p:transition spd="slow">
         <p:fade/>
       </p:transition>

--- a/파이썬기초(PPT)/파이썬 기초 10강_튜플과 딕셔너리.pptx
+++ b/파이썬기초(PPT)/파이썬 기초 10강_튜플과 딕셔너리.pptx
@@ -8,8 +8,8 @@
     <p:handoutMasterId r:id="rId19"/>
   </p:handoutMasterIdLst>
   <p:sldIdLst>
-    <p:sldId id="290" r:id="rId2"/>
-    <p:sldId id="291" r:id="rId3"/>
+    <p:sldId id="292" r:id="rId2"/>
+    <p:sldId id="293" r:id="rId3"/>
     <p:sldId id="264" r:id="rId4"/>
     <p:sldId id="265" r:id="rId5"/>
     <p:sldId id="267" r:id="rId6"/>
@@ -26,7 +26,7 @@
     <p:sldId id="278" r:id="rId17"/>
     <p:sldId id="279" r:id="rId18"/>
   </p:sldIdLst>
-  <p:sldSz cx="9906000" cy="6858000" type="A4"/>
+  <p:sldSz cx="9144000" cy="6858000" type="screen4x3"/>
   <p:notesSz cx="10020300" cy="6888163"/>
   <p:defaultTextStyle>
     <a:defPPr>
@@ -131,7 +131,7 @@
             <a:srgbClr val="A4A3A4"/>
           </p15:clr>
         </p15:guide>
-        <p15:guide id="2" pos="3120" userDrawn="1">
+        <p15:guide id="2" pos="2880" userDrawn="1">
           <p15:clr>
             <a:srgbClr val="A4A3A4"/>
           </p15:clr>
@@ -322,8 +322,8 @@
         </p:nvSpPr>
         <p:spPr>
           <a:xfrm>
-            <a:off x="742951" y="2130451"/>
-            <a:ext cx="8420100" cy="1470025"/>
+            <a:off x="685801" y="2130452"/>
+            <a:ext cx="7772400" cy="1470025"/>
           </a:xfrm>
         </p:spPr>
         <p:txBody>
@@ -349,8 +349,8 @@
         </p:nvSpPr>
         <p:spPr>
           <a:xfrm>
-            <a:off x="1485900" y="3886201"/>
-            <a:ext cx="6934200" cy="1752600"/>
+            <a:off x="1371600" y="3886201"/>
+            <a:ext cx="6400800" cy="1752600"/>
           </a:xfrm>
         </p:spPr>
         <p:txBody>
@@ -366,7 +366,7 @@
                 </a:solidFill>
               </a:defRPr>
             </a:lvl1pPr>
-            <a:lvl2pPr marL="640247" indent="0" algn="ctr">
+            <a:lvl2pPr marL="591012" indent="0" algn="ctr">
               <a:buNone/>
               <a:defRPr>
                 <a:solidFill>
@@ -376,7 +376,7 @@
                 </a:solidFill>
               </a:defRPr>
             </a:lvl2pPr>
-            <a:lvl3pPr marL="1280496" indent="0" algn="ctr">
+            <a:lvl3pPr marL="1182026" indent="0" algn="ctr">
               <a:buNone/>
               <a:defRPr>
                 <a:solidFill>
@@ -386,7 +386,7 @@
                 </a:solidFill>
               </a:defRPr>
             </a:lvl3pPr>
-            <a:lvl4pPr marL="1920743" indent="0" algn="ctr">
+            <a:lvl4pPr marL="1773038" indent="0" algn="ctr">
               <a:buNone/>
               <a:defRPr>
                 <a:solidFill>
@@ -396,7 +396,7 @@
                 </a:solidFill>
               </a:defRPr>
             </a:lvl4pPr>
-            <a:lvl5pPr marL="2560989" indent="0" algn="ctr">
+            <a:lvl5pPr marL="2364049" indent="0" algn="ctr">
               <a:buNone/>
               <a:defRPr>
                 <a:solidFill>
@@ -406,7 +406,7 @@
                 </a:solidFill>
               </a:defRPr>
             </a:lvl5pPr>
-            <a:lvl6pPr marL="3201237" indent="0" algn="ctr">
+            <a:lvl6pPr marL="2955062" indent="0" algn="ctr">
               <a:buNone/>
               <a:defRPr>
                 <a:solidFill>
@@ -416,7 +416,7 @@
                 </a:solidFill>
               </a:defRPr>
             </a:lvl6pPr>
-            <a:lvl7pPr marL="3841482" indent="0" algn="ctr">
+            <a:lvl7pPr marL="3546072" indent="0" algn="ctr">
               <a:buNone/>
               <a:defRPr>
                 <a:solidFill>
@@ -426,7 +426,7 @@
                 </a:solidFill>
               </a:defRPr>
             </a:lvl7pPr>
-            <a:lvl8pPr marL="4481725" indent="0" algn="ctr">
+            <a:lvl8pPr marL="4137080" indent="0" algn="ctr">
               <a:buNone/>
               <a:defRPr>
                 <a:solidFill>
@@ -436,7 +436,7 @@
                 </a:solidFill>
               </a:defRPr>
             </a:lvl8pPr>
-            <a:lvl9pPr marL="5121977" indent="0" algn="ctr">
+            <a:lvl9pPr marL="4728097" indent="0" algn="ctr">
               <a:buNone/>
               <a:defRPr>
                 <a:solidFill>
@@ -472,7 +472,7 @@
           <a:p>
             <a:fld id="{FB30EDBD-1C2D-4C1E-B459-B60219FAB484}" type="datetimeFigureOut">
               <a:rPr lang="ko-KR" altLang="en-US" smtClean="0"/>
-              <a:t>2021-02-05</a:t>
+              <a:t>2021-02-10</a:t>
             </a:fld>
             <a:endParaRPr lang="ko-KR" altLang="en-US"/>
           </a:p>
@@ -635,7 +635,7 @@
           <a:p>
             <a:fld id="{FB30EDBD-1C2D-4C1E-B459-B60219FAB484}" type="datetimeFigureOut">
               <a:rPr lang="ko-KR" altLang="en-US" smtClean="0"/>
-              <a:t>2021-02-05</a:t>
+              <a:t>2021-02-10</a:t>
             </a:fld>
             <a:endParaRPr lang="ko-KR" altLang="en-US"/>
           </a:p>
@@ -720,8 +720,8 @@
         </p:nvSpPr>
         <p:spPr>
           <a:xfrm>
-            <a:off x="7181850" y="274653"/>
-            <a:ext cx="2228850" cy="5851525"/>
+            <a:off x="6629400" y="274654"/>
+            <a:ext cx="2057400" cy="5851525"/>
           </a:xfrm>
         </p:spPr>
         <p:txBody>
@@ -747,8 +747,8 @@
         </p:nvSpPr>
         <p:spPr>
           <a:xfrm>
-            <a:off x="495301" y="274653"/>
-            <a:ext cx="6521450" cy="5851525"/>
+            <a:off x="457201" y="274654"/>
+            <a:ext cx="6019800" cy="5851525"/>
           </a:xfrm>
         </p:spPr>
         <p:txBody>
@@ -808,7 +808,7 @@
           <a:p>
             <a:fld id="{FB30EDBD-1C2D-4C1E-B459-B60219FAB484}" type="datetimeFigureOut">
               <a:rPr lang="ko-KR" altLang="en-US" smtClean="0"/>
-              <a:t>2021-02-05</a:t>
+              <a:t>2021-02-10</a:t>
             </a:fld>
             <a:endParaRPr lang="ko-KR" altLang="en-US"/>
           </a:p>
@@ -971,7 +971,7 @@
           <a:p>
             <a:fld id="{FB30EDBD-1C2D-4C1E-B459-B60219FAB484}" type="datetimeFigureOut">
               <a:rPr lang="ko-KR" altLang="en-US" smtClean="0"/>
-              <a:t>2021-02-05</a:t>
+              <a:t>2021-02-10</a:t>
             </a:fld>
             <a:endParaRPr lang="ko-KR" altLang="en-US"/>
           </a:p>
@@ -1056,15 +1056,15 @@
         </p:nvSpPr>
         <p:spPr>
           <a:xfrm>
-            <a:off x="782508" y="4406915"/>
-            <a:ext cx="8420100" cy="1362076"/>
+            <a:off x="722315" y="4406915"/>
+            <a:ext cx="7772400" cy="1362076"/>
           </a:xfrm>
         </p:spPr>
         <p:txBody>
           <a:bodyPr anchor="t"/>
           <a:lstStyle>
             <a:lvl1pPr algn="l">
-              <a:defRPr sz="5601" b="1" cap="all"/>
+              <a:defRPr sz="5170" b="1" cap="all"/>
             </a:lvl1pPr>
           </a:lstStyle>
           <a:p>
@@ -1087,8 +1087,8 @@
         </p:nvSpPr>
         <p:spPr>
           <a:xfrm>
-            <a:off x="782508" y="2906714"/>
-            <a:ext cx="8420100" cy="1500187"/>
+            <a:off x="722315" y="2906715"/>
+            <a:ext cx="7772400" cy="1500187"/>
           </a:xfrm>
         </p:spPr>
         <p:txBody>
@@ -1096,7 +1096,7 @@
           <a:lstStyle>
             <a:lvl1pPr marL="0" indent="0">
               <a:buNone/>
-              <a:defRPr sz="2803">
+              <a:defRPr sz="2587">
                 <a:solidFill>
                   <a:schemeClr val="tx1">
                     <a:tint val="75000"/>
@@ -1104,9 +1104,9 @@
                 </a:solidFill>
               </a:defRPr>
             </a:lvl1pPr>
-            <a:lvl2pPr marL="640247" indent="0">
+            <a:lvl2pPr marL="591012" indent="0">
               <a:buNone/>
-              <a:defRPr sz="2520">
+              <a:defRPr sz="2326">
                 <a:solidFill>
                   <a:schemeClr val="tx1">
                     <a:tint val="75000"/>
@@ -1114,9 +1114,9 @@
                 </a:solidFill>
               </a:defRPr>
             </a:lvl2pPr>
-            <a:lvl3pPr marL="1280496" indent="0">
+            <a:lvl3pPr marL="1182026" indent="0">
               <a:buNone/>
-              <a:defRPr sz="2240">
+              <a:defRPr sz="2068">
                 <a:solidFill>
                   <a:schemeClr val="tx1">
                     <a:tint val="75000"/>
@@ -1124,9 +1124,9 @@
                 </a:solidFill>
               </a:defRPr>
             </a:lvl3pPr>
-            <a:lvl4pPr marL="1920743" indent="0">
+            <a:lvl4pPr marL="1773038" indent="0">
               <a:buNone/>
-              <a:defRPr sz="1960">
+              <a:defRPr sz="1809">
                 <a:solidFill>
                   <a:schemeClr val="tx1">
                     <a:tint val="75000"/>
@@ -1134,9 +1134,9 @@
                 </a:solidFill>
               </a:defRPr>
             </a:lvl4pPr>
-            <a:lvl5pPr marL="2560989" indent="0">
+            <a:lvl5pPr marL="2364049" indent="0">
               <a:buNone/>
-              <a:defRPr sz="1960">
+              <a:defRPr sz="1809">
                 <a:solidFill>
                   <a:schemeClr val="tx1">
                     <a:tint val="75000"/>
@@ -1144,9 +1144,9 @@
                 </a:solidFill>
               </a:defRPr>
             </a:lvl5pPr>
-            <a:lvl6pPr marL="3201237" indent="0">
+            <a:lvl6pPr marL="2955062" indent="0">
               <a:buNone/>
-              <a:defRPr sz="1960">
+              <a:defRPr sz="1809">
                 <a:solidFill>
                   <a:schemeClr val="tx1">
                     <a:tint val="75000"/>
@@ -1154,9 +1154,9 @@
                 </a:solidFill>
               </a:defRPr>
             </a:lvl6pPr>
-            <a:lvl7pPr marL="3841482" indent="0">
+            <a:lvl7pPr marL="3546072" indent="0">
               <a:buNone/>
-              <a:defRPr sz="1960">
+              <a:defRPr sz="1809">
                 <a:solidFill>
                   <a:schemeClr val="tx1">
                     <a:tint val="75000"/>
@@ -1164,9 +1164,9 @@
                 </a:solidFill>
               </a:defRPr>
             </a:lvl7pPr>
-            <a:lvl8pPr marL="4481725" indent="0">
+            <a:lvl8pPr marL="4137080" indent="0">
               <a:buNone/>
-              <a:defRPr sz="1960">
+              <a:defRPr sz="1809">
                 <a:solidFill>
                   <a:schemeClr val="tx1">
                     <a:tint val="75000"/>
@@ -1174,9 +1174,9 @@
                 </a:solidFill>
               </a:defRPr>
             </a:lvl8pPr>
-            <a:lvl9pPr marL="5121977" indent="0">
+            <a:lvl9pPr marL="4728097" indent="0">
               <a:buNone/>
-              <a:defRPr sz="1960">
+              <a:defRPr sz="1809">
                 <a:solidFill>
                   <a:schemeClr val="tx1">
                     <a:tint val="75000"/>
@@ -1211,7 +1211,7 @@
           <a:p>
             <a:fld id="{FB30EDBD-1C2D-4C1E-B459-B60219FAB484}" type="datetimeFigureOut">
               <a:rPr lang="ko-KR" altLang="en-US" smtClean="0"/>
-              <a:t>2021-02-05</a:t>
+              <a:t>2021-02-10</a:t>
             </a:fld>
             <a:endParaRPr lang="ko-KR" altLang="en-US"/>
           </a:p>
@@ -1318,39 +1318,39 @@
         </p:nvSpPr>
         <p:spPr>
           <a:xfrm>
-            <a:off x="495300" y="1600206"/>
-            <a:ext cx="4375150" cy="4525963"/>
+            <a:off x="457200" y="1600206"/>
+            <a:ext cx="4038600" cy="4525963"/>
           </a:xfrm>
         </p:spPr>
         <p:txBody>
           <a:bodyPr/>
           <a:lstStyle>
             <a:lvl1pPr>
-              <a:defRPr sz="3924"/>
+              <a:defRPr sz="3622"/>
             </a:lvl1pPr>
             <a:lvl2pPr>
-              <a:defRPr sz="3361"/>
+              <a:defRPr sz="3103"/>
             </a:lvl2pPr>
             <a:lvl3pPr>
-              <a:defRPr sz="2803"/>
+              <a:defRPr sz="2587"/>
             </a:lvl3pPr>
             <a:lvl4pPr>
-              <a:defRPr sz="2520"/>
+              <a:defRPr sz="2326"/>
             </a:lvl4pPr>
             <a:lvl5pPr>
-              <a:defRPr sz="2520"/>
+              <a:defRPr sz="2326"/>
             </a:lvl5pPr>
             <a:lvl6pPr>
-              <a:defRPr sz="2520"/>
+              <a:defRPr sz="2326"/>
             </a:lvl6pPr>
             <a:lvl7pPr>
-              <a:defRPr sz="2520"/>
+              <a:defRPr sz="2326"/>
             </a:lvl7pPr>
             <a:lvl8pPr>
-              <a:defRPr sz="2520"/>
+              <a:defRPr sz="2326"/>
             </a:lvl8pPr>
             <a:lvl9pPr>
-              <a:defRPr sz="2520"/>
+              <a:defRPr sz="2326"/>
             </a:lvl9pPr>
           </a:lstStyle>
           <a:p>
@@ -1402,39 +1402,39 @@
         </p:nvSpPr>
         <p:spPr>
           <a:xfrm>
-            <a:off x="5035550" y="1600206"/>
-            <a:ext cx="4375150" cy="4525963"/>
+            <a:off x="4648200" y="1600206"/>
+            <a:ext cx="4038600" cy="4525963"/>
           </a:xfrm>
         </p:spPr>
         <p:txBody>
           <a:bodyPr/>
           <a:lstStyle>
             <a:lvl1pPr>
-              <a:defRPr sz="3924"/>
+              <a:defRPr sz="3622"/>
             </a:lvl1pPr>
             <a:lvl2pPr>
-              <a:defRPr sz="3361"/>
+              <a:defRPr sz="3103"/>
             </a:lvl2pPr>
             <a:lvl3pPr>
-              <a:defRPr sz="2803"/>
+              <a:defRPr sz="2587"/>
             </a:lvl3pPr>
             <a:lvl4pPr>
-              <a:defRPr sz="2520"/>
+              <a:defRPr sz="2326"/>
             </a:lvl4pPr>
             <a:lvl5pPr>
-              <a:defRPr sz="2520"/>
+              <a:defRPr sz="2326"/>
             </a:lvl5pPr>
             <a:lvl6pPr>
-              <a:defRPr sz="2520"/>
+              <a:defRPr sz="2326"/>
             </a:lvl6pPr>
             <a:lvl7pPr>
-              <a:defRPr sz="2520"/>
+              <a:defRPr sz="2326"/>
             </a:lvl7pPr>
             <a:lvl8pPr>
-              <a:defRPr sz="2520"/>
+              <a:defRPr sz="2326"/>
             </a:lvl8pPr>
             <a:lvl9pPr>
-              <a:defRPr sz="2520"/>
+              <a:defRPr sz="2326"/>
             </a:lvl9pPr>
           </a:lstStyle>
           <a:p>
@@ -1491,7 +1491,7 @@
           <a:p>
             <a:fld id="{FB30EDBD-1C2D-4C1E-B459-B60219FAB484}" type="datetimeFigureOut">
               <a:rPr lang="ko-KR" altLang="en-US" smtClean="0"/>
-              <a:t>2021-02-05</a:t>
+              <a:t>2021-02-10</a:t>
             </a:fld>
             <a:endParaRPr lang="ko-KR" altLang="en-US"/>
           </a:p>
@@ -1602,8 +1602,8 @@
         </p:nvSpPr>
         <p:spPr>
           <a:xfrm>
-            <a:off x="495304" y="1535118"/>
-            <a:ext cx="4376870" cy="639763"/>
+            <a:off x="457204" y="1535119"/>
+            <a:ext cx="4040188" cy="639763"/>
           </a:xfrm>
         </p:spPr>
         <p:txBody>
@@ -1611,39 +1611,39 @@
           <a:lstStyle>
             <a:lvl1pPr marL="0" indent="0">
               <a:buNone/>
-              <a:defRPr sz="3361" b="1"/>
+              <a:defRPr sz="3103" b="1"/>
             </a:lvl1pPr>
-            <a:lvl2pPr marL="640247" indent="0">
+            <a:lvl2pPr marL="591012" indent="0">
               <a:buNone/>
-              <a:defRPr sz="2803" b="1"/>
+              <a:defRPr sz="2587" b="1"/>
             </a:lvl2pPr>
-            <a:lvl3pPr marL="1280496" indent="0">
+            <a:lvl3pPr marL="1182026" indent="0">
               <a:buNone/>
-              <a:defRPr sz="2520" b="1"/>
+              <a:defRPr sz="2326" b="1"/>
             </a:lvl3pPr>
-            <a:lvl4pPr marL="1920743" indent="0">
+            <a:lvl4pPr marL="1773038" indent="0">
               <a:buNone/>
-              <a:defRPr sz="2240" b="1"/>
+              <a:defRPr sz="2068" b="1"/>
             </a:lvl4pPr>
-            <a:lvl5pPr marL="2560989" indent="0">
+            <a:lvl5pPr marL="2364049" indent="0">
               <a:buNone/>
-              <a:defRPr sz="2240" b="1"/>
+              <a:defRPr sz="2068" b="1"/>
             </a:lvl5pPr>
-            <a:lvl6pPr marL="3201237" indent="0">
+            <a:lvl6pPr marL="2955062" indent="0">
               <a:buNone/>
-              <a:defRPr sz="2240" b="1"/>
+              <a:defRPr sz="2068" b="1"/>
             </a:lvl6pPr>
-            <a:lvl7pPr marL="3841482" indent="0">
+            <a:lvl7pPr marL="3546072" indent="0">
               <a:buNone/>
-              <a:defRPr sz="2240" b="1"/>
+              <a:defRPr sz="2068" b="1"/>
             </a:lvl7pPr>
-            <a:lvl8pPr marL="4481725" indent="0">
+            <a:lvl8pPr marL="4137080" indent="0">
               <a:buNone/>
-              <a:defRPr sz="2240" b="1"/>
+              <a:defRPr sz="2068" b="1"/>
             </a:lvl8pPr>
-            <a:lvl9pPr marL="5121977" indent="0">
+            <a:lvl9pPr marL="4728097" indent="0">
               <a:buNone/>
-              <a:defRPr sz="2240" b="1"/>
+              <a:defRPr sz="2068" b="1"/>
             </a:lvl9pPr>
           </a:lstStyle>
           <a:p>
@@ -1667,39 +1667,39 @@
         </p:nvSpPr>
         <p:spPr>
           <a:xfrm>
-            <a:off x="495304" y="2174875"/>
-            <a:ext cx="4376870" cy="3951288"/>
+            <a:off x="457204" y="2174875"/>
+            <a:ext cx="4040188" cy="3951288"/>
           </a:xfrm>
         </p:spPr>
         <p:txBody>
           <a:bodyPr/>
           <a:lstStyle>
             <a:lvl1pPr>
-              <a:defRPr sz="3361"/>
+              <a:defRPr sz="3103"/>
             </a:lvl1pPr>
             <a:lvl2pPr>
-              <a:defRPr sz="2803"/>
+              <a:defRPr sz="2587"/>
             </a:lvl2pPr>
             <a:lvl3pPr>
-              <a:defRPr sz="2520"/>
+              <a:defRPr sz="2326"/>
             </a:lvl3pPr>
             <a:lvl4pPr>
-              <a:defRPr sz="2240"/>
+              <a:defRPr sz="2068"/>
             </a:lvl4pPr>
             <a:lvl5pPr>
-              <a:defRPr sz="2240"/>
+              <a:defRPr sz="2068"/>
             </a:lvl5pPr>
             <a:lvl6pPr>
-              <a:defRPr sz="2240"/>
+              <a:defRPr sz="2068"/>
             </a:lvl6pPr>
             <a:lvl7pPr>
-              <a:defRPr sz="2240"/>
+              <a:defRPr sz="2068"/>
             </a:lvl7pPr>
             <a:lvl8pPr>
-              <a:defRPr sz="2240"/>
+              <a:defRPr sz="2068"/>
             </a:lvl8pPr>
             <a:lvl9pPr>
-              <a:defRPr sz="2240"/>
+              <a:defRPr sz="2068"/>
             </a:lvl9pPr>
           </a:lstStyle>
           <a:p>
@@ -1751,8 +1751,8 @@
         </p:nvSpPr>
         <p:spPr>
           <a:xfrm>
-            <a:off x="5032126" y="1535118"/>
-            <a:ext cx="4378590" cy="639763"/>
+            <a:off x="4645040" y="1535119"/>
+            <a:ext cx="4041775" cy="639763"/>
           </a:xfrm>
         </p:spPr>
         <p:txBody>
@@ -1760,39 +1760,39 @@
           <a:lstStyle>
             <a:lvl1pPr marL="0" indent="0">
               <a:buNone/>
-              <a:defRPr sz="3361" b="1"/>
+              <a:defRPr sz="3103" b="1"/>
             </a:lvl1pPr>
-            <a:lvl2pPr marL="640247" indent="0">
+            <a:lvl2pPr marL="591012" indent="0">
               <a:buNone/>
-              <a:defRPr sz="2803" b="1"/>
+              <a:defRPr sz="2587" b="1"/>
             </a:lvl2pPr>
-            <a:lvl3pPr marL="1280496" indent="0">
+            <a:lvl3pPr marL="1182026" indent="0">
               <a:buNone/>
-              <a:defRPr sz="2520" b="1"/>
+              <a:defRPr sz="2326" b="1"/>
             </a:lvl3pPr>
-            <a:lvl4pPr marL="1920743" indent="0">
+            <a:lvl4pPr marL="1773038" indent="0">
               <a:buNone/>
-              <a:defRPr sz="2240" b="1"/>
+              <a:defRPr sz="2068" b="1"/>
             </a:lvl4pPr>
-            <a:lvl5pPr marL="2560989" indent="0">
+            <a:lvl5pPr marL="2364049" indent="0">
               <a:buNone/>
-              <a:defRPr sz="2240" b="1"/>
+              <a:defRPr sz="2068" b="1"/>
             </a:lvl5pPr>
-            <a:lvl6pPr marL="3201237" indent="0">
+            <a:lvl6pPr marL="2955062" indent="0">
               <a:buNone/>
-              <a:defRPr sz="2240" b="1"/>
+              <a:defRPr sz="2068" b="1"/>
             </a:lvl6pPr>
-            <a:lvl7pPr marL="3841482" indent="0">
+            <a:lvl7pPr marL="3546072" indent="0">
               <a:buNone/>
-              <a:defRPr sz="2240" b="1"/>
+              <a:defRPr sz="2068" b="1"/>
             </a:lvl7pPr>
-            <a:lvl8pPr marL="4481725" indent="0">
+            <a:lvl8pPr marL="4137080" indent="0">
               <a:buNone/>
-              <a:defRPr sz="2240" b="1"/>
+              <a:defRPr sz="2068" b="1"/>
             </a:lvl8pPr>
-            <a:lvl9pPr marL="5121977" indent="0">
+            <a:lvl9pPr marL="4728097" indent="0">
               <a:buNone/>
-              <a:defRPr sz="2240" b="1"/>
+              <a:defRPr sz="2068" b="1"/>
             </a:lvl9pPr>
           </a:lstStyle>
           <a:p>
@@ -1816,39 +1816,39 @@
         </p:nvSpPr>
         <p:spPr>
           <a:xfrm>
-            <a:off x="5032126" y="2174875"/>
-            <a:ext cx="4378590" cy="3951288"/>
+            <a:off x="4645040" y="2174875"/>
+            <a:ext cx="4041775" cy="3951288"/>
           </a:xfrm>
         </p:spPr>
         <p:txBody>
           <a:bodyPr/>
           <a:lstStyle>
             <a:lvl1pPr>
-              <a:defRPr sz="3361"/>
+              <a:defRPr sz="3103"/>
             </a:lvl1pPr>
             <a:lvl2pPr>
-              <a:defRPr sz="2803"/>
+              <a:defRPr sz="2587"/>
             </a:lvl2pPr>
             <a:lvl3pPr>
-              <a:defRPr sz="2520"/>
+              <a:defRPr sz="2326"/>
             </a:lvl3pPr>
             <a:lvl4pPr>
-              <a:defRPr sz="2240"/>
+              <a:defRPr sz="2068"/>
             </a:lvl4pPr>
             <a:lvl5pPr>
-              <a:defRPr sz="2240"/>
+              <a:defRPr sz="2068"/>
             </a:lvl5pPr>
             <a:lvl6pPr>
-              <a:defRPr sz="2240"/>
+              <a:defRPr sz="2068"/>
             </a:lvl6pPr>
             <a:lvl7pPr>
-              <a:defRPr sz="2240"/>
+              <a:defRPr sz="2068"/>
             </a:lvl7pPr>
             <a:lvl8pPr>
-              <a:defRPr sz="2240"/>
+              <a:defRPr sz="2068"/>
             </a:lvl8pPr>
             <a:lvl9pPr>
-              <a:defRPr sz="2240"/>
+              <a:defRPr sz="2068"/>
             </a:lvl9pPr>
           </a:lstStyle>
           <a:p>
@@ -1905,7 +1905,7 @@
           <a:p>
             <a:fld id="{FB30EDBD-1C2D-4C1E-B459-B60219FAB484}" type="datetimeFigureOut">
               <a:rPr lang="ko-KR" altLang="en-US" smtClean="0"/>
-              <a:t>2021-02-05</a:t>
+              <a:t>2021-02-10</a:t>
             </a:fld>
             <a:endParaRPr lang="ko-KR" altLang="en-US"/>
           </a:p>
@@ -2017,7 +2017,7 @@
           <a:p>
             <a:fld id="{FB30EDBD-1C2D-4C1E-B459-B60219FAB484}" type="datetimeFigureOut">
               <a:rPr lang="ko-KR" altLang="en-US" smtClean="0"/>
-              <a:t>2021-02-05</a:t>
+              <a:t>2021-02-10</a:t>
             </a:fld>
             <a:endParaRPr lang="ko-KR" altLang="en-US"/>
           </a:p>
@@ -2107,7 +2107,7 @@
           <a:p>
             <a:fld id="{FB30EDBD-1C2D-4C1E-B459-B60219FAB484}" type="datetimeFigureOut">
               <a:rPr lang="ko-KR" altLang="en-US" smtClean="0"/>
-              <a:t>2021-02-05</a:t>
+              <a:t>2021-02-10</a:t>
             </a:fld>
             <a:endParaRPr lang="ko-KR" altLang="en-US"/>
           </a:p>
@@ -2192,15 +2192,15 @@
         </p:nvSpPr>
         <p:spPr>
           <a:xfrm>
-            <a:off x="495312" y="273060"/>
-            <a:ext cx="3259006" cy="1162051"/>
+            <a:off x="457211" y="273061"/>
+            <a:ext cx="3008313" cy="1162051"/>
           </a:xfrm>
         </p:spPr>
         <p:txBody>
           <a:bodyPr anchor="b"/>
           <a:lstStyle>
             <a:lvl1pPr algn="l">
-              <a:defRPr sz="2803" b="1"/>
+              <a:defRPr sz="2587" b="1"/>
             </a:lvl1pPr>
           </a:lstStyle>
           <a:p>
@@ -2223,39 +2223,39 @@
         </p:nvSpPr>
         <p:spPr>
           <a:xfrm>
-            <a:off x="3872983" y="273071"/>
-            <a:ext cx="5537730" cy="5853113"/>
+            <a:off x="3575061" y="273072"/>
+            <a:ext cx="5111751" cy="5853113"/>
           </a:xfrm>
         </p:spPr>
         <p:txBody>
           <a:bodyPr/>
           <a:lstStyle>
             <a:lvl1pPr>
-              <a:defRPr sz="4481"/>
+              <a:defRPr sz="4136"/>
             </a:lvl1pPr>
             <a:lvl2pPr>
-              <a:defRPr sz="3924"/>
+              <a:defRPr sz="3622"/>
             </a:lvl2pPr>
             <a:lvl3pPr>
-              <a:defRPr sz="3361"/>
+              <a:defRPr sz="3103"/>
             </a:lvl3pPr>
             <a:lvl4pPr>
-              <a:defRPr sz="2803"/>
+              <a:defRPr sz="2587"/>
             </a:lvl4pPr>
             <a:lvl5pPr>
-              <a:defRPr sz="2803"/>
+              <a:defRPr sz="2587"/>
             </a:lvl5pPr>
             <a:lvl6pPr>
-              <a:defRPr sz="2803"/>
+              <a:defRPr sz="2587"/>
             </a:lvl6pPr>
             <a:lvl7pPr>
-              <a:defRPr sz="2803"/>
+              <a:defRPr sz="2587"/>
             </a:lvl7pPr>
             <a:lvl8pPr>
-              <a:defRPr sz="2803"/>
+              <a:defRPr sz="2587"/>
             </a:lvl8pPr>
             <a:lvl9pPr>
-              <a:defRPr sz="2803"/>
+              <a:defRPr sz="2587"/>
             </a:lvl9pPr>
           </a:lstStyle>
           <a:p>
@@ -2307,8 +2307,8 @@
         </p:nvSpPr>
         <p:spPr>
           <a:xfrm>
-            <a:off x="495312" y="1435121"/>
-            <a:ext cx="3259006" cy="4691063"/>
+            <a:off x="457211" y="1435122"/>
+            <a:ext cx="3008313" cy="4691063"/>
           </a:xfrm>
         </p:spPr>
         <p:txBody>
@@ -2316,39 +2316,39 @@
           <a:lstStyle>
             <a:lvl1pPr marL="0" indent="0">
               <a:buNone/>
-              <a:defRPr sz="1960"/>
+              <a:defRPr sz="1809"/>
             </a:lvl1pPr>
-            <a:lvl2pPr marL="640247" indent="0">
+            <a:lvl2pPr marL="591012" indent="0">
               <a:buNone/>
-              <a:defRPr sz="1681"/>
+              <a:defRPr sz="1552"/>
             </a:lvl2pPr>
-            <a:lvl3pPr marL="1280496" indent="0">
+            <a:lvl3pPr marL="1182026" indent="0">
               <a:buNone/>
-              <a:defRPr sz="1400"/>
+              <a:defRPr sz="1292"/>
             </a:lvl3pPr>
-            <a:lvl4pPr marL="1920743" indent="0">
+            <a:lvl4pPr marL="1773038" indent="0">
               <a:buNone/>
-              <a:defRPr sz="1263"/>
+              <a:defRPr sz="1166"/>
             </a:lvl4pPr>
-            <a:lvl5pPr marL="2560989" indent="0">
+            <a:lvl5pPr marL="2364049" indent="0">
               <a:buNone/>
-              <a:defRPr sz="1263"/>
+              <a:defRPr sz="1166"/>
             </a:lvl5pPr>
-            <a:lvl6pPr marL="3201237" indent="0">
+            <a:lvl6pPr marL="2955062" indent="0">
               <a:buNone/>
-              <a:defRPr sz="1263"/>
+              <a:defRPr sz="1166"/>
             </a:lvl6pPr>
-            <a:lvl7pPr marL="3841482" indent="0">
+            <a:lvl7pPr marL="3546072" indent="0">
               <a:buNone/>
-              <a:defRPr sz="1263"/>
+              <a:defRPr sz="1166"/>
             </a:lvl7pPr>
-            <a:lvl8pPr marL="4481725" indent="0">
+            <a:lvl8pPr marL="4137080" indent="0">
               <a:buNone/>
-              <a:defRPr sz="1263"/>
+              <a:defRPr sz="1166"/>
             </a:lvl8pPr>
-            <a:lvl9pPr marL="5121977" indent="0">
+            <a:lvl9pPr marL="4728097" indent="0">
               <a:buNone/>
-              <a:defRPr sz="1263"/>
+              <a:defRPr sz="1166"/>
             </a:lvl9pPr>
           </a:lstStyle>
           <a:p>
@@ -2377,7 +2377,7 @@
           <a:p>
             <a:fld id="{FB30EDBD-1C2D-4C1E-B459-B60219FAB484}" type="datetimeFigureOut">
               <a:rPr lang="ko-KR" altLang="en-US" smtClean="0"/>
-              <a:t>2021-02-05</a:t>
+              <a:t>2021-02-10</a:t>
             </a:fld>
             <a:endParaRPr lang="ko-KR" altLang="en-US"/>
           </a:p>
@@ -2462,15 +2462,15 @@
         </p:nvSpPr>
         <p:spPr>
           <a:xfrm>
-            <a:off x="1941647" y="4800602"/>
-            <a:ext cx="5943600" cy="566738"/>
+            <a:off x="1792290" y="4800602"/>
+            <a:ext cx="5486400" cy="566738"/>
           </a:xfrm>
         </p:spPr>
         <p:txBody>
           <a:bodyPr anchor="b"/>
           <a:lstStyle>
             <a:lvl1pPr algn="l">
-              <a:defRPr sz="2803" b="1"/>
+              <a:defRPr sz="2587" b="1"/>
             </a:lvl1pPr>
           </a:lstStyle>
           <a:p>
@@ -2493,8 +2493,8 @@
         </p:nvSpPr>
         <p:spPr>
           <a:xfrm>
-            <a:off x="1941647" y="612775"/>
-            <a:ext cx="5943600" cy="4114800"/>
+            <a:off x="1792290" y="612775"/>
+            <a:ext cx="5486400" cy="4114800"/>
           </a:xfrm>
         </p:spPr>
         <p:txBody>
@@ -2502,39 +2502,39 @@
           <a:lstStyle>
             <a:lvl1pPr marL="0" indent="0">
               <a:buNone/>
-              <a:defRPr sz="4481"/>
+              <a:defRPr sz="4136"/>
             </a:lvl1pPr>
-            <a:lvl2pPr marL="640247" indent="0">
+            <a:lvl2pPr marL="591012" indent="0">
               <a:buNone/>
-              <a:defRPr sz="3924"/>
+              <a:defRPr sz="3622"/>
             </a:lvl2pPr>
-            <a:lvl3pPr marL="1280496" indent="0">
+            <a:lvl3pPr marL="1182026" indent="0">
               <a:buNone/>
-              <a:defRPr sz="3361"/>
+              <a:defRPr sz="3103"/>
             </a:lvl3pPr>
-            <a:lvl4pPr marL="1920743" indent="0">
+            <a:lvl4pPr marL="1773038" indent="0">
               <a:buNone/>
-              <a:defRPr sz="2803"/>
+              <a:defRPr sz="2587"/>
             </a:lvl4pPr>
-            <a:lvl5pPr marL="2560989" indent="0">
+            <a:lvl5pPr marL="2364049" indent="0">
               <a:buNone/>
-              <a:defRPr sz="2803"/>
+              <a:defRPr sz="2587"/>
             </a:lvl5pPr>
-            <a:lvl6pPr marL="3201237" indent="0">
+            <a:lvl6pPr marL="2955062" indent="0">
               <a:buNone/>
-              <a:defRPr sz="2803"/>
+              <a:defRPr sz="2587"/>
             </a:lvl6pPr>
-            <a:lvl7pPr marL="3841482" indent="0">
+            <a:lvl7pPr marL="3546072" indent="0">
               <a:buNone/>
-              <a:defRPr sz="2803"/>
+              <a:defRPr sz="2587"/>
             </a:lvl7pPr>
-            <a:lvl8pPr marL="4481725" indent="0">
+            <a:lvl8pPr marL="4137080" indent="0">
               <a:buNone/>
-              <a:defRPr sz="2803"/>
+              <a:defRPr sz="2587"/>
             </a:lvl8pPr>
-            <a:lvl9pPr marL="5121977" indent="0">
+            <a:lvl9pPr marL="4728097" indent="0">
               <a:buNone/>
-              <a:defRPr sz="2803"/>
+              <a:defRPr sz="2587"/>
             </a:lvl9pPr>
           </a:lstStyle>
           <a:p>
@@ -2554,8 +2554,8 @@
         </p:nvSpPr>
         <p:spPr>
           <a:xfrm>
-            <a:off x="1941647" y="5367338"/>
-            <a:ext cx="5943600" cy="804862"/>
+            <a:off x="1792290" y="5367338"/>
+            <a:ext cx="5486400" cy="804862"/>
           </a:xfrm>
         </p:spPr>
         <p:txBody>
@@ -2563,39 +2563,39 @@
           <a:lstStyle>
             <a:lvl1pPr marL="0" indent="0">
               <a:buNone/>
-              <a:defRPr sz="1960"/>
+              <a:defRPr sz="1809"/>
             </a:lvl1pPr>
-            <a:lvl2pPr marL="640247" indent="0">
+            <a:lvl2pPr marL="591012" indent="0">
               <a:buNone/>
-              <a:defRPr sz="1681"/>
+              <a:defRPr sz="1552"/>
             </a:lvl2pPr>
-            <a:lvl3pPr marL="1280496" indent="0">
+            <a:lvl3pPr marL="1182026" indent="0">
               <a:buNone/>
-              <a:defRPr sz="1400"/>
+              <a:defRPr sz="1292"/>
             </a:lvl3pPr>
-            <a:lvl4pPr marL="1920743" indent="0">
+            <a:lvl4pPr marL="1773038" indent="0">
               <a:buNone/>
-              <a:defRPr sz="1263"/>
+              <a:defRPr sz="1166"/>
             </a:lvl4pPr>
-            <a:lvl5pPr marL="2560989" indent="0">
+            <a:lvl5pPr marL="2364049" indent="0">
               <a:buNone/>
-              <a:defRPr sz="1263"/>
+              <a:defRPr sz="1166"/>
             </a:lvl5pPr>
-            <a:lvl6pPr marL="3201237" indent="0">
+            <a:lvl6pPr marL="2955062" indent="0">
               <a:buNone/>
-              <a:defRPr sz="1263"/>
+              <a:defRPr sz="1166"/>
             </a:lvl6pPr>
-            <a:lvl7pPr marL="3841482" indent="0">
+            <a:lvl7pPr marL="3546072" indent="0">
               <a:buNone/>
-              <a:defRPr sz="1263"/>
+              <a:defRPr sz="1166"/>
             </a:lvl7pPr>
-            <a:lvl8pPr marL="4481725" indent="0">
+            <a:lvl8pPr marL="4137080" indent="0">
               <a:buNone/>
-              <a:defRPr sz="1263"/>
+              <a:defRPr sz="1166"/>
             </a:lvl8pPr>
-            <a:lvl9pPr marL="5121977" indent="0">
+            <a:lvl9pPr marL="4728097" indent="0">
               <a:buNone/>
-              <a:defRPr sz="1263"/>
+              <a:defRPr sz="1166"/>
             </a:lvl9pPr>
           </a:lstStyle>
           <a:p>
@@ -2624,7 +2624,7 @@
           <a:p>
             <a:fld id="{FB30EDBD-1C2D-4C1E-B459-B60219FAB484}" type="datetimeFigureOut">
               <a:rPr lang="ko-KR" altLang="en-US" smtClean="0"/>
-              <a:t>2021-02-05</a:t>
+              <a:t>2021-02-10</a:t>
             </a:fld>
             <a:endParaRPr lang="ko-KR" altLang="en-US"/>
           </a:p>
@@ -2714,8 +2714,8 @@
         </p:nvSpPr>
         <p:spPr>
           <a:xfrm>
-            <a:off x="495301" y="274639"/>
-            <a:ext cx="8915400" cy="1143000"/>
+            <a:off x="457201" y="274639"/>
+            <a:ext cx="8229600" cy="1143000"/>
           </a:xfrm>
           <a:prstGeom prst="rect">
             <a:avLst/>
@@ -2746,8 +2746,8 @@
         </p:nvSpPr>
         <p:spPr>
           <a:xfrm>
-            <a:off x="495301" y="1600206"/>
-            <a:ext cx="8915400" cy="4525963"/>
+            <a:off x="457201" y="1600206"/>
+            <a:ext cx="8229600" cy="4525963"/>
           </a:xfrm>
           <a:prstGeom prst="rect">
             <a:avLst/>
@@ -2807,8 +2807,8 @@
         </p:nvSpPr>
         <p:spPr>
           <a:xfrm>
-            <a:off x="495300" y="6356366"/>
-            <a:ext cx="2311400" cy="365125"/>
+            <a:off x="457200" y="6356367"/>
+            <a:ext cx="2133600" cy="365125"/>
           </a:xfrm>
           <a:prstGeom prst="rect">
             <a:avLst/>
@@ -2818,7 +2818,7 @@
           <a:bodyPr vert="horz" lIns="91440" tIns="45720" rIns="91440" bIns="45720" rtlCol="0" anchor="ctr"/>
           <a:lstStyle>
             <a:lvl1pPr algn="l">
-              <a:defRPr sz="1681">
+              <a:defRPr sz="1552">
                 <a:solidFill>
                   <a:schemeClr val="tx1">
                     <a:tint val="75000"/>
@@ -2830,7 +2830,7 @@
           <a:p>
             <a:fld id="{FB30EDBD-1C2D-4C1E-B459-B60219FAB484}" type="datetimeFigureOut">
               <a:rPr lang="ko-KR" altLang="en-US" smtClean="0"/>
-              <a:t>2021-02-05</a:t>
+              <a:t>2021-02-10</a:t>
             </a:fld>
             <a:endParaRPr lang="ko-KR" altLang="en-US"/>
           </a:p>
@@ -2848,8 +2848,8 @@
         </p:nvSpPr>
         <p:spPr>
           <a:xfrm>
-            <a:off x="3384551" y="6356366"/>
-            <a:ext cx="3136900" cy="365125"/>
+            <a:off x="3124201" y="6356367"/>
+            <a:ext cx="2895600" cy="365125"/>
           </a:xfrm>
           <a:prstGeom prst="rect">
             <a:avLst/>
@@ -2859,7 +2859,7 @@
           <a:bodyPr vert="horz" lIns="91440" tIns="45720" rIns="91440" bIns="45720" rtlCol="0" anchor="ctr"/>
           <a:lstStyle>
             <a:lvl1pPr algn="ctr">
-              <a:defRPr sz="1681">
+              <a:defRPr sz="1552">
                 <a:solidFill>
                   <a:schemeClr val="tx1">
                     <a:tint val="75000"/>
@@ -2885,8 +2885,8 @@
         </p:nvSpPr>
         <p:spPr>
           <a:xfrm>
-            <a:off x="7099300" y="6356366"/>
-            <a:ext cx="2311400" cy="365125"/>
+            <a:off x="6553200" y="6356367"/>
+            <a:ext cx="2133600" cy="365125"/>
           </a:xfrm>
           <a:prstGeom prst="rect">
             <a:avLst/>
@@ -2896,7 +2896,7 @@
           <a:bodyPr vert="horz" lIns="91440" tIns="45720" rIns="91440" bIns="45720" rtlCol="0" anchor="ctr"/>
           <a:lstStyle>
             <a:lvl1pPr algn="r">
-              <a:defRPr sz="1681">
+              <a:defRPr sz="1552">
                 <a:solidFill>
                   <a:schemeClr val="tx1">
                     <a:tint val="75000"/>
@@ -2932,12 +2932,12 @@
   </p:sldLayoutIdLst>
   <p:txStyles>
     <p:titleStyle>
-      <a:lvl1pPr algn="ctr" defTabSz="1280496" rtl="0" eaLnBrk="1" latinLnBrk="1" hangingPunct="1">
+      <a:lvl1pPr algn="ctr" defTabSz="1182026" rtl="0" eaLnBrk="1" latinLnBrk="1" hangingPunct="1">
         <a:spcBef>
           <a:spcPct val="0"/>
         </a:spcBef>
         <a:buNone/>
-        <a:defRPr sz="6161" kern="1200">
+        <a:defRPr sz="5687" kern="1200">
           <a:solidFill>
             <a:schemeClr val="tx1"/>
           </a:solidFill>
@@ -2948,13 +2948,13 @@
       </a:lvl1pPr>
     </p:titleStyle>
     <p:bodyStyle>
-      <a:lvl1pPr marL="480190" indent="-480190" algn="l" defTabSz="1280496" rtl="0" eaLnBrk="1" latinLnBrk="1" hangingPunct="1">
+      <a:lvl1pPr marL="443263" indent="-443263" algn="l" defTabSz="1182026" rtl="0" eaLnBrk="1" latinLnBrk="1" hangingPunct="1">
         <a:spcBef>
           <a:spcPct val="20000"/>
         </a:spcBef>
         <a:buFont typeface="Arial" pitchFamily="34" charset="0"/>
         <a:buChar char="•"/>
-        <a:defRPr sz="4481" kern="1200">
+        <a:defRPr sz="4136" kern="1200">
           <a:solidFill>
             <a:schemeClr val="tx1"/>
           </a:solidFill>
@@ -2963,13 +2963,13 @@
           <a:cs typeface="+mn-cs"/>
         </a:defRPr>
       </a:lvl1pPr>
-      <a:lvl2pPr marL="1040402" indent="-400156" algn="l" defTabSz="1280496" rtl="0" eaLnBrk="1" latinLnBrk="1" hangingPunct="1">
+      <a:lvl2pPr marL="960395" indent="-369384" algn="l" defTabSz="1182026" rtl="0" eaLnBrk="1" latinLnBrk="1" hangingPunct="1">
         <a:spcBef>
           <a:spcPct val="20000"/>
         </a:spcBef>
         <a:buFont typeface="Arial" pitchFamily="34" charset="0"/>
         <a:buChar char="–"/>
-        <a:defRPr sz="3924" kern="1200">
+        <a:defRPr sz="3622" kern="1200">
           <a:solidFill>
             <a:schemeClr val="tx1"/>
           </a:solidFill>
@@ -2978,13 +2978,13 @@
           <a:cs typeface="+mn-cs"/>
         </a:defRPr>
       </a:lvl2pPr>
-      <a:lvl3pPr marL="1600614" indent="-320124" algn="l" defTabSz="1280496" rtl="0" eaLnBrk="1" latinLnBrk="1" hangingPunct="1">
+      <a:lvl3pPr marL="1477527" indent="-295506" algn="l" defTabSz="1182026" rtl="0" eaLnBrk="1" latinLnBrk="1" hangingPunct="1">
         <a:spcBef>
           <a:spcPct val="20000"/>
         </a:spcBef>
         <a:buFont typeface="Arial" pitchFamily="34" charset="0"/>
         <a:buChar char="•"/>
-        <a:defRPr sz="3361" kern="1200">
+        <a:defRPr sz="3103" kern="1200">
           <a:solidFill>
             <a:schemeClr val="tx1"/>
           </a:solidFill>
@@ -2993,13 +2993,13 @@
           <a:cs typeface="+mn-cs"/>
         </a:defRPr>
       </a:lvl3pPr>
-      <a:lvl4pPr marL="2240864" indent="-320124" algn="l" defTabSz="1280496" rtl="0" eaLnBrk="1" latinLnBrk="1" hangingPunct="1">
+      <a:lvl4pPr marL="2068542" indent="-295506" algn="l" defTabSz="1182026" rtl="0" eaLnBrk="1" latinLnBrk="1" hangingPunct="1">
         <a:spcBef>
           <a:spcPct val="20000"/>
         </a:spcBef>
         <a:buFont typeface="Arial" pitchFamily="34" charset="0"/>
         <a:buChar char="–"/>
-        <a:defRPr sz="2803" kern="1200">
+        <a:defRPr sz="2587" kern="1200">
           <a:solidFill>
             <a:schemeClr val="tx1"/>
           </a:solidFill>
@@ -3008,13 +3008,13 @@
           <a:cs typeface="+mn-cs"/>
         </a:defRPr>
       </a:lvl4pPr>
-      <a:lvl5pPr marL="2881109" indent="-320124" algn="l" defTabSz="1280496" rtl="0" eaLnBrk="1" latinLnBrk="1" hangingPunct="1">
+      <a:lvl5pPr marL="2659552" indent="-295506" algn="l" defTabSz="1182026" rtl="0" eaLnBrk="1" latinLnBrk="1" hangingPunct="1">
         <a:spcBef>
           <a:spcPct val="20000"/>
         </a:spcBef>
         <a:buFont typeface="Arial" pitchFamily="34" charset="0"/>
         <a:buChar char="»"/>
-        <a:defRPr sz="2803" kern="1200">
+        <a:defRPr sz="2587" kern="1200">
           <a:solidFill>
             <a:schemeClr val="tx1"/>
           </a:solidFill>
@@ -3023,13 +3023,13 @@
           <a:cs typeface="+mn-cs"/>
         </a:defRPr>
       </a:lvl5pPr>
-      <a:lvl6pPr marL="3521357" indent="-320124" algn="l" defTabSz="1280496" rtl="0" eaLnBrk="1" latinLnBrk="1" hangingPunct="1">
+      <a:lvl6pPr marL="3250565" indent="-295506" algn="l" defTabSz="1182026" rtl="0" eaLnBrk="1" latinLnBrk="1" hangingPunct="1">
         <a:spcBef>
           <a:spcPct val="20000"/>
         </a:spcBef>
         <a:buFont typeface="Arial" pitchFamily="34" charset="0"/>
         <a:buChar char="•"/>
-        <a:defRPr sz="2803" kern="1200">
+        <a:defRPr sz="2587" kern="1200">
           <a:solidFill>
             <a:schemeClr val="tx1"/>
           </a:solidFill>
@@ -3038,13 +3038,13 @@
           <a:cs typeface="+mn-cs"/>
         </a:defRPr>
       </a:lvl6pPr>
-      <a:lvl7pPr marL="4161605" indent="-320124" algn="l" defTabSz="1280496" rtl="0" eaLnBrk="1" latinLnBrk="1" hangingPunct="1">
+      <a:lvl7pPr marL="3841578" indent="-295506" algn="l" defTabSz="1182026" rtl="0" eaLnBrk="1" latinLnBrk="1" hangingPunct="1">
         <a:spcBef>
           <a:spcPct val="20000"/>
         </a:spcBef>
         <a:buFont typeface="Arial" pitchFamily="34" charset="0"/>
         <a:buChar char="•"/>
-        <a:defRPr sz="2803" kern="1200">
+        <a:defRPr sz="2587" kern="1200">
           <a:solidFill>
             <a:schemeClr val="tx1"/>
           </a:solidFill>
@@ -3053,13 +3053,13 @@
           <a:cs typeface="+mn-cs"/>
         </a:defRPr>
       </a:lvl7pPr>
-      <a:lvl8pPr marL="4801850" indent="-320124" algn="l" defTabSz="1280496" rtl="0" eaLnBrk="1" latinLnBrk="1" hangingPunct="1">
+      <a:lvl8pPr marL="4432588" indent="-295506" algn="l" defTabSz="1182026" rtl="0" eaLnBrk="1" latinLnBrk="1" hangingPunct="1">
         <a:spcBef>
           <a:spcPct val="20000"/>
         </a:spcBef>
         <a:buFont typeface="Arial" pitchFamily="34" charset="0"/>
         <a:buChar char="•"/>
-        <a:defRPr sz="2803" kern="1200">
+        <a:defRPr sz="2587" kern="1200">
           <a:solidFill>
             <a:schemeClr val="tx1"/>
           </a:solidFill>
@@ -3068,13 +3068,13 @@
           <a:cs typeface="+mn-cs"/>
         </a:defRPr>
       </a:lvl8pPr>
-      <a:lvl9pPr marL="5442097" indent="-320124" algn="l" defTabSz="1280496" rtl="0" eaLnBrk="1" latinLnBrk="1" hangingPunct="1">
+      <a:lvl9pPr marL="5023600" indent="-295506" algn="l" defTabSz="1182026" rtl="0" eaLnBrk="1" latinLnBrk="1" hangingPunct="1">
         <a:spcBef>
           <a:spcPct val="20000"/>
         </a:spcBef>
         <a:buFont typeface="Arial" pitchFamily="34" charset="0"/>
         <a:buChar char="•"/>
-        <a:defRPr sz="2803" kern="1200">
+        <a:defRPr sz="2587" kern="1200">
           <a:solidFill>
             <a:schemeClr val="tx1"/>
           </a:solidFill>
@@ -3088,8 +3088,8 @@
       <a:defPPr>
         <a:defRPr lang="ko-KR"/>
       </a:defPPr>
-      <a:lvl1pPr marL="0" algn="l" defTabSz="1280496" rtl="0" eaLnBrk="1" latinLnBrk="1" hangingPunct="1">
-        <a:defRPr sz="2520" kern="1200">
+      <a:lvl1pPr marL="0" algn="l" defTabSz="1182026" rtl="0" eaLnBrk="1" latinLnBrk="1" hangingPunct="1">
+        <a:defRPr sz="2326" kern="1200">
           <a:solidFill>
             <a:schemeClr val="tx1"/>
           </a:solidFill>
@@ -3098,8 +3098,8 @@
           <a:cs typeface="+mn-cs"/>
         </a:defRPr>
       </a:lvl1pPr>
-      <a:lvl2pPr marL="640247" algn="l" defTabSz="1280496" rtl="0" eaLnBrk="1" latinLnBrk="1" hangingPunct="1">
-        <a:defRPr sz="2520" kern="1200">
+      <a:lvl2pPr marL="591012" algn="l" defTabSz="1182026" rtl="0" eaLnBrk="1" latinLnBrk="1" hangingPunct="1">
+        <a:defRPr sz="2326" kern="1200">
           <a:solidFill>
             <a:schemeClr val="tx1"/>
           </a:solidFill>
@@ -3108,8 +3108,8 @@
           <a:cs typeface="+mn-cs"/>
         </a:defRPr>
       </a:lvl2pPr>
-      <a:lvl3pPr marL="1280496" algn="l" defTabSz="1280496" rtl="0" eaLnBrk="1" latinLnBrk="1" hangingPunct="1">
-        <a:defRPr sz="2520" kern="1200">
+      <a:lvl3pPr marL="1182026" algn="l" defTabSz="1182026" rtl="0" eaLnBrk="1" latinLnBrk="1" hangingPunct="1">
+        <a:defRPr sz="2326" kern="1200">
           <a:solidFill>
             <a:schemeClr val="tx1"/>
           </a:solidFill>
@@ -3118,8 +3118,8 @@
           <a:cs typeface="+mn-cs"/>
         </a:defRPr>
       </a:lvl3pPr>
-      <a:lvl4pPr marL="1920743" algn="l" defTabSz="1280496" rtl="0" eaLnBrk="1" latinLnBrk="1" hangingPunct="1">
-        <a:defRPr sz="2520" kern="1200">
+      <a:lvl4pPr marL="1773038" algn="l" defTabSz="1182026" rtl="0" eaLnBrk="1" latinLnBrk="1" hangingPunct="1">
+        <a:defRPr sz="2326" kern="1200">
           <a:solidFill>
             <a:schemeClr val="tx1"/>
           </a:solidFill>
@@ -3128,8 +3128,8 @@
           <a:cs typeface="+mn-cs"/>
         </a:defRPr>
       </a:lvl4pPr>
-      <a:lvl5pPr marL="2560989" algn="l" defTabSz="1280496" rtl="0" eaLnBrk="1" latinLnBrk="1" hangingPunct="1">
-        <a:defRPr sz="2520" kern="1200">
+      <a:lvl5pPr marL="2364049" algn="l" defTabSz="1182026" rtl="0" eaLnBrk="1" latinLnBrk="1" hangingPunct="1">
+        <a:defRPr sz="2326" kern="1200">
           <a:solidFill>
             <a:schemeClr val="tx1"/>
           </a:solidFill>
@@ -3138,8 +3138,8 @@
           <a:cs typeface="+mn-cs"/>
         </a:defRPr>
       </a:lvl5pPr>
-      <a:lvl6pPr marL="3201237" algn="l" defTabSz="1280496" rtl="0" eaLnBrk="1" latinLnBrk="1" hangingPunct="1">
-        <a:defRPr sz="2520" kern="1200">
+      <a:lvl6pPr marL="2955062" algn="l" defTabSz="1182026" rtl="0" eaLnBrk="1" latinLnBrk="1" hangingPunct="1">
+        <a:defRPr sz="2326" kern="1200">
           <a:solidFill>
             <a:schemeClr val="tx1"/>
           </a:solidFill>
@@ -3148,8 +3148,8 @@
           <a:cs typeface="+mn-cs"/>
         </a:defRPr>
       </a:lvl6pPr>
-      <a:lvl7pPr marL="3841482" algn="l" defTabSz="1280496" rtl="0" eaLnBrk="1" latinLnBrk="1" hangingPunct="1">
-        <a:defRPr sz="2520" kern="1200">
+      <a:lvl7pPr marL="3546072" algn="l" defTabSz="1182026" rtl="0" eaLnBrk="1" latinLnBrk="1" hangingPunct="1">
+        <a:defRPr sz="2326" kern="1200">
           <a:solidFill>
             <a:schemeClr val="tx1"/>
           </a:solidFill>
@@ -3158,8 +3158,8 @@
           <a:cs typeface="+mn-cs"/>
         </a:defRPr>
       </a:lvl7pPr>
-      <a:lvl8pPr marL="4481725" algn="l" defTabSz="1280496" rtl="0" eaLnBrk="1" latinLnBrk="1" hangingPunct="1">
-        <a:defRPr sz="2520" kern="1200">
+      <a:lvl8pPr marL="4137080" algn="l" defTabSz="1182026" rtl="0" eaLnBrk="1" latinLnBrk="1" hangingPunct="1">
+        <a:defRPr sz="2326" kern="1200">
           <a:solidFill>
             <a:schemeClr val="tx1"/>
           </a:solidFill>
@@ -3168,8 +3168,8 @@
           <a:cs typeface="+mn-cs"/>
         </a:defRPr>
       </a:lvl8pPr>
-      <a:lvl9pPr marL="5121977" algn="l" defTabSz="1280496" rtl="0" eaLnBrk="1" latinLnBrk="1" hangingPunct="1">
-        <a:defRPr sz="2520" kern="1200">
+      <a:lvl9pPr marL="4728097" algn="l" defTabSz="1182026" rtl="0" eaLnBrk="1" latinLnBrk="1" hangingPunct="1">
+        <a:defRPr sz="2326" kern="1200">
           <a:solidFill>
             <a:schemeClr val="tx1"/>
           </a:solidFill>
@@ -3222,8 +3222,8 @@
         </p:nvSpPr>
         <p:spPr>
           <a:xfrm>
-            <a:off x="2396715" y="1795615"/>
-            <a:ext cx="5112568" cy="2695581"/>
+            <a:off x="2212353" y="1920828"/>
+            <a:ext cx="4719294" cy="2488229"/>
           </a:xfrm>
           <a:prstGeom prst="rect">
             <a:avLst/>
@@ -3255,7 +3255,7 @@
           <a:lstStyle/>
           <a:p>
             <a:pPr algn="ctr"/>
-            <a:endParaRPr lang="ko-KR" altLang="en-US" dirty="0"/>
+            <a:endParaRPr lang="ko-KR" altLang="en-US" sz="1738" dirty="0"/>
           </a:p>
         </p:txBody>
       </p:sp>
@@ -3273,8 +3273,8 @@
         </p:nvSpPr>
         <p:spPr>
           <a:xfrm>
-            <a:off x="3584848" y="2341414"/>
-            <a:ext cx="2808312" cy="727546"/>
+            <a:off x="3309090" y="2425074"/>
+            <a:ext cx="2592288" cy="671581"/>
           </a:xfrm>
           <a:prstGeom prst="rect">
             <a:avLst/>
@@ -3304,7 +3304,7 @@
           <a:lstStyle/>
           <a:p>
             <a:pPr algn="ctr"/>
-            <a:endParaRPr lang="ko-KR" altLang="en-US"/>
+            <a:endParaRPr lang="ko-KR" altLang="en-US" sz="1738"/>
           </a:p>
         </p:txBody>
       </p:sp>
@@ -3322,8 +3322,8 @@
         </p:nvSpPr>
         <p:spPr>
           <a:xfrm>
-            <a:off x="2509607" y="6165304"/>
-            <a:ext cx="4886787" cy="338554"/>
+            <a:off x="2316561" y="5954820"/>
+            <a:ext cx="4514121" cy="319639"/>
           </a:xfrm>
           <a:prstGeom prst="rect">
             <a:avLst/>
@@ -3337,17 +3337,17 @@
           <a:lstStyle/>
           <a:p>
             <a:r>
-              <a:rPr lang="en-US" altLang="ko-KR" sz="1600" dirty="0">
+              <a:rPr lang="en-US" altLang="ko-KR" sz="1477" dirty="0">
                 <a:solidFill>
                   <a:schemeClr val="bg1"/>
                 </a:solidFill>
                 <a:latin typeface="나눔바른고딕" panose="020B0603020101020101" pitchFamily="50" charset="-127"/>
                 <a:ea typeface="나눔바른고딕" panose="020B0603020101020101" pitchFamily="50" charset="-127"/>
               </a:rPr>
-              <a:t>Copyright 2020. </a:t>
-            </a:r>
-            <a:r>
-              <a:rPr lang="en-US" altLang="ko-KR" sz="1600" dirty="0">
+              <a:t>Copyright 2021. </a:t>
+            </a:r>
+            <a:r>
+              <a:rPr lang="en-US" altLang="ko-KR" sz="1477" dirty="0">
                 <a:solidFill>
                   <a:srgbClr val="FDE035"/>
                 </a:solidFill>
@@ -3357,7 +3357,7 @@
               <a:t>S</a:t>
             </a:r>
             <a:r>
-              <a:rPr lang="en-US" altLang="ko-KR" sz="1600" dirty="0">
+              <a:rPr lang="en-US" altLang="ko-KR" sz="1477" dirty="0">
                 <a:solidFill>
                   <a:schemeClr val="bg1"/>
                 </a:solidFill>
@@ -3367,7 +3367,7 @@
               <a:t>TART</a:t>
             </a:r>
             <a:r>
-              <a:rPr lang="en-US" altLang="ko-KR" sz="1600" dirty="0">
+              <a:rPr lang="en-US" altLang="ko-KR" sz="1477" dirty="0">
                 <a:solidFill>
                   <a:srgbClr val="FDE035"/>
                 </a:solidFill>
@@ -3377,7 +3377,7 @@
               <a:t>C</a:t>
             </a:r>
             <a:r>
-              <a:rPr lang="en-US" altLang="ko-KR" sz="1600" dirty="0">
+              <a:rPr lang="en-US" altLang="ko-KR" sz="1477" dirty="0">
                 <a:solidFill>
                   <a:schemeClr val="bg1"/>
                 </a:solidFill>
@@ -3386,7 +3386,7 @@
               </a:rPr>
               <a:t>ODING All rights Reserved</a:t>
             </a:r>
-            <a:endParaRPr lang="ko-KR" altLang="en-US" sz="1600" dirty="0">
+            <a:endParaRPr lang="ko-KR" altLang="en-US" sz="1477" dirty="0">
               <a:solidFill>
                 <a:schemeClr val="bg1"/>
               </a:solidFill>
@@ -3412,15 +3412,15 @@
         </p:nvSpPr>
         <p:spPr>
           <a:xfrm>
-            <a:off x="1066799" y="510147"/>
-            <a:ext cx="7772400" cy="1086382"/>
+            <a:off x="984738" y="734674"/>
+            <a:ext cx="7174523" cy="1002814"/>
           </a:xfrm>
           <a:prstGeom prst="rect">
             <a:avLst/>
           </a:prstGeom>
         </p:spPr>
         <p:txBody>
-          <a:bodyPr vert="horz" lIns="91440" tIns="45720" rIns="91440" bIns="45720" rtlCol="0" anchor="ctr">
+          <a:bodyPr vert="horz" lIns="84406" tIns="42203" rIns="84406" bIns="42203" rtlCol="0" anchor="ctr">
             <a:normAutofit fontScale="97500"/>
           </a:bodyPr>
           <a:lstStyle>
@@ -3441,7 +3441,7 @@
           </a:lstStyle>
           <a:p>
             <a:r>
-              <a:rPr lang="en-US" altLang="ko-KR" sz="2800" spc="-150" dirty="0">
+              <a:rPr lang="en-US" altLang="ko-KR" sz="2585" spc="-138" dirty="0">
                 <a:ln>
                   <a:solidFill>
                     <a:schemeClr val="accent1">
@@ -3457,7 +3457,7 @@
               </a:rPr>
               <a:t>	</a:t>
             </a:r>
-            <a:endParaRPr lang="ko-KR" altLang="en-US" spc="-150" dirty="0">
+            <a:endParaRPr lang="ko-KR" altLang="en-US" sz="4062" spc="-138" dirty="0">
               <a:ln>
                 <a:solidFill>
                   <a:schemeClr val="accent1">
@@ -3488,8 +3488,8 @@
         </p:nvSpPr>
         <p:spPr>
           <a:xfrm>
-            <a:off x="3531135" y="1719202"/>
-            <a:ext cx="2880320" cy="773695"/>
+            <a:off x="3259509" y="1850725"/>
+            <a:ext cx="2658757" cy="714180"/>
           </a:xfrm>
           <a:prstGeom prst="rect">
             <a:avLst/>
@@ -3522,7 +3522,7 @@
           <a:lstStyle/>
           <a:p>
             <a:pPr algn="ctr"/>
-            <a:endParaRPr lang="ko-KR" altLang="en-US"/>
+            <a:endParaRPr lang="ko-KR" altLang="en-US" sz="1738"/>
           </a:p>
         </p:txBody>
       </p:sp>
@@ -3538,8 +3538,8 @@
         </p:nvSpPr>
         <p:spPr>
           <a:xfrm>
-            <a:off x="992560" y="1340769"/>
-            <a:ext cx="7772400" cy="2861927"/>
+            <a:off x="984739" y="1501403"/>
+            <a:ext cx="7174523" cy="2641779"/>
           </a:xfrm>
         </p:spPr>
         <p:txBody>
@@ -3549,7 +3549,7 @@
           <a:lstStyle/>
           <a:p>
             <a:r>
-              <a:rPr lang="ko-KR" altLang="en-US" sz="4000" b="1" spc="-150" dirty="0">
+              <a:rPr lang="ko-KR" altLang="en-US" sz="3692" b="1" spc="-138" dirty="0">
                 <a:ln>
                   <a:solidFill>
                     <a:schemeClr val="accent1">
@@ -3563,10 +3563,10 @@
                 <a:latin typeface="나눔바른고딕" panose="020B0603020101020101" pitchFamily="50" charset="-127"/>
                 <a:ea typeface="나눔바른고딕" panose="020B0603020101020101" pitchFamily="50" charset="-127"/>
               </a:rPr>
-              <a:t>핵심만 </a:t>
-            </a:r>
-            <a:r>
-              <a:rPr lang="ko-KR" altLang="en-US" sz="4000" b="1" spc="-150" dirty="0">
+              <a:t>스타트 </a:t>
+            </a:r>
+            <a:r>
+              <a:rPr lang="ko-KR" altLang="en-US" sz="3692" b="1" spc="-138" dirty="0">
                 <a:ln>
                   <a:solidFill>
                     <a:schemeClr val="accent1">
@@ -3583,10 +3583,10 @@
                 <a:latin typeface="나눔바른고딕" panose="020B0603020101020101" pitchFamily="50" charset="-127"/>
                 <a:ea typeface="나눔바른고딕" panose="020B0603020101020101" pitchFamily="50" charset="-127"/>
               </a:rPr>
-              <a:t>쏘</a:t>
-            </a:r>
-            <a:r>
-              <a:rPr lang="en-US" altLang="ko-KR" sz="4000" b="1" spc="-150" dirty="0">
+              <a:t>코딩</a:t>
+            </a:r>
+            <a:br>
+              <a:rPr lang="en-US" altLang="ko-KR" sz="3692" b="1" spc="-138" dirty="0">
                 <a:ln>
                   <a:solidFill>
                     <a:schemeClr val="accent1">
@@ -3595,18 +3595,14 @@
                   </a:solidFill>
                 </a:ln>
                 <a:solidFill>
-                  <a:schemeClr val="accent1">
-                    <a:lumMod val="40000"/>
-                    <a:lumOff val="60000"/>
-                  </a:schemeClr>
-                </a:solidFill>
-                <a:latin typeface="나눔바른고딕" panose="020B0603020101020101" pitchFamily="50" charset="-127"/>
-                <a:ea typeface="나눔바른고딕" panose="020B0603020101020101" pitchFamily="50" charset="-127"/>
-              </a:rPr>
-              <a:t>~</a:t>
-            </a:r>
-            <a:r>
-              <a:rPr lang="ko-KR" altLang="en-US" sz="4000" b="1" spc="-150" dirty="0">
+                  <a:schemeClr val="bg1"/>
+                </a:solidFill>
+                <a:latin typeface="나눔바른고딕" panose="020B0603020101020101" pitchFamily="50" charset="-127"/>
+                <a:ea typeface="나눔바른고딕" panose="020B0603020101020101" pitchFamily="50" charset="-127"/>
+              </a:rPr>
+            </a:br>
+            <a:br>
+              <a:rPr lang="en-US" altLang="ko-KR" sz="3692" b="1" spc="-138" dirty="0">
                 <a:ln>
                   <a:solidFill>
                     <a:schemeClr val="accent1">
@@ -3615,18 +3611,14 @@
                   </a:solidFill>
                 </a:ln>
                 <a:solidFill>
-                  <a:schemeClr val="accent1">
-                    <a:lumMod val="40000"/>
-                    <a:lumOff val="60000"/>
-                  </a:schemeClr>
-                </a:solidFill>
-                <a:latin typeface="나눔바른고딕" panose="020B0603020101020101" pitchFamily="50" charset="-127"/>
-                <a:ea typeface="나눔바른고딕" panose="020B0603020101020101" pitchFamily="50" charset="-127"/>
-              </a:rPr>
-              <a:t>옥</a:t>
-            </a:r>
-            <a:br>
-              <a:rPr lang="en-US" altLang="ko-KR" sz="4000" b="1" spc="-150" dirty="0">
+                  <a:schemeClr val="bg1"/>
+                </a:solidFill>
+                <a:latin typeface="나눔바른고딕" panose="020B0603020101020101" pitchFamily="50" charset="-127"/>
+                <a:ea typeface="나눔바른고딕" panose="020B0603020101020101" pitchFamily="50" charset="-127"/>
+              </a:rPr>
+            </a:br>
+            <a:r>
+              <a:rPr lang="ko-KR" altLang="en-US" sz="3692" b="1" spc="-138" dirty="0">
                 <a:ln>
                   <a:solidFill>
                     <a:schemeClr val="accent1">
@@ -3640,9 +3632,10 @@
                 <a:latin typeface="나눔바른고딕" panose="020B0603020101020101" pitchFamily="50" charset="-127"/>
                 <a:ea typeface="나눔바른고딕" panose="020B0603020101020101" pitchFamily="50" charset="-127"/>
               </a:rPr>
-            </a:br>
-            <a:br>
-              <a:rPr lang="en-US" altLang="ko-KR" sz="4000" b="1" spc="-150" dirty="0">
+              <a:t>파이썬 기초 </a:t>
+            </a:r>
+            <a:r>
+              <a:rPr lang="en-US" altLang="ko-KR" sz="3692" b="1" spc="-138" dirty="0">
                 <a:ln>
                   <a:solidFill>
                     <a:schemeClr val="accent1">
@@ -3656,9 +3649,10 @@
                 <a:latin typeface="나눔바른고딕" panose="020B0603020101020101" pitchFamily="50" charset="-127"/>
                 <a:ea typeface="나눔바른고딕" panose="020B0603020101020101" pitchFamily="50" charset="-127"/>
               </a:rPr>
-            </a:br>
-            <a:r>
-              <a:rPr lang="ko-KR" altLang="en-US" sz="4000" b="1" spc="-150" dirty="0">
+              <a:t>9</a:t>
+            </a:r>
+            <a:r>
+              <a:rPr lang="ko-KR" altLang="en-US" sz="3692" b="1" spc="-138" dirty="0">
                 <a:ln>
                   <a:solidFill>
                     <a:schemeClr val="accent1">
@@ -3672,10 +3666,10 @@
                 <a:latin typeface="나눔바른고딕" panose="020B0603020101020101" pitchFamily="50" charset="-127"/>
                 <a:ea typeface="나눔바른고딕" panose="020B0603020101020101" pitchFamily="50" charset="-127"/>
               </a:rPr>
-              <a:t>파이썬 입문 </a:t>
-            </a:r>
-            <a:r>
-              <a:rPr lang="en-US" altLang="ko-KR" sz="4000" b="1" spc="-150" dirty="0">
+              <a:t>강</a:t>
+            </a:r>
+            <a:br>
+              <a:rPr lang="en-US" altLang="ko-KR" sz="3692" b="1" spc="-138" dirty="0">
                 <a:ln>
                   <a:solidFill>
                     <a:schemeClr val="accent1">
@@ -3689,10 +3683,9 @@
                 <a:latin typeface="나눔바른고딕" panose="020B0603020101020101" pitchFamily="50" charset="-127"/>
                 <a:ea typeface="나눔바른고딕" panose="020B0603020101020101" pitchFamily="50" charset="-127"/>
               </a:rPr>
-              <a:t>10</a:t>
-            </a:r>
-            <a:r>
-              <a:rPr lang="ko-KR" altLang="en-US" sz="4000" b="1" spc="-150" dirty="0">
+            </a:br>
+            <a:r>
+              <a:rPr lang="ko-KR" altLang="en-US" sz="3692" b="1" spc="-138" dirty="0" err="1">
                 <a:ln>
                   <a:solidFill>
                     <a:schemeClr val="accent1">
@@ -3701,15 +3694,15 @@
                   </a:solidFill>
                 </a:ln>
                 <a:solidFill>
-                  <a:schemeClr val="bg1"/>
-                </a:solidFill>
-                <a:latin typeface="나눔바른고딕" panose="020B0603020101020101" pitchFamily="50" charset="-127"/>
-                <a:ea typeface="나눔바른고딕" panose="020B0603020101020101" pitchFamily="50" charset="-127"/>
-              </a:rPr>
-              <a:t>강</a:t>
-            </a:r>
-            <a:br>
-              <a:rPr lang="en-US" altLang="ko-KR" sz="4000" b="1" spc="-150" dirty="0">
+                  <a:srgbClr val="FDE035"/>
+                </a:solidFill>
+                <a:latin typeface="나눔바른고딕" panose="020B0603020101020101" pitchFamily="50" charset="-127"/>
+                <a:ea typeface="나눔바른고딕" panose="020B0603020101020101" pitchFamily="50" charset="-127"/>
+              </a:rPr>
+              <a:t>튜플과</a:t>
+            </a:r>
+            <a:r>
+              <a:rPr lang="ko-KR" altLang="en-US" sz="3692" b="1" spc="-138" dirty="0">
                 <a:ln>
                   <a:solidFill>
                     <a:schemeClr val="accent1">
@@ -3718,14 +3711,15 @@
                   </a:solidFill>
                 </a:ln>
                 <a:solidFill>
-                  <a:schemeClr val="bg1"/>
-                </a:solidFill>
-                <a:latin typeface="나눔바른고딕" panose="020B0603020101020101" pitchFamily="50" charset="-127"/>
-                <a:ea typeface="나눔바른고딕" panose="020B0603020101020101" pitchFamily="50" charset="-127"/>
-              </a:rPr>
-            </a:br>
-            <a:r>
-              <a:rPr lang="ko-KR" altLang="en-US" sz="4000" b="1" spc="-150" dirty="0" err="1">
+                  <a:srgbClr val="FDE035"/>
+                </a:solidFill>
+                <a:latin typeface="나눔바른고딕" panose="020B0603020101020101" pitchFamily="50" charset="-127"/>
+                <a:ea typeface="나눔바른고딕" panose="020B0603020101020101" pitchFamily="50" charset="-127"/>
+              </a:rPr>
+              <a:t> </a:t>
+            </a:r>
+            <a:r>
+              <a:rPr lang="ko-KR" altLang="en-US" sz="3692" b="1" spc="-138" dirty="0" err="1">
                 <a:ln>
                   <a:solidFill>
                     <a:schemeClr val="accent1">
@@ -3739,43 +3733,9 @@
                 <a:latin typeface="나눔바른고딕" panose="020B0603020101020101" pitchFamily="50" charset="-127"/>
                 <a:ea typeface="나눔바른고딕" panose="020B0603020101020101" pitchFamily="50" charset="-127"/>
               </a:rPr>
-              <a:t>튜플과</a:t>
-            </a:r>
-            <a:r>
-              <a:rPr lang="ko-KR" altLang="en-US" sz="4000" b="1" spc="-150" dirty="0">
-                <a:ln>
-                  <a:solidFill>
-                    <a:schemeClr val="accent1">
-                      <a:alpha val="0"/>
-                    </a:schemeClr>
-                  </a:solidFill>
-                </a:ln>
-                <a:solidFill>
-                  <a:srgbClr val="FDE035"/>
-                </a:solidFill>
-                <a:latin typeface="나눔바른고딕" panose="020B0603020101020101" pitchFamily="50" charset="-127"/>
-                <a:ea typeface="나눔바른고딕" panose="020B0603020101020101" pitchFamily="50" charset="-127"/>
-              </a:rPr>
-              <a:t> </a:t>
-            </a:r>
-            <a:r>
-              <a:rPr lang="ko-KR" altLang="en-US" sz="4000" b="1" spc="-150" dirty="0" err="1">
-                <a:ln>
-                  <a:solidFill>
-                    <a:schemeClr val="accent1">
-                      <a:alpha val="0"/>
-                    </a:schemeClr>
-                  </a:solidFill>
-                </a:ln>
-                <a:solidFill>
-                  <a:srgbClr val="FDE035"/>
-                </a:solidFill>
-                <a:latin typeface="나눔바른고딕" panose="020B0603020101020101" pitchFamily="50" charset="-127"/>
-                <a:ea typeface="나눔바른고딕" panose="020B0603020101020101" pitchFamily="50" charset="-127"/>
-              </a:rPr>
               <a:t>딕셔너리</a:t>
             </a:r>
-            <a:endParaRPr lang="ko-KR" altLang="en-US" sz="4000" b="1" spc="-150" dirty="0">
+            <a:endParaRPr lang="ko-KR" altLang="en-US" sz="3692" b="1" spc="-138" dirty="0">
               <a:ln>
                 <a:solidFill>
                   <a:schemeClr val="accent1">
@@ -3795,7 +3755,7 @@
     </p:spTree>
     <p:extLst>
       <p:ext uri="{BB962C8B-B14F-4D97-AF65-F5344CB8AC3E}">
-        <p14:creationId xmlns:p14="http://schemas.microsoft.com/office/powerpoint/2010/main" val="3836177951"/>
+        <p14:creationId xmlns:p14="http://schemas.microsoft.com/office/powerpoint/2010/main" val="2783698484"/>
       </p:ext>
     </p:extLst>
   </p:cSld>
@@ -3844,8 +3804,8 @@
         </p:nvSpPr>
         <p:spPr>
           <a:xfrm>
-            <a:off x="2558755" y="1124744"/>
-            <a:ext cx="4788490" cy="1077218"/>
+            <a:off x="2349276" y="1301995"/>
+            <a:ext cx="4445448" cy="1001556"/>
           </a:xfrm>
           <a:prstGeom prst="rect">
             <a:avLst/>
@@ -3860,7 +3820,7 @@
           <a:p>
             <a:pPr algn="ctr"/>
             <a:r>
-              <a:rPr lang="en-US" altLang="ko-KR" sz="3200" dirty="0">
+              <a:rPr lang="en-US" altLang="ko-KR" sz="2954" dirty="0">
                 <a:solidFill>
                   <a:schemeClr val="tx1">
                     <a:lumMod val="85000"/>
@@ -3873,7 +3833,7 @@
               <a:t>Q) </a:t>
             </a:r>
             <a:r>
-              <a:rPr lang="ko-KR" altLang="en-US" sz="3200" dirty="0">
+              <a:rPr lang="ko-KR" altLang="en-US" sz="2954" dirty="0">
                 <a:solidFill>
                   <a:schemeClr val="tx1">
                     <a:lumMod val="85000"/>
@@ -3885,7 +3845,7 @@
               </a:rPr>
               <a:t>다음 코드를 작성해 보고 </a:t>
             </a:r>
-            <a:endParaRPr lang="en-US" altLang="ko-KR" sz="3200" dirty="0">
+            <a:endParaRPr lang="en-US" altLang="ko-KR" sz="2954" dirty="0">
               <a:solidFill>
                 <a:schemeClr val="tx1">
                   <a:lumMod val="85000"/>
@@ -3899,7 +3859,7 @@
           <a:p>
             <a:pPr algn="ctr"/>
             <a:r>
-              <a:rPr lang="ko-KR" altLang="en-US" sz="3200" dirty="0">
+              <a:rPr lang="ko-KR" altLang="en-US" sz="2954" dirty="0">
                 <a:solidFill>
                   <a:schemeClr val="tx1">
                     <a:lumMod val="85000"/>
@@ -3912,7 +3872,7 @@
               <a:t>실행결과를 확인해 보세요</a:t>
             </a:r>
             <a:r>
-              <a:rPr lang="en-US" altLang="ko-KR" sz="3200" dirty="0">
+              <a:rPr lang="en-US" altLang="ko-KR" sz="2954" dirty="0">
                 <a:solidFill>
                   <a:schemeClr val="tx1">
                     <a:lumMod val="85000"/>
@@ -3941,8 +3901,8 @@
         </p:nvSpPr>
         <p:spPr>
           <a:xfrm>
-            <a:off x="2476500" y="2803316"/>
-            <a:ext cx="4953000" cy="1251368"/>
+            <a:off x="2286000" y="2851446"/>
+            <a:ext cx="4572000" cy="1162113"/>
           </a:xfrm>
           <a:prstGeom prst="rect">
             <a:avLst/>
@@ -3961,81 +3921,73 @@
           <a:lstStyle/>
           <a:p>
             <a:r>
-              <a:rPr lang="en-US" altLang="ko-KR" b="0" dirty="0">
+              <a:rPr lang="en-US" altLang="ko-KR" sz="1738" dirty="0">
                 <a:solidFill>
                   <a:srgbClr val="569CD6"/>
                 </a:solidFill>
-                <a:effectLst/>
                 <a:latin typeface="Consolas" panose="020B0609020204030204" pitchFamily="49" charset="0"/>
               </a:rPr>
               <a:t>def</a:t>
             </a:r>
             <a:r>
-              <a:rPr lang="en-US" altLang="ko-KR" b="0" dirty="0">
+              <a:rPr lang="en-US" altLang="ko-KR" sz="1738" dirty="0">
                 <a:solidFill>
                   <a:srgbClr val="D4D4D4"/>
                 </a:solidFill>
-                <a:effectLst/>
                 <a:latin typeface="Consolas" panose="020B0609020204030204" pitchFamily="49" charset="0"/>
               </a:rPr>
               <a:t> </a:t>
             </a:r>
             <a:r>
-              <a:rPr lang="en-US" altLang="ko-KR" b="0" dirty="0">
+              <a:rPr lang="en-US" altLang="ko-KR" sz="1738" dirty="0">
                 <a:solidFill>
                   <a:srgbClr val="DCDCAA"/>
                 </a:solidFill>
-                <a:effectLst/>
                 <a:latin typeface="Consolas" panose="020B0609020204030204" pitchFamily="49" charset="0"/>
               </a:rPr>
               <a:t>function</a:t>
             </a:r>
             <a:r>
-              <a:rPr lang="en-US" altLang="ko-KR" b="0" dirty="0">
+              <a:rPr lang="en-US" altLang="ko-KR" sz="1738" dirty="0">
                 <a:solidFill>
                   <a:srgbClr val="D4D4D4"/>
                 </a:solidFill>
-                <a:effectLst/>
                 <a:latin typeface="Consolas" panose="020B0609020204030204" pitchFamily="49" charset="0"/>
               </a:rPr>
               <a:t>(</a:t>
             </a:r>
             <a:r>
-              <a:rPr lang="en-US" altLang="ko-KR" b="0" dirty="0">
+              <a:rPr lang="en-US" altLang="ko-KR" sz="1738" dirty="0">
                 <a:solidFill>
                   <a:srgbClr val="9CDCFE"/>
                 </a:solidFill>
-                <a:effectLst/>
                 <a:latin typeface="Consolas" panose="020B0609020204030204" pitchFamily="49" charset="0"/>
               </a:rPr>
               <a:t>x</a:t>
             </a:r>
             <a:r>
-              <a:rPr lang="en-US" altLang="ko-KR" b="0" dirty="0">
+              <a:rPr lang="en-US" altLang="ko-KR" sz="1738" dirty="0">
                 <a:solidFill>
                   <a:srgbClr val="D4D4D4"/>
                 </a:solidFill>
-                <a:effectLst/>
                 <a:latin typeface="Consolas" panose="020B0609020204030204" pitchFamily="49" charset="0"/>
               </a:rPr>
               <a:t>, *</a:t>
             </a:r>
             <a:r>
-              <a:rPr lang="en-US" altLang="ko-KR" b="0" dirty="0" err="1">
+              <a:rPr lang="en-US" altLang="ko-KR" sz="1738" dirty="0" err="1">
                 <a:solidFill>
                   <a:srgbClr val="9CDCFE"/>
                 </a:solidFill>
-                <a:effectLst/>
                 <a:latin typeface="Consolas" panose="020B0609020204030204" pitchFamily="49" charset="0"/>
               </a:rPr>
               <a:t>args</a:t>
             </a:r>
             <a:r>
-              <a:rPr lang="en-US" altLang="ko-KR" b="0" dirty="0">
+              <a:rPr lang="en-US" altLang="ko-KR" sz="1738" dirty="0">
                 <a:solidFill>
                   <a:srgbClr val="D4D4D4"/>
                 </a:solidFill>
-                <a:effectLst/>
                 <a:latin typeface="Consolas" panose="020B0609020204030204" pitchFamily="49" charset="0"/>
               </a:rPr>
               <a:t>):</a:t>
@@ -4043,51 +3995,46 @@
           </a:p>
           <a:p>
             <a:r>
-              <a:rPr lang="en-US" altLang="ko-KR" b="0" dirty="0">
+              <a:rPr lang="en-US" altLang="ko-KR" sz="1738" dirty="0">
                 <a:solidFill>
                   <a:srgbClr val="D4D4D4"/>
                 </a:solidFill>
-                <a:effectLst/>
                 <a:latin typeface="Consolas" panose="020B0609020204030204" pitchFamily="49" charset="0"/>
               </a:rPr>
               <a:t>    </a:t>
             </a:r>
             <a:r>
-              <a:rPr lang="en-US" altLang="ko-KR" b="0" dirty="0">
+              <a:rPr lang="en-US" altLang="ko-KR" sz="1738" dirty="0">
                 <a:solidFill>
                   <a:srgbClr val="DCDCAA"/>
                 </a:solidFill>
-                <a:effectLst/>
                 <a:latin typeface="Consolas" panose="020B0609020204030204" pitchFamily="49" charset="0"/>
               </a:rPr>
               <a:t>print</a:t>
             </a:r>
             <a:r>
-              <a:rPr lang="en-US" altLang="ko-KR" b="0" dirty="0">
+              <a:rPr lang="en-US" altLang="ko-KR" sz="1738" dirty="0">
                 <a:solidFill>
                   <a:srgbClr val="D4D4D4"/>
                 </a:solidFill>
-                <a:effectLst/>
                 <a:latin typeface="Consolas" panose="020B0609020204030204" pitchFamily="49" charset="0"/>
               </a:rPr>
               <a:t>(x, </a:t>
             </a:r>
             <a:r>
-              <a:rPr lang="en-US" altLang="ko-KR" b="0" dirty="0" err="1">
+              <a:rPr lang="en-US" altLang="ko-KR" sz="1738" dirty="0" err="1">
                 <a:solidFill>
                   <a:srgbClr val="D4D4D4"/>
                 </a:solidFill>
-                <a:effectLst/>
                 <a:latin typeface="Consolas" panose="020B0609020204030204" pitchFamily="49" charset="0"/>
               </a:rPr>
               <a:t>args</a:t>
             </a:r>
             <a:r>
-              <a:rPr lang="en-US" altLang="ko-KR" b="0" dirty="0">
+              <a:rPr lang="en-US" altLang="ko-KR" sz="1738" dirty="0">
                 <a:solidFill>
                   <a:srgbClr val="D4D4D4"/>
                 </a:solidFill>
-                <a:effectLst/>
                 <a:latin typeface="Consolas" panose="020B0609020204030204" pitchFamily="49" charset="0"/>
               </a:rPr>
               <a:t>)</a:t>
@@ -4095,120 +4042,108 @@
           </a:p>
           <a:p>
             <a:br>
-              <a:rPr lang="en-US" altLang="ko-KR" b="0" dirty="0">
+              <a:rPr lang="en-US" altLang="ko-KR" sz="1738" dirty="0">
                 <a:solidFill>
                   <a:srgbClr val="D4D4D4"/>
                 </a:solidFill>
-                <a:effectLst/>
                 <a:latin typeface="Consolas" panose="020B0609020204030204" pitchFamily="49" charset="0"/>
               </a:rPr>
             </a:br>
             <a:r>
-              <a:rPr lang="en-US" altLang="ko-KR" b="0" dirty="0">
+              <a:rPr lang="en-US" altLang="ko-KR" sz="1738" dirty="0">
                 <a:solidFill>
                   <a:srgbClr val="D4D4D4"/>
                 </a:solidFill>
-                <a:effectLst/>
                 <a:latin typeface="Consolas" panose="020B0609020204030204" pitchFamily="49" charset="0"/>
               </a:rPr>
               <a:t>function(</a:t>
             </a:r>
             <a:r>
-              <a:rPr lang="en-US" altLang="ko-KR" b="0" dirty="0">
+              <a:rPr lang="en-US" altLang="ko-KR" sz="1738" dirty="0">
                 <a:solidFill>
                   <a:srgbClr val="B5CEA8"/>
                 </a:solidFill>
-                <a:effectLst/>
                 <a:latin typeface="Consolas" panose="020B0609020204030204" pitchFamily="49" charset="0"/>
               </a:rPr>
               <a:t>1</a:t>
             </a:r>
             <a:r>
-              <a:rPr lang="en-US" altLang="ko-KR" b="0" dirty="0">
+              <a:rPr lang="en-US" altLang="ko-KR" sz="1738" dirty="0">
                 <a:solidFill>
                   <a:srgbClr val="D4D4D4"/>
                 </a:solidFill>
-                <a:effectLst/>
                 <a:latin typeface="Consolas" panose="020B0609020204030204" pitchFamily="49" charset="0"/>
               </a:rPr>
               <a:t>,</a:t>
             </a:r>
             <a:r>
-              <a:rPr lang="en-US" altLang="ko-KR" b="0" dirty="0">
+              <a:rPr lang="en-US" altLang="ko-KR" sz="1738" dirty="0">
                 <a:solidFill>
                   <a:srgbClr val="B5CEA8"/>
                 </a:solidFill>
-                <a:effectLst/>
                 <a:latin typeface="Consolas" panose="020B0609020204030204" pitchFamily="49" charset="0"/>
               </a:rPr>
               <a:t>2</a:t>
             </a:r>
             <a:r>
-              <a:rPr lang="en-US" altLang="ko-KR" b="0" dirty="0">
+              <a:rPr lang="en-US" altLang="ko-KR" sz="1738" dirty="0">
                 <a:solidFill>
                   <a:srgbClr val="D4D4D4"/>
                 </a:solidFill>
-                <a:effectLst/>
                 <a:latin typeface="Consolas" panose="020B0609020204030204" pitchFamily="49" charset="0"/>
               </a:rPr>
               <a:t>,</a:t>
             </a:r>
             <a:r>
-              <a:rPr lang="en-US" altLang="ko-KR" b="0" dirty="0">
+              <a:rPr lang="en-US" altLang="ko-KR" sz="1738" dirty="0">
                 <a:solidFill>
                   <a:srgbClr val="B5CEA8"/>
                 </a:solidFill>
-                <a:effectLst/>
                 <a:latin typeface="Consolas" panose="020B0609020204030204" pitchFamily="49" charset="0"/>
               </a:rPr>
               <a:t>3</a:t>
             </a:r>
             <a:r>
-              <a:rPr lang="en-US" altLang="ko-KR" b="0" dirty="0">
+              <a:rPr lang="en-US" altLang="ko-KR" sz="1738" dirty="0">
                 <a:solidFill>
                   <a:srgbClr val="D4D4D4"/>
                 </a:solidFill>
-                <a:effectLst/>
                 <a:latin typeface="Consolas" panose="020B0609020204030204" pitchFamily="49" charset="0"/>
               </a:rPr>
               <a:t>,</a:t>
             </a:r>
             <a:r>
-              <a:rPr lang="en-US" altLang="ko-KR" b="0" dirty="0">
+              <a:rPr lang="en-US" altLang="ko-KR" sz="1738" dirty="0">
                 <a:solidFill>
                   <a:srgbClr val="B5CEA8"/>
                 </a:solidFill>
-                <a:effectLst/>
                 <a:latin typeface="Consolas" panose="020B0609020204030204" pitchFamily="49" charset="0"/>
               </a:rPr>
               <a:t>4</a:t>
             </a:r>
             <a:r>
-              <a:rPr lang="en-US" altLang="ko-KR" b="0" dirty="0">
+              <a:rPr lang="en-US" altLang="ko-KR" sz="1738" dirty="0">
                 <a:solidFill>
                   <a:srgbClr val="D4D4D4"/>
                 </a:solidFill>
-                <a:effectLst/>
                 <a:latin typeface="Consolas" panose="020B0609020204030204" pitchFamily="49" charset="0"/>
               </a:rPr>
               <a:t>,</a:t>
             </a:r>
             <a:r>
-              <a:rPr lang="en-US" altLang="ko-KR" b="0" dirty="0">
+              <a:rPr lang="en-US" altLang="ko-KR" sz="1738" dirty="0">
                 <a:solidFill>
                   <a:srgbClr val="B5CEA8"/>
                 </a:solidFill>
-                <a:effectLst/>
                 <a:latin typeface="Consolas" panose="020B0609020204030204" pitchFamily="49" charset="0"/>
               </a:rPr>
               <a:t>5</a:t>
             </a:r>
             <a:r>
-              <a:rPr lang="en-US" altLang="ko-KR" b="0" dirty="0">
+              <a:rPr lang="en-US" altLang="ko-KR" sz="1738" dirty="0">
                 <a:solidFill>
                   <a:srgbClr val="D4D4D4"/>
                 </a:solidFill>
-                <a:effectLst/>
                 <a:latin typeface="Consolas" panose="020B0609020204030204" pitchFamily="49" charset="0"/>
               </a:rPr>
               <a:t>)</a:t>
@@ -4280,8 +4215,8 @@
         </p:nvSpPr>
         <p:spPr>
           <a:xfrm>
-            <a:off x="2558755" y="1124744"/>
-            <a:ext cx="4788490" cy="1077218"/>
+            <a:off x="2349276" y="1301995"/>
+            <a:ext cx="4445448" cy="1001556"/>
           </a:xfrm>
           <a:prstGeom prst="rect">
             <a:avLst/>
@@ -4296,7 +4231,7 @@
           <a:p>
             <a:pPr algn="ctr"/>
             <a:r>
-              <a:rPr lang="en-US" altLang="ko-KR" sz="3200" dirty="0">
+              <a:rPr lang="en-US" altLang="ko-KR" sz="2954" dirty="0">
                 <a:solidFill>
                   <a:schemeClr val="tx1">
                     <a:lumMod val="85000"/>
@@ -4309,7 +4244,7 @@
               <a:t>Q) </a:t>
             </a:r>
             <a:r>
-              <a:rPr lang="ko-KR" altLang="en-US" sz="3200" dirty="0">
+              <a:rPr lang="ko-KR" altLang="en-US" sz="2954" dirty="0">
                 <a:solidFill>
                   <a:schemeClr val="tx1">
                     <a:lumMod val="85000"/>
@@ -4321,7 +4256,7 @@
               </a:rPr>
               <a:t>다음 코드를 작성해 보고 </a:t>
             </a:r>
-            <a:endParaRPr lang="en-US" altLang="ko-KR" sz="3200" dirty="0">
+            <a:endParaRPr lang="en-US" altLang="ko-KR" sz="2954" dirty="0">
               <a:solidFill>
                 <a:schemeClr val="tx1">
                   <a:lumMod val="85000"/>
@@ -4335,7 +4270,7 @@
           <a:p>
             <a:pPr algn="ctr"/>
             <a:r>
-              <a:rPr lang="ko-KR" altLang="en-US" sz="3200" dirty="0">
+              <a:rPr lang="ko-KR" altLang="en-US" sz="2954" dirty="0">
                 <a:solidFill>
                   <a:schemeClr val="tx1">
                     <a:lumMod val="85000"/>
@@ -4348,7 +4283,7 @@
               <a:t>실행결과를 확인해 보세요</a:t>
             </a:r>
             <a:r>
-              <a:rPr lang="en-US" altLang="ko-KR" sz="3200" dirty="0">
+              <a:rPr lang="en-US" altLang="ko-KR" sz="2954" dirty="0">
                 <a:solidFill>
                   <a:schemeClr val="tx1">
                     <a:lumMod val="85000"/>
@@ -4377,8 +4312,8 @@
         </p:nvSpPr>
         <p:spPr>
           <a:xfrm>
-            <a:off x="2476500" y="2564904"/>
-            <a:ext cx="4953000" cy="2989921"/>
+            <a:off x="2286000" y="2631373"/>
+            <a:ext cx="4572000" cy="2766783"/>
           </a:xfrm>
           <a:prstGeom prst="rect">
             <a:avLst/>
@@ -4397,70 +4332,63 @@
           <a:lstStyle/>
           <a:p>
             <a:r>
-              <a:rPr lang="en-US" altLang="ko-KR" b="0" dirty="0">
+              <a:rPr lang="en-US" altLang="ko-KR" sz="1738" dirty="0">
                 <a:solidFill>
                   <a:srgbClr val="6A9955"/>
                 </a:solidFill>
-                <a:effectLst/>
                 <a:latin typeface="Consolas" panose="020B0609020204030204" pitchFamily="49" charset="0"/>
               </a:rPr>
               <a:t># unpacking</a:t>
             </a:r>
-            <a:endParaRPr lang="en-US" altLang="ko-KR" b="0" dirty="0">
+            <a:endParaRPr lang="en-US" altLang="ko-KR" sz="1738" dirty="0">
               <a:solidFill>
                 <a:srgbClr val="D4D4D4"/>
               </a:solidFill>
-              <a:effectLst/>
               <a:latin typeface="Consolas" panose="020B0609020204030204" pitchFamily="49" charset="0"/>
             </a:endParaRPr>
           </a:p>
           <a:p>
             <a:r>
-              <a:rPr lang="en-US" altLang="ko-KR" b="0" dirty="0">
+              <a:rPr lang="en-US" altLang="ko-KR" sz="1738" dirty="0">
                 <a:solidFill>
                   <a:srgbClr val="D4D4D4"/>
                 </a:solidFill>
-                <a:effectLst/>
                 <a:latin typeface="Consolas" panose="020B0609020204030204" pitchFamily="49" charset="0"/>
               </a:rPr>
               <a:t>a = (</a:t>
             </a:r>
             <a:r>
-              <a:rPr lang="en-US" altLang="ko-KR" b="0" dirty="0">
+              <a:rPr lang="en-US" altLang="ko-KR" sz="1738" dirty="0">
                 <a:solidFill>
                   <a:srgbClr val="B5CEA8"/>
                 </a:solidFill>
-                <a:effectLst/>
                 <a:latin typeface="Consolas" panose="020B0609020204030204" pitchFamily="49" charset="0"/>
               </a:rPr>
               <a:t>1</a:t>
             </a:r>
             <a:r>
-              <a:rPr lang="en-US" altLang="ko-KR" b="0" dirty="0">
+              <a:rPr lang="en-US" altLang="ko-KR" sz="1738" dirty="0">
                 <a:solidFill>
                   <a:srgbClr val="D4D4D4"/>
                 </a:solidFill>
-                <a:effectLst/>
                 <a:latin typeface="Consolas" panose="020B0609020204030204" pitchFamily="49" charset="0"/>
               </a:rPr>
               <a:t>,</a:t>
             </a:r>
             <a:r>
-              <a:rPr lang="en-US" altLang="ko-KR" b="0" dirty="0">
+              <a:rPr lang="en-US" altLang="ko-KR" sz="1738" dirty="0">
                 <a:solidFill>
                   <a:srgbClr val="B5CEA8"/>
                 </a:solidFill>
-                <a:effectLst/>
                 <a:latin typeface="Consolas" panose="020B0609020204030204" pitchFamily="49" charset="0"/>
               </a:rPr>
               <a:t>2</a:t>
             </a:r>
             <a:r>
-              <a:rPr lang="en-US" altLang="ko-KR" b="0" dirty="0">
+              <a:rPr lang="en-US" altLang="ko-KR" sz="1738" dirty="0">
                 <a:solidFill>
                   <a:srgbClr val="D4D4D4"/>
                 </a:solidFill>
-                <a:effectLst/>
                 <a:latin typeface="Consolas" panose="020B0609020204030204" pitchFamily="49" charset="0"/>
               </a:rPr>
               <a:t>)</a:t>
@@ -4468,11 +4396,10 @@
           </a:p>
           <a:p>
             <a:r>
-              <a:rPr lang="en-US" altLang="ko-KR" b="0" dirty="0">
+              <a:rPr lang="en-US" altLang="ko-KR" sz="1738" dirty="0">
                 <a:solidFill>
                   <a:srgbClr val="D4D4D4"/>
                 </a:solidFill>
-                <a:effectLst/>
                 <a:latin typeface="Consolas" panose="020B0609020204030204" pitchFamily="49" charset="0"/>
               </a:rPr>
               <a:t>b, c = a</a:t>
@@ -4480,87 +4407,78 @@
           </a:p>
           <a:p>
             <a:br>
-              <a:rPr lang="en-US" altLang="ko-KR" b="0" dirty="0">
+              <a:rPr lang="en-US" altLang="ko-KR" sz="1738" dirty="0">
                 <a:solidFill>
                   <a:srgbClr val="D4D4D4"/>
                 </a:solidFill>
-                <a:effectLst/>
                 <a:latin typeface="Consolas" panose="020B0609020204030204" pitchFamily="49" charset="0"/>
               </a:rPr>
             </a:br>
             <a:r>
-              <a:rPr lang="en-US" altLang="ko-KR" b="0" dirty="0">
+              <a:rPr lang="en-US" altLang="ko-KR" sz="1738" dirty="0">
                 <a:solidFill>
                   <a:srgbClr val="6A9955"/>
                 </a:solidFill>
-                <a:effectLst/>
                 <a:latin typeface="Consolas" panose="020B0609020204030204" pitchFamily="49" charset="0"/>
               </a:rPr>
               <a:t># packing</a:t>
             </a:r>
-            <a:endParaRPr lang="en-US" altLang="ko-KR" b="0" dirty="0">
+            <a:endParaRPr lang="en-US" altLang="ko-KR" sz="1738" dirty="0">
               <a:solidFill>
                 <a:srgbClr val="D4D4D4"/>
               </a:solidFill>
-              <a:effectLst/>
               <a:latin typeface="Consolas" panose="020B0609020204030204" pitchFamily="49" charset="0"/>
             </a:endParaRPr>
           </a:p>
           <a:p>
             <a:r>
-              <a:rPr lang="en-US" altLang="ko-KR" b="0" dirty="0">
+              <a:rPr lang="en-US" altLang="ko-KR" sz="1738" dirty="0">
                 <a:solidFill>
                   <a:srgbClr val="D4D4D4"/>
                 </a:solidFill>
-                <a:effectLst/>
                 <a:latin typeface="Consolas" panose="020B0609020204030204" pitchFamily="49" charset="0"/>
               </a:rPr>
               <a:t>d = </a:t>
             </a:r>
             <a:r>
-              <a:rPr lang="en-US" altLang="ko-KR" b="0" dirty="0" err="1">
+              <a:rPr lang="en-US" altLang="ko-KR" sz="1738" dirty="0" err="1">
                 <a:solidFill>
                   <a:srgbClr val="D4D4D4"/>
                 </a:solidFill>
-                <a:effectLst/>
                 <a:latin typeface="Consolas" panose="020B0609020204030204" pitchFamily="49" charset="0"/>
               </a:rPr>
               <a:t>b,c</a:t>
             </a:r>
-            <a:endParaRPr lang="en-US" altLang="ko-KR" b="0" dirty="0">
+            <a:endParaRPr lang="en-US" altLang="ko-KR" sz="1738" dirty="0">
               <a:solidFill>
                 <a:srgbClr val="D4D4D4"/>
               </a:solidFill>
-              <a:effectLst/>
               <a:latin typeface="Consolas" panose="020B0609020204030204" pitchFamily="49" charset="0"/>
             </a:endParaRPr>
           </a:p>
           <a:p>
             <a:br>
-              <a:rPr lang="en-US" altLang="ko-KR" b="0" dirty="0">
+              <a:rPr lang="en-US" altLang="ko-KR" sz="1738" dirty="0">
                 <a:solidFill>
                   <a:srgbClr val="D4D4D4"/>
                 </a:solidFill>
-                <a:effectLst/>
                 <a:latin typeface="Consolas" panose="020B0609020204030204" pitchFamily="49" charset="0"/>
               </a:rPr>
             </a:br>
             <a:r>
-              <a:rPr lang="en-US" altLang="ko-KR" b="0" dirty="0">
+              <a:rPr lang="en-US" altLang="ko-KR" sz="1738" dirty="0">
                 <a:solidFill>
                   <a:srgbClr val="DCDCAA"/>
                 </a:solidFill>
-                <a:effectLst/>
                 <a:latin typeface="Consolas" panose="020B0609020204030204" pitchFamily="49" charset="0"/>
               </a:rPr>
               <a:t>print</a:t>
             </a:r>
             <a:r>
-              <a:rPr lang="en-US" altLang="ko-KR" b="0" dirty="0">
+              <a:rPr lang="en-US" altLang="ko-KR" sz="1738" dirty="0">
                 <a:solidFill>
                   <a:srgbClr val="D4D4D4"/>
                 </a:solidFill>
-                <a:effectLst/>
                 <a:latin typeface="Consolas" panose="020B0609020204030204" pitchFamily="49" charset="0"/>
               </a:rPr>
               <a:t>(b)</a:t>
@@ -4568,21 +4486,19 @@
           </a:p>
           <a:p>
             <a:r>
-              <a:rPr lang="en-US" altLang="ko-KR" b="0" dirty="0">
+              <a:rPr lang="en-US" altLang="ko-KR" sz="1738" dirty="0">
                 <a:solidFill>
                   <a:srgbClr val="DCDCAA"/>
                 </a:solidFill>
-                <a:effectLst/>
                 <a:latin typeface="Consolas" panose="020B0609020204030204" pitchFamily="49" charset="0"/>
               </a:rPr>
               <a:t>print</a:t>
             </a:r>
             <a:r>
-              <a:rPr lang="en-US" altLang="ko-KR" b="0" dirty="0">
+              <a:rPr lang="en-US" altLang="ko-KR" sz="1738" dirty="0">
                 <a:solidFill>
                   <a:srgbClr val="D4D4D4"/>
                 </a:solidFill>
-                <a:effectLst/>
                 <a:latin typeface="Consolas" panose="020B0609020204030204" pitchFamily="49" charset="0"/>
               </a:rPr>
               <a:t>(c)</a:t>
@@ -4590,21 +4506,19 @@
           </a:p>
           <a:p>
             <a:r>
-              <a:rPr lang="en-US" altLang="ko-KR" b="0" dirty="0">
+              <a:rPr lang="en-US" altLang="ko-KR" sz="1738" dirty="0">
                 <a:solidFill>
                   <a:srgbClr val="DCDCAA"/>
                 </a:solidFill>
-                <a:effectLst/>
                 <a:latin typeface="Consolas" panose="020B0609020204030204" pitchFamily="49" charset="0"/>
               </a:rPr>
               <a:t>print</a:t>
             </a:r>
             <a:r>
-              <a:rPr lang="en-US" altLang="ko-KR" b="0" dirty="0">
+              <a:rPr lang="en-US" altLang="ko-KR" sz="1738" dirty="0">
                 <a:solidFill>
                   <a:srgbClr val="D4D4D4"/>
                 </a:solidFill>
-                <a:effectLst/>
                 <a:latin typeface="Consolas" panose="020B0609020204030204" pitchFamily="49" charset="0"/>
               </a:rPr>
               <a:t>(d)</a:t>
@@ -4676,8 +4590,8 @@
         </p:nvSpPr>
         <p:spPr>
           <a:xfrm>
-            <a:off x="1830194" y="2767281"/>
-            <a:ext cx="6245621" cy="1323439"/>
+            <a:off x="1675217" y="2818183"/>
+            <a:ext cx="5793574" cy="1228798"/>
           </a:xfrm>
           <a:prstGeom prst="rect">
             <a:avLst/>
@@ -4692,7 +4606,7 @@
           <a:p>
             <a:pPr algn="ctr"/>
             <a:r>
-              <a:rPr lang="ko-KR" altLang="en-US" sz="4800" dirty="0" err="1">
+              <a:rPr lang="ko-KR" altLang="en-US" sz="4431" dirty="0" err="1">
                 <a:solidFill>
                   <a:schemeClr val="accent6">
                     <a:lumMod val="75000"/>
@@ -4704,7 +4618,7 @@
               <a:t>딕셔너리</a:t>
             </a:r>
             <a:r>
-              <a:rPr lang="en-US" altLang="ko-KR" sz="4800" dirty="0">
+              <a:rPr lang="en-US" altLang="ko-KR" sz="4431" dirty="0">
                 <a:solidFill>
                   <a:schemeClr val="tx1">
                     <a:lumMod val="85000"/>
@@ -4720,7 +4634,7 @@
           <a:p>
             <a:pPr algn="ctr"/>
             <a:r>
-              <a:rPr lang="en-US" altLang="ko-KR" sz="3200" dirty="0">
+              <a:rPr lang="en-US" altLang="ko-KR" sz="2954" dirty="0">
                 <a:solidFill>
                   <a:schemeClr val="tx1">
                     <a:lumMod val="85000"/>
@@ -4733,7 +4647,7 @@
               <a:t>: </a:t>
             </a:r>
             <a:r>
-              <a:rPr lang="ko-KR" altLang="en-US" sz="3200" dirty="0">
+              <a:rPr lang="ko-KR" altLang="en-US" sz="2954" dirty="0">
                 <a:solidFill>
                   <a:schemeClr val="tx1">
                     <a:lumMod val="85000"/>
@@ -4746,7 +4660,7 @@
               <a:t>키와 값을 가지고 있는 자료형</a:t>
             </a:r>
             <a:r>
-              <a:rPr lang="en-US" altLang="ko-KR" sz="3200" dirty="0">
+              <a:rPr lang="en-US" altLang="ko-KR" sz="2954" dirty="0">
                 <a:solidFill>
                   <a:schemeClr val="tx1">
                     <a:lumMod val="85000"/>
@@ -4759,7 +4673,7 @@
               <a:t>(</a:t>
             </a:r>
             <a:r>
-              <a:rPr lang="ko-KR" altLang="en-US" sz="3200" dirty="0">
+              <a:rPr lang="ko-KR" altLang="en-US" sz="2954" dirty="0">
                 <a:solidFill>
                   <a:schemeClr val="tx1">
                     <a:lumMod val="85000"/>
@@ -4772,7 +4686,7 @@
               <a:t>사전</a:t>
             </a:r>
             <a:r>
-              <a:rPr lang="en-US" altLang="ko-KR" sz="3200" dirty="0">
+              <a:rPr lang="en-US" altLang="ko-KR" sz="2954" dirty="0">
                 <a:solidFill>
                   <a:schemeClr val="tx1">
                     <a:lumMod val="85000"/>
@@ -4851,8 +4765,8 @@
         </p:nvSpPr>
         <p:spPr>
           <a:xfrm>
-            <a:off x="2592418" y="1268760"/>
-            <a:ext cx="4721165" cy="830997"/>
+            <a:off x="2390153" y="1434932"/>
+            <a:ext cx="4363695" cy="774186"/>
           </a:xfrm>
           <a:prstGeom prst="rect">
             <a:avLst/>
@@ -4867,7 +4781,7 @@
           <a:p>
             <a:pPr algn="ctr"/>
             <a:r>
-              <a:rPr lang="ko-KR" altLang="en-US" sz="4800" dirty="0" err="1">
+              <a:rPr lang="ko-KR" altLang="en-US" sz="4431" dirty="0" err="1">
                 <a:solidFill>
                   <a:schemeClr val="tx1">
                     <a:lumMod val="85000"/>
@@ -4880,7 +4794,7 @@
               <a:t>딕셔너리</a:t>
             </a:r>
             <a:r>
-              <a:rPr lang="en-US" altLang="ko-KR" sz="4800" dirty="0">
+              <a:rPr lang="en-US" altLang="ko-KR" sz="4431" dirty="0">
                 <a:solidFill>
                   <a:schemeClr val="tx1">
                     <a:lumMod val="85000"/>
@@ -4893,7 +4807,7 @@
               <a:t> </a:t>
             </a:r>
             <a:r>
-              <a:rPr lang="ko-KR" altLang="en-US" sz="4800" dirty="0">
+              <a:rPr lang="ko-KR" altLang="en-US" sz="4431" dirty="0">
                 <a:solidFill>
                   <a:schemeClr val="accent6">
                     <a:lumMod val="75000"/>
@@ -4904,7 +4818,7 @@
               </a:rPr>
               <a:t>생성하기</a:t>
             </a:r>
-            <a:endParaRPr lang="en-US" altLang="ko-KR" sz="3200" dirty="0">
+            <a:endParaRPr lang="en-US" altLang="ko-KR" sz="2954" dirty="0">
               <a:solidFill>
                 <a:schemeClr val="accent6">
                   <a:lumMod val="75000"/>
@@ -4930,8 +4844,8 @@
         </p:nvSpPr>
         <p:spPr>
           <a:xfrm>
-            <a:off x="1507185" y="3136612"/>
-            <a:ext cx="6891630" cy="584775"/>
+            <a:off x="1391248" y="3159104"/>
+            <a:ext cx="6389891" cy="546945"/>
           </a:xfrm>
           <a:prstGeom prst="rect">
             <a:avLst/>
@@ -4945,7 +4859,7 @@
           <a:lstStyle/>
           <a:p>
             <a:r>
-              <a:rPr lang="ko-KR" altLang="en-US" sz="3200" dirty="0" err="1">
+              <a:rPr lang="ko-KR" altLang="en-US" sz="2954" dirty="0" err="1">
                 <a:solidFill>
                   <a:schemeClr val="tx1">
                     <a:lumMod val="85000"/>
@@ -4958,7 +4872,7 @@
               <a:t>딕셔너리이름</a:t>
             </a:r>
             <a:r>
-              <a:rPr lang="ko-KR" altLang="en-US" sz="3200" dirty="0">
+              <a:rPr lang="ko-KR" altLang="en-US" sz="2954" dirty="0">
                 <a:solidFill>
                   <a:schemeClr val="tx1">
                     <a:lumMod val="85000"/>
@@ -4971,7 +4885,7 @@
               <a:t> </a:t>
             </a:r>
             <a:r>
-              <a:rPr lang="en-US" altLang="ko-KR" sz="3200" dirty="0">
+              <a:rPr lang="en-US" altLang="ko-KR" sz="2954" dirty="0">
                 <a:solidFill>
                   <a:schemeClr val="tx1">
                     <a:lumMod val="85000"/>
@@ -4984,7 +4898,7 @@
               <a:t>= {</a:t>
             </a:r>
             <a:r>
-              <a:rPr lang="ko-KR" altLang="en-US" sz="3200" dirty="0">
+              <a:rPr lang="ko-KR" altLang="en-US" sz="2954" dirty="0">
                 <a:solidFill>
                   <a:schemeClr val="tx1">
                     <a:lumMod val="85000"/>
@@ -4997,7 +4911,7 @@
               <a:t>키</a:t>
             </a:r>
             <a:r>
-              <a:rPr lang="en-US" altLang="ko-KR" sz="3200" dirty="0">
+              <a:rPr lang="en-US" altLang="ko-KR" sz="2954" dirty="0">
                 <a:solidFill>
                   <a:schemeClr val="tx1">
                     <a:lumMod val="85000"/>
@@ -5010,7 +4924,7 @@
               <a:t>1 : </a:t>
             </a:r>
             <a:r>
-              <a:rPr lang="ko-KR" altLang="en-US" sz="3200" dirty="0">
+              <a:rPr lang="ko-KR" altLang="en-US" sz="2954" dirty="0">
                 <a:solidFill>
                   <a:schemeClr val="tx1">
                     <a:lumMod val="85000"/>
@@ -5023,7 +4937,7 @@
               <a:t>값</a:t>
             </a:r>
             <a:r>
-              <a:rPr lang="en-US" altLang="ko-KR" sz="3200" dirty="0">
+              <a:rPr lang="en-US" altLang="ko-KR" sz="2954" dirty="0">
                 <a:solidFill>
                   <a:schemeClr val="tx1">
                     <a:lumMod val="85000"/>
@@ -5036,7 +4950,7 @@
               <a:t>1, </a:t>
             </a:r>
             <a:r>
-              <a:rPr lang="ko-KR" altLang="en-US" sz="3200" dirty="0">
+              <a:rPr lang="ko-KR" altLang="en-US" sz="2954" dirty="0">
                 <a:solidFill>
                   <a:schemeClr val="tx1">
                     <a:lumMod val="85000"/>
@@ -5049,7 +4963,7 @@
               <a:t>키</a:t>
             </a:r>
             <a:r>
-              <a:rPr lang="en-US" altLang="ko-KR" sz="3200" dirty="0">
+              <a:rPr lang="en-US" altLang="ko-KR" sz="2954" dirty="0">
                 <a:solidFill>
                   <a:schemeClr val="tx1">
                     <a:lumMod val="85000"/>
@@ -5062,7 +4976,7 @@
               <a:t>2 : </a:t>
             </a:r>
             <a:r>
-              <a:rPr lang="ko-KR" altLang="en-US" sz="3200" dirty="0">
+              <a:rPr lang="ko-KR" altLang="en-US" sz="2954" dirty="0">
                 <a:solidFill>
                   <a:schemeClr val="tx1">
                     <a:lumMod val="85000"/>
@@ -5075,7 +4989,7 @@
               <a:t>값</a:t>
             </a:r>
             <a:r>
-              <a:rPr lang="en-US" altLang="ko-KR" sz="3200" dirty="0">
+              <a:rPr lang="en-US" altLang="ko-KR" sz="2954" dirty="0">
                 <a:solidFill>
                   <a:schemeClr val="tx1">
                     <a:lumMod val="85000"/>
@@ -5154,8 +5068,8 @@
         </p:nvSpPr>
         <p:spPr>
           <a:xfrm>
-            <a:off x="2592418" y="1268760"/>
-            <a:ext cx="4721165" cy="830997"/>
+            <a:off x="2390153" y="1434932"/>
+            <a:ext cx="4363695" cy="774186"/>
           </a:xfrm>
           <a:prstGeom prst="rect">
             <a:avLst/>
@@ -5170,7 +5084,7 @@
           <a:p>
             <a:pPr algn="ctr"/>
             <a:r>
-              <a:rPr lang="ko-KR" altLang="en-US" sz="4800" dirty="0" err="1">
+              <a:rPr lang="ko-KR" altLang="en-US" sz="4431" dirty="0" err="1">
                 <a:solidFill>
                   <a:schemeClr val="tx1">
                     <a:lumMod val="85000"/>
@@ -5183,7 +5097,7 @@
               <a:t>딕셔너리</a:t>
             </a:r>
             <a:r>
-              <a:rPr lang="en-US" altLang="ko-KR" sz="4800" dirty="0">
+              <a:rPr lang="en-US" altLang="ko-KR" sz="4431" dirty="0">
                 <a:solidFill>
                   <a:schemeClr val="tx1">
                     <a:lumMod val="85000"/>
@@ -5196,7 +5110,7 @@
               <a:t> </a:t>
             </a:r>
             <a:r>
-              <a:rPr lang="ko-KR" altLang="en-US" sz="4800" dirty="0">
+              <a:rPr lang="ko-KR" altLang="en-US" sz="4431" dirty="0">
                 <a:solidFill>
                   <a:schemeClr val="accent6">
                     <a:lumMod val="75000"/>
@@ -5207,7 +5121,7 @@
               </a:rPr>
               <a:t>생성하기</a:t>
             </a:r>
-            <a:endParaRPr lang="en-US" altLang="ko-KR" sz="3200" dirty="0">
+            <a:endParaRPr lang="en-US" altLang="ko-KR" sz="2954" dirty="0">
               <a:solidFill>
                 <a:schemeClr val="accent6">
                   <a:lumMod val="75000"/>
@@ -5233,8 +5147,8 @@
         </p:nvSpPr>
         <p:spPr>
           <a:xfrm>
-            <a:off x="1213594" y="2631444"/>
-            <a:ext cx="6074099" cy="523220"/>
+            <a:off x="1120241" y="2692795"/>
+            <a:ext cx="5599610" cy="490134"/>
           </a:xfrm>
           <a:prstGeom prst="rect">
             <a:avLst/>
@@ -5248,7 +5162,7 @@
           <a:lstStyle/>
           <a:p>
             <a:r>
-              <a:rPr lang="ko-KR" altLang="en-US" sz="2800" dirty="0" err="1">
+              <a:rPr lang="ko-KR" altLang="en-US" sz="2585" dirty="0" err="1">
                 <a:solidFill>
                   <a:schemeClr val="tx1">
                     <a:lumMod val="85000"/>
@@ -5261,7 +5175,7 @@
               <a:t>딕셔너리이름</a:t>
             </a:r>
             <a:r>
-              <a:rPr lang="ko-KR" altLang="en-US" sz="2800" dirty="0">
+              <a:rPr lang="ko-KR" altLang="en-US" sz="2585" dirty="0">
                 <a:solidFill>
                   <a:schemeClr val="tx1">
                     <a:lumMod val="85000"/>
@@ -5274,7 +5188,7 @@
               <a:t> </a:t>
             </a:r>
             <a:r>
-              <a:rPr lang="en-US" altLang="ko-KR" sz="2800" dirty="0">
+              <a:rPr lang="en-US" altLang="ko-KR" sz="2585" dirty="0">
                 <a:solidFill>
                   <a:schemeClr val="tx1">
                     <a:lumMod val="85000"/>
@@ -5287,7 +5201,7 @@
               <a:t>= {</a:t>
             </a:r>
             <a:r>
-              <a:rPr lang="ko-KR" altLang="en-US" sz="2800" dirty="0">
+              <a:rPr lang="ko-KR" altLang="en-US" sz="2585" dirty="0">
                 <a:solidFill>
                   <a:schemeClr val="tx1">
                     <a:lumMod val="85000"/>
@@ -5300,7 +5214,7 @@
               <a:t>키</a:t>
             </a:r>
             <a:r>
-              <a:rPr lang="en-US" altLang="ko-KR" sz="2800" dirty="0">
+              <a:rPr lang="en-US" altLang="ko-KR" sz="2585" dirty="0">
                 <a:solidFill>
                   <a:schemeClr val="tx1">
                     <a:lumMod val="85000"/>
@@ -5313,7 +5227,7 @@
               <a:t>1 : </a:t>
             </a:r>
             <a:r>
-              <a:rPr lang="ko-KR" altLang="en-US" sz="2800" dirty="0">
+              <a:rPr lang="ko-KR" altLang="en-US" sz="2585" dirty="0">
                 <a:solidFill>
                   <a:schemeClr val="tx1">
                     <a:lumMod val="85000"/>
@@ -5326,7 +5240,7 @@
               <a:t>값</a:t>
             </a:r>
             <a:r>
-              <a:rPr lang="en-US" altLang="ko-KR" sz="2800" dirty="0">
+              <a:rPr lang="en-US" altLang="ko-KR" sz="2585" dirty="0">
                 <a:solidFill>
                   <a:schemeClr val="tx1">
                     <a:lumMod val="85000"/>
@@ -5339,7 +5253,7 @@
               <a:t>1, </a:t>
             </a:r>
             <a:r>
-              <a:rPr lang="ko-KR" altLang="en-US" sz="2800" dirty="0">
+              <a:rPr lang="ko-KR" altLang="en-US" sz="2585" dirty="0">
                 <a:solidFill>
                   <a:schemeClr val="tx1">
                     <a:lumMod val="85000"/>
@@ -5352,7 +5266,7 @@
               <a:t>키</a:t>
             </a:r>
             <a:r>
-              <a:rPr lang="en-US" altLang="ko-KR" sz="2800" dirty="0">
+              <a:rPr lang="en-US" altLang="ko-KR" sz="2585" dirty="0">
                 <a:solidFill>
                   <a:schemeClr val="tx1">
                     <a:lumMod val="85000"/>
@@ -5365,7 +5279,7 @@
               <a:t>2 : </a:t>
             </a:r>
             <a:r>
-              <a:rPr lang="ko-KR" altLang="en-US" sz="2800" dirty="0">
+              <a:rPr lang="ko-KR" altLang="en-US" sz="2585" dirty="0">
                 <a:solidFill>
                   <a:schemeClr val="tx1">
                     <a:lumMod val="85000"/>
@@ -5378,7 +5292,7 @@
               <a:t>값</a:t>
             </a:r>
             <a:r>
-              <a:rPr lang="en-US" altLang="ko-KR" sz="2800" dirty="0">
+              <a:rPr lang="en-US" altLang="ko-KR" sz="2585" dirty="0">
                 <a:solidFill>
                   <a:schemeClr val="tx1">
                     <a:lumMod val="85000"/>
@@ -5407,8 +5321,8 @@
         </p:nvSpPr>
         <p:spPr>
           <a:xfrm>
-            <a:off x="1154300" y="3703337"/>
-            <a:ext cx="7597401" cy="523220"/>
+            <a:off x="1065508" y="3682234"/>
+            <a:ext cx="7003712" cy="490134"/>
           </a:xfrm>
           <a:prstGeom prst="rect">
             <a:avLst/>
@@ -5422,7 +5336,7 @@
           <a:lstStyle/>
           <a:p>
             <a:r>
-              <a:rPr lang="en-US" altLang="ko-KR" sz="2800" dirty="0" err="1">
+              <a:rPr lang="en-US" altLang="ko-KR" sz="2585" dirty="0" err="1">
                 <a:solidFill>
                   <a:schemeClr val="tx1">
                     <a:lumMod val="85000"/>
@@ -5435,7 +5349,7 @@
               <a:t>dic</a:t>
             </a:r>
             <a:r>
-              <a:rPr lang="ko-KR" altLang="en-US" sz="2800" dirty="0">
+              <a:rPr lang="ko-KR" altLang="en-US" sz="2585" dirty="0">
                 <a:solidFill>
                   <a:schemeClr val="tx1">
                     <a:lumMod val="85000"/>
@@ -5448,7 +5362,7 @@
               <a:t> </a:t>
             </a:r>
             <a:r>
-              <a:rPr lang="en-US" altLang="ko-KR" sz="2800" dirty="0">
+              <a:rPr lang="en-US" altLang="ko-KR" sz="2585" dirty="0">
                 <a:solidFill>
                   <a:schemeClr val="tx1">
                     <a:lumMod val="85000"/>
@@ -5461,7 +5375,7 @@
               <a:t>= {"</a:t>
             </a:r>
             <a:r>
-              <a:rPr lang="ko-KR" altLang="en-US" sz="2800" dirty="0">
+              <a:rPr lang="ko-KR" altLang="en-US" sz="2585" dirty="0">
                 <a:solidFill>
                   <a:schemeClr val="tx1">
                     <a:lumMod val="85000"/>
@@ -5474,7 +5388,7 @@
               <a:t>삼성전자</a:t>
             </a:r>
             <a:r>
-              <a:rPr lang="en-US" altLang="ko-KR" sz="2800" dirty="0">
+              <a:rPr lang="en-US" altLang="ko-KR" sz="2585" dirty="0">
                 <a:solidFill>
                   <a:schemeClr val="tx1">
                     <a:lumMod val="85000"/>
@@ -5487,7 +5401,7 @@
               <a:t>" : 85000, "LG</a:t>
             </a:r>
             <a:r>
-              <a:rPr lang="ko-KR" altLang="en-US" sz="2800" dirty="0">
+              <a:rPr lang="ko-KR" altLang="en-US" sz="2585" dirty="0">
                 <a:solidFill>
                   <a:schemeClr val="tx1">
                     <a:lumMod val="85000"/>
@@ -5500,7 +5414,7 @@
               <a:t>전자</a:t>
             </a:r>
             <a:r>
-              <a:rPr lang="en-US" altLang="ko-KR" sz="2800" dirty="0">
+              <a:rPr lang="en-US" altLang="ko-KR" sz="2585" dirty="0">
                 <a:solidFill>
                   <a:schemeClr val="tx1">
                     <a:lumMod val="85000"/>
@@ -5579,8 +5493,8 @@
         </p:nvSpPr>
         <p:spPr>
           <a:xfrm>
-            <a:off x="2592418" y="1268760"/>
-            <a:ext cx="4721165" cy="830997"/>
+            <a:off x="2390153" y="1434932"/>
+            <a:ext cx="4363695" cy="774186"/>
           </a:xfrm>
           <a:prstGeom prst="rect">
             <a:avLst/>
@@ -5595,7 +5509,7 @@
           <a:p>
             <a:pPr algn="ctr"/>
             <a:r>
-              <a:rPr lang="ko-KR" altLang="en-US" sz="4800" dirty="0" err="1">
+              <a:rPr lang="ko-KR" altLang="en-US" sz="4431" dirty="0" err="1">
                 <a:solidFill>
                   <a:schemeClr val="tx1">
                     <a:lumMod val="85000"/>
@@ -5608,7 +5522,7 @@
               <a:t>딕셔너리</a:t>
             </a:r>
             <a:r>
-              <a:rPr lang="en-US" altLang="ko-KR" sz="4800" dirty="0">
+              <a:rPr lang="en-US" altLang="ko-KR" sz="4431" dirty="0">
                 <a:solidFill>
                   <a:schemeClr val="tx1">
                     <a:lumMod val="85000"/>
@@ -5621,7 +5535,7 @@
               <a:t> </a:t>
             </a:r>
             <a:r>
-              <a:rPr lang="ko-KR" altLang="en-US" sz="4800" dirty="0">
+              <a:rPr lang="ko-KR" altLang="en-US" sz="4431" dirty="0">
                 <a:solidFill>
                   <a:schemeClr val="accent6">
                     <a:lumMod val="75000"/>
@@ -5632,7 +5546,7 @@
               </a:rPr>
               <a:t>접근하기</a:t>
             </a:r>
-            <a:endParaRPr lang="en-US" altLang="ko-KR" sz="3200" dirty="0">
+            <a:endParaRPr lang="en-US" altLang="ko-KR" sz="2954" dirty="0">
               <a:solidFill>
                 <a:schemeClr val="accent6">
                   <a:lumMod val="75000"/>
@@ -5658,8 +5572,8 @@
         </p:nvSpPr>
         <p:spPr>
           <a:xfrm>
-            <a:off x="1369102" y="2420888"/>
-            <a:ext cx="7167796" cy="523220"/>
+            <a:off x="1263787" y="2498435"/>
+            <a:ext cx="6612579" cy="490134"/>
           </a:xfrm>
           <a:prstGeom prst="rect">
             <a:avLst/>
@@ -5673,7 +5587,7 @@
           <a:lstStyle/>
           <a:p>
             <a:r>
-              <a:rPr lang="en-US" altLang="ko-KR" sz="2800" dirty="0" err="1">
+              <a:rPr lang="en-US" altLang="ko-KR" sz="2585" dirty="0" err="1">
                 <a:solidFill>
                   <a:schemeClr val="tx1">
                     <a:lumMod val="85000"/>
@@ -5686,7 +5600,7 @@
               <a:t>dic</a:t>
             </a:r>
             <a:r>
-              <a:rPr lang="ko-KR" altLang="en-US" sz="2800" dirty="0">
+              <a:rPr lang="ko-KR" altLang="en-US" sz="2585" dirty="0">
                 <a:solidFill>
                   <a:schemeClr val="tx1">
                     <a:lumMod val="85000"/>
@@ -5699,7 +5613,7 @@
               <a:t> </a:t>
             </a:r>
             <a:r>
-              <a:rPr lang="en-US" altLang="ko-KR" sz="2800" dirty="0">
+              <a:rPr lang="en-US" altLang="ko-KR" sz="2585" dirty="0">
                 <a:solidFill>
                   <a:schemeClr val="tx1">
                     <a:lumMod val="85000"/>
@@ -5712,7 +5626,7 @@
               <a:t>= {"</a:t>
             </a:r>
             <a:r>
-              <a:rPr lang="ko-KR" altLang="en-US" sz="2800" dirty="0">
+              <a:rPr lang="ko-KR" altLang="en-US" sz="2585" dirty="0">
                 <a:solidFill>
                   <a:schemeClr val="tx1">
                     <a:lumMod val="85000"/>
@@ -5725,7 +5639,7 @@
               <a:t>삼성전자</a:t>
             </a:r>
             <a:r>
-              <a:rPr lang="en-US" altLang="ko-KR" sz="2800" dirty="0">
+              <a:rPr lang="en-US" altLang="ko-KR" sz="2585" dirty="0">
                 <a:solidFill>
                   <a:schemeClr val="tx1">
                     <a:lumMod val="85000"/>
@@ -5738,7 +5652,7 @@
               <a:t>" : 85000, "LG</a:t>
             </a:r>
             <a:r>
-              <a:rPr lang="ko-KR" altLang="en-US" sz="2800" dirty="0">
+              <a:rPr lang="ko-KR" altLang="en-US" sz="2585" dirty="0">
                 <a:solidFill>
                   <a:schemeClr val="tx1">
                     <a:lumMod val="85000"/>
@@ -5751,7 +5665,7 @@
               <a:t>전자</a:t>
             </a:r>
             <a:r>
-              <a:rPr lang="en-US" altLang="ko-KR" sz="2800" dirty="0">
+              <a:rPr lang="en-US" altLang="ko-KR" sz="2585" dirty="0">
                 <a:solidFill>
                   <a:schemeClr val="tx1">
                     <a:lumMod val="85000"/>
@@ -5780,8 +5694,8 @@
         </p:nvSpPr>
         <p:spPr>
           <a:xfrm>
-            <a:off x="1369102" y="3789040"/>
-            <a:ext cx="3818674" cy="954107"/>
+            <a:off x="1263786" y="3761345"/>
+            <a:ext cx="3531608" cy="887935"/>
           </a:xfrm>
           <a:prstGeom prst="rect">
             <a:avLst/>
@@ -5795,7 +5709,7 @@
           <a:lstStyle/>
           <a:p>
             <a:r>
-              <a:rPr lang="en-US" altLang="ko-KR" sz="2800" dirty="0" err="1">
+              <a:rPr lang="en-US" altLang="ko-KR" sz="2585" dirty="0" err="1">
                 <a:solidFill>
                   <a:schemeClr val="tx1">
                     <a:lumMod val="85000"/>
@@ -5808,7 +5722,7 @@
               <a:t>dic</a:t>
             </a:r>
             <a:r>
-              <a:rPr lang="en-US" altLang="ko-KR" sz="2800" dirty="0">
+              <a:rPr lang="en-US" altLang="ko-KR" sz="2585" dirty="0">
                 <a:solidFill>
                   <a:schemeClr val="tx1">
                     <a:lumMod val="85000"/>
@@ -5821,7 +5735,7 @@
               <a:t>["</a:t>
             </a:r>
             <a:r>
-              <a:rPr lang="ko-KR" altLang="en-US" sz="2800" dirty="0">
+              <a:rPr lang="ko-KR" altLang="en-US" sz="2585" dirty="0">
                 <a:solidFill>
                   <a:schemeClr val="tx1">
                     <a:lumMod val="85000"/>
@@ -5834,7 +5748,7 @@
               <a:t>삼성전자</a:t>
             </a:r>
             <a:r>
-              <a:rPr lang="en-US" altLang="ko-KR" sz="2800" dirty="0">
+              <a:rPr lang="en-US" altLang="ko-KR" sz="2585" dirty="0">
                 <a:solidFill>
                   <a:schemeClr val="tx1">
                     <a:lumMod val="85000"/>
@@ -5849,7 +5763,7 @@
           </a:p>
           <a:p>
             <a:r>
-              <a:rPr lang="en-US" altLang="ko-KR" sz="2800" dirty="0" err="1">
+              <a:rPr lang="en-US" altLang="ko-KR" sz="2585" dirty="0" err="1">
                 <a:solidFill>
                   <a:schemeClr val="tx1">
                     <a:lumMod val="85000"/>
@@ -5862,7 +5776,7 @@
               <a:t>dic</a:t>
             </a:r>
             <a:r>
-              <a:rPr lang="en-US" altLang="ko-KR" sz="2800" dirty="0">
+              <a:rPr lang="en-US" altLang="ko-KR" sz="2585" dirty="0">
                 <a:solidFill>
                   <a:schemeClr val="tx1">
                     <a:lumMod val="85000"/>
@@ -5875,7 +5789,7 @@
               <a:t>["LG</a:t>
             </a:r>
             <a:r>
-              <a:rPr lang="ko-KR" altLang="en-US" sz="2800" dirty="0">
+              <a:rPr lang="ko-KR" altLang="en-US" sz="2585" dirty="0">
                 <a:solidFill>
                   <a:schemeClr val="tx1">
                     <a:lumMod val="85000"/>
@@ -5888,7 +5802,7 @@
               <a:t>전자</a:t>
             </a:r>
             <a:r>
-              <a:rPr lang="en-US" altLang="ko-KR" sz="2800" dirty="0">
+              <a:rPr lang="en-US" altLang="ko-KR" sz="2585" dirty="0">
                 <a:solidFill>
                   <a:schemeClr val="tx1">
                     <a:lumMod val="85000"/>
@@ -5967,8 +5881,8 @@
         </p:nvSpPr>
         <p:spPr>
           <a:xfrm>
-            <a:off x="2558755" y="1124744"/>
-            <a:ext cx="4788490" cy="1077218"/>
+            <a:off x="2349276" y="1301995"/>
+            <a:ext cx="4445448" cy="1001556"/>
           </a:xfrm>
           <a:prstGeom prst="rect">
             <a:avLst/>
@@ -5983,7 +5897,7 @@
           <a:p>
             <a:pPr algn="ctr"/>
             <a:r>
-              <a:rPr lang="en-US" altLang="ko-KR" sz="3200" dirty="0">
+              <a:rPr lang="en-US" altLang="ko-KR" sz="2954" dirty="0">
                 <a:solidFill>
                   <a:schemeClr val="tx1">
                     <a:lumMod val="85000"/>
@@ -5996,7 +5910,7 @@
               <a:t>Q) </a:t>
             </a:r>
             <a:r>
-              <a:rPr lang="ko-KR" altLang="en-US" sz="3200" dirty="0">
+              <a:rPr lang="ko-KR" altLang="en-US" sz="2954" dirty="0">
                 <a:solidFill>
                   <a:schemeClr val="tx1">
                     <a:lumMod val="85000"/>
@@ -6008,7 +5922,7 @@
               </a:rPr>
               <a:t>다음 코드를 작성해 보고 </a:t>
             </a:r>
-            <a:endParaRPr lang="en-US" altLang="ko-KR" sz="3200" dirty="0">
+            <a:endParaRPr lang="en-US" altLang="ko-KR" sz="2954" dirty="0">
               <a:solidFill>
                 <a:schemeClr val="tx1">
                   <a:lumMod val="85000"/>
@@ -6022,7 +5936,7 @@
           <a:p>
             <a:pPr algn="ctr"/>
             <a:r>
-              <a:rPr lang="ko-KR" altLang="en-US" sz="3200" dirty="0">
+              <a:rPr lang="ko-KR" altLang="en-US" sz="2954" dirty="0">
                 <a:solidFill>
                   <a:schemeClr val="tx1">
                     <a:lumMod val="85000"/>
@@ -6035,7 +5949,7 @@
               <a:t>실행결과를 확인해 보세요</a:t>
             </a:r>
             <a:r>
-              <a:rPr lang="en-US" altLang="ko-KR" sz="3200" dirty="0">
+              <a:rPr lang="en-US" altLang="ko-KR" sz="2954" dirty="0">
                 <a:solidFill>
                   <a:schemeClr val="tx1">
                     <a:lumMod val="85000"/>
@@ -6064,8 +5978,8 @@
         </p:nvSpPr>
         <p:spPr>
           <a:xfrm>
-            <a:off x="2476500" y="2348880"/>
-            <a:ext cx="4953000" cy="2700163"/>
+            <a:off x="2286000" y="2431967"/>
+            <a:ext cx="4572000" cy="2499339"/>
           </a:xfrm>
           <a:prstGeom prst="rect">
             <a:avLst/>
@@ -6084,21 +5998,19 @@
           <a:lstStyle/>
           <a:p>
             <a:r>
-              <a:rPr lang="en-US" altLang="ko-KR" b="0" dirty="0" err="1">
+              <a:rPr lang="en-US" altLang="ko-KR" sz="1738" dirty="0" err="1">
                 <a:solidFill>
                   <a:srgbClr val="D4D4D4"/>
                 </a:solidFill>
-                <a:effectLst/>
                 <a:latin typeface="Consolas" panose="020B0609020204030204" pitchFamily="49" charset="0"/>
               </a:rPr>
               <a:t>price_dic</a:t>
             </a:r>
             <a:r>
-              <a:rPr lang="en-US" altLang="ko-KR" b="0" dirty="0">
+              <a:rPr lang="en-US" altLang="ko-KR" sz="1738" dirty="0">
                 <a:solidFill>
                   <a:srgbClr val="D4D4D4"/>
                 </a:solidFill>
-                <a:effectLst/>
                 <a:latin typeface="Consolas" panose="020B0609020204030204" pitchFamily="49" charset="0"/>
               </a:rPr>
               <a:t> = {}</a:t>
@@ -6106,354 +6018,318 @@
           </a:p>
           <a:p>
             <a:br>
-              <a:rPr lang="en-US" altLang="ko-KR" b="0" dirty="0">
+              <a:rPr lang="en-US" altLang="ko-KR" sz="1738" dirty="0">
                 <a:solidFill>
                   <a:srgbClr val="D4D4D4"/>
                 </a:solidFill>
-                <a:effectLst/>
                 <a:latin typeface="Consolas" panose="020B0609020204030204" pitchFamily="49" charset="0"/>
               </a:rPr>
             </a:br>
             <a:r>
-              <a:rPr lang="en-US" altLang="ko-KR" b="0" dirty="0" err="1">
+              <a:rPr lang="en-US" altLang="ko-KR" sz="1738" dirty="0" err="1">
                 <a:solidFill>
                   <a:srgbClr val="D4D4D4"/>
                 </a:solidFill>
-                <a:effectLst/>
                 <a:latin typeface="Consolas" panose="020B0609020204030204" pitchFamily="49" charset="0"/>
               </a:rPr>
               <a:t>price_dic</a:t>
             </a:r>
             <a:r>
-              <a:rPr lang="en-US" altLang="ko-KR" b="0" dirty="0">
+              <a:rPr lang="en-US" altLang="ko-KR" sz="1738" dirty="0">
                 <a:solidFill>
                   <a:srgbClr val="D4D4D4"/>
                 </a:solidFill>
-                <a:effectLst/>
                 <a:latin typeface="Consolas" panose="020B0609020204030204" pitchFamily="49" charset="0"/>
               </a:rPr>
               <a:t>[</a:t>
             </a:r>
             <a:r>
-              <a:rPr lang="en-US" altLang="ko-KR" b="0" dirty="0">
+              <a:rPr lang="en-US" altLang="ko-KR" sz="1738" dirty="0">
                 <a:solidFill>
                   <a:srgbClr val="CE9178"/>
                 </a:solidFill>
-                <a:effectLst/>
                 <a:latin typeface="Consolas" panose="020B0609020204030204" pitchFamily="49" charset="0"/>
               </a:rPr>
               <a:t>"2021/01/01"</a:t>
             </a:r>
             <a:r>
-              <a:rPr lang="en-US" altLang="ko-KR" b="0" dirty="0">
+              <a:rPr lang="en-US" altLang="ko-KR" sz="1738" dirty="0">
                 <a:solidFill>
                   <a:srgbClr val="D4D4D4"/>
                 </a:solidFill>
-                <a:effectLst/>
                 <a:latin typeface="Consolas" panose="020B0609020204030204" pitchFamily="49" charset="0"/>
               </a:rPr>
               <a:t>] = </a:t>
             </a:r>
             <a:r>
-              <a:rPr lang="en-US" altLang="ko-KR" b="0" dirty="0">
+              <a:rPr lang="en-US" altLang="ko-KR" sz="1738" dirty="0">
                 <a:solidFill>
                   <a:srgbClr val="B5CEA8"/>
                 </a:solidFill>
-                <a:effectLst/>
                 <a:latin typeface="Consolas" panose="020B0609020204030204" pitchFamily="49" charset="0"/>
               </a:rPr>
               <a:t>85000</a:t>
             </a:r>
-            <a:endParaRPr lang="en-US" altLang="ko-KR" b="0" dirty="0">
+            <a:endParaRPr lang="en-US" altLang="ko-KR" sz="1738" dirty="0">
               <a:solidFill>
                 <a:srgbClr val="D4D4D4"/>
               </a:solidFill>
-              <a:effectLst/>
               <a:latin typeface="Consolas" panose="020B0609020204030204" pitchFamily="49" charset="0"/>
             </a:endParaRPr>
           </a:p>
           <a:p>
             <a:r>
-              <a:rPr lang="en-US" altLang="ko-KR" b="0" dirty="0" err="1">
+              <a:rPr lang="en-US" altLang="ko-KR" sz="1738" dirty="0" err="1">
                 <a:solidFill>
                   <a:srgbClr val="D4D4D4"/>
                 </a:solidFill>
-                <a:effectLst/>
                 <a:latin typeface="Consolas" panose="020B0609020204030204" pitchFamily="49" charset="0"/>
               </a:rPr>
               <a:t>price_dic</a:t>
             </a:r>
             <a:r>
-              <a:rPr lang="en-US" altLang="ko-KR" b="0" dirty="0">
+              <a:rPr lang="en-US" altLang="ko-KR" sz="1738" dirty="0">
                 <a:solidFill>
                   <a:srgbClr val="D4D4D4"/>
                 </a:solidFill>
-                <a:effectLst/>
                 <a:latin typeface="Consolas" panose="020B0609020204030204" pitchFamily="49" charset="0"/>
               </a:rPr>
               <a:t>[</a:t>
             </a:r>
             <a:r>
-              <a:rPr lang="en-US" altLang="ko-KR" b="0" dirty="0">
+              <a:rPr lang="en-US" altLang="ko-KR" sz="1738" dirty="0">
                 <a:solidFill>
                   <a:srgbClr val="CE9178"/>
                 </a:solidFill>
-                <a:effectLst/>
                 <a:latin typeface="Consolas" panose="020B0609020204030204" pitchFamily="49" charset="0"/>
               </a:rPr>
               <a:t>"2021/01/02"</a:t>
             </a:r>
             <a:r>
-              <a:rPr lang="en-US" altLang="ko-KR" b="0" dirty="0">
+              <a:rPr lang="en-US" altLang="ko-KR" sz="1738" dirty="0">
                 <a:solidFill>
                   <a:srgbClr val="D4D4D4"/>
                 </a:solidFill>
-                <a:effectLst/>
                 <a:latin typeface="Consolas" panose="020B0609020204030204" pitchFamily="49" charset="0"/>
               </a:rPr>
               <a:t>] = </a:t>
             </a:r>
             <a:r>
-              <a:rPr lang="en-US" altLang="ko-KR" b="0" dirty="0">
+              <a:rPr lang="en-US" altLang="ko-KR" sz="1738" dirty="0">
                 <a:solidFill>
                   <a:srgbClr val="B5CEA8"/>
                 </a:solidFill>
-                <a:effectLst/>
                 <a:latin typeface="Consolas" panose="020B0609020204030204" pitchFamily="49" charset="0"/>
               </a:rPr>
               <a:t>86000</a:t>
             </a:r>
-            <a:endParaRPr lang="en-US" altLang="ko-KR" b="0" dirty="0">
+            <a:endParaRPr lang="en-US" altLang="ko-KR" sz="1738" dirty="0">
               <a:solidFill>
                 <a:srgbClr val="D4D4D4"/>
               </a:solidFill>
-              <a:effectLst/>
               <a:latin typeface="Consolas" panose="020B0609020204030204" pitchFamily="49" charset="0"/>
             </a:endParaRPr>
           </a:p>
           <a:p>
             <a:r>
-              <a:rPr lang="en-US" altLang="ko-KR" b="0" dirty="0" err="1">
+              <a:rPr lang="en-US" altLang="ko-KR" sz="1738" dirty="0" err="1">
                 <a:solidFill>
                   <a:srgbClr val="D4D4D4"/>
                 </a:solidFill>
-                <a:effectLst/>
                 <a:latin typeface="Consolas" panose="020B0609020204030204" pitchFamily="49" charset="0"/>
               </a:rPr>
               <a:t>price_dic</a:t>
             </a:r>
             <a:r>
-              <a:rPr lang="en-US" altLang="ko-KR" b="0" dirty="0">
+              <a:rPr lang="en-US" altLang="ko-KR" sz="1738" dirty="0">
                 <a:solidFill>
                   <a:srgbClr val="D4D4D4"/>
                 </a:solidFill>
-                <a:effectLst/>
                 <a:latin typeface="Consolas" panose="020B0609020204030204" pitchFamily="49" charset="0"/>
               </a:rPr>
               <a:t>[</a:t>
             </a:r>
             <a:r>
-              <a:rPr lang="en-US" altLang="ko-KR" b="0" dirty="0">
+              <a:rPr lang="en-US" altLang="ko-KR" sz="1738" dirty="0">
                 <a:solidFill>
                   <a:srgbClr val="CE9178"/>
                 </a:solidFill>
-                <a:effectLst/>
                 <a:latin typeface="Consolas" panose="020B0609020204030204" pitchFamily="49" charset="0"/>
               </a:rPr>
               <a:t>"2021/01/03"</a:t>
             </a:r>
             <a:r>
-              <a:rPr lang="en-US" altLang="ko-KR" b="0" dirty="0">
+              <a:rPr lang="en-US" altLang="ko-KR" sz="1738" dirty="0">
                 <a:solidFill>
                   <a:srgbClr val="D4D4D4"/>
                 </a:solidFill>
-                <a:effectLst/>
                 <a:latin typeface="Consolas" panose="020B0609020204030204" pitchFamily="49" charset="0"/>
               </a:rPr>
               <a:t>] = </a:t>
             </a:r>
             <a:r>
-              <a:rPr lang="en-US" altLang="ko-KR" b="0" dirty="0">
+              <a:rPr lang="en-US" altLang="ko-KR" sz="1738" dirty="0">
                 <a:solidFill>
                   <a:srgbClr val="B5CEA8"/>
                 </a:solidFill>
-                <a:effectLst/>
                 <a:latin typeface="Consolas" panose="020B0609020204030204" pitchFamily="49" charset="0"/>
               </a:rPr>
               <a:t>87000</a:t>
             </a:r>
-            <a:endParaRPr lang="en-US" altLang="ko-KR" b="0" dirty="0">
+            <a:endParaRPr lang="en-US" altLang="ko-KR" sz="1738" dirty="0">
               <a:solidFill>
                 <a:srgbClr val="D4D4D4"/>
               </a:solidFill>
-              <a:effectLst/>
               <a:latin typeface="Consolas" panose="020B0609020204030204" pitchFamily="49" charset="0"/>
             </a:endParaRPr>
           </a:p>
           <a:p>
             <a:r>
-              <a:rPr lang="en-US" altLang="ko-KR" b="0" dirty="0" err="1">
+              <a:rPr lang="en-US" altLang="ko-KR" sz="1738" dirty="0" err="1">
                 <a:solidFill>
                   <a:srgbClr val="D4D4D4"/>
                 </a:solidFill>
-                <a:effectLst/>
                 <a:latin typeface="Consolas" panose="020B0609020204030204" pitchFamily="49" charset="0"/>
               </a:rPr>
               <a:t>price_dic</a:t>
             </a:r>
             <a:r>
-              <a:rPr lang="en-US" altLang="ko-KR" b="0" dirty="0">
+              <a:rPr lang="en-US" altLang="ko-KR" sz="1738" dirty="0">
                 <a:solidFill>
                   <a:srgbClr val="D4D4D4"/>
                 </a:solidFill>
-                <a:effectLst/>
                 <a:latin typeface="Consolas" panose="020B0609020204030204" pitchFamily="49" charset="0"/>
               </a:rPr>
               <a:t>[</a:t>
             </a:r>
             <a:r>
-              <a:rPr lang="en-US" altLang="ko-KR" b="0" dirty="0">
+              <a:rPr lang="en-US" altLang="ko-KR" sz="1738" dirty="0">
                 <a:solidFill>
                   <a:srgbClr val="CE9178"/>
                 </a:solidFill>
-                <a:effectLst/>
                 <a:latin typeface="Consolas" panose="020B0609020204030204" pitchFamily="49" charset="0"/>
               </a:rPr>
               <a:t>"2021/01/04"</a:t>
             </a:r>
             <a:r>
-              <a:rPr lang="en-US" altLang="ko-KR" b="0" dirty="0">
+              <a:rPr lang="en-US" altLang="ko-KR" sz="1738" dirty="0">
                 <a:solidFill>
                   <a:srgbClr val="D4D4D4"/>
                 </a:solidFill>
-                <a:effectLst/>
                 <a:latin typeface="Consolas" panose="020B0609020204030204" pitchFamily="49" charset="0"/>
               </a:rPr>
               <a:t>] = </a:t>
             </a:r>
             <a:r>
-              <a:rPr lang="en-US" altLang="ko-KR" b="0" dirty="0">
+              <a:rPr lang="en-US" altLang="ko-KR" sz="1738" dirty="0">
                 <a:solidFill>
                   <a:srgbClr val="B5CEA8"/>
                 </a:solidFill>
-                <a:effectLst/>
                 <a:latin typeface="Consolas" panose="020B0609020204030204" pitchFamily="49" charset="0"/>
               </a:rPr>
               <a:t>84000</a:t>
             </a:r>
-            <a:endParaRPr lang="en-US" altLang="ko-KR" b="0" dirty="0">
+            <a:endParaRPr lang="en-US" altLang="ko-KR" sz="1738" dirty="0">
               <a:solidFill>
                 <a:srgbClr val="D4D4D4"/>
               </a:solidFill>
-              <a:effectLst/>
               <a:latin typeface="Consolas" panose="020B0609020204030204" pitchFamily="49" charset="0"/>
             </a:endParaRPr>
           </a:p>
           <a:p>
             <a:r>
-              <a:rPr lang="en-US" altLang="ko-KR" b="0" dirty="0" err="1">
+              <a:rPr lang="en-US" altLang="ko-KR" sz="1738" dirty="0" err="1">
                 <a:solidFill>
                   <a:srgbClr val="D4D4D4"/>
                 </a:solidFill>
-                <a:effectLst/>
                 <a:latin typeface="Consolas" panose="020B0609020204030204" pitchFamily="49" charset="0"/>
               </a:rPr>
               <a:t>price_dic</a:t>
             </a:r>
             <a:r>
-              <a:rPr lang="en-US" altLang="ko-KR" b="0" dirty="0">
+              <a:rPr lang="en-US" altLang="ko-KR" sz="1738" dirty="0">
                 <a:solidFill>
                   <a:srgbClr val="D4D4D4"/>
                 </a:solidFill>
-                <a:effectLst/>
                 <a:latin typeface="Consolas" panose="020B0609020204030204" pitchFamily="49" charset="0"/>
               </a:rPr>
               <a:t>[</a:t>
             </a:r>
             <a:r>
-              <a:rPr lang="en-US" altLang="ko-KR" b="0" dirty="0">
+              <a:rPr lang="en-US" altLang="ko-KR" sz="1738" dirty="0">
                 <a:solidFill>
                   <a:srgbClr val="CE9178"/>
                 </a:solidFill>
-                <a:effectLst/>
                 <a:latin typeface="Consolas" panose="020B0609020204030204" pitchFamily="49" charset="0"/>
               </a:rPr>
               <a:t>"2021/01/05"</a:t>
             </a:r>
             <a:r>
-              <a:rPr lang="en-US" altLang="ko-KR" b="0" dirty="0">
+              <a:rPr lang="en-US" altLang="ko-KR" sz="1738" dirty="0">
                 <a:solidFill>
                   <a:srgbClr val="D4D4D4"/>
                 </a:solidFill>
-                <a:effectLst/>
                 <a:latin typeface="Consolas" panose="020B0609020204030204" pitchFamily="49" charset="0"/>
               </a:rPr>
               <a:t>] = </a:t>
             </a:r>
             <a:r>
-              <a:rPr lang="en-US" altLang="ko-KR" b="0" dirty="0">
+              <a:rPr lang="en-US" altLang="ko-KR" sz="1738" dirty="0">
                 <a:solidFill>
                   <a:srgbClr val="B5CEA8"/>
                 </a:solidFill>
-                <a:effectLst/>
                 <a:latin typeface="Consolas" panose="020B0609020204030204" pitchFamily="49" charset="0"/>
               </a:rPr>
               <a:t>85000</a:t>
             </a:r>
-            <a:endParaRPr lang="en-US" altLang="ko-KR" b="0" dirty="0">
+            <a:endParaRPr lang="en-US" altLang="ko-KR" sz="1738" dirty="0">
               <a:solidFill>
                 <a:srgbClr val="D4D4D4"/>
               </a:solidFill>
-              <a:effectLst/>
               <a:latin typeface="Consolas" panose="020B0609020204030204" pitchFamily="49" charset="0"/>
             </a:endParaRPr>
           </a:p>
           <a:p>
             <a:br>
-              <a:rPr lang="en-US" altLang="ko-KR" b="0" dirty="0">
+              <a:rPr lang="en-US" altLang="ko-KR" sz="1738" dirty="0">
                 <a:solidFill>
                   <a:srgbClr val="D4D4D4"/>
                 </a:solidFill>
-                <a:effectLst/>
                 <a:latin typeface="Consolas" panose="020B0609020204030204" pitchFamily="49" charset="0"/>
               </a:rPr>
             </a:br>
             <a:r>
-              <a:rPr lang="en-US" altLang="ko-KR" b="0" dirty="0">
+              <a:rPr lang="en-US" altLang="ko-KR" sz="1738" dirty="0">
                 <a:solidFill>
                   <a:srgbClr val="DCDCAA"/>
                 </a:solidFill>
-                <a:effectLst/>
                 <a:latin typeface="Consolas" panose="020B0609020204030204" pitchFamily="49" charset="0"/>
               </a:rPr>
               <a:t>print</a:t>
             </a:r>
             <a:r>
-              <a:rPr lang="en-US" altLang="ko-KR" b="0" dirty="0">
+              <a:rPr lang="en-US" altLang="ko-KR" sz="1738" dirty="0">
                 <a:solidFill>
                   <a:srgbClr val="D4D4D4"/>
                 </a:solidFill>
-                <a:effectLst/>
                 <a:latin typeface="Consolas" panose="020B0609020204030204" pitchFamily="49" charset="0"/>
               </a:rPr>
               <a:t>(</a:t>
             </a:r>
             <a:r>
-              <a:rPr lang="en-US" altLang="ko-KR" b="0" dirty="0" err="1">
+              <a:rPr lang="en-US" altLang="ko-KR" sz="1738" dirty="0" err="1">
                 <a:solidFill>
                   <a:srgbClr val="D4D4D4"/>
                 </a:solidFill>
-                <a:effectLst/>
                 <a:latin typeface="Consolas" panose="020B0609020204030204" pitchFamily="49" charset="0"/>
               </a:rPr>
               <a:t>price_dic</a:t>
             </a:r>
             <a:r>
-              <a:rPr lang="en-US" altLang="ko-KR" b="0" dirty="0">
+              <a:rPr lang="en-US" altLang="ko-KR" sz="1738" dirty="0">
                 <a:solidFill>
                   <a:srgbClr val="D4D4D4"/>
                 </a:solidFill>
-                <a:effectLst/>
                 <a:latin typeface="Consolas" panose="020B0609020204030204" pitchFamily="49" charset="0"/>
               </a:rPr>
               <a:t>)</a:t>
@@ -6525,8 +6401,8 @@
         </p:nvSpPr>
         <p:spPr>
           <a:xfrm>
-            <a:off x="2558755" y="476672"/>
-            <a:ext cx="4788490" cy="1077218"/>
+            <a:off x="2349276" y="703774"/>
+            <a:ext cx="4445448" cy="1001556"/>
           </a:xfrm>
           <a:prstGeom prst="rect">
             <a:avLst/>
@@ -6541,7 +6417,7 @@
           <a:p>
             <a:pPr algn="ctr"/>
             <a:r>
-              <a:rPr lang="en-US" altLang="ko-KR" sz="3200" dirty="0">
+              <a:rPr lang="en-US" altLang="ko-KR" sz="2954" dirty="0">
                 <a:solidFill>
                   <a:schemeClr val="tx1">
                     <a:lumMod val="85000"/>
@@ -6554,7 +6430,7 @@
               <a:t>Q) </a:t>
             </a:r>
             <a:r>
-              <a:rPr lang="ko-KR" altLang="en-US" sz="3200" dirty="0">
+              <a:rPr lang="ko-KR" altLang="en-US" sz="2954" dirty="0">
                 <a:solidFill>
                   <a:schemeClr val="tx1">
                     <a:lumMod val="85000"/>
@@ -6566,7 +6442,7 @@
               </a:rPr>
               <a:t>다음 코드를 작성해 보고 </a:t>
             </a:r>
-            <a:endParaRPr lang="en-US" altLang="ko-KR" sz="3200" dirty="0">
+            <a:endParaRPr lang="en-US" altLang="ko-KR" sz="2954" dirty="0">
               <a:solidFill>
                 <a:schemeClr val="tx1">
                   <a:lumMod val="85000"/>
@@ -6580,7 +6456,7 @@
           <a:p>
             <a:pPr algn="ctr"/>
             <a:r>
-              <a:rPr lang="ko-KR" altLang="en-US" sz="3200" dirty="0">
+              <a:rPr lang="ko-KR" altLang="en-US" sz="2954" dirty="0">
                 <a:solidFill>
                   <a:schemeClr val="tx1">
                     <a:lumMod val="85000"/>
@@ -6593,7 +6469,7 @@
               <a:t>실행결과를 확인해 보세요</a:t>
             </a:r>
             <a:r>
-              <a:rPr lang="en-US" altLang="ko-KR" sz="3200" dirty="0">
+              <a:rPr lang="en-US" altLang="ko-KR" sz="2954" dirty="0">
                 <a:solidFill>
                   <a:schemeClr val="tx1">
                     <a:lumMod val="85000"/>
@@ -6622,8 +6498,8 @@
         </p:nvSpPr>
         <p:spPr>
           <a:xfrm>
-            <a:off x="2476500" y="1724862"/>
-            <a:ext cx="4953000" cy="4728474"/>
+            <a:off x="2286000" y="1855950"/>
+            <a:ext cx="4572000" cy="4371453"/>
           </a:xfrm>
           <a:prstGeom prst="rect">
             <a:avLst/>
@@ -6642,21 +6518,19 @@
           <a:lstStyle/>
           <a:p>
             <a:r>
-              <a:rPr lang="en-US" altLang="ko-KR" b="0" dirty="0" err="1">
+              <a:rPr lang="en-US" altLang="ko-KR" sz="1738" dirty="0" err="1">
                 <a:solidFill>
                   <a:srgbClr val="D4D4D4"/>
                 </a:solidFill>
-                <a:effectLst/>
                 <a:latin typeface="Consolas" panose="020B0609020204030204" pitchFamily="49" charset="0"/>
               </a:rPr>
               <a:t>price_dic</a:t>
             </a:r>
             <a:r>
-              <a:rPr lang="en-US" altLang="ko-KR" b="0" dirty="0">
+              <a:rPr lang="en-US" altLang="ko-KR" sz="1738" dirty="0">
                 <a:solidFill>
                   <a:srgbClr val="D4D4D4"/>
                 </a:solidFill>
-                <a:effectLst/>
                 <a:latin typeface="Consolas" panose="020B0609020204030204" pitchFamily="49" charset="0"/>
               </a:rPr>
               <a:t> = {}</a:t>
@@ -6664,374 +6538,336 @@
           </a:p>
           <a:p>
             <a:br>
-              <a:rPr lang="en-US" altLang="ko-KR" b="0" dirty="0">
+              <a:rPr lang="en-US" altLang="ko-KR" sz="1738" dirty="0">
                 <a:solidFill>
                   <a:srgbClr val="D4D4D4"/>
                 </a:solidFill>
-                <a:effectLst/>
                 <a:latin typeface="Consolas" panose="020B0609020204030204" pitchFamily="49" charset="0"/>
               </a:rPr>
             </a:br>
             <a:r>
-              <a:rPr lang="en-US" altLang="ko-KR" b="0" dirty="0" err="1">
+              <a:rPr lang="en-US" altLang="ko-KR" sz="1738" dirty="0" err="1">
                 <a:solidFill>
                   <a:srgbClr val="D4D4D4"/>
                 </a:solidFill>
-                <a:effectLst/>
                 <a:latin typeface="Consolas" panose="020B0609020204030204" pitchFamily="49" charset="0"/>
               </a:rPr>
               <a:t>price_dic</a:t>
             </a:r>
             <a:r>
-              <a:rPr lang="en-US" altLang="ko-KR" b="0" dirty="0">
+              <a:rPr lang="en-US" altLang="ko-KR" sz="1738" dirty="0">
                 <a:solidFill>
                   <a:srgbClr val="D4D4D4"/>
                 </a:solidFill>
-                <a:effectLst/>
                 <a:latin typeface="Consolas" panose="020B0609020204030204" pitchFamily="49" charset="0"/>
               </a:rPr>
               <a:t>[</a:t>
             </a:r>
             <a:r>
-              <a:rPr lang="en-US" altLang="ko-KR" b="0" dirty="0">
+              <a:rPr lang="en-US" altLang="ko-KR" sz="1738" dirty="0">
                 <a:solidFill>
                   <a:srgbClr val="CE9178"/>
                 </a:solidFill>
-                <a:effectLst/>
                 <a:latin typeface="Consolas" panose="020B0609020204030204" pitchFamily="49" charset="0"/>
               </a:rPr>
               <a:t>"2021/01/01"</a:t>
             </a:r>
             <a:r>
-              <a:rPr lang="en-US" altLang="ko-KR" b="0" dirty="0">
+              <a:rPr lang="en-US" altLang="ko-KR" sz="1738" dirty="0">
                 <a:solidFill>
                   <a:srgbClr val="D4D4D4"/>
                 </a:solidFill>
-                <a:effectLst/>
                 <a:latin typeface="Consolas" panose="020B0609020204030204" pitchFamily="49" charset="0"/>
               </a:rPr>
               <a:t>] = </a:t>
             </a:r>
             <a:r>
-              <a:rPr lang="en-US" altLang="ko-KR" b="0" dirty="0">
+              <a:rPr lang="en-US" altLang="ko-KR" sz="1738" dirty="0">
                 <a:solidFill>
                   <a:srgbClr val="B5CEA8"/>
                 </a:solidFill>
-                <a:effectLst/>
                 <a:latin typeface="Consolas" panose="020B0609020204030204" pitchFamily="49" charset="0"/>
               </a:rPr>
               <a:t>85000</a:t>
             </a:r>
-            <a:endParaRPr lang="en-US" altLang="ko-KR" b="0" dirty="0">
+            <a:endParaRPr lang="en-US" altLang="ko-KR" sz="1738" dirty="0">
               <a:solidFill>
                 <a:srgbClr val="D4D4D4"/>
               </a:solidFill>
-              <a:effectLst/>
               <a:latin typeface="Consolas" panose="020B0609020204030204" pitchFamily="49" charset="0"/>
             </a:endParaRPr>
           </a:p>
           <a:p>
             <a:r>
-              <a:rPr lang="en-US" altLang="ko-KR" b="0" dirty="0" err="1">
+              <a:rPr lang="en-US" altLang="ko-KR" sz="1738" dirty="0" err="1">
                 <a:solidFill>
                   <a:srgbClr val="D4D4D4"/>
                 </a:solidFill>
-                <a:effectLst/>
                 <a:latin typeface="Consolas" panose="020B0609020204030204" pitchFamily="49" charset="0"/>
               </a:rPr>
               <a:t>price_dic</a:t>
             </a:r>
             <a:r>
-              <a:rPr lang="en-US" altLang="ko-KR" b="0" dirty="0">
+              <a:rPr lang="en-US" altLang="ko-KR" sz="1738" dirty="0">
                 <a:solidFill>
                   <a:srgbClr val="D4D4D4"/>
                 </a:solidFill>
-                <a:effectLst/>
                 <a:latin typeface="Consolas" panose="020B0609020204030204" pitchFamily="49" charset="0"/>
               </a:rPr>
               <a:t>[</a:t>
             </a:r>
             <a:r>
-              <a:rPr lang="en-US" altLang="ko-KR" b="0" dirty="0">
+              <a:rPr lang="en-US" altLang="ko-KR" sz="1738" dirty="0">
                 <a:solidFill>
                   <a:srgbClr val="CE9178"/>
                 </a:solidFill>
-                <a:effectLst/>
                 <a:latin typeface="Consolas" panose="020B0609020204030204" pitchFamily="49" charset="0"/>
               </a:rPr>
               <a:t>"2021/01/02"</a:t>
             </a:r>
             <a:r>
-              <a:rPr lang="en-US" altLang="ko-KR" b="0" dirty="0">
+              <a:rPr lang="en-US" altLang="ko-KR" sz="1738" dirty="0">
                 <a:solidFill>
                   <a:srgbClr val="D4D4D4"/>
                 </a:solidFill>
-                <a:effectLst/>
                 <a:latin typeface="Consolas" panose="020B0609020204030204" pitchFamily="49" charset="0"/>
               </a:rPr>
               <a:t>] = </a:t>
             </a:r>
             <a:r>
-              <a:rPr lang="en-US" altLang="ko-KR" b="0" dirty="0">
+              <a:rPr lang="en-US" altLang="ko-KR" sz="1738" dirty="0">
                 <a:solidFill>
                   <a:srgbClr val="B5CEA8"/>
                 </a:solidFill>
-                <a:effectLst/>
                 <a:latin typeface="Consolas" panose="020B0609020204030204" pitchFamily="49" charset="0"/>
               </a:rPr>
               <a:t>86000</a:t>
             </a:r>
-            <a:endParaRPr lang="en-US" altLang="ko-KR" b="0" dirty="0">
+            <a:endParaRPr lang="en-US" altLang="ko-KR" sz="1738" dirty="0">
               <a:solidFill>
                 <a:srgbClr val="D4D4D4"/>
               </a:solidFill>
-              <a:effectLst/>
               <a:latin typeface="Consolas" panose="020B0609020204030204" pitchFamily="49" charset="0"/>
             </a:endParaRPr>
           </a:p>
           <a:p>
             <a:r>
-              <a:rPr lang="en-US" altLang="ko-KR" b="0" dirty="0" err="1">
+              <a:rPr lang="en-US" altLang="ko-KR" sz="1738" dirty="0" err="1">
                 <a:solidFill>
                   <a:srgbClr val="D4D4D4"/>
                 </a:solidFill>
-                <a:effectLst/>
                 <a:latin typeface="Consolas" panose="020B0609020204030204" pitchFamily="49" charset="0"/>
               </a:rPr>
               <a:t>price_dic</a:t>
             </a:r>
             <a:r>
-              <a:rPr lang="en-US" altLang="ko-KR" b="0" dirty="0">
+              <a:rPr lang="en-US" altLang="ko-KR" sz="1738" dirty="0">
                 <a:solidFill>
                   <a:srgbClr val="D4D4D4"/>
                 </a:solidFill>
-                <a:effectLst/>
                 <a:latin typeface="Consolas" panose="020B0609020204030204" pitchFamily="49" charset="0"/>
               </a:rPr>
               <a:t>[</a:t>
             </a:r>
             <a:r>
-              <a:rPr lang="en-US" altLang="ko-KR" b="0" dirty="0">
+              <a:rPr lang="en-US" altLang="ko-KR" sz="1738" dirty="0">
                 <a:solidFill>
                   <a:srgbClr val="CE9178"/>
                 </a:solidFill>
-                <a:effectLst/>
                 <a:latin typeface="Consolas" panose="020B0609020204030204" pitchFamily="49" charset="0"/>
               </a:rPr>
               <a:t>"2021/01/03"</a:t>
             </a:r>
             <a:r>
-              <a:rPr lang="en-US" altLang="ko-KR" b="0" dirty="0">
+              <a:rPr lang="en-US" altLang="ko-KR" sz="1738" dirty="0">
                 <a:solidFill>
                   <a:srgbClr val="D4D4D4"/>
                 </a:solidFill>
-                <a:effectLst/>
                 <a:latin typeface="Consolas" panose="020B0609020204030204" pitchFamily="49" charset="0"/>
               </a:rPr>
               <a:t>] = </a:t>
             </a:r>
             <a:r>
-              <a:rPr lang="en-US" altLang="ko-KR" b="0" dirty="0">
+              <a:rPr lang="en-US" altLang="ko-KR" sz="1738" dirty="0">
                 <a:solidFill>
                   <a:srgbClr val="B5CEA8"/>
                 </a:solidFill>
-                <a:effectLst/>
                 <a:latin typeface="Consolas" panose="020B0609020204030204" pitchFamily="49" charset="0"/>
               </a:rPr>
               <a:t>87000</a:t>
             </a:r>
-            <a:endParaRPr lang="en-US" altLang="ko-KR" b="0" dirty="0">
+            <a:endParaRPr lang="en-US" altLang="ko-KR" sz="1738" dirty="0">
               <a:solidFill>
                 <a:srgbClr val="D4D4D4"/>
               </a:solidFill>
-              <a:effectLst/>
               <a:latin typeface="Consolas" panose="020B0609020204030204" pitchFamily="49" charset="0"/>
             </a:endParaRPr>
           </a:p>
           <a:p>
             <a:r>
-              <a:rPr lang="en-US" altLang="ko-KR" b="0" dirty="0" err="1">
+              <a:rPr lang="en-US" altLang="ko-KR" sz="1738" dirty="0" err="1">
                 <a:solidFill>
                   <a:srgbClr val="D4D4D4"/>
                 </a:solidFill>
-                <a:effectLst/>
                 <a:latin typeface="Consolas" panose="020B0609020204030204" pitchFamily="49" charset="0"/>
               </a:rPr>
               <a:t>price_dic</a:t>
             </a:r>
             <a:r>
-              <a:rPr lang="en-US" altLang="ko-KR" b="0" dirty="0">
+              <a:rPr lang="en-US" altLang="ko-KR" sz="1738" dirty="0">
                 <a:solidFill>
                   <a:srgbClr val="D4D4D4"/>
                 </a:solidFill>
-                <a:effectLst/>
                 <a:latin typeface="Consolas" panose="020B0609020204030204" pitchFamily="49" charset="0"/>
               </a:rPr>
               <a:t>[</a:t>
             </a:r>
             <a:r>
-              <a:rPr lang="en-US" altLang="ko-KR" b="0" dirty="0">
+              <a:rPr lang="en-US" altLang="ko-KR" sz="1738" dirty="0">
                 <a:solidFill>
                   <a:srgbClr val="CE9178"/>
                 </a:solidFill>
-                <a:effectLst/>
                 <a:latin typeface="Consolas" panose="020B0609020204030204" pitchFamily="49" charset="0"/>
               </a:rPr>
               <a:t>"2021/01/04"</a:t>
             </a:r>
             <a:r>
-              <a:rPr lang="en-US" altLang="ko-KR" b="0" dirty="0">
+              <a:rPr lang="en-US" altLang="ko-KR" sz="1738" dirty="0">
                 <a:solidFill>
                   <a:srgbClr val="D4D4D4"/>
                 </a:solidFill>
-                <a:effectLst/>
                 <a:latin typeface="Consolas" panose="020B0609020204030204" pitchFamily="49" charset="0"/>
               </a:rPr>
               <a:t>] = </a:t>
             </a:r>
             <a:r>
-              <a:rPr lang="en-US" altLang="ko-KR" b="0" dirty="0">
+              <a:rPr lang="en-US" altLang="ko-KR" sz="1738" dirty="0">
                 <a:solidFill>
                   <a:srgbClr val="B5CEA8"/>
                 </a:solidFill>
-                <a:effectLst/>
                 <a:latin typeface="Consolas" panose="020B0609020204030204" pitchFamily="49" charset="0"/>
               </a:rPr>
               <a:t>84000</a:t>
             </a:r>
-            <a:endParaRPr lang="en-US" altLang="ko-KR" b="0" dirty="0">
+            <a:endParaRPr lang="en-US" altLang="ko-KR" sz="1738" dirty="0">
               <a:solidFill>
                 <a:srgbClr val="D4D4D4"/>
               </a:solidFill>
-              <a:effectLst/>
               <a:latin typeface="Consolas" panose="020B0609020204030204" pitchFamily="49" charset="0"/>
             </a:endParaRPr>
           </a:p>
           <a:p>
             <a:r>
-              <a:rPr lang="en-US" altLang="ko-KR" b="0" dirty="0" err="1">
+              <a:rPr lang="en-US" altLang="ko-KR" sz="1738" dirty="0" err="1">
                 <a:solidFill>
                   <a:srgbClr val="D4D4D4"/>
                 </a:solidFill>
-                <a:effectLst/>
                 <a:latin typeface="Consolas" panose="020B0609020204030204" pitchFamily="49" charset="0"/>
               </a:rPr>
               <a:t>price_dic</a:t>
             </a:r>
             <a:r>
-              <a:rPr lang="en-US" altLang="ko-KR" b="0" dirty="0">
+              <a:rPr lang="en-US" altLang="ko-KR" sz="1738" dirty="0">
                 <a:solidFill>
                   <a:srgbClr val="D4D4D4"/>
                 </a:solidFill>
-                <a:effectLst/>
                 <a:latin typeface="Consolas" panose="020B0609020204030204" pitchFamily="49" charset="0"/>
               </a:rPr>
               <a:t>[</a:t>
             </a:r>
             <a:r>
-              <a:rPr lang="en-US" altLang="ko-KR" b="0" dirty="0">
+              <a:rPr lang="en-US" altLang="ko-KR" sz="1738" dirty="0">
                 <a:solidFill>
                   <a:srgbClr val="CE9178"/>
                 </a:solidFill>
-                <a:effectLst/>
                 <a:latin typeface="Consolas" panose="020B0609020204030204" pitchFamily="49" charset="0"/>
               </a:rPr>
               <a:t>"2021/01/05"</a:t>
             </a:r>
             <a:r>
-              <a:rPr lang="en-US" altLang="ko-KR" b="0" dirty="0">
+              <a:rPr lang="en-US" altLang="ko-KR" sz="1738" dirty="0">
                 <a:solidFill>
                   <a:srgbClr val="D4D4D4"/>
                 </a:solidFill>
-                <a:effectLst/>
                 <a:latin typeface="Consolas" panose="020B0609020204030204" pitchFamily="49" charset="0"/>
               </a:rPr>
               <a:t>] = </a:t>
             </a:r>
             <a:r>
-              <a:rPr lang="en-US" altLang="ko-KR" b="0" dirty="0">
+              <a:rPr lang="en-US" altLang="ko-KR" sz="1738" dirty="0">
                 <a:solidFill>
                   <a:srgbClr val="B5CEA8"/>
                 </a:solidFill>
-                <a:effectLst/>
                 <a:latin typeface="Consolas" panose="020B0609020204030204" pitchFamily="49" charset="0"/>
               </a:rPr>
               <a:t>85000</a:t>
             </a:r>
-            <a:endParaRPr lang="en-US" altLang="ko-KR" b="0" dirty="0">
+            <a:endParaRPr lang="en-US" altLang="ko-KR" sz="1738" dirty="0">
               <a:solidFill>
                 <a:srgbClr val="D4D4D4"/>
               </a:solidFill>
-              <a:effectLst/>
               <a:latin typeface="Consolas" panose="020B0609020204030204" pitchFamily="49" charset="0"/>
             </a:endParaRPr>
           </a:p>
           <a:p>
             <a:br>
-              <a:rPr lang="en-US" altLang="ko-KR" b="0" dirty="0">
+              <a:rPr lang="en-US" altLang="ko-KR" sz="1738" dirty="0">
                 <a:solidFill>
                   <a:srgbClr val="D4D4D4"/>
                 </a:solidFill>
-                <a:effectLst/>
                 <a:latin typeface="Consolas" panose="020B0609020204030204" pitchFamily="49" charset="0"/>
               </a:rPr>
             </a:br>
             <a:r>
-              <a:rPr lang="en-US" altLang="ko-KR" b="0" dirty="0">
+              <a:rPr lang="en-US" altLang="ko-KR" sz="1738" dirty="0">
                 <a:solidFill>
                   <a:srgbClr val="C586C0"/>
                 </a:solidFill>
-                <a:effectLst/>
                 <a:latin typeface="Consolas" panose="020B0609020204030204" pitchFamily="49" charset="0"/>
               </a:rPr>
               <a:t>for</a:t>
             </a:r>
             <a:r>
-              <a:rPr lang="en-US" altLang="ko-KR" b="0" dirty="0">
+              <a:rPr lang="en-US" altLang="ko-KR" sz="1738" dirty="0">
                 <a:solidFill>
                   <a:srgbClr val="D4D4D4"/>
                 </a:solidFill>
-                <a:effectLst/>
                 <a:latin typeface="Consolas" panose="020B0609020204030204" pitchFamily="49" charset="0"/>
               </a:rPr>
               <a:t> key </a:t>
             </a:r>
             <a:r>
-              <a:rPr lang="en-US" altLang="ko-KR" b="0" dirty="0">
+              <a:rPr lang="en-US" altLang="ko-KR" sz="1738" dirty="0">
                 <a:solidFill>
                   <a:srgbClr val="C586C0"/>
                 </a:solidFill>
-                <a:effectLst/>
                 <a:latin typeface="Consolas" panose="020B0609020204030204" pitchFamily="49" charset="0"/>
               </a:rPr>
               <a:t>in</a:t>
             </a:r>
             <a:r>
-              <a:rPr lang="en-US" altLang="ko-KR" b="0" dirty="0">
+              <a:rPr lang="en-US" altLang="ko-KR" sz="1738" dirty="0">
                 <a:solidFill>
                   <a:srgbClr val="D4D4D4"/>
                 </a:solidFill>
-                <a:effectLst/>
                 <a:latin typeface="Consolas" panose="020B0609020204030204" pitchFamily="49" charset="0"/>
               </a:rPr>
               <a:t> </a:t>
             </a:r>
             <a:r>
-              <a:rPr lang="en-US" altLang="ko-KR" b="0" dirty="0" err="1">
+              <a:rPr lang="en-US" altLang="ko-KR" sz="1738" dirty="0" err="1">
                 <a:solidFill>
                   <a:srgbClr val="D4D4D4"/>
                 </a:solidFill>
-                <a:effectLst/>
                 <a:latin typeface="Consolas" panose="020B0609020204030204" pitchFamily="49" charset="0"/>
               </a:rPr>
               <a:t>price_dic.keys</a:t>
             </a:r>
             <a:r>
-              <a:rPr lang="en-US" altLang="ko-KR" b="0" dirty="0">
+              <a:rPr lang="en-US" altLang="ko-KR" sz="1738" dirty="0">
                 <a:solidFill>
                   <a:srgbClr val="D4D4D4"/>
                 </a:solidFill>
-                <a:effectLst/>
                 <a:latin typeface="Consolas" panose="020B0609020204030204" pitchFamily="49" charset="0"/>
               </a:rPr>
               <a:t>():</a:t>
@@ -7039,31 +6875,28 @@
           </a:p>
           <a:p>
             <a:r>
-              <a:rPr lang="en-US" altLang="ko-KR" b="0" dirty="0">
+              <a:rPr lang="en-US" altLang="ko-KR" sz="1738" dirty="0">
                 <a:solidFill>
                   <a:srgbClr val="D4D4D4"/>
                 </a:solidFill>
-                <a:effectLst/>
                 <a:latin typeface="Consolas" panose="020B0609020204030204" pitchFamily="49" charset="0"/>
               </a:rPr>
               <a:t>    </a:t>
             </a:r>
             <a:r>
-              <a:rPr lang="en-US" altLang="ko-KR" b="0" dirty="0">
+              <a:rPr lang="en-US" altLang="ko-KR" sz="1738" dirty="0">
                 <a:solidFill>
                   <a:srgbClr val="DCDCAA"/>
                 </a:solidFill>
-                <a:effectLst/>
                 <a:latin typeface="Consolas" panose="020B0609020204030204" pitchFamily="49" charset="0"/>
               </a:rPr>
               <a:t>print</a:t>
             </a:r>
             <a:r>
-              <a:rPr lang="en-US" altLang="ko-KR" b="0" dirty="0">
+              <a:rPr lang="en-US" altLang="ko-KR" sz="1738" dirty="0">
                 <a:solidFill>
                   <a:srgbClr val="D4D4D4"/>
                 </a:solidFill>
-                <a:effectLst/>
                 <a:latin typeface="Consolas" panose="020B0609020204030204" pitchFamily="49" charset="0"/>
               </a:rPr>
               <a:t>(key)</a:t>
@@ -7071,70 +6904,63 @@
           </a:p>
           <a:p>
             <a:br>
-              <a:rPr lang="en-US" altLang="ko-KR" b="0" dirty="0">
+              <a:rPr lang="en-US" altLang="ko-KR" sz="1738" dirty="0">
                 <a:solidFill>
                   <a:srgbClr val="D4D4D4"/>
                 </a:solidFill>
-                <a:effectLst/>
                 <a:latin typeface="Consolas" panose="020B0609020204030204" pitchFamily="49" charset="0"/>
               </a:rPr>
             </a:br>
             <a:r>
-              <a:rPr lang="en-US" altLang="ko-KR" b="0" dirty="0">
+              <a:rPr lang="en-US" altLang="ko-KR" sz="1738" dirty="0">
                 <a:solidFill>
                   <a:srgbClr val="C586C0"/>
                 </a:solidFill>
-                <a:effectLst/>
                 <a:latin typeface="Consolas" panose="020B0609020204030204" pitchFamily="49" charset="0"/>
               </a:rPr>
               <a:t>for</a:t>
             </a:r>
             <a:r>
-              <a:rPr lang="en-US" altLang="ko-KR" b="0" dirty="0">
+              <a:rPr lang="en-US" altLang="ko-KR" sz="1738" dirty="0">
                 <a:solidFill>
                   <a:srgbClr val="D4D4D4"/>
                 </a:solidFill>
-                <a:effectLst/>
                 <a:latin typeface="Consolas" panose="020B0609020204030204" pitchFamily="49" charset="0"/>
               </a:rPr>
               <a:t> value </a:t>
             </a:r>
             <a:r>
-              <a:rPr lang="en-US" altLang="ko-KR" b="0" dirty="0">
+              <a:rPr lang="en-US" altLang="ko-KR" sz="1738" dirty="0">
                 <a:solidFill>
                   <a:srgbClr val="C586C0"/>
                 </a:solidFill>
-                <a:effectLst/>
                 <a:latin typeface="Consolas" panose="020B0609020204030204" pitchFamily="49" charset="0"/>
               </a:rPr>
               <a:t>in</a:t>
             </a:r>
             <a:r>
-              <a:rPr lang="en-US" altLang="ko-KR" b="0" dirty="0">
+              <a:rPr lang="en-US" altLang="ko-KR" sz="1738" dirty="0">
                 <a:solidFill>
                   <a:srgbClr val="D4D4D4"/>
                 </a:solidFill>
-                <a:effectLst/>
                 <a:latin typeface="Consolas" panose="020B0609020204030204" pitchFamily="49" charset="0"/>
               </a:rPr>
               <a:t> </a:t>
             </a:r>
             <a:r>
-              <a:rPr lang="en-US" altLang="ko-KR" b="0" dirty="0" err="1">
+              <a:rPr lang="en-US" altLang="ko-KR" sz="1738" dirty="0" err="1">
                 <a:solidFill>
                   <a:srgbClr val="D4D4D4"/>
                 </a:solidFill>
-                <a:effectLst/>
                 <a:latin typeface="Consolas" panose="020B0609020204030204" pitchFamily="49" charset="0"/>
               </a:rPr>
               <a:t>price_dic.values</a:t>
             </a:r>
             <a:r>
-              <a:rPr lang="en-US" altLang="ko-KR" b="0" dirty="0">
+              <a:rPr lang="en-US" altLang="ko-KR" sz="1738" dirty="0">
                 <a:solidFill>
                   <a:srgbClr val="D4D4D4"/>
                 </a:solidFill>
-                <a:effectLst/>
                 <a:latin typeface="Consolas" panose="020B0609020204030204" pitchFamily="49" charset="0"/>
               </a:rPr>
               <a:t>():</a:t>
@@ -7142,31 +6968,28 @@
           </a:p>
           <a:p>
             <a:r>
-              <a:rPr lang="en-US" altLang="ko-KR" b="0" dirty="0">
+              <a:rPr lang="en-US" altLang="ko-KR" sz="1738" dirty="0">
                 <a:solidFill>
                   <a:srgbClr val="D4D4D4"/>
                 </a:solidFill>
-                <a:effectLst/>
                 <a:latin typeface="Consolas" panose="020B0609020204030204" pitchFamily="49" charset="0"/>
               </a:rPr>
               <a:t>    </a:t>
             </a:r>
             <a:r>
-              <a:rPr lang="en-US" altLang="ko-KR" b="0" dirty="0">
+              <a:rPr lang="en-US" altLang="ko-KR" sz="1738" dirty="0">
                 <a:solidFill>
                   <a:srgbClr val="DCDCAA"/>
                 </a:solidFill>
-                <a:effectLst/>
                 <a:latin typeface="Consolas" panose="020B0609020204030204" pitchFamily="49" charset="0"/>
               </a:rPr>
               <a:t>print</a:t>
             </a:r>
             <a:r>
-              <a:rPr lang="en-US" altLang="ko-KR" b="0" dirty="0">
+              <a:rPr lang="en-US" altLang="ko-KR" sz="1738" dirty="0">
                 <a:solidFill>
                   <a:srgbClr val="D4D4D4"/>
                 </a:solidFill>
-                <a:effectLst/>
                 <a:latin typeface="Consolas" panose="020B0609020204030204" pitchFamily="49" charset="0"/>
               </a:rPr>
               <a:t>(value)</a:t>
@@ -7174,70 +6997,63 @@
           </a:p>
           <a:p>
             <a:br>
-              <a:rPr lang="en-US" altLang="ko-KR" b="0" dirty="0">
+              <a:rPr lang="en-US" altLang="ko-KR" sz="1738" dirty="0">
                 <a:solidFill>
                   <a:srgbClr val="D4D4D4"/>
                 </a:solidFill>
-                <a:effectLst/>
                 <a:latin typeface="Consolas" panose="020B0609020204030204" pitchFamily="49" charset="0"/>
               </a:rPr>
             </a:br>
             <a:r>
-              <a:rPr lang="en-US" altLang="ko-KR" b="0" dirty="0">
+              <a:rPr lang="en-US" altLang="ko-KR" sz="1738" dirty="0">
                 <a:solidFill>
                   <a:srgbClr val="C586C0"/>
                 </a:solidFill>
-                <a:effectLst/>
                 <a:latin typeface="Consolas" panose="020B0609020204030204" pitchFamily="49" charset="0"/>
               </a:rPr>
               <a:t>for</a:t>
             </a:r>
             <a:r>
-              <a:rPr lang="en-US" altLang="ko-KR" b="0" dirty="0">
+              <a:rPr lang="en-US" altLang="ko-KR" sz="1738" dirty="0">
                 <a:solidFill>
                   <a:srgbClr val="D4D4D4"/>
                 </a:solidFill>
-                <a:effectLst/>
                 <a:latin typeface="Consolas" panose="020B0609020204030204" pitchFamily="49" charset="0"/>
               </a:rPr>
               <a:t> item </a:t>
             </a:r>
             <a:r>
-              <a:rPr lang="en-US" altLang="ko-KR" b="0" dirty="0">
+              <a:rPr lang="en-US" altLang="ko-KR" sz="1738" dirty="0">
                 <a:solidFill>
                   <a:srgbClr val="C586C0"/>
                 </a:solidFill>
-                <a:effectLst/>
                 <a:latin typeface="Consolas" panose="020B0609020204030204" pitchFamily="49" charset="0"/>
               </a:rPr>
               <a:t>in</a:t>
             </a:r>
             <a:r>
-              <a:rPr lang="en-US" altLang="ko-KR" b="0" dirty="0">
+              <a:rPr lang="en-US" altLang="ko-KR" sz="1738" dirty="0">
                 <a:solidFill>
                   <a:srgbClr val="D4D4D4"/>
                 </a:solidFill>
-                <a:effectLst/>
                 <a:latin typeface="Consolas" panose="020B0609020204030204" pitchFamily="49" charset="0"/>
               </a:rPr>
               <a:t> </a:t>
             </a:r>
             <a:r>
-              <a:rPr lang="en-US" altLang="ko-KR" b="0" dirty="0" err="1">
+              <a:rPr lang="en-US" altLang="ko-KR" sz="1738" dirty="0" err="1">
                 <a:solidFill>
                   <a:srgbClr val="D4D4D4"/>
                 </a:solidFill>
-                <a:effectLst/>
                 <a:latin typeface="Consolas" panose="020B0609020204030204" pitchFamily="49" charset="0"/>
               </a:rPr>
               <a:t>price_dic.items</a:t>
             </a:r>
             <a:r>
-              <a:rPr lang="en-US" altLang="ko-KR" b="0" dirty="0">
+              <a:rPr lang="en-US" altLang="ko-KR" sz="1738" dirty="0">
                 <a:solidFill>
                   <a:srgbClr val="D4D4D4"/>
                 </a:solidFill>
-                <a:effectLst/>
                 <a:latin typeface="Consolas" panose="020B0609020204030204" pitchFamily="49" charset="0"/>
               </a:rPr>
               <a:t>():</a:t>
@@ -7245,31 +7061,28 @@
           </a:p>
           <a:p>
             <a:r>
-              <a:rPr lang="en-US" altLang="ko-KR" b="0" dirty="0">
+              <a:rPr lang="en-US" altLang="ko-KR" sz="1738" dirty="0">
                 <a:solidFill>
                   <a:srgbClr val="D4D4D4"/>
                 </a:solidFill>
-                <a:effectLst/>
                 <a:latin typeface="Consolas" panose="020B0609020204030204" pitchFamily="49" charset="0"/>
               </a:rPr>
               <a:t>    </a:t>
             </a:r>
             <a:r>
-              <a:rPr lang="en-US" altLang="ko-KR" b="0" dirty="0">
+              <a:rPr lang="en-US" altLang="ko-KR" sz="1738" dirty="0">
                 <a:solidFill>
                   <a:srgbClr val="DCDCAA"/>
                 </a:solidFill>
-                <a:effectLst/>
                 <a:latin typeface="Consolas" panose="020B0609020204030204" pitchFamily="49" charset="0"/>
               </a:rPr>
               <a:t>print</a:t>
             </a:r>
             <a:r>
-              <a:rPr lang="en-US" altLang="ko-KR" b="0" dirty="0">
+              <a:rPr lang="en-US" altLang="ko-KR" sz="1738" dirty="0">
                 <a:solidFill>
                   <a:srgbClr val="D4D4D4"/>
                 </a:solidFill>
-                <a:effectLst/>
                 <a:latin typeface="Consolas" panose="020B0609020204030204" pitchFamily="49" charset="0"/>
               </a:rPr>
               <a:t>(item)</a:t>
@@ -7339,8 +7152,8 @@
         </p:nvSpPr>
         <p:spPr>
           <a:xfrm>
-            <a:off x="1066800" y="332656"/>
-            <a:ext cx="7772400" cy="6336704"/>
+            <a:off x="683568" y="570836"/>
+            <a:ext cx="7174523" cy="5849265"/>
           </a:xfrm>
         </p:spPr>
         <p:txBody>
@@ -7355,7 +7168,7 @@
               </a:lnSpc>
             </a:pPr>
             <a:r>
-              <a:rPr lang="ko-KR" altLang="en-US" sz="4900" b="1" spc="-150" dirty="0">
+              <a:rPr lang="ko-KR" altLang="en-US" sz="4523" b="1" spc="-138" dirty="0">
                 <a:ln>
                   <a:solidFill>
                     <a:schemeClr val="accent1">
@@ -7372,7 +7185,7 @@
               <a:t>목차</a:t>
             </a:r>
             <a:br>
-              <a:rPr lang="en-US" altLang="ko-KR" spc="-150" dirty="0">
+              <a:rPr lang="en-US" altLang="ko-KR" spc="-138" dirty="0">
                 <a:ln>
                   <a:solidFill>
                     <a:schemeClr val="accent1">
@@ -7388,7 +7201,7 @@
               </a:rPr>
             </a:br>
             <a:r>
-              <a:rPr lang="en-US" altLang="ko-KR" sz="2800" spc="-150" dirty="0">
+              <a:rPr lang="en-US" altLang="ko-KR" sz="2585" spc="-138" dirty="0">
                 <a:ln>
                   <a:solidFill>
                     <a:schemeClr val="accent1">
@@ -7405,7 +7218,7 @@
               <a:t>1. </a:t>
             </a:r>
             <a:r>
-              <a:rPr lang="ko-KR" altLang="en-US" sz="2800" spc="-150" dirty="0" err="1">
+              <a:rPr lang="ko-KR" altLang="en-US" sz="2585" spc="-138" dirty="0" err="1">
                 <a:ln>
                   <a:solidFill>
                     <a:schemeClr val="accent1">
@@ -7422,7 +7235,7 @@
               <a:t>튜플</a:t>
             </a:r>
             <a:br>
-              <a:rPr lang="en-US" altLang="ko-KR" sz="2800" spc="-150" dirty="0">
+              <a:rPr lang="en-US" altLang="ko-KR" sz="2585" spc="-138" dirty="0">
                 <a:ln>
                   <a:solidFill>
                     <a:schemeClr val="accent1">
@@ -7438,7 +7251,7 @@
               </a:rPr>
             </a:br>
             <a:r>
-              <a:rPr lang="en-US" altLang="ko-KR" sz="2800" spc="-150" dirty="0">
+              <a:rPr lang="en-US" altLang="ko-KR" sz="2585" spc="-138" dirty="0">
                 <a:ln>
                   <a:solidFill>
                     <a:schemeClr val="accent1">
@@ -7455,7 +7268,7 @@
               <a:t>2. </a:t>
             </a:r>
             <a:r>
-              <a:rPr lang="ko-KR" altLang="en-US" sz="2800" spc="-150" dirty="0" err="1">
+              <a:rPr lang="ko-KR" altLang="en-US" sz="2585" spc="-138" dirty="0" err="1">
                 <a:ln>
                   <a:solidFill>
                     <a:schemeClr val="accent1">
@@ -7472,7 +7285,7 @@
               <a:t>튜플</a:t>
             </a:r>
             <a:r>
-              <a:rPr lang="ko-KR" altLang="en-US" sz="2800" spc="-150" dirty="0">
+              <a:rPr lang="ko-KR" altLang="en-US" sz="2585" spc="-138" dirty="0">
                 <a:ln>
                   <a:solidFill>
                     <a:schemeClr val="accent1">
@@ -7489,7 +7302,7 @@
               <a:t> 생성하기</a:t>
             </a:r>
             <a:br>
-              <a:rPr lang="en-US" altLang="ko-KR" sz="2800" spc="-150" dirty="0">
+              <a:rPr lang="en-US" altLang="ko-KR" sz="2585" spc="-138" dirty="0">
                 <a:ln>
                   <a:solidFill>
                     <a:schemeClr val="accent1">
@@ -7505,7 +7318,7 @@
               </a:rPr>
             </a:br>
             <a:r>
-              <a:rPr lang="en-US" altLang="ko-KR" sz="2800" spc="-150" dirty="0">
+              <a:rPr lang="en-US" altLang="ko-KR" sz="2585" spc="-138" dirty="0">
                 <a:ln>
                   <a:solidFill>
                     <a:schemeClr val="accent1">
@@ -7522,7 +7335,7 @@
               <a:t>3. </a:t>
             </a:r>
             <a:r>
-              <a:rPr lang="ko-KR" altLang="en-US" sz="2800" spc="-150" dirty="0" err="1">
+              <a:rPr lang="ko-KR" altLang="en-US" sz="2585" spc="-138" dirty="0" err="1">
                 <a:ln>
                   <a:solidFill>
                     <a:schemeClr val="accent1">
@@ -7539,7 +7352,7 @@
               <a:t>튜플</a:t>
             </a:r>
             <a:r>
-              <a:rPr lang="ko-KR" altLang="en-US" sz="2800" spc="-150" dirty="0">
+              <a:rPr lang="ko-KR" altLang="en-US" sz="2585" spc="-138" dirty="0">
                 <a:ln>
                   <a:solidFill>
                     <a:schemeClr val="accent1">
@@ -7556,7 +7369,7 @@
               <a:t> 사용하는 이유</a:t>
             </a:r>
             <a:r>
-              <a:rPr lang="en-US" altLang="ko-KR" sz="2800" spc="-150" dirty="0">
+              <a:rPr lang="en-US" altLang="ko-KR" sz="2585" spc="-138" dirty="0">
                 <a:ln>
                   <a:solidFill>
                     <a:schemeClr val="accent1">
@@ -7573,7 +7386,7 @@
               <a:t>?</a:t>
             </a:r>
             <a:br>
-              <a:rPr lang="en-US" altLang="ko-KR" sz="2800" spc="-150" dirty="0">
+              <a:rPr lang="en-US" altLang="ko-KR" sz="2585" spc="-138" dirty="0">
                 <a:ln>
                   <a:solidFill>
                     <a:schemeClr val="accent1">
@@ -7589,7 +7402,7 @@
               </a:rPr>
             </a:br>
             <a:r>
-              <a:rPr lang="en-US" altLang="ko-KR" sz="2800" spc="-150" dirty="0">
+              <a:rPr lang="en-US" altLang="ko-KR" sz="2585" spc="-138" dirty="0">
                 <a:ln>
                   <a:solidFill>
                     <a:schemeClr val="accent1">
@@ -7606,7 +7419,7 @@
               <a:t>4. </a:t>
             </a:r>
             <a:r>
-              <a:rPr lang="ko-KR" altLang="en-US" sz="2800" spc="-150" dirty="0" err="1">
+              <a:rPr lang="ko-KR" altLang="en-US" sz="2585" spc="-138" dirty="0" err="1">
                 <a:ln>
                   <a:solidFill>
                     <a:schemeClr val="accent1">
@@ -7623,7 +7436,7 @@
               <a:t>딕셔너리</a:t>
             </a:r>
             <a:br>
-              <a:rPr lang="en-US" altLang="ko-KR" sz="2800" spc="-150" dirty="0">
+              <a:rPr lang="en-US" altLang="ko-KR" sz="2585" spc="-138" dirty="0">
                 <a:ln>
                   <a:solidFill>
                     <a:schemeClr val="accent1">
@@ -7639,7 +7452,7 @@
               </a:rPr>
             </a:br>
             <a:r>
-              <a:rPr lang="en-US" altLang="ko-KR" sz="2800" spc="-150" dirty="0">
+              <a:rPr lang="en-US" altLang="ko-KR" sz="2585" spc="-138" dirty="0">
                 <a:ln>
                   <a:solidFill>
                     <a:schemeClr val="accent1">
@@ -7656,7 +7469,7 @@
               <a:t>5. </a:t>
             </a:r>
             <a:r>
-              <a:rPr lang="ko-KR" altLang="en-US" sz="2800" spc="-150" dirty="0" err="1">
+              <a:rPr lang="ko-KR" altLang="en-US" sz="2585" spc="-138" dirty="0" err="1">
                 <a:ln>
                   <a:solidFill>
                     <a:schemeClr val="accent1">
@@ -7673,7 +7486,7 @@
               <a:t>딕셔너리</a:t>
             </a:r>
             <a:r>
-              <a:rPr lang="ko-KR" altLang="en-US" sz="2800" spc="-150" dirty="0">
+              <a:rPr lang="ko-KR" altLang="en-US" sz="2585" spc="-138" dirty="0">
                 <a:ln>
                   <a:solidFill>
                     <a:schemeClr val="accent1">
@@ -7690,7 +7503,7 @@
               <a:t> 생성하기</a:t>
             </a:r>
             <a:br>
-              <a:rPr lang="en-US" altLang="ko-KR" sz="2800" spc="-150" dirty="0">
+              <a:rPr lang="en-US" altLang="ko-KR" sz="2585" spc="-138" dirty="0">
                 <a:ln>
                   <a:solidFill>
                     <a:schemeClr val="accent1">
@@ -7706,7 +7519,7 @@
               </a:rPr>
             </a:br>
             <a:r>
-              <a:rPr lang="en-US" altLang="ko-KR" sz="2800" spc="-150" dirty="0">
+              <a:rPr lang="en-US" altLang="ko-KR" sz="2585" spc="-138" dirty="0">
                 <a:ln>
                   <a:solidFill>
                     <a:schemeClr val="accent1">
@@ -7723,7 +7536,7 @@
               <a:t>6. </a:t>
             </a:r>
             <a:r>
-              <a:rPr lang="ko-KR" altLang="en-US" sz="2800" spc="-150" dirty="0" err="1">
+              <a:rPr lang="ko-KR" altLang="en-US" sz="2585" spc="-138" dirty="0" err="1">
                 <a:ln>
                   <a:solidFill>
                     <a:schemeClr val="accent1">
@@ -7740,7 +7553,7 @@
               <a:t>딕셔너리</a:t>
             </a:r>
             <a:r>
-              <a:rPr lang="ko-KR" altLang="en-US" sz="2800" spc="-150" dirty="0">
+              <a:rPr lang="ko-KR" altLang="en-US" sz="2585" spc="-138" dirty="0">
                 <a:ln>
                   <a:solidFill>
                     <a:schemeClr val="accent1">
@@ -7756,7 +7569,23 @@
               </a:rPr>
               <a:t> 접근하기</a:t>
             </a:r>
-            <a:endParaRPr lang="ko-KR" altLang="en-US" sz="3600" spc="-150" dirty="0">
+            <a:br>
+              <a:rPr lang="en-US" altLang="ko-KR" sz="2585" spc="-138" dirty="0">
+                <a:ln>
+                  <a:solidFill>
+                    <a:schemeClr val="accent1">
+                      <a:alpha val="0"/>
+                    </a:schemeClr>
+                  </a:solidFill>
+                </a:ln>
+                <a:solidFill>
+                  <a:schemeClr val="bg1"/>
+                </a:solidFill>
+                <a:latin typeface="나눔바른고딕" panose="020B0603020101020101" pitchFamily="50" charset="-127"/>
+                <a:ea typeface="나눔바른고딕" panose="020B0603020101020101" pitchFamily="50" charset="-127"/>
+              </a:rPr>
+            </a:br>
+            <a:endParaRPr lang="ko-KR" altLang="en-US" sz="3323" spc="-138" dirty="0">
               <a:ln>
                 <a:solidFill>
                   <a:schemeClr val="accent1">
@@ -7787,8 +7616,8 @@
         </p:nvSpPr>
         <p:spPr>
           <a:xfrm>
-            <a:off x="6161584" y="-198784"/>
-            <a:ext cx="3744416" cy="7056784"/>
+            <a:off x="5652120" y="0"/>
+            <a:ext cx="3491880" cy="6858000"/>
           </a:xfrm>
           <a:prstGeom prst="rect">
             <a:avLst/>
@@ -7823,14 +7652,14 @@
           <a:lstStyle/>
           <a:p>
             <a:pPr algn="ctr"/>
-            <a:endParaRPr lang="ko-KR" altLang="en-US"/>
+            <a:endParaRPr lang="ko-KR" altLang="en-US" sz="1738"/>
           </a:p>
         </p:txBody>
       </p:sp>
     </p:spTree>
     <p:extLst>
       <p:ext uri="{BB962C8B-B14F-4D97-AF65-F5344CB8AC3E}">
-        <p14:creationId xmlns:p14="http://schemas.microsoft.com/office/powerpoint/2010/main" val="4252018222"/>
+        <p14:creationId xmlns:p14="http://schemas.microsoft.com/office/powerpoint/2010/main" val="3531185324"/>
       </p:ext>
     </p:extLst>
   </p:cSld>
@@ -7891,8 +7720,8 @@
         </p:nvSpPr>
         <p:spPr>
           <a:xfrm>
-            <a:off x="2743903" y="2767281"/>
-            <a:ext cx="4418197" cy="1323439"/>
+            <a:off x="2519996" y="2818183"/>
+            <a:ext cx="4104009" cy="1228798"/>
           </a:xfrm>
           <a:prstGeom prst="rect">
             <a:avLst/>
@@ -7907,7 +7736,7 @@
           <a:p>
             <a:pPr algn="ctr"/>
             <a:r>
-              <a:rPr lang="ko-KR" altLang="en-US" sz="4800" dirty="0" err="1">
+              <a:rPr lang="ko-KR" altLang="en-US" sz="4431" dirty="0" err="1">
                 <a:solidFill>
                   <a:schemeClr val="accent6">
                     <a:lumMod val="75000"/>
@@ -7919,7 +7748,7 @@
               <a:t>튜플</a:t>
             </a:r>
             <a:r>
-              <a:rPr lang="en-US" altLang="ko-KR" sz="4800" dirty="0">
+              <a:rPr lang="en-US" altLang="ko-KR" sz="4431" dirty="0">
                 <a:solidFill>
                   <a:schemeClr val="tx1">
                     <a:lumMod val="85000"/>
@@ -7935,7 +7764,7 @@
           <a:p>
             <a:pPr algn="ctr"/>
             <a:r>
-              <a:rPr lang="en-US" altLang="ko-KR" sz="3200" dirty="0">
+              <a:rPr lang="en-US" altLang="ko-KR" sz="2954" dirty="0">
                 <a:solidFill>
                   <a:schemeClr val="tx1">
                     <a:lumMod val="85000"/>
@@ -7948,7 +7777,7 @@
               <a:t>: </a:t>
             </a:r>
             <a:r>
-              <a:rPr lang="ko-KR" altLang="en-US" sz="3200" dirty="0">
+              <a:rPr lang="ko-KR" altLang="en-US" sz="2954" dirty="0">
                 <a:solidFill>
                   <a:schemeClr val="tx1">
                     <a:lumMod val="85000"/>
@@ -7960,7 +7789,7 @@
               </a:rPr>
               <a:t>값을 바꿀 수 없는 리스트</a:t>
             </a:r>
-            <a:endParaRPr lang="en-US" altLang="ko-KR" sz="3200" dirty="0">
+            <a:endParaRPr lang="en-US" altLang="ko-KR" sz="2954" dirty="0">
               <a:solidFill>
                 <a:schemeClr val="tx1">
                   <a:lumMod val="85000"/>
@@ -8037,8 +7866,8 @@
         </p:nvSpPr>
         <p:spPr>
           <a:xfrm>
-            <a:off x="3142248" y="1268760"/>
-            <a:ext cx="3621504" cy="830997"/>
+            <a:off x="2896702" y="1434932"/>
+            <a:ext cx="3350597" cy="774186"/>
           </a:xfrm>
           <a:prstGeom prst="rect">
             <a:avLst/>
@@ -8053,7 +7882,7 @@
           <a:p>
             <a:pPr algn="ctr"/>
             <a:r>
-              <a:rPr lang="ko-KR" altLang="en-US" sz="4800" dirty="0" err="1">
+              <a:rPr lang="ko-KR" altLang="en-US" sz="4431" dirty="0" err="1">
                 <a:solidFill>
                   <a:schemeClr val="tx1">
                     <a:lumMod val="85000"/>
@@ -8066,7 +7895,7 @@
               <a:t>튜플</a:t>
             </a:r>
             <a:r>
-              <a:rPr lang="en-US" altLang="ko-KR" sz="4800" dirty="0">
+              <a:rPr lang="en-US" altLang="ko-KR" sz="4431" dirty="0">
                 <a:solidFill>
                   <a:schemeClr val="tx1">
                     <a:lumMod val="85000"/>
@@ -8079,7 +7908,7 @@
               <a:t> </a:t>
             </a:r>
             <a:r>
-              <a:rPr lang="ko-KR" altLang="en-US" sz="4800" dirty="0">
+              <a:rPr lang="ko-KR" altLang="en-US" sz="4431" dirty="0">
                 <a:solidFill>
                   <a:schemeClr val="accent6">
                     <a:lumMod val="75000"/>
@@ -8090,7 +7919,7 @@
               </a:rPr>
               <a:t>생성하기</a:t>
             </a:r>
-            <a:endParaRPr lang="en-US" altLang="ko-KR" sz="3200" dirty="0">
+            <a:endParaRPr lang="en-US" altLang="ko-KR" sz="2954" dirty="0">
               <a:solidFill>
                 <a:schemeClr val="accent6">
                   <a:lumMod val="75000"/>
@@ -8116,8 +7945,8 @@
         </p:nvSpPr>
         <p:spPr>
           <a:xfrm>
-            <a:off x="2372807" y="2890391"/>
-            <a:ext cx="5160387" cy="1077218"/>
+            <a:off x="2190283" y="2931823"/>
+            <a:ext cx="4786888" cy="1001556"/>
           </a:xfrm>
           <a:prstGeom prst="rect">
             <a:avLst/>
@@ -8131,7 +7960,7 @@
           <a:lstStyle/>
           <a:p>
             <a:r>
-              <a:rPr lang="ko-KR" altLang="en-US" sz="3200" dirty="0" err="1">
+              <a:rPr lang="ko-KR" altLang="en-US" sz="2954" dirty="0" err="1">
                 <a:solidFill>
                   <a:schemeClr val="tx1">
                     <a:lumMod val="85000"/>
@@ -8144,7 +7973,7 @@
               <a:t>튜플이름</a:t>
             </a:r>
             <a:r>
-              <a:rPr lang="ko-KR" altLang="en-US" sz="3200" dirty="0">
+              <a:rPr lang="ko-KR" altLang="en-US" sz="2954" dirty="0">
                 <a:solidFill>
                   <a:schemeClr val="tx1">
                     <a:lumMod val="85000"/>
@@ -8157,7 +7986,7 @@
               <a:t> </a:t>
             </a:r>
             <a:r>
-              <a:rPr lang="en-US" altLang="ko-KR" sz="3200" dirty="0">
+              <a:rPr lang="en-US" altLang="ko-KR" sz="2954" dirty="0">
                 <a:solidFill>
                   <a:schemeClr val="tx1">
                     <a:lumMod val="85000"/>
@@ -8170,7 +7999,7 @@
               <a:t>= (</a:t>
             </a:r>
             <a:r>
-              <a:rPr lang="ko-KR" altLang="en-US" sz="3200" dirty="0">
+              <a:rPr lang="ko-KR" altLang="en-US" sz="2954" dirty="0">
                 <a:solidFill>
                   <a:schemeClr val="tx1">
                     <a:lumMod val="85000"/>
@@ -8183,7 +8012,7 @@
               <a:t>값</a:t>
             </a:r>
             <a:r>
-              <a:rPr lang="en-US" altLang="ko-KR" sz="3200" dirty="0">
+              <a:rPr lang="en-US" altLang="ko-KR" sz="2954" dirty="0">
                 <a:solidFill>
                   <a:schemeClr val="tx1">
                     <a:lumMod val="85000"/>
@@ -8196,7 +8025,7 @@
               <a:t>1, </a:t>
             </a:r>
             <a:r>
-              <a:rPr lang="ko-KR" altLang="en-US" sz="3200" dirty="0">
+              <a:rPr lang="ko-KR" altLang="en-US" sz="2954" dirty="0">
                 <a:solidFill>
                   <a:schemeClr val="tx1">
                     <a:lumMod val="85000"/>
@@ -8209,7 +8038,7 @@
               <a:t>값</a:t>
             </a:r>
             <a:r>
-              <a:rPr lang="en-US" altLang="ko-KR" sz="3200" dirty="0">
+              <a:rPr lang="en-US" altLang="ko-KR" sz="2954" dirty="0">
                 <a:solidFill>
                   <a:schemeClr val="tx1">
                     <a:lumMod val="85000"/>
@@ -8222,7 +8051,7 @@
               <a:t>2, </a:t>
             </a:r>
             <a:r>
-              <a:rPr lang="ko-KR" altLang="en-US" sz="3200" dirty="0">
+              <a:rPr lang="ko-KR" altLang="en-US" sz="2954" dirty="0">
                 <a:solidFill>
                   <a:schemeClr val="tx1">
                     <a:lumMod val="85000"/>
@@ -8235,7 +8064,7 @@
               <a:t>값</a:t>
             </a:r>
             <a:r>
-              <a:rPr lang="en-US" altLang="ko-KR" sz="3200" dirty="0">
+              <a:rPr lang="en-US" altLang="ko-KR" sz="2954" dirty="0">
                 <a:solidFill>
                   <a:schemeClr val="tx1">
                     <a:lumMod val="85000"/>
@@ -8250,7 +8079,7 @@
           </a:p>
           <a:p>
             <a:r>
-              <a:rPr lang="ko-KR" altLang="en-US" sz="3200" dirty="0" err="1">
+              <a:rPr lang="ko-KR" altLang="en-US" sz="2954" dirty="0" err="1">
                 <a:solidFill>
                   <a:schemeClr val="tx1">
                     <a:lumMod val="85000"/>
@@ -8263,7 +8092,7 @@
               <a:t>튜플이름</a:t>
             </a:r>
             <a:r>
-              <a:rPr lang="ko-KR" altLang="en-US" sz="3200" dirty="0">
+              <a:rPr lang="ko-KR" altLang="en-US" sz="2954" dirty="0">
                 <a:solidFill>
                   <a:schemeClr val="tx1">
                     <a:lumMod val="85000"/>
@@ -8276,7 +8105,7 @@
               <a:t> </a:t>
             </a:r>
             <a:r>
-              <a:rPr lang="en-US" altLang="ko-KR" sz="3200" dirty="0">
+              <a:rPr lang="en-US" altLang="ko-KR" sz="2954" dirty="0">
                 <a:solidFill>
                   <a:schemeClr val="tx1">
                     <a:lumMod val="85000"/>
@@ -8289,7 +8118,7 @@
               <a:t>= </a:t>
             </a:r>
             <a:r>
-              <a:rPr lang="ko-KR" altLang="en-US" sz="3200" dirty="0">
+              <a:rPr lang="ko-KR" altLang="en-US" sz="2954" dirty="0">
                 <a:solidFill>
                   <a:schemeClr val="tx1">
                     <a:lumMod val="85000"/>
@@ -8302,7 +8131,7 @@
               <a:t>값</a:t>
             </a:r>
             <a:r>
-              <a:rPr lang="en-US" altLang="ko-KR" sz="3200" dirty="0">
+              <a:rPr lang="en-US" altLang="ko-KR" sz="2954" dirty="0">
                 <a:solidFill>
                   <a:schemeClr val="tx1">
                     <a:lumMod val="85000"/>
@@ -8315,7 +8144,7 @@
               <a:t>1, </a:t>
             </a:r>
             <a:r>
-              <a:rPr lang="ko-KR" altLang="en-US" sz="3200" dirty="0">
+              <a:rPr lang="ko-KR" altLang="en-US" sz="2954" dirty="0">
                 <a:solidFill>
                   <a:schemeClr val="tx1">
                     <a:lumMod val="85000"/>
@@ -8328,7 +8157,7 @@
               <a:t>값</a:t>
             </a:r>
             <a:r>
-              <a:rPr lang="en-US" altLang="ko-KR" sz="3200" dirty="0">
+              <a:rPr lang="en-US" altLang="ko-KR" sz="2954" dirty="0">
                 <a:solidFill>
                   <a:schemeClr val="tx1">
                     <a:lumMod val="85000"/>
@@ -8341,7 +8170,7 @@
               <a:t>2, </a:t>
             </a:r>
             <a:r>
-              <a:rPr lang="ko-KR" altLang="en-US" sz="3200" dirty="0">
+              <a:rPr lang="ko-KR" altLang="en-US" sz="2954" dirty="0">
                 <a:solidFill>
                   <a:schemeClr val="tx1">
                     <a:lumMod val="85000"/>
@@ -8354,7 +8183,7 @@
               <a:t>값</a:t>
             </a:r>
             <a:r>
-              <a:rPr lang="en-US" altLang="ko-KR" sz="3200" dirty="0">
+              <a:rPr lang="en-US" altLang="ko-KR" sz="2954" dirty="0">
                 <a:solidFill>
                   <a:schemeClr val="tx1">
                     <a:lumMod val="85000"/>
@@ -8433,8 +8262,8 @@
         </p:nvSpPr>
         <p:spPr>
           <a:xfrm>
-            <a:off x="3142248" y="1268760"/>
-            <a:ext cx="3621504" cy="830997"/>
+            <a:off x="2896702" y="1434932"/>
+            <a:ext cx="3350597" cy="774186"/>
           </a:xfrm>
           <a:prstGeom prst="rect">
             <a:avLst/>
@@ -8449,7 +8278,7 @@
           <a:p>
             <a:pPr algn="ctr"/>
             <a:r>
-              <a:rPr lang="ko-KR" altLang="en-US" sz="4800" dirty="0" err="1">
+              <a:rPr lang="ko-KR" altLang="en-US" sz="4431" dirty="0" err="1">
                 <a:solidFill>
                   <a:schemeClr val="tx1">
                     <a:lumMod val="85000"/>
@@ -8462,7 +8291,7 @@
               <a:t>튜플</a:t>
             </a:r>
             <a:r>
-              <a:rPr lang="en-US" altLang="ko-KR" sz="4800" dirty="0">
+              <a:rPr lang="en-US" altLang="ko-KR" sz="4431" dirty="0">
                 <a:solidFill>
                   <a:schemeClr val="tx1">
                     <a:lumMod val="85000"/>
@@ -8475,7 +8304,7 @@
               <a:t> </a:t>
             </a:r>
             <a:r>
-              <a:rPr lang="ko-KR" altLang="en-US" sz="4800" dirty="0">
+              <a:rPr lang="ko-KR" altLang="en-US" sz="4431" dirty="0">
                 <a:solidFill>
                   <a:schemeClr val="accent6">
                     <a:lumMod val="75000"/>
@@ -8486,7 +8315,7 @@
               </a:rPr>
               <a:t>생성하기</a:t>
             </a:r>
-            <a:endParaRPr lang="en-US" altLang="ko-KR" sz="4800" dirty="0">
+            <a:endParaRPr lang="en-US" altLang="ko-KR" sz="4431" dirty="0">
               <a:solidFill>
                 <a:schemeClr val="accent6">
                   <a:lumMod val="75000"/>
@@ -8512,8 +8341,8 @@
         </p:nvSpPr>
         <p:spPr>
           <a:xfrm>
-            <a:off x="272480" y="2948657"/>
-            <a:ext cx="4554452" cy="954107"/>
+            <a:off x="251521" y="2985607"/>
+            <a:ext cx="4201791" cy="887935"/>
           </a:xfrm>
           <a:prstGeom prst="rect">
             <a:avLst/>
@@ -8527,7 +8356,7 @@
           <a:lstStyle/>
           <a:p>
             <a:r>
-              <a:rPr lang="ko-KR" altLang="en-US" sz="2800" dirty="0" err="1">
+              <a:rPr lang="ko-KR" altLang="en-US" sz="2585" dirty="0" err="1">
                 <a:solidFill>
                   <a:schemeClr val="tx1">
                     <a:lumMod val="85000"/>
@@ -8540,7 +8369,7 @@
               <a:t>튜플이름</a:t>
             </a:r>
             <a:r>
-              <a:rPr lang="ko-KR" altLang="en-US" sz="2800" dirty="0">
+              <a:rPr lang="ko-KR" altLang="en-US" sz="2585" dirty="0">
                 <a:solidFill>
                   <a:schemeClr val="tx1">
                     <a:lumMod val="85000"/>
@@ -8553,7 +8382,7 @@
               <a:t> </a:t>
             </a:r>
             <a:r>
-              <a:rPr lang="en-US" altLang="ko-KR" sz="2800" dirty="0">
+              <a:rPr lang="en-US" altLang="ko-KR" sz="2585" dirty="0">
                 <a:solidFill>
                   <a:schemeClr val="tx1">
                     <a:lumMod val="85000"/>
@@ -8566,7 +8395,7 @@
               <a:t>= (</a:t>
             </a:r>
             <a:r>
-              <a:rPr lang="ko-KR" altLang="en-US" sz="2800" dirty="0">
+              <a:rPr lang="ko-KR" altLang="en-US" sz="2585" dirty="0">
                 <a:solidFill>
                   <a:schemeClr val="tx1">
                     <a:lumMod val="85000"/>
@@ -8579,7 +8408,7 @@
               <a:t>값</a:t>
             </a:r>
             <a:r>
-              <a:rPr lang="en-US" altLang="ko-KR" sz="2800" dirty="0">
+              <a:rPr lang="en-US" altLang="ko-KR" sz="2585" dirty="0">
                 <a:solidFill>
                   <a:schemeClr val="tx1">
                     <a:lumMod val="85000"/>
@@ -8592,7 +8421,7 @@
               <a:t>1, </a:t>
             </a:r>
             <a:r>
-              <a:rPr lang="ko-KR" altLang="en-US" sz="2800" dirty="0">
+              <a:rPr lang="ko-KR" altLang="en-US" sz="2585" dirty="0">
                 <a:solidFill>
                   <a:schemeClr val="tx1">
                     <a:lumMod val="85000"/>
@@ -8605,7 +8434,7 @@
               <a:t>값</a:t>
             </a:r>
             <a:r>
-              <a:rPr lang="en-US" altLang="ko-KR" sz="2800" dirty="0">
+              <a:rPr lang="en-US" altLang="ko-KR" sz="2585" dirty="0">
                 <a:solidFill>
                   <a:schemeClr val="tx1">
                     <a:lumMod val="85000"/>
@@ -8618,7 +8447,7 @@
               <a:t>2, </a:t>
             </a:r>
             <a:r>
-              <a:rPr lang="ko-KR" altLang="en-US" sz="2800" dirty="0">
+              <a:rPr lang="ko-KR" altLang="en-US" sz="2585" dirty="0">
                 <a:solidFill>
                   <a:schemeClr val="tx1">
                     <a:lumMod val="85000"/>
@@ -8631,7 +8460,7 @@
               <a:t>값</a:t>
             </a:r>
             <a:r>
-              <a:rPr lang="en-US" altLang="ko-KR" sz="2800" dirty="0">
+              <a:rPr lang="en-US" altLang="ko-KR" sz="2585" dirty="0">
                 <a:solidFill>
                   <a:schemeClr val="tx1">
                     <a:lumMod val="85000"/>
@@ -8646,7 +8475,7 @@
           </a:p>
           <a:p>
             <a:r>
-              <a:rPr lang="ko-KR" altLang="en-US" sz="2800" dirty="0" err="1">
+              <a:rPr lang="ko-KR" altLang="en-US" sz="2585" dirty="0" err="1">
                 <a:solidFill>
                   <a:schemeClr val="tx1">
                     <a:lumMod val="85000"/>
@@ -8659,7 +8488,7 @@
               <a:t>튜플이름</a:t>
             </a:r>
             <a:r>
-              <a:rPr lang="ko-KR" altLang="en-US" sz="2800" dirty="0">
+              <a:rPr lang="ko-KR" altLang="en-US" sz="2585" dirty="0">
                 <a:solidFill>
                   <a:schemeClr val="tx1">
                     <a:lumMod val="85000"/>
@@ -8672,7 +8501,7 @@
               <a:t> </a:t>
             </a:r>
             <a:r>
-              <a:rPr lang="en-US" altLang="ko-KR" sz="2800" dirty="0">
+              <a:rPr lang="en-US" altLang="ko-KR" sz="2585" dirty="0">
                 <a:solidFill>
                   <a:schemeClr val="tx1">
                     <a:lumMod val="85000"/>
@@ -8685,7 +8514,7 @@
               <a:t>= </a:t>
             </a:r>
             <a:r>
-              <a:rPr lang="ko-KR" altLang="en-US" sz="2800" dirty="0">
+              <a:rPr lang="ko-KR" altLang="en-US" sz="2585" dirty="0">
                 <a:solidFill>
                   <a:schemeClr val="tx1">
                     <a:lumMod val="85000"/>
@@ -8698,7 +8527,7 @@
               <a:t>값</a:t>
             </a:r>
             <a:r>
-              <a:rPr lang="en-US" altLang="ko-KR" sz="2800" dirty="0">
+              <a:rPr lang="en-US" altLang="ko-KR" sz="2585" dirty="0">
                 <a:solidFill>
                   <a:schemeClr val="tx1">
                     <a:lumMod val="85000"/>
@@ -8711,7 +8540,7 @@
               <a:t>1, </a:t>
             </a:r>
             <a:r>
-              <a:rPr lang="ko-KR" altLang="en-US" sz="2800" dirty="0">
+              <a:rPr lang="ko-KR" altLang="en-US" sz="2585" dirty="0">
                 <a:solidFill>
                   <a:schemeClr val="tx1">
                     <a:lumMod val="85000"/>
@@ -8724,7 +8553,7 @@
               <a:t>값</a:t>
             </a:r>
             <a:r>
-              <a:rPr lang="en-US" altLang="ko-KR" sz="2800" dirty="0">
+              <a:rPr lang="en-US" altLang="ko-KR" sz="2585" dirty="0">
                 <a:solidFill>
                   <a:schemeClr val="tx1">
                     <a:lumMod val="85000"/>
@@ -8737,7 +8566,7 @@
               <a:t>2, </a:t>
             </a:r>
             <a:r>
-              <a:rPr lang="ko-KR" altLang="en-US" sz="2800" dirty="0">
+              <a:rPr lang="ko-KR" altLang="en-US" sz="2585" dirty="0">
                 <a:solidFill>
                   <a:schemeClr val="tx1">
                     <a:lumMod val="85000"/>
@@ -8750,7 +8579,7 @@
               <a:t>값</a:t>
             </a:r>
             <a:r>
-              <a:rPr lang="en-US" altLang="ko-KR" sz="2800" dirty="0">
+              <a:rPr lang="en-US" altLang="ko-KR" sz="2585" dirty="0">
                 <a:solidFill>
                   <a:schemeClr val="tx1">
                     <a:lumMod val="85000"/>
@@ -8779,8 +8608,8 @@
         </p:nvSpPr>
         <p:spPr>
           <a:xfrm>
-            <a:off x="5700964" y="2951946"/>
-            <a:ext cx="3471848" cy="954107"/>
+            <a:off x="5262429" y="2988643"/>
+            <a:ext cx="3212803" cy="887935"/>
           </a:xfrm>
           <a:prstGeom prst="rect">
             <a:avLst/>
@@ -8794,7 +8623,7 @@
           <a:lstStyle/>
           <a:p>
             <a:r>
-              <a:rPr lang="en-US" altLang="ko-KR" sz="2800" dirty="0" err="1">
+              <a:rPr lang="en-US" altLang="ko-KR" sz="2585" dirty="0" err="1">
                 <a:solidFill>
                   <a:schemeClr val="tx1">
                     <a:lumMod val="85000"/>
@@ -8807,7 +8636,7 @@
               <a:t>tuple_a</a:t>
             </a:r>
             <a:r>
-              <a:rPr lang="ko-KR" altLang="en-US" sz="2800" dirty="0">
+              <a:rPr lang="ko-KR" altLang="en-US" sz="2585" dirty="0">
                 <a:solidFill>
                   <a:schemeClr val="tx1">
                     <a:lumMod val="85000"/>
@@ -8820,7 +8649,7 @@
               <a:t> </a:t>
             </a:r>
             <a:r>
-              <a:rPr lang="en-US" altLang="ko-KR" sz="2800" dirty="0">
+              <a:rPr lang="en-US" altLang="ko-KR" sz="2585" dirty="0">
                 <a:solidFill>
                   <a:schemeClr val="tx1">
                     <a:lumMod val="85000"/>
@@ -8835,7 +8664,7 @@
           </a:p>
           <a:p>
             <a:r>
-              <a:rPr lang="en-US" altLang="ko-KR" sz="2800" dirty="0" err="1">
+              <a:rPr lang="en-US" altLang="ko-KR" sz="2585" dirty="0" err="1">
                 <a:solidFill>
                   <a:schemeClr val="tx1">
                     <a:lumMod val="85000"/>
@@ -8848,7 +8677,7 @@
               <a:t>tuple_b</a:t>
             </a:r>
             <a:r>
-              <a:rPr lang="ko-KR" altLang="en-US" sz="2800" dirty="0">
+              <a:rPr lang="ko-KR" altLang="en-US" sz="2585" dirty="0">
                 <a:solidFill>
                   <a:schemeClr val="tx1">
                     <a:lumMod val="85000"/>
@@ -8861,7 +8690,7 @@
               <a:t> </a:t>
             </a:r>
             <a:r>
-              <a:rPr lang="en-US" altLang="ko-KR" sz="2800" dirty="0">
+              <a:rPr lang="en-US" altLang="ko-KR" sz="2585" dirty="0">
                 <a:solidFill>
                   <a:schemeClr val="tx1">
                     <a:lumMod val="85000"/>
@@ -8940,8 +8769,8 @@
         </p:nvSpPr>
         <p:spPr>
           <a:xfrm>
-            <a:off x="3142248" y="1268760"/>
-            <a:ext cx="3621504" cy="830997"/>
+            <a:off x="2896702" y="1434932"/>
+            <a:ext cx="3350597" cy="774186"/>
           </a:xfrm>
           <a:prstGeom prst="rect">
             <a:avLst/>
@@ -8956,7 +8785,7 @@
           <a:p>
             <a:pPr algn="ctr"/>
             <a:r>
-              <a:rPr lang="ko-KR" altLang="en-US" sz="4800" dirty="0" err="1">
+              <a:rPr lang="ko-KR" altLang="en-US" sz="4431" dirty="0" err="1">
                 <a:solidFill>
                   <a:schemeClr val="tx1">
                     <a:lumMod val="85000"/>
@@ -8969,7 +8798,7 @@
               <a:t>튜플</a:t>
             </a:r>
             <a:r>
-              <a:rPr lang="en-US" altLang="ko-KR" sz="4800" dirty="0">
+              <a:rPr lang="en-US" altLang="ko-KR" sz="4431" dirty="0">
                 <a:solidFill>
                   <a:schemeClr val="tx1">
                     <a:lumMod val="85000"/>
@@ -8982,7 +8811,7 @@
               <a:t> </a:t>
             </a:r>
             <a:r>
-              <a:rPr lang="ko-KR" altLang="en-US" sz="4800" dirty="0">
+              <a:rPr lang="ko-KR" altLang="en-US" sz="4431" dirty="0">
                 <a:solidFill>
                   <a:schemeClr val="accent6">
                     <a:lumMod val="75000"/>
@@ -8993,7 +8822,7 @@
               </a:rPr>
               <a:t>생성하기</a:t>
             </a:r>
-            <a:endParaRPr lang="en-US" altLang="ko-KR" sz="4800" dirty="0">
+            <a:endParaRPr lang="en-US" altLang="ko-KR" sz="4431" dirty="0">
               <a:solidFill>
                 <a:schemeClr val="accent6">
                   <a:lumMod val="75000"/>
@@ -9019,8 +8848,8 @@
         </p:nvSpPr>
         <p:spPr>
           <a:xfrm>
-            <a:off x="2851014" y="2890391"/>
-            <a:ext cx="4203972" cy="1077218"/>
+            <a:off x="2631706" y="2931823"/>
+            <a:ext cx="3898055" cy="1001556"/>
           </a:xfrm>
           <a:prstGeom prst="rect">
             <a:avLst/>
@@ -9034,7 +8863,7 @@
           <a:lstStyle/>
           <a:p>
             <a:r>
-              <a:rPr lang="en-US" altLang="ko-KR" sz="3200" dirty="0" err="1">
+              <a:rPr lang="en-US" altLang="ko-KR" sz="2954" dirty="0" err="1">
                 <a:solidFill>
                   <a:schemeClr val="tx1">
                     <a:lumMod val="85000"/>
@@ -9047,7 +8876,7 @@
               <a:t>list_a</a:t>
             </a:r>
             <a:r>
-              <a:rPr lang="en-US" altLang="ko-KR" sz="3200" dirty="0">
+              <a:rPr lang="en-US" altLang="ko-KR" sz="2954" dirty="0">
                 <a:solidFill>
                   <a:schemeClr val="tx1">
                     <a:lumMod val="85000"/>
@@ -9062,7 +8891,7 @@
           </a:p>
           <a:p>
             <a:r>
-              <a:rPr lang="en-US" altLang="ko-KR" sz="3200" dirty="0" err="1">
+              <a:rPr lang="en-US" altLang="ko-KR" sz="2954" dirty="0" err="1">
                 <a:solidFill>
                   <a:schemeClr val="tx1">
                     <a:lumMod val="85000"/>
@@ -9075,7 +8904,7 @@
               <a:t>tuple_c</a:t>
             </a:r>
             <a:r>
-              <a:rPr lang="en-US" altLang="ko-KR" sz="3200" dirty="0">
+              <a:rPr lang="en-US" altLang="ko-KR" sz="2954" dirty="0">
                 <a:solidFill>
                   <a:schemeClr val="tx1">
                     <a:lumMod val="85000"/>
@@ -9088,7 +8917,7 @@
               <a:t> = tuple(</a:t>
             </a:r>
             <a:r>
-              <a:rPr lang="en-US" altLang="ko-KR" sz="3200" dirty="0" err="1">
+              <a:rPr lang="en-US" altLang="ko-KR" sz="2954" dirty="0" err="1">
                 <a:solidFill>
                   <a:schemeClr val="tx1">
                     <a:lumMod val="85000"/>
@@ -9101,7 +8930,7 @@
               <a:t>list_a</a:t>
             </a:r>
             <a:r>
-              <a:rPr lang="en-US" altLang="ko-KR" sz="3200" dirty="0">
+              <a:rPr lang="en-US" altLang="ko-KR" sz="2954" dirty="0">
                 <a:solidFill>
                   <a:schemeClr val="tx1">
                     <a:lumMod val="85000"/>
@@ -9180,8 +9009,8 @@
         </p:nvSpPr>
         <p:spPr>
           <a:xfrm>
-            <a:off x="2867334" y="3013502"/>
-            <a:ext cx="4171335" cy="830997"/>
+            <a:off x="2643428" y="3045464"/>
+            <a:ext cx="3857146" cy="774186"/>
           </a:xfrm>
           <a:prstGeom prst="rect">
             <a:avLst/>
@@ -9196,7 +9025,7 @@
           <a:p>
             <a:pPr algn="ctr"/>
             <a:r>
-              <a:rPr lang="ko-KR" altLang="en-US" sz="4800" dirty="0" err="1">
+              <a:rPr lang="ko-KR" altLang="en-US" sz="4431" dirty="0" err="1">
                 <a:solidFill>
                   <a:schemeClr val="tx1">
                     <a:lumMod val="85000"/>
@@ -9209,7 +9038,7 @@
               <a:t>튜플</a:t>
             </a:r>
             <a:r>
-              <a:rPr lang="en-US" altLang="ko-KR" sz="4800" dirty="0">
+              <a:rPr lang="en-US" altLang="ko-KR" sz="4431" dirty="0">
                 <a:solidFill>
                   <a:schemeClr val="tx1">
                     <a:lumMod val="85000"/>
@@ -9222,7 +9051,7 @@
               <a:t> </a:t>
             </a:r>
             <a:r>
-              <a:rPr lang="ko-KR" altLang="en-US" sz="4800" dirty="0">
+              <a:rPr lang="ko-KR" altLang="en-US" sz="4431" dirty="0">
                 <a:solidFill>
                   <a:schemeClr val="accent6">
                     <a:lumMod val="75000"/>
@@ -9234,7 +9063,7 @@
               <a:t>사용 이유</a:t>
             </a:r>
             <a:r>
-              <a:rPr lang="en-US" altLang="ko-KR" sz="4800" dirty="0">
+              <a:rPr lang="en-US" altLang="ko-KR" sz="4431" dirty="0">
                 <a:solidFill>
                   <a:schemeClr val="accent6">
                     <a:lumMod val="75000"/>
@@ -9245,7 +9074,7 @@
               </a:rPr>
               <a:t>?</a:t>
             </a:r>
-            <a:endParaRPr lang="en-US" altLang="ko-KR" sz="3200" dirty="0">
+            <a:endParaRPr lang="en-US" altLang="ko-KR" sz="2954" dirty="0">
               <a:solidFill>
                 <a:schemeClr val="accent6">
                   <a:lumMod val="75000"/>
@@ -9321,8 +9150,8 @@
         </p:nvSpPr>
         <p:spPr>
           <a:xfrm>
-            <a:off x="2867332" y="1268760"/>
-            <a:ext cx="4171335" cy="830997"/>
+            <a:off x="2643426" y="1434932"/>
+            <a:ext cx="3857146" cy="774186"/>
           </a:xfrm>
           <a:prstGeom prst="rect">
             <a:avLst/>
@@ -9337,7 +9166,7 @@
           <a:p>
             <a:pPr algn="ctr"/>
             <a:r>
-              <a:rPr lang="ko-KR" altLang="en-US" sz="4800" dirty="0" err="1">
+              <a:rPr lang="ko-KR" altLang="en-US" sz="4431" dirty="0" err="1">
                 <a:solidFill>
                   <a:schemeClr val="tx1">
                     <a:lumMod val="85000"/>
@@ -9350,7 +9179,7 @@
               <a:t>튜플</a:t>
             </a:r>
             <a:r>
-              <a:rPr lang="en-US" altLang="ko-KR" sz="4800" dirty="0">
+              <a:rPr lang="en-US" altLang="ko-KR" sz="4431" dirty="0">
                 <a:solidFill>
                   <a:schemeClr val="tx1">
                     <a:lumMod val="85000"/>
@@ -9363,7 +9192,7 @@
               <a:t> </a:t>
             </a:r>
             <a:r>
-              <a:rPr lang="ko-KR" altLang="en-US" sz="4800" dirty="0">
+              <a:rPr lang="ko-KR" altLang="en-US" sz="4431" dirty="0">
                 <a:solidFill>
                   <a:schemeClr val="accent6">
                     <a:lumMod val="75000"/>
@@ -9375,7 +9204,7 @@
               <a:t>사용 이유</a:t>
             </a:r>
             <a:r>
-              <a:rPr lang="en-US" altLang="ko-KR" sz="4800" dirty="0">
+              <a:rPr lang="en-US" altLang="ko-KR" sz="4431" dirty="0">
                 <a:solidFill>
                   <a:schemeClr val="accent6">
                     <a:lumMod val="75000"/>
@@ -9386,7 +9215,7 @@
               </a:rPr>
               <a:t>?</a:t>
             </a:r>
-            <a:endParaRPr lang="en-US" altLang="ko-KR" sz="3200" dirty="0">
+            <a:endParaRPr lang="en-US" altLang="ko-KR" sz="2954" dirty="0">
               <a:solidFill>
                 <a:schemeClr val="accent6">
                   <a:lumMod val="75000"/>
@@ -9412,8 +9241,8 @@
         </p:nvSpPr>
         <p:spPr>
           <a:xfrm>
-            <a:off x="2042587" y="3013501"/>
-            <a:ext cx="5820824" cy="2062103"/>
+            <a:off x="1885466" y="3045463"/>
+            <a:ext cx="5401159" cy="1910779"/>
           </a:xfrm>
           <a:prstGeom prst="rect">
             <a:avLst/>
@@ -9426,11 +9255,11 @@
           </a:bodyPr>
           <a:lstStyle/>
           <a:p>
-            <a:pPr marL="514350" indent="-514350">
+            <a:pPr marL="474796" indent="-474796">
               <a:buAutoNum type="arabicPeriod"/>
             </a:pPr>
             <a:r>
-              <a:rPr lang="ko-KR" altLang="en-US" sz="3200" dirty="0">
+              <a:rPr lang="ko-KR" altLang="en-US" sz="2954" dirty="0">
                 <a:solidFill>
                   <a:schemeClr val="tx1">
                     <a:lumMod val="85000"/>
@@ -9443,7 +9272,7 @@
               <a:t>리스트에 비해 </a:t>
             </a:r>
             <a:r>
-              <a:rPr lang="ko-KR" altLang="en-US" sz="3200" dirty="0">
+              <a:rPr lang="ko-KR" altLang="en-US" sz="2954" dirty="0">
                 <a:solidFill>
                   <a:schemeClr val="accent6">
                     <a:lumMod val="75000"/>
@@ -9454,7 +9283,7 @@
               </a:rPr>
               <a:t>작은 메모리 사용</a:t>
             </a:r>
-            <a:endParaRPr lang="en-US" altLang="ko-KR" sz="3200" dirty="0">
+            <a:endParaRPr lang="en-US" altLang="ko-KR" sz="2954" dirty="0">
               <a:solidFill>
                 <a:schemeClr val="accent6">
                   <a:lumMod val="75000"/>
@@ -9465,11 +9294,11 @@
             </a:endParaRPr>
           </a:p>
           <a:p>
-            <a:pPr marL="514350" indent="-514350">
+            <a:pPr marL="474796" indent="-474796">
               <a:buAutoNum type="arabicPeriod"/>
             </a:pPr>
             <a:r>
-              <a:rPr lang="ko-KR" altLang="en-US" sz="3200" dirty="0">
+              <a:rPr lang="ko-KR" altLang="en-US" sz="2954" dirty="0">
                 <a:solidFill>
                   <a:schemeClr val="tx1">
                     <a:lumMod val="85000"/>
@@ -9482,7 +9311,7 @@
               <a:t>리스트에 비해 </a:t>
             </a:r>
             <a:r>
-              <a:rPr lang="ko-KR" altLang="en-US" sz="3200" dirty="0">
+              <a:rPr lang="ko-KR" altLang="en-US" sz="2954" dirty="0">
                 <a:solidFill>
                   <a:schemeClr val="accent6">
                     <a:lumMod val="75000"/>
@@ -9493,7 +9322,7 @@
               </a:rPr>
               <a:t>속도가 빠르다</a:t>
             </a:r>
-            <a:endParaRPr lang="en-US" altLang="ko-KR" sz="3200" dirty="0">
+            <a:endParaRPr lang="en-US" altLang="ko-KR" sz="2954" dirty="0">
               <a:solidFill>
                 <a:schemeClr val="accent6">
                   <a:lumMod val="75000"/>
@@ -9504,11 +9333,11 @@
             </a:endParaRPr>
           </a:p>
           <a:p>
-            <a:pPr marL="514350" indent="-514350">
+            <a:pPr marL="474796" indent="-474796">
               <a:buAutoNum type="arabicPeriod"/>
             </a:pPr>
             <a:r>
-              <a:rPr lang="ko-KR" altLang="en-US" sz="3200" dirty="0">
+              <a:rPr lang="ko-KR" altLang="en-US" sz="2954" dirty="0">
                 <a:solidFill>
                   <a:schemeClr val="accent6">
                     <a:lumMod val="75000"/>
@@ -9520,7 +9349,7 @@
               <a:t>읽기 전용</a:t>
             </a:r>
             <a:r>
-              <a:rPr lang="en-US" altLang="ko-KR" sz="3200" dirty="0">
+              <a:rPr lang="en-US" altLang="ko-KR" sz="2954" dirty="0">
                 <a:solidFill>
                   <a:schemeClr val="accent6">
                     <a:lumMod val="75000"/>
@@ -9532,7 +9361,7 @@
               <a:t>, </a:t>
             </a:r>
             <a:r>
-              <a:rPr lang="ko-KR" altLang="en-US" sz="3200" dirty="0">
+              <a:rPr lang="ko-KR" altLang="en-US" sz="2954" dirty="0">
                 <a:solidFill>
                   <a:schemeClr val="tx1">
                     <a:lumMod val="85000"/>
@@ -9544,7 +9373,7 @@
               </a:rPr>
               <a:t>손상될 염려가 없다</a:t>
             </a:r>
-            <a:endParaRPr lang="en-US" altLang="ko-KR" sz="3200" dirty="0">
+            <a:endParaRPr lang="en-US" altLang="ko-KR" sz="2954" dirty="0">
               <a:solidFill>
                 <a:schemeClr val="tx1">
                   <a:lumMod val="85000"/>
@@ -9556,11 +9385,11 @@
             </a:endParaRPr>
           </a:p>
           <a:p>
-            <a:pPr marL="514350" indent="-514350">
+            <a:pPr marL="474796" indent="-474796">
               <a:buAutoNum type="arabicPeriod"/>
             </a:pPr>
             <a:r>
-              <a:rPr lang="ko-KR" altLang="en-US" sz="3200" dirty="0">
+              <a:rPr lang="ko-KR" altLang="en-US" sz="2954" dirty="0">
                 <a:solidFill>
                   <a:schemeClr val="accent6">
                     <a:lumMod val="75000"/>
@@ -9572,7 +9401,7 @@
               <a:t>가변함수인자로 </a:t>
             </a:r>
             <a:r>
-              <a:rPr lang="ko-KR" altLang="en-US" sz="3200" dirty="0">
+              <a:rPr lang="ko-KR" altLang="en-US" sz="2954" dirty="0">
                 <a:solidFill>
                   <a:schemeClr val="tx1">
                     <a:lumMod val="85000"/>
@@ -9584,7 +9413,7 @@
               </a:rPr>
               <a:t>사용</a:t>
             </a:r>
-            <a:endParaRPr lang="en-US" altLang="ko-KR" sz="3200" dirty="0">
+            <a:endParaRPr lang="en-US" altLang="ko-KR" sz="2954" dirty="0">
               <a:solidFill>
                 <a:schemeClr val="tx1">
                   <a:lumMod val="85000"/>
@@ -9661,8 +9490,8 @@
         </p:nvSpPr>
         <p:spPr>
           <a:xfrm>
-            <a:off x="2558755" y="1124744"/>
-            <a:ext cx="4788490" cy="1077218"/>
+            <a:off x="2349276" y="1301995"/>
+            <a:ext cx="4445448" cy="1001556"/>
           </a:xfrm>
           <a:prstGeom prst="rect">
             <a:avLst/>
@@ -9677,7 +9506,7 @@
           <a:p>
             <a:pPr algn="ctr"/>
             <a:r>
-              <a:rPr lang="en-US" altLang="ko-KR" sz="3200" dirty="0">
+              <a:rPr lang="en-US" altLang="ko-KR" sz="2954" dirty="0">
                 <a:solidFill>
                   <a:schemeClr val="tx1">
                     <a:lumMod val="85000"/>
@@ -9690,7 +9519,7 @@
               <a:t>Q) </a:t>
             </a:r>
             <a:r>
-              <a:rPr lang="ko-KR" altLang="en-US" sz="3200" dirty="0">
+              <a:rPr lang="ko-KR" altLang="en-US" sz="2954" dirty="0">
                 <a:solidFill>
                   <a:schemeClr val="tx1">
                     <a:lumMod val="85000"/>
@@ -9702,7 +9531,7 @@
               </a:rPr>
               <a:t>다음 코드를 작성해 보고 </a:t>
             </a:r>
-            <a:endParaRPr lang="en-US" altLang="ko-KR" sz="3200" dirty="0">
+            <a:endParaRPr lang="en-US" altLang="ko-KR" sz="2954" dirty="0">
               <a:solidFill>
                 <a:schemeClr val="tx1">
                   <a:lumMod val="85000"/>
@@ -9716,7 +9545,7 @@
           <a:p>
             <a:pPr algn="ctr"/>
             <a:r>
-              <a:rPr lang="ko-KR" altLang="en-US" sz="3200" dirty="0">
+              <a:rPr lang="ko-KR" altLang="en-US" sz="2954" dirty="0">
                 <a:solidFill>
                   <a:schemeClr val="tx1">
                     <a:lumMod val="85000"/>
@@ -9729,7 +9558,7 @@
               <a:t>실행결과를 확인해 보세요</a:t>
             </a:r>
             <a:r>
-              <a:rPr lang="en-US" altLang="ko-KR" sz="3200" dirty="0">
+              <a:rPr lang="en-US" altLang="ko-KR" sz="2954" dirty="0">
                 <a:solidFill>
                   <a:schemeClr val="tx1">
                     <a:lumMod val="85000"/>
@@ -9758,8 +9587,8 @@
         </p:nvSpPr>
         <p:spPr>
           <a:xfrm>
-            <a:off x="2476500" y="3093074"/>
-            <a:ext cx="4953000" cy="671851"/>
+            <a:off x="2286000" y="3118915"/>
+            <a:ext cx="4572000" cy="627223"/>
           </a:xfrm>
           <a:prstGeom prst="rect">
             <a:avLst/>
@@ -9778,101 +9607,91 @@
           <a:lstStyle/>
           <a:p>
             <a:r>
-              <a:rPr lang="en-US" altLang="ko-KR" b="0" dirty="0" err="1">
+              <a:rPr lang="en-US" altLang="ko-KR" sz="1738" dirty="0" err="1">
                 <a:solidFill>
                   <a:srgbClr val="D4D4D4"/>
                 </a:solidFill>
-                <a:effectLst/>
                 <a:latin typeface="Consolas" panose="020B0609020204030204" pitchFamily="49" charset="0"/>
               </a:rPr>
               <a:t>tuple_a</a:t>
             </a:r>
             <a:r>
-              <a:rPr lang="en-US" altLang="ko-KR" b="0" dirty="0">
+              <a:rPr lang="en-US" altLang="ko-KR" sz="1738" dirty="0">
                 <a:solidFill>
                   <a:srgbClr val="D4D4D4"/>
                 </a:solidFill>
-                <a:effectLst/>
                 <a:latin typeface="Consolas" panose="020B0609020204030204" pitchFamily="49" charset="0"/>
               </a:rPr>
               <a:t> = (</a:t>
             </a:r>
             <a:r>
-              <a:rPr lang="en-US" altLang="ko-KR" b="0" dirty="0">
+              <a:rPr lang="en-US" altLang="ko-KR" sz="1738" dirty="0">
                 <a:solidFill>
                   <a:srgbClr val="B5CEA8"/>
                 </a:solidFill>
-                <a:effectLst/>
                 <a:latin typeface="Consolas" panose="020B0609020204030204" pitchFamily="49" charset="0"/>
               </a:rPr>
               <a:t>1</a:t>
             </a:r>
             <a:r>
-              <a:rPr lang="en-US" altLang="ko-KR" b="0" dirty="0">
+              <a:rPr lang="en-US" altLang="ko-KR" sz="1738" dirty="0">
                 <a:solidFill>
                   <a:srgbClr val="D4D4D4"/>
                 </a:solidFill>
-                <a:effectLst/>
                 <a:latin typeface="Consolas" panose="020B0609020204030204" pitchFamily="49" charset="0"/>
               </a:rPr>
               <a:t>,</a:t>
             </a:r>
             <a:r>
-              <a:rPr lang="en-US" altLang="ko-KR" b="0" dirty="0">
+              <a:rPr lang="en-US" altLang="ko-KR" sz="1738" dirty="0">
                 <a:solidFill>
                   <a:srgbClr val="B5CEA8"/>
                 </a:solidFill>
-                <a:effectLst/>
                 <a:latin typeface="Consolas" panose="020B0609020204030204" pitchFamily="49" charset="0"/>
               </a:rPr>
               <a:t>2</a:t>
             </a:r>
             <a:r>
-              <a:rPr lang="en-US" altLang="ko-KR" b="0" dirty="0">
+              <a:rPr lang="en-US" altLang="ko-KR" sz="1738" dirty="0">
                 <a:solidFill>
                   <a:srgbClr val="D4D4D4"/>
                 </a:solidFill>
-                <a:effectLst/>
                 <a:latin typeface="Consolas" panose="020B0609020204030204" pitchFamily="49" charset="0"/>
               </a:rPr>
               <a:t>,</a:t>
             </a:r>
             <a:r>
-              <a:rPr lang="en-US" altLang="ko-KR" b="0" dirty="0">
+              <a:rPr lang="en-US" altLang="ko-KR" sz="1738" dirty="0">
                 <a:solidFill>
                   <a:srgbClr val="B5CEA8"/>
                 </a:solidFill>
-                <a:effectLst/>
                 <a:latin typeface="Consolas" panose="020B0609020204030204" pitchFamily="49" charset="0"/>
               </a:rPr>
               <a:t>3</a:t>
             </a:r>
             <a:r>
-              <a:rPr lang="en-US" altLang="ko-KR" b="0" dirty="0">
+              <a:rPr lang="en-US" altLang="ko-KR" sz="1738" dirty="0">
                 <a:solidFill>
                   <a:srgbClr val="D4D4D4"/>
                 </a:solidFill>
-                <a:effectLst/>
                 <a:latin typeface="Consolas" panose="020B0609020204030204" pitchFamily="49" charset="0"/>
               </a:rPr>
               <a:t>,</a:t>
             </a:r>
             <a:r>
-              <a:rPr lang="en-US" altLang="ko-KR" b="0" dirty="0">
+              <a:rPr lang="en-US" altLang="ko-KR" sz="1738" dirty="0">
                 <a:solidFill>
                   <a:srgbClr val="B5CEA8"/>
                 </a:solidFill>
-                <a:effectLst/>
                 <a:latin typeface="Consolas" panose="020B0609020204030204" pitchFamily="49" charset="0"/>
               </a:rPr>
               <a:t>4</a:t>
             </a:r>
             <a:r>
-              <a:rPr lang="en-US" altLang="ko-KR" b="0" dirty="0">
+              <a:rPr lang="en-US" altLang="ko-KR" sz="1738" dirty="0">
                 <a:solidFill>
                   <a:srgbClr val="D4D4D4"/>
                 </a:solidFill>
-                <a:effectLst/>
                 <a:latin typeface="Consolas" panose="020B0609020204030204" pitchFamily="49" charset="0"/>
               </a:rPr>
               <a:t>)</a:t>
@@ -9880,60 +9699,54 @@
           </a:p>
           <a:p>
             <a:r>
-              <a:rPr lang="en-US" altLang="ko-KR" b="0" dirty="0" err="1">
+              <a:rPr lang="en-US" altLang="ko-KR" sz="1738" dirty="0" err="1">
                 <a:solidFill>
                   <a:srgbClr val="D4D4D4"/>
                 </a:solidFill>
-                <a:effectLst/>
                 <a:latin typeface="Consolas" panose="020B0609020204030204" pitchFamily="49" charset="0"/>
               </a:rPr>
               <a:t>tuple_a</a:t>
             </a:r>
             <a:r>
-              <a:rPr lang="en-US" altLang="ko-KR" b="0" dirty="0">
+              <a:rPr lang="en-US" altLang="ko-KR" sz="1738" dirty="0">
                 <a:solidFill>
                   <a:srgbClr val="D4D4D4"/>
                 </a:solidFill>
-                <a:effectLst/>
                 <a:latin typeface="Consolas" panose="020B0609020204030204" pitchFamily="49" charset="0"/>
               </a:rPr>
               <a:t>[</a:t>
             </a:r>
             <a:r>
-              <a:rPr lang="en-US" altLang="ko-KR" b="0" dirty="0">
+              <a:rPr lang="en-US" altLang="ko-KR" sz="1738" dirty="0">
                 <a:solidFill>
                   <a:srgbClr val="B5CEA8"/>
                 </a:solidFill>
-                <a:effectLst/>
                 <a:latin typeface="Consolas" panose="020B0609020204030204" pitchFamily="49" charset="0"/>
               </a:rPr>
               <a:t>0</a:t>
             </a:r>
             <a:r>
-              <a:rPr lang="en-US" altLang="ko-KR" b="0" dirty="0">
+              <a:rPr lang="en-US" altLang="ko-KR" sz="1738" dirty="0">
                 <a:solidFill>
                   <a:srgbClr val="D4D4D4"/>
                 </a:solidFill>
-                <a:effectLst/>
                 <a:latin typeface="Consolas" panose="020B0609020204030204" pitchFamily="49" charset="0"/>
               </a:rPr>
               <a:t>] = </a:t>
             </a:r>
             <a:r>
-              <a:rPr lang="en-US" altLang="ko-KR" b="0" dirty="0">
+              <a:rPr lang="en-US" altLang="ko-KR" sz="1738" dirty="0">
                 <a:solidFill>
                   <a:srgbClr val="B5CEA8"/>
                 </a:solidFill>
-                <a:effectLst/>
                 <a:latin typeface="Consolas" panose="020B0609020204030204" pitchFamily="49" charset="0"/>
               </a:rPr>
               <a:t>5</a:t>
             </a:r>
-            <a:endParaRPr lang="en-US" altLang="ko-KR" b="0" dirty="0">
+            <a:endParaRPr lang="en-US" altLang="ko-KR" sz="1738" dirty="0">
               <a:solidFill>
                 <a:srgbClr val="D4D4D4"/>
               </a:solidFill>
-              <a:effectLst/>
               <a:latin typeface="Consolas" panose="020B0609020204030204" pitchFamily="49" charset="0"/>
             </a:endParaRPr>
           </a:p>
